--- a/Documentation/final.pptx
+++ b/Documentation/final.pptx
@@ -4,6 +4,9 @@
   <p:sldMasterIdLst>
     <p:sldMasterId id="2147483756" r:id="rId1"/>
   </p:sldMasterIdLst>
+  <p:notesMasterIdLst>
+    <p:notesMasterId r:id="rId21"/>
+  </p:notesMasterIdLst>
   <p:sldIdLst>
     <p:sldId id="257" r:id="rId2"/>
     <p:sldId id="265" r:id="rId3"/>
@@ -11,18 +14,19 @@
     <p:sldId id="260" r:id="rId5"/>
     <p:sldId id="261" r:id="rId6"/>
     <p:sldId id="262" r:id="rId7"/>
-    <p:sldId id="263" r:id="rId8"/>
-    <p:sldId id="267" r:id="rId9"/>
-    <p:sldId id="268" r:id="rId10"/>
-    <p:sldId id="269" r:id="rId11"/>
-    <p:sldId id="270" r:id="rId12"/>
-    <p:sldId id="271" r:id="rId13"/>
-    <p:sldId id="272" r:id="rId14"/>
-    <p:sldId id="273" r:id="rId15"/>
-    <p:sldId id="274" r:id="rId16"/>
-    <p:sldId id="275" r:id="rId17"/>
-    <p:sldId id="276" r:id="rId18"/>
-    <p:sldId id="277" r:id="rId19"/>
+    <p:sldId id="279" r:id="rId8"/>
+    <p:sldId id="263" r:id="rId9"/>
+    <p:sldId id="267" r:id="rId10"/>
+    <p:sldId id="268" r:id="rId11"/>
+    <p:sldId id="269" r:id="rId12"/>
+    <p:sldId id="278" r:id="rId13"/>
+    <p:sldId id="270" r:id="rId14"/>
+    <p:sldId id="272" r:id="rId15"/>
+    <p:sldId id="273" r:id="rId16"/>
+    <p:sldId id="274" r:id="rId17"/>
+    <p:sldId id="275" r:id="rId18"/>
+    <p:sldId id="276" r:id="rId19"/>
+    <p:sldId id="277" r:id="rId20"/>
   </p:sldIdLst>
   <p:sldSz cx="12192000" cy="6858000"/>
   <p:notesSz cx="6858000" cy="9144000"/>
@@ -121,7 +125,2095 @@
       </a:defRPr>
     </a:lvl9pPr>
   </p:defaultTextStyle>
+  <p:extLst>
+    <p:ext uri="{EFAFB233-063F-42B5-8137-9DF3F51BA10A}">
+      <p15:sldGuideLst xmlns:p15="http://schemas.microsoft.com/office/powerpoint/2012/main"/>
+    </p:ext>
+  </p:extLst>
 </p:presentation>
+</file>
+
+<file path=ppt/notesMasters/notesMaster1.xml><?xml version="1.0" encoding="utf-8"?>
+<p:notesMaster xmlns:a="http://schemas.openxmlformats.org/drawingml/2006/main" xmlns:r="http://schemas.openxmlformats.org/officeDocument/2006/relationships" xmlns:p="http://schemas.openxmlformats.org/presentationml/2006/main">
+  <p:cSld>
+    <p:bg>
+      <p:bgRef idx="1001">
+        <a:schemeClr val="bg1"/>
+      </p:bgRef>
+    </p:bg>
+    <p:spTree>
+      <p:nvGrpSpPr>
+        <p:cNvPr id="1" name=""/>
+        <p:cNvGrpSpPr/>
+        <p:nvPr/>
+      </p:nvGrpSpPr>
+      <p:grpSpPr>
+        <a:xfrm>
+          <a:off x="0" y="0"/>
+          <a:ext cx="0" cy="0"/>
+          <a:chOff x="0" y="0"/>
+          <a:chExt cx="0" cy="0"/>
+        </a:xfrm>
+      </p:grpSpPr>
+      <p:sp>
+        <p:nvSpPr>
+          <p:cNvPr id="2" name="Header Placeholder 1"/>
+          <p:cNvSpPr>
+            <a:spLocks noGrp="1"/>
+          </p:cNvSpPr>
+          <p:nvPr>
+            <p:ph type="hdr" sz="quarter"/>
+          </p:nvPr>
+        </p:nvSpPr>
+        <p:spPr>
+          <a:xfrm>
+            <a:off x="0" y="0"/>
+            <a:ext cx="2971800" cy="458788"/>
+          </a:xfrm>
+          <a:prstGeom prst="rect">
+            <a:avLst/>
+          </a:prstGeom>
+        </p:spPr>
+        <p:txBody>
+          <a:bodyPr vert="horz" lIns="91440" tIns="45720" rIns="91440" bIns="45720" rtlCol="0"/>
+          <a:lstStyle>
+            <a:lvl1pPr algn="l">
+              <a:defRPr sz="1200"/>
+            </a:lvl1pPr>
+          </a:lstStyle>
+          <a:p>
+            <a:endParaRPr lang="en-US"/>
+          </a:p>
+        </p:txBody>
+      </p:sp>
+      <p:sp>
+        <p:nvSpPr>
+          <p:cNvPr id="3" name="Date Placeholder 2"/>
+          <p:cNvSpPr>
+            <a:spLocks noGrp="1"/>
+          </p:cNvSpPr>
+          <p:nvPr>
+            <p:ph type="dt" idx="1"/>
+          </p:nvPr>
+        </p:nvSpPr>
+        <p:spPr>
+          <a:xfrm>
+            <a:off x="3884613" y="0"/>
+            <a:ext cx="2971800" cy="458788"/>
+          </a:xfrm>
+          <a:prstGeom prst="rect">
+            <a:avLst/>
+          </a:prstGeom>
+        </p:spPr>
+        <p:txBody>
+          <a:bodyPr vert="horz" lIns="91440" tIns="45720" rIns="91440" bIns="45720" rtlCol="0"/>
+          <a:lstStyle>
+            <a:lvl1pPr algn="r">
+              <a:defRPr sz="1200"/>
+            </a:lvl1pPr>
+          </a:lstStyle>
+          <a:p>
+            <a:fld id="{14D8C4FE-A3D8-40C9-A82F-E9992FA5D24B}" type="datetimeFigureOut">
+              <a:rPr lang="en-US" smtClean="0"/>
+              <a:t>8/5/2019</a:t>
+            </a:fld>
+            <a:endParaRPr lang="en-US"/>
+          </a:p>
+        </p:txBody>
+      </p:sp>
+      <p:sp>
+        <p:nvSpPr>
+          <p:cNvPr id="4" name="Slide Image Placeholder 3"/>
+          <p:cNvSpPr>
+            <a:spLocks noGrp="1" noRot="1" noChangeAspect="1"/>
+          </p:cNvSpPr>
+          <p:nvPr>
+            <p:ph type="sldImg" idx="2"/>
+          </p:nvPr>
+        </p:nvSpPr>
+        <p:spPr>
+          <a:xfrm>
+            <a:off x="685800" y="1143000"/>
+            <a:ext cx="5486400" cy="3086100"/>
+          </a:xfrm>
+          <a:prstGeom prst="rect">
+            <a:avLst/>
+          </a:prstGeom>
+          <a:noFill/>
+          <a:ln w="12700">
+            <a:solidFill>
+              <a:prstClr val="black"/>
+            </a:solidFill>
+          </a:ln>
+        </p:spPr>
+        <p:txBody>
+          <a:bodyPr vert="horz" lIns="91440" tIns="45720" rIns="91440" bIns="45720" rtlCol="0" anchor="ctr"/>
+          <a:lstStyle/>
+          <a:p>
+            <a:endParaRPr lang="en-US"/>
+          </a:p>
+        </p:txBody>
+      </p:sp>
+      <p:sp>
+        <p:nvSpPr>
+          <p:cNvPr id="5" name="Notes Placeholder 4"/>
+          <p:cNvSpPr>
+            <a:spLocks noGrp="1"/>
+          </p:cNvSpPr>
+          <p:nvPr>
+            <p:ph type="body" sz="quarter" idx="3"/>
+          </p:nvPr>
+        </p:nvSpPr>
+        <p:spPr>
+          <a:xfrm>
+            <a:off x="685800" y="4400550"/>
+            <a:ext cx="5486400" cy="3600450"/>
+          </a:xfrm>
+          <a:prstGeom prst="rect">
+            <a:avLst/>
+          </a:prstGeom>
+        </p:spPr>
+        <p:txBody>
+          <a:bodyPr vert="horz" lIns="91440" tIns="45720" rIns="91440" bIns="45720" rtlCol="0"/>
+          <a:lstStyle/>
+          <a:p>
+            <a:pPr lvl="0"/>
+            <a:r>
+              <a:rPr lang="en-US"/>
+              <a:t>Click to edit Master text styles</a:t>
+            </a:r>
+          </a:p>
+          <a:p>
+            <a:pPr lvl="1"/>
+            <a:r>
+              <a:rPr lang="en-US"/>
+              <a:t>Second level</a:t>
+            </a:r>
+          </a:p>
+          <a:p>
+            <a:pPr lvl="2"/>
+            <a:r>
+              <a:rPr lang="en-US"/>
+              <a:t>Third level</a:t>
+            </a:r>
+          </a:p>
+          <a:p>
+            <a:pPr lvl="3"/>
+            <a:r>
+              <a:rPr lang="en-US"/>
+              <a:t>Fourth level</a:t>
+            </a:r>
+          </a:p>
+          <a:p>
+            <a:pPr lvl="4"/>
+            <a:r>
+              <a:rPr lang="en-US"/>
+              <a:t>Fifth level</a:t>
+            </a:r>
+          </a:p>
+        </p:txBody>
+      </p:sp>
+      <p:sp>
+        <p:nvSpPr>
+          <p:cNvPr id="6" name="Footer Placeholder 5"/>
+          <p:cNvSpPr>
+            <a:spLocks noGrp="1"/>
+          </p:cNvSpPr>
+          <p:nvPr>
+            <p:ph type="ftr" sz="quarter" idx="4"/>
+          </p:nvPr>
+        </p:nvSpPr>
+        <p:spPr>
+          <a:xfrm>
+            <a:off x="0" y="8685213"/>
+            <a:ext cx="2971800" cy="458787"/>
+          </a:xfrm>
+          <a:prstGeom prst="rect">
+            <a:avLst/>
+          </a:prstGeom>
+        </p:spPr>
+        <p:txBody>
+          <a:bodyPr vert="horz" lIns="91440" tIns="45720" rIns="91440" bIns="45720" rtlCol="0" anchor="b"/>
+          <a:lstStyle>
+            <a:lvl1pPr algn="l">
+              <a:defRPr sz="1200"/>
+            </a:lvl1pPr>
+          </a:lstStyle>
+          <a:p>
+            <a:endParaRPr lang="en-US"/>
+          </a:p>
+        </p:txBody>
+      </p:sp>
+      <p:sp>
+        <p:nvSpPr>
+          <p:cNvPr id="7" name="Slide Number Placeholder 6"/>
+          <p:cNvSpPr>
+            <a:spLocks noGrp="1"/>
+          </p:cNvSpPr>
+          <p:nvPr>
+            <p:ph type="sldNum" sz="quarter" idx="5"/>
+          </p:nvPr>
+        </p:nvSpPr>
+        <p:spPr>
+          <a:xfrm>
+            <a:off x="3884613" y="8685213"/>
+            <a:ext cx="2971800" cy="458787"/>
+          </a:xfrm>
+          <a:prstGeom prst="rect">
+            <a:avLst/>
+          </a:prstGeom>
+        </p:spPr>
+        <p:txBody>
+          <a:bodyPr vert="horz" lIns="91440" tIns="45720" rIns="91440" bIns="45720" rtlCol="0" anchor="b"/>
+          <a:lstStyle>
+            <a:lvl1pPr algn="r">
+              <a:defRPr sz="1200"/>
+            </a:lvl1pPr>
+          </a:lstStyle>
+          <a:p>
+            <a:fld id="{D0A62AD7-9952-4B9B-8D9F-1156F01543DA}" type="slidenum">
+              <a:rPr lang="en-US" smtClean="0"/>
+              <a:t>‹#›</a:t>
+            </a:fld>
+            <a:endParaRPr lang="en-US"/>
+          </a:p>
+        </p:txBody>
+      </p:sp>
+    </p:spTree>
+    <p:extLst>
+      <p:ext uri="{BB962C8B-B14F-4D97-AF65-F5344CB8AC3E}">
+        <p14:creationId xmlns:p14="http://schemas.microsoft.com/office/powerpoint/2010/main" val="35589867"/>
+      </p:ext>
+    </p:extLst>
+  </p:cSld>
+  <p:clrMap bg1="lt1" tx1="dk1" bg2="lt2" tx2="dk2" accent1="accent1" accent2="accent2" accent3="accent3" accent4="accent4" accent5="accent5" accent6="accent6" hlink="hlink" folHlink="folHlink"/>
+  <p:notesStyle>
+    <a:lvl1pPr marL="0" algn="l" defTabSz="914400" rtl="0" eaLnBrk="1" latinLnBrk="0" hangingPunct="1">
+      <a:defRPr sz="1200" kern="1200">
+        <a:solidFill>
+          <a:schemeClr val="tx1"/>
+        </a:solidFill>
+        <a:latin typeface="+mn-lt"/>
+        <a:ea typeface="+mn-ea"/>
+        <a:cs typeface="+mn-cs"/>
+      </a:defRPr>
+    </a:lvl1pPr>
+    <a:lvl2pPr marL="457200" algn="l" defTabSz="914400" rtl="0" eaLnBrk="1" latinLnBrk="0" hangingPunct="1">
+      <a:defRPr sz="1200" kern="1200">
+        <a:solidFill>
+          <a:schemeClr val="tx1"/>
+        </a:solidFill>
+        <a:latin typeface="+mn-lt"/>
+        <a:ea typeface="+mn-ea"/>
+        <a:cs typeface="+mn-cs"/>
+      </a:defRPr>
+    </a:lvl2pPr>
+    <a:lvl3pPr marL="914400" algn="l" defTabSz="914400" rtl="0" eaLnBrk="1" latinLnBrk="0" hangingPunct="1">
+      <a:defRPr sz="1200" kern="1200">
+        <a:solidFill>
+          <a:schemeClr val="tx1"/>
+        </a:solidFill>
+        <a:latin typeface="+mn-lt"/>
+        <a:ea typeface="+mn-ea"/>
+        <a:cs typeface="+mn-cs"/>
+      </a:defRPr>
+    </a:lvl3pPr>
+    <a:lvl4pPr marL="1371600" algn="l" defTabSz="914400" rtl="0" eaLnBrk="1" latinLnBrk="0" hangingPunct="1">
+      <a:defRPr sz="1200" kern="1200">
+        <a:solidFill>
+          <a:schemeClr val="tx1"/>
+        </a:solidFill>
+        <a:latin typeface="+mn-lt"/>
+        <a:ea typeface="+mn-ea"/>
+        <a:cs typeface="+mn-cs"/>
+      </a:defRPr>
+    </a:lvl4pPr>
+    <a:lvl5pPr marL="1828800" algn="l" defTabSz="914400" rtl="0" eaLnBrk="1" latinLnBrk="0" hangingPunct="1">
+      <a:defRPr sz="1200" kern="1200">
+        <a:solidFill>
+          <a:schemeClr val="tx1"/>
+        </a:solidFill>
+        <a:latin typeface="+mn-lt"/>
+        <a:ea typeface="+mn-ea"/>
+        <a:cs typeface="+mn-cs"/>
+      </a:defRPr>
+    </a:lvl5pPr>
+    <a:lvl6pPr marL="2286000" algn="l" defTabSz="914400" rtl="0" eaLnBrk="1" latinLnBrk="0" hangingPunct="1">
+      <a:defRPr sz="1200" kern="1200">
+        <a:solidFill>
+          <a:schemeClr val="tx1"/>
+        </a:solidFill>
+        <a:latin typeface="+mn-lt"/>
+        <a:ea typeface="+mn-ea"/>
+        <a:cs typeface="+mn-cs"/>
+      </a:defRPr>
+    </a:lvl6pPr>
+    <a:lvl7pPr marL="2743200" algn="l" defTabSz="914400" rtl="0" eaLnBrk="1" latinLnBrk="0" hangingPunct="1">
+      <a:defRPr sz="1200" kern="1200">
+        <a:solidFill>
+          <a:schemeClr val="tx1"/>
+        </a:solidFill>
+        <a:latin typeface="+mn-lt"/>
+        <a:ea typeface="+mn-ea"/>
+        <a:cs typeface="+mn-cs"/>
+      </a:defRPr>
+    </a:lvl7pPr>
+    <a:lvl8pPr marL="3200400" algn="l" defTabSz="914400" rtl="0" eaLnBrk="1" latinLnBrk="0" hangingPunct="1">
+      <a:defRPr sz="1200" kern="1200">
+        <a:solidFill>
+          <a:schemeClr val="tx1"/>
+        </a:solidFill>
+        <a:latin typeface="+mn-lt"/>
+        <a:ea typeface="+mn-ea"/>
+        <a:cs typeface="+mn-cs"/>
+      </a:defRPr>
+    </a:lvl8pPr>
+    <a:lvl9pPr marL="3657600" algn="l" defTabSz="914400" rtl="0" eaLnBrk="1" latinLnBrk="0" hangingPunct="1">
+      <a:defRPr sz="1200" kern="1200">
+        <a:solidFill>
+          <a:schemeClr val="tx1"/>
+        </a:solidFill>
+        <a:latin typeface="+mn-lt"/>
+        <a:ea typeface="+mn-ea"/>
+        <a:cs typeface="+mn-cs"/>
+      </a:defRPr>
+    </a:lvl9pPr>
+  </p:notesStyle>
+</p:notesMaster>
+</file>
+
+<file path=ppt/notesSlides/notesSlide1.xml><?xml version="1.0" encoding="utf-8"?>
+<p:notes xmlns:a="http://schemas.openxmlformats.org/drawingml/2006/main" xmlns:r="http://schemas.openxmlformats.org/officeDocument/2006/relationships" xmlns:p="http://schemas.openxmlformats.org/presentationml/2006/main">
+  <p:cSld>
+    <p:spTree>
+      <p:nvGrpSpPr>
+        <p:cNvPr id="1" name=""/>
+        <p:cNvGrpSpPr/>
+        <p:nvPr/>
+      </p:nvGrpSpPr>
+      <p:grpSpPr>
+        <a:xfrm>
+          <a:off x="0" y="0"/>
+          <a:ext cx="0" cy="0"/>
+          <a:chOff x="0" y="0"/>
+          <a:chExt cx="0" cy="0"/>
+        </a:xfrm>
+      </p:grpSpPr>
+      <p:sp>
+        <p:nvSpPr>
+          <p:cNvPr id="2" name="Slide Image Placeholder 1"/>
+          <p:cNvSpPr>
+            <a:spLocks noGrp="1" noRot="1" noChangeAspect="1"/>
+          </p:cNvSpPr>
+          <p:nvPr>
+            <p:ph type="sldImg"/>
+          </p:nvPr>
+        </p:nvSpPr>
+        <p:spPr/>
+      </p:sp>
+      <p:sp>
+        <p:nvSpPr>
+          <p:cNvPr id="3" name="Notes Placeholder 2"/>
+          <p:cNvSpPr>
+            <a:spLocks noGrp="1"/>
+          </p:cNvSpPr>
+          <p:nvPr>
+            <p:ph type="body" idx="1"/>
+          </p:nvPr>
+        </p:nvSpPr>
+        <p:spPr/>
+        <p:txBody>
+          <a:bodyPr/>
+          <a:lstStyle/>
+          <a:p>
+            <a:endParaRPr lang="en-US" dirty="0"/>
+          </a:p>
+        </p:txBody>
+      </p:sp>
+      <p:sp>
+        <p:nvSpPr>
+          <p:cNvPr id="4" name="Slide Number Placeholder 3"/>
+          <p:cNvSpPr>
+            <a:spLocks noGrp="1"/>
+          </p:cNvSpPr>
+          <p:nvPr>
+            <p:ph type="sldNum" sz="quarter" idx="5"/>
+          </p:nvPr>
+        </p:nvSpPr>
+        <p:spPr/>
+        <p:txBody>
+          <a:bodyPr/>
+          <a:lstStyle/>
+          <a:p>
+            <a:fld id="{D0A62AD7-9952-4B9B-8D9F-1156F01543DA}" type="slidenum">
+              <a:rPr lang="en-US" smtClean="0"/>
+              <a:t>2</a:t>
+            </a:fld>
+            <a:endParaRPr lang="en-US"/>
+          </a:p>
+        </p:txBody>
+      </p:sp>
+    </p:spTree>
+    <p:extLst>
+      <p:ext uri="{BB962C8B-B14F-4D97-AF65-F5344CB8AC3E}">
+        <p14:creationId xmlns:p14="http://schemas.microsoft.com/office/powerpoint/2010/main" val="1958852132"/>
+      </p:ext>
+    </p:extLst>
+  </p:cSld>
+  <p:clrMapOvr>
+    <a:masterClrMapping/>
+  </p:clrMapOvr>
+</p:notes>
+</file>
+
+<file path=ppt/notesSlides/notesSlide2.xml><?xml version="1.0" encoding="utf-8"?>
+<p:notes xmlns:a="http://schemas.openxmlformats.org/drawingml/2006/main" xmlns:r="http://schemas.openxmlformats.org/officeDocument/2006/relationships" xmlns:p="http://schemas.openxmlformats.org/presentationml/2006/main">
+  <p:cSld>
+    <p:spTree>
+      <p:nvGrpSpPr>
+        <p:cNvPr id="1" name=""/>
+        <p:cNvGrpSpPr/>
+        <p:nvPr/>
+      </p:nvGrpSpPr>
+      <p:grpSpPr>
+        <a:xfrm>
+          <a:off x="0" y="0"/>
+          <a:ext cx="0" cy="0"/>
+          <a:chOff x="0" y="0"/>
+          <a:chExt cx="0" cy="0"/>
+        </a:xfrm>
+      </p:grpSpPr>
+      <p:sp>
+        <p:nvSpPr>
+          <p:cNvPr id="2" name="Slide Image Placeholder 1"/>
+          <p:cNvSpPr>
+            <a:spLocks noGrp="1" noRot="1" noChangeAspect="1"/>
+          </p:cNvSpPr>
+          <p:nvPr>
+            <p:ph type="sldImg"/>
+          </p:nvPr>
+        </p:nvSpPr>
+        <p:spPr/>
+      </p:sp>
+      <p:sp>
+        <p:nvSpPr>
+          <p:cNvPr id="3" name="Notes Placeholder 2"/>
+          <p:cNvSpPr>
+            <a:spLocks noGrp="1"/>
+          </p:cNvSpPr>
+          <p:nvPr>
+            <p:ph type="body" idx="1"/>
+          </p:nvPr>
+        </p:nvSpPr>
+        <p:spPr/>
+        <p:txBody>
+          <a:bodyPr/>
+          <a:lstStyle/>
+          <a:p>
+            <a:pPr marL="171450" indent="-171450">
+              <a:buFont typeface="Arial" panose="020B0604020202020204" pitchFamily="34" charset="0"/>
+              <a:buChar char="•"/>
+            </a:pPr>
+            <a:r>
+              <a:rPr lang="en-US" sz="1200" kern="1200" dirty="0">
+                <a:solidFill>
+                  <a:schemeClr val="tx1"/>
+                </a:solidFill>
+                <a:effectLst/>
+                <a:latin typeface="+mn-lt"/>
+                <a:ea typeface="+mn-ea"/>
+                <a:cs typeface="+mn-cs"/>
+              </a:rPr>
+              <a:t>Here, sender and receiver are the primary actor who provide required information and data to the system and receive the required output. </a:t>
+            </a:r>
+          </a:p>
+          <a:p>
+            <a:pPr marL="171450" indent="-171450">
+              <a:buFont typeface="Arial" panose="020B0604020202020204" pitchFamily="34" charset="0"/>
+              <a:buChar char="•"/>
+            </a:pPr>
+            <a:r>
+              <a:rPr lang="en-US" sz="1200" kern="1200" dirty="0">
+                <a:solidFill>
+                  <a:schemeClr val="tx1"/>
+                </a:solidFill>
+                <a:effectLst/>
+                <a:latin typeface="+mn-lt"/>
+                <a:ea typeface="+mn-ea"/>
+                <a:cs typeface="+mn-cs"/>
+              </a:rPr>
+              <a:t>Sender’s inputs include cover image file, text message to be hidden and a secret key for message encryption.</a:t>
+            </a:r>
+          </a:p>
+          <a:p>
+            <a:pPr marL="171450" indent="-171450">
+              <a:buFont typeface="Arial" panose="020B0604020202020204" pitchFamily="34" charset="0"/>
+              <a:buChar char="•"/>
+            </a:pPr>
+            <a:r>
+              <a:rPr lang="en-US" sz="1200" kern="1200" dirty="0">
+                <a:solidFill>
+                  <a:schemeClr val="tx1"/>
+                </a:solidFill>
+                <a:effectLst/>
+                <a:latin typeface="+mn-lt"/>
+                <a:ea typeface="+mn-ea"/>
+                <a:cs typeface="+mn-cs"/>
+              </a:rPr>
+              <a:t>After receiving all valid inputs, the system generates a </a:t>
+            </a:r>
+            <a:r>
+              <a:rPr lang="en-US" sz="1200" kern="1200" dirty="0" err="1">
+                <a:solidFill>
+                  <a:schemeClr val="tx1"/>
+                </a:solidFill>
+                <a:effectLst/>
+                <a:latin typeface="+mn-lt"/>
+                <a:ea typeface="+mn-ea"/>
+                <a:cs typeface="+mn-cs"/>
+              </a:rPr>
+              <a:t>stego</a:t>
+            </a:r>
+            <a:r>
+              <a:rPr lang="en-US" sz="1200" kern="1200" dirty="0">
+                <a:solidFill>
+                  <a:schemeClr val="tx1"/>
+                </a:solidFill>
+                <a:effectLst/>
+                <a:latin typeface="+mn-lt"/>
+                <a:ea typeface="+mn-ea"/>
+                <a:cs typeface="+mn-cs"/>
+              </a:rPr>
+              <a:t>-image which consist of the text message embedded inside it. </a:t>
+            </a:r>
+          </a:p>
+          <a:p>
+            <a:pPr marL="171450" indent="-171450">
+              <a:buFont typeface="Arial" panose="020B0604020202020204" pitchFamily="34" charset="0"/>
+              <a:buChar char="•"/>
+            </a:pPr>
+            <a:r>
+              <a:rPr lang="en-US" sz="1200" kern="1200" dirty="0">
+                <a:solidFill>
+                  <a:schemeClr val="tx1"/>
+                </a:solidFill>
+                <a:effectLst/>
+                <a:latin typeface="+mn-lt"/>
+                <a:ea typeface="+mn-ea"/>
+                <a:cs typeface="+mn-cs"/>
+              </a:rPr>
+              <a:t>The sender can then either email the </a:t>
+            </a:r>
+            <a:r>
+              <a:rPr lang="en-US" sz="1200" kern="1200" dirty="0" err="1">
+                <a:solidFill>
+                  <a:schemeClr val="tx1"/>
+                </a:solidFill>
+                <a:effectLst/>
+                <a:latin typeface="+mn-lt"/>
+                <a:ea typeface="+mn-ea"/>
+                <a:cs typeface="+mn-cs"/>
+              </a:rPr>
+              <a:t>stego</a:t>
+            </a:r>
+            <a:r>
+              <a:rPr lang="en-US" sz="1200" kern="1200" dirty="0">
+                <a:solidFill>
+                  <a:schemeClr val="tx1"/>
+                </a:solidFill>
+                <a:effectLst/>
+                <a:latin typeface="+mn-lt"/>
+                <a:ea typeface="+mn-ea"/>
+                <a:cs typeface="+mn-cs"/>
+              </a:rPr>
+              <a:t>-image to the receiver or save the </a:t>
+            </a:r>
+            <a:r>
+              <a:rPr lang="en-US" sz="1200" kern="1200" dirty="0" err="1">
+                <a:solidFill>
+                  <a:schemeClr val="tx1"/>
+                </a:solidFill>
+                <a:effectLst/>
+                <a:latin typeface="+mn-lt"/>
+                <a:ea typeface="+mn-ea"/>
+                <a:cs typeface="+mn-cs"/>
+              </a:rPr>
+              <a:t>stego</a:t>
+            </a:r>
+            <a:r>
+              <a:rPr lang="en-US" sz="1200" kern="1200" dirty="0">
+                <a:solidFill>
+                  <a:schemeClr val="tx1"/>
+                </a:solidFill>
+                <a:effectLst/>
+                <a:latin typeface="+mn-lt"/>
+                <a:ea typeface="+mn-ea"/>
+                <a:cs typeface="+mn-cs"/>
+              </a:rPr>
+              <a:t> image to transfer it over a different media. </a:t>
+            </a:r>
+          </a:p>
+          <a:p>
+            <a:pPr marL="171450" indent="-171450">
+              <a:buFont typeface="Arial" panose="020B0604020202020204" pitchFamily="34" charset="0"/>
+              <a:buChar char="•"/>
+            </a:pPr>
+            <a:r>
+              <a:rPr lang="en-US" sz="1200" kern="1200" dirty="0">
+                <a:solidFill>
+                  <a:schemeClr val="tx1"/>
+                </a:solidFill>
+                <a:effectLst/>
+                <a:latin typeface="+mn-lt"/>
+                <a:ea typeface="+mn-ea"/>
+                <a:cs typeface="+mn-cs"/>
+              </a:rPr>
+              <a:t>On receiver’s side, the inputs include the received </a:t>
+            </a:r>
+            <a:r>
+              <a:rPr lang="en-US" sz="1200" kern="1200" dirty="0" err="1">
+                <a:solidFill>
+                  <a:schemeClr val="tx1"/>
+                </a:solidFill>
+                <a:effectLst/>
+                <a:latin typeface="+mn-lt"/>
+                <a:ea typeface="+mn-ea"/>
+                <a:cs typeface="+mn-cs"/>
+              </a:rPr>
+              <a:t>stego</a:t>
+            </a:r>
+            <a:r>
+              <a:rPr lang="en-US" sz="1200" kern="1200" dirty="0">
+                <a:solidFill>
+                  <a:schemeClr val="tx1"/>
+                </a:solidFill>
+                <a:effectLst/>
+                <a:latin typeface="+mn-lt"/>
+                <a:ea typeface="+mn-ea"/>
+                <a:cs typeface="+mn-cs"/>
+              </a:rPr>
+              <a:t> image and associated secret key. </a:t>
+            </a:r>
+          </a:p>
+          <a:p>
+            <a:pPr marL="171450" indent="-171450">
+              <a:buFont typeface="Arial" panose="020B0604020202020204" pitchFamily="34" charset="0"/>
+              <a:buChar char="•"/>
+            </a:pPr>
+            <a:r>
+              <a:rPr lang="en-US" sz="1200" kern="1200" dirty="0">
+                <a:solidFill>
+                  <a:schemeClr val="tx1"/>
+                </a:solidFill>
+                <a:effectLst/>
+                <a:latin typeface="+mn-lt"/>
+                <a:ea typeface="+mn-ea"/>
+                <a:cs typeface="+mn-cs"/>
+              </a:rPr>
+              <a:t>The system processes the provided inputs and generate the hidden message in text form. </a:t>
+            </a:r>
+          </a:p>
+          <a:p>
+            <a:pPr marL="171450" indent="-171450">
+              <a:buFont typeface="Arial" panose="020B0604020202020204" pitchFamily="34" charset="0"/>
+              <a:buChar char="•"/>
+            </a:pPr>
+            <a:r>
+              <a:rPr lang="en-US" sz="1200" kern="1200" dirty="0">
+                <a:solidFill>
+                  <a:schemeClr val="tx1"/>
+                </a:solidFill>
+                <a:effectLst/>
+                <a:latin typeface="+mn-lt"/>
+                <a:ea typeface="+mn-ea"/>
+                <a:cs typeface="+mn-cs"/>
+              </a:rPr>
+              <a:t>If needed, the receiver can save the generated message as text file.</a:t>
+            </a:r>
+          </a:p>
+          <a:p>
+            <a:endParaRPr lang="en-US" sz="1200" kern="1200" dirty="0">
+              <a:solidFill>
+                <a:schemeClr val="tx1"/>
+              </a:solidFill>
+              <a:effectLst/>
+              <a:latin typeface="+mn-lt"/>
+              <a:ea typeface="+mn-ea"/>
+              <a:cs typeface="+mn-cs"/>
+            </a:endParaRPr>
+          </a:p>
+          <a:p>
+            <a:r>
+              <a:rPr lang="en-US" sz="1200" kern="1200" dirty="0">
+                <a:solidFill>
+                  <a:schemeClr val="tx1"/>
+                </a:solidFill>
+                <a:effectLst/>
+                <a:latin typeface="+mn-lt"/>
+                <a:ea typeface="+mn-ea"/>
+                <a:cs typeface="+mn-cs"/>
+              </a:rPr>
+              <a:t>Our application also includes the client/server model, where both server and client can act as sender or receiver. Along with text messages, they can also send </a:t>
+            </a:r>
+            <a:r>
+              <a:rPr lang="en-US" sz="1200" kern="1200" dirty="0" err="1">
+                <a:solidFill>
+                  <a:schemeClr val="tx1"/>
+                </a:solidFill>
+                <a:effectLst/>
+                <a:latin typeface="+mn-lt"/>
+                <a:ea typeface="+mn-ea"/>
+                <a:cs typeface="+mn-cs"/>
+              </a:rPr>
+              <a:t>stego</a:t>
+            </a:r>
+            <a:r>
+              <a:rPr lang="en-US" sz="1200" kern="1200" dirty="0">
+                <a:solidFill>
+                  <a:schemeClr val="tx1"/>
+                </a:solidFill>
+                <a:effectLst/>
+                <a:latin typeface="+mn-lt"/>
+                <a:ea typeface="+mn-ea"/>
+                <a:cs typeface="+mn-cs"/>
+              </a:rPr>
+              <a:t>-images to one another and save or extract messages upon receiving them.</a:t>
+            </a:r>
+          </a:p>
+          <a:p>
+            <a:endParaRPr lang="en-US" dirty="0"/>
+          </a:p>
+        </p:txBody>
+      </p:sp>
+      <p:sp>
+        <p:nvSpPr>
+          <p:cNvPr id="4" name="Slide Number Placeholder 3"/>
+          <p:cNvSpPr>
+            <a:spLocks noGrp="1"/>
+          </p:cNvSpPr>
+          <p:nvPr>
+            <p:ph type="sldNum" sz="quarter" idx="5"/>
+          </p:nvPr>
+        </p:nvSpPr>
+        <p:spPr/>
+        <p:txBody>
+          <a:bodyPr/>
+          <a:lstStyle/>
+          <a:p>
+            <a:fld id="{D0A62AD7-9952-4B9B-8D9F-1156F01543DA}" type="slidenum">
+              <a:rPr lang="en-US" smtClean="0"/>
+              <a:t>8</a:t>
+            </a:fld>
+            <a:endParaRPr lang="en-US"/>
+          </a:p>
+        </p:txBody>
+      </p:sp>
+    </p:spTree>
+    <p:extLst>
+      <p:ext uri="{BB962C8B-B14F-4D97-AF65-F5344CB8AC3E}">
+        <p14:creationId xmlns:p14="http://schemas.microsoft.com/office/powerpoint/2010/main" val="3215031058"/>
+      </p:ext>
+    </p:extLst>
+  </p:cSld>
+  <p:clrMapOvr>
+    <a:masterClrMapping/>
+  </p:clrMapOvr>
+</p:notes>
+</file>
+
+<file path=ppt/notesSlides/notesSlide3.xml><?xml version="1.0" encoding="utf-8"?>
+<p:notes xmlns:a="http://schemas.openxmlformats.org/drawingml/2006/main" xmlns:r="http://schemas.openxmlformats.org/officeDocument/2006/relationships" xmlns:p="http://schemas.openxmlformats.org/presentationml/2006/main">
+  <p:cSld>
+    <p:spTree>
+      <p:nvGrpSpPr>
+        <p:cNvPr id="1" name=""/>
+        <p:cNvGrpSpPr/>
+        <p:nvPr/>
+      </p:nvGrpSpPr>
+      <p:grpSpPr>
+        <a:xfrm>
+          <a:off x="0" y="0"/>
+          <a:ext cx="0" cy="0"/>
+          <a:chOff x="0" y="0"/>
+          <a:chExt cx="0" cy="0"/>
+        </a:xfrm>
+      </p:grpSpPr>
+      <p:sp>
+        <p:nvSpPr>
+          <p:cNvPr id="2" name="Slide Image Placeholder 1"/>
+          <p:cNvSpPr>
+            <a:spLocks noGrp="1" noRot="1" noChangeAspect="1"/>
+          </p:cNvSpPr>
+          <p:nvPr>
+            <p:ph type="sldImg"/>
+          </p:nvPr>
+        </p:nvSpPr>
+        <p:spPr/>
+      </p:sp>
+      <p:sp>
+        <p:nvSpPr>
+          <p:cNvPr id="3" name="Notes Placeholder 2"/>
+          <p:cNvSpPr>
+            <a:spLocks noGrp="1"/>
+          </p:cNvSpPr>
+          <p:nvPr>
+            <p:ph type="body" idx="1"/>
+          </p:nvPr>
+        </p:nvSpPr>
+        <p:spPr/>
+        <p:txBody>
+          <a:bodyPr/>
+          <a:lstStyle/>
+          <a:p>
+            <a:pPr marL="171450" indent="-171450">
+              <a:buFont typeface="Arial" panose="020B0604020202020204" pitchFamily="34" charset="0"/>
+              <a:buChar char="•"/>
+            </a:pPr>
+            <a:r>
+              <a:rPr lang="en-US" dirty="0"/>
+              <a:t>takes the input as cover image (original image) and a secret text message from the sender. </a:t>
+            </a:r>
+          </a:p>
+          <a:p>
+            <a:pPr marL="171450" indent="-171450">
+              <a:buFont typeface="Arial" panose="020B0604020202020204" pitchFamily="34" charset="0"/>
+              <a:buChar char="•"/>
+            </a:pPr>
+            <a:r>
+              <a:rPr lang="en-US" dirty="0"/>
+              <a:t>also uses a secret shared key for encryption. </a:t>
+            </a:r>
+          </a:p>
+          <a:p>
+            <a:pPr marL="171450" indent="-171450">
+              <a:buFont typeface="Arial" panose="020B0604020202020204" pitchFamily="34" charset="0"/>
+              <a:buChar char="•"/>
+            </a:pPr>
+            <a:r>
+              <a:rPr lang="en-US" dirty="0"/>
+              <a:t>With these inputs provided by the sender, the application generates a </a:t>
+            </a:r>
+            <a:r>
+              <a:rPr lang="en-US" dirty="0" err="1"/>
+              <a:t>stego</a:t>
+            </a:r>
+            <a:r>
+              <a:rPr lang="en-US" dirty="0"/>
+              <a:t> image which is sent to the receiver. </a:t>
+            </a:r>
+          </a:p>
+          <a:p>
+            <a:pPr marL="171450" indent="-171450">
+              <a:buFont typeface="Arial" panose="020B0604020202020204" pitchFamily="34" charset="0"/>
+              <a:buChar char="•"/>
+            </a:pPr>
+            <a:r>
+              <a:rPr lang="en-US" dirty="0"/>
+              <a:t>The system then takes the associated key from the receiver and displays the hidden message to the receiver.</a:t>
+            </a:r>
+          </a:p>
+        </p:txBody>
+      </p:sp>
+      <p:sp>
+        <p:nvSpPr>
+          <p:cNvPr id="4" name="Slide Number Placeholder 3"/>
+          <p:cNvSpPr>
+            <a:spLocks noGrp="1"/>
+          </p:cNvSpPr>
+          <p:nvPr>
+            <p:ph type="sldNum" sz="quarter" idx="5"/>
+          </p:nvPr>
+        </p:nvSpPr>
+        <p:spPr/>
+        <p:txBody>
+          <a:bodyPr/>
+          <a:lstStyle/>
+          <a:p>
+            <a:fld id="{D0A62AD7-9952-4B9B-8D9F-1156F01543DA}" type="slidenum">
+              <a:rPr lang="en-US" smtClean="0"/>
+              <a:t>9</a:t>
+            </a:fld>
+            <a:endParaRPr lang="en-US"/>
+          </a:p>
+        </p:txBody>
+      </p:sp>
+    </p:spTree>
+    <p:extLst>
+      <p:ext uri="{BB962C8B-B14F-4D97-AF65-F5344CB8AC3E}">
+        <p14:creationId xmlns:p14="http://schemas.microsoft.com/office/powerpoint/2010/main" val="989198160"/>
+      </p:ext>
+    </p:extLst>
+  </p:cSld>
+  <p:clrMapOvr>
+    <a:masterClrMapping/>
+  </p:clrMapOvr>
+</p:notes>
+</file>
+
+<file path=ppt/notesSlides/notesSlide4.xml><?xml version="1.0" encoding="utf-8"?>
+<p:notes xmlns:a="http://schemas.openxmlformats.org/drawingml/2006/main" xmlns:r="http://schemas.openxmlformats.org/officeDocument/2006/relationships" xmlns:p="http://schemas.openxmlformats.org/presentationml/2006/main">
+  <p:cSld>
+    <p:spTree>
+      <p:nvGrpSpPr>
+        <p:cNvPr id="1" name=""/>
+        <p:cNvGrpSpPr/>
+        <p:nvPr/>
+      </p:nvGrpSpPr>
+      <p:grpSpPr>
+        <a:xfrm>
+          <a:off x="0" y="0"/>
+          <a:ext cx="0" cy="0"/>
+          <a:chOff x="0" y="0"/>
+          <a:chExt cx="0" cy="0"/>
+        </a:xfrm>
+      </p:grpSpPr>
+      <p:sp>
+        <p:nvSpPr>
+          <p:cNvPr id="2" name="Slide Image Placeholder 1"/>
+          <p:cNvSpPr>
+            <a:spLocks noGrp="1" noRot="1" noChangeAspect="1"/>
+          </p:cNvSpPr>
+          <p:nvPr>
+            <p:ph type="sldImg"/>
+          </p:nvPr>
+        </p:nvSpPr>
+        <p:spPr/>
+      </p:sp>
+      <p:sp>
+        <p:nvSpPr>
+          <p:cNvPr id="3" name="Notes Placeholder 2"/>
+          <p:cNvSpPr>
+            <a:spLocks noGrp="1"/>
+          </p:cNvSpPr>
+          <p:nvPr>
+            <p:ph type="body" idx="1"/>
+          </p:nvPr>
+        </p:nvSpPr>
+        <p:spPr/>
+        <p:txBody>
+          <a:bodyPr/>
+          <a:lstStyle/>
+          <a:p>
+            <a:pPr marL="171450" indent="-171450">
+              <a:buFont typeface="Arial" panose="020B0604020202020204" pitchFamily="34" charset="0"/>
+              <a:buChar char="•"/>
+            </a:pPr>
+            <a:r>
+              <a:rPr lang="en-US" dirty="0"/>
+              <a:t>main task preformed in this level is that the text message is encrypted using AES encryption,</a:t>
+            </a:r>
+          </a:p>
+          <a:p>
+            <a:pPr marL="171450" indent="-171450">
+              <a:buFont typeface="Arial" panose="020B0604020202020204" pitchFamily="34" charset="0"/>
+              <a:buChar char="•"/>
+            </a:pPr>
+            <a:r>
+              <a:rPr lang="en-US" dirty="0"/>
+              <a:t>and that encrypted message is embedded to the image by replacing least significant bits of the image using LSB technique. </a:t>
+            </a:r>
+          </a:p>
+          <a:p>
+            <a:pPr marL="171450" indent="-171450">
+              <a:buFont typeface="Arial" panose="020B0604020202020204" pitchFamily="34" charset="0"/>
+              <a:buChar char="•"/>
+            </a:pPr>
+            <a:r>
+              <a:rPr lang="en-US" dirty="0"/>
+              <a:t>Then the generated </a:t>
+            </a:r>
+            <a:r>
+              <a:rPr lang="en-US" dirty="0" err="1"/>
+              <a:t>stego</a:t>
+            </a:r>
+            <a:r>
+              <a:rPr lang="en-US" dirty="0"/>
+              <a:t> image is sent to receiver through a data transmission channel.</a:t>
+            </a:r>
+          </a:p>
+          <a:p>
+            <a:pPr marL="171450" indent="-171450">
+              <a:buFont typeface="Arial" panose="020B0604020202020204" pitchFamily="34" charset="0"/>
+              <a:buChar char="•"/>
+            </a:pPr>
+            <a:r>
+              <a:rPr lang="en-US" dirty="0"/>
+              <a:t>This system then takes the </a:t>
+            </a:r>
+            <a:r>
+              <a:rPr lang="en-US" dirty="0" err="1"/>
+              <a:t>stego</a:t>
+            </a:r>
+            <a:r>
+              <a:rPr lang="en-US" dirty="0"/>
+              <a:t> image and shared key from the receiver</a:t>
+            </a:r>
+          </a:p>
+          <a:p>
+            <a:pPr marL="171450" indent="-171450">
+              <a:buFont typeface="Arial" panose="020B0604020202020204" pitchFamily="34" charset="0"/>
+              <a:buChar char="•"/>
+            </a:pPr>
+            <a:r>
+              <a:rPr lang="en-US" dirty="0"/>
+              <a:t>First it extracts the cipher text message (encrypted hidden message) from the image and with the provided key it decrypts the cipher message and displays the original hidden message to the receiver.</a:t>
+            </a:r>
+          </a:p>
+        </p:txBody>
+      </p:sp>
+      <p:sp>
+        <p:nvSpPr>
+          <p:cNvPr id="4" name="Slide Number Placeholder 3"/>
+          <p:cNvSpPr>
+            <a:spLocks noGrp="1"/>
+          </p:cNvSpPr>
+          <p:nvPr>
+            <p:ph type="sldNum" sz="quarter" idx="5"/>
+          </p:nvPr>
+        </p:nvSpPr>
+        <p:spPr/>
+        <p:txBody>
+          <a:bodyPr/>
+          <a:lstStyle/>
+          <a:p>
+            <a:fld id="{D0A62AD7-9952-4B9B-8D9F-1156F01543DA}" type="slidenum">
+              <a:rPr lang="en-US" smtClean="0"/>
+              <a:t>10</a:t>
+            </a:fld>
+            <a:endParaRPr lang="en-US"/>
+          </a:p>
+        </p:txBody>
+      </p:sp>
+    </p:spTree>
+    <p:extLst>
+      <p:ext uri="{BB962C8B-B14F-4D97-AF65-F5344CB8AC3E}">
+        <p14:creationId xmlns:p14="http://schemas.microsoft.com/office/powerpoint/2010/main" val="4014035778"/>
+      </p:ext>
+    </p:extLst>
+  </p:cSld>
+  <p:clrMapOvr>
+    <a:masterClrMapping/>
+  </p:clrMapOvr>
+</p:notes>
+</file>
+
+<file path=ppt/notesSlides/notesSlide5.xml><?xml version="1.0" encoding="utf-8"?>
+<p:notes xmlns:a="http://schemas.openxmlformats.org/drawingml/2006/main" xmlns:r="http://schemas.openxmlformats.org/officeDocument/2006/relationships" xmlns:p="http://schemas.openxmlformats.org/presentationml/2006/main">
+  <p:cSld>
+    <p:spTree>
+      <p:nvGrpSpPr>
+        <p:cNvPr id="1" name=""/>
+        <p:cNvGrpSpPr/>
+        <p:nvPr/>
+      </p:nvGrpSpPr>
+      <p:grpSpPr>
+        <a:xfrm>
+          <a:off x="0" y="0"/>
+          <a:ext cx="0" cy="0"/>
+          <a:chOff x="0" y="0"/>
+          <a:chExt cx="0" cy="0"/>
+        </a:xfrm>
+      </p:grpSpPr>
+      <p:sp>
+        <p:nvSpPr>
+          <p:cNvPr id="2" name="Slide Image Placeholder 1"/>
+          <p:cNvSpPr>
+            <a:spLocks noGrp="1" noRot="1" noChangeAspect="1"/>
+          </p:cNvSpPr>
+          <p:nvPr>
+            <p:ph type="sldImg"/>
+          </p:nvPr>
+        </p:nvSpPr>
+        <p:spPr/>
+      </p:sp>
+      <p:sp>
+        <p:nvSpPr>
+          <p:cNvPr id="3" name="Notes Placeholder 2"/>
+          <p:cNvSpPr>
+            <a:spLocks noGrp="1"/>
+          </p:cNvSpPr>
+          <p:nvPr>
+            <p:ph type="body" idx="1"/>
+          </p:nvPr>
+        </p:nvSpPr>
+        <p:spPr/>
+        <p:txBody>
+          <a:bodyPr/>
+          <a:lstStyle/>
+          <a:p>
+            <a:pPr marL="171450" indent="-171450">
+              <a:buFont typeface="Arial" panose="020B0604020202020204" pitchFamily="34" charset="0"/>
+              <a:buChar char="•"/>
+            </a:pPr>
+            <a:r>
+              <a:rPr lang="en-US" sz="1200" kern="1200" dirty="0">
+                <a:solidFill>
+                  <a:schemeClr val="tx1"/>
+                </a:solidFill>
+                <a:effectLst/>
+                <a:latin typeface="+mn-lt"/>
+                <a:ea typeface="+mn-ea"/>
+                <a:cs typeface="+mn-cs"/>
+              </a:rPr>
+              <a:t>system is divided into two parts: normal mode and client/server mode.</a:t>
+            </a:r>
+          </a:p>
+          <a:p>
+            <a:pPr marL="171450" indent="-171450">
+              <a:buFont typeface="Arial" panose="020B0604020202020204" pitchFamily="34" charset="0"/>
+              <a:buChar char="•"/>
+            </a:pPr>
+            <a:r>
+              <a:rPr lang="en-US" sz="1200" kern="1200" dirty="0">
+                <a:solidFill>
+                  <a:schemeClr val="tx1"/>
+                </a:solidFill>
+                <a:effectLst/>
+                <a:latin typeface="+mn-lt"/>
+                <a:ea typeface="+mn-ea"/>
+                <a:cs typeface="+mn-cs"/>
+              </a:rPr>
+              <a:t>starting the program normally, the user needs to provided necessary input to get necessary output which is either </a:t>
+            </a:r>
+            <a:r>
+              <a:rPr lang="en-US" sz="1200" kern="1200" dirty="0" err="1">
+                <a:solidFill>
+                  <a:schemeClr val="tx1"/>
+                </a:solidFill>
+                <a:effectLst/>
+                <a:latin typeface="+mn-lt"/>
+                <a:ea typeface="+mn-ea"/>
+                <a:cs typeface="+mn-cs"/>
+              </a:rPr>
+              <a:t>stego</a:t>
+            </a:r>
+            <a:r>
+              <a:rPr lang="en-US" sz="1200" kern="1200" dirty="0">
+                <a:solidFill>
+                  <a:schemeClr val="tx1"/>
+                </a:solidFill>
+                <a:effectLst/>
+                <a:latin typeface="+mn-lt"/>
+                <a:ea typeface="+mn-ea"/>
+                <a:cs typeface="+mn-cs"/>
+              </a:rPr>
+              <a:t>-image (when embedding a cover image) or extracted message (when extracting a </a:t>
+            </a:r>
+            <a:r>
+              <a:rPr lang="en-US" sz="1200" kern="1200" dirty="0" err="1">
+                <a:solidFill>
+                  <a:schemeClr val="tx1"/>
+                </a:solidFill>
+                <a:effectLst/>
+                <a:latin typeface="+mn-lt"/>
+                <a:ea typeface="+mn-ea"/>
+                <a:cs typeface="+mn-cs"/>
+              </a:rPr>
+              <a:t>stego</a:t>
+            </a:r>
+            <a:r>
+              <a:rPr lang="en-US" sz="1200" kern="1200" dirty="0">
+                <a:solidFill>
+                  <a:schemeClr val="tx1"/>
+                </a:solidFill>
+                <a:effectLst/>
+                <a:latin typeface="+mn-lt"/>
+                <a:ea typeface="+mn-ea"/>
+                <a:cs typeface="+mn-cs"/>
+              </a:rPr>
+              <a:t>-image for hidden message).</a:t>
+            </a:r>
+          </a:p>
+          <a:p>
+            <a:pPr marL="171450" indent="-171450">
+              <a:buFont typeface="Arial" panose="020B0604020202020204" pitchFamily="34" charset="0"/>
+              <a:buChar char="•"/>
+            </a:pPr>
+            <a:endParaRPr lang="en-US" sz="1200" kern="1200" dirty="0">
+              <a:solidFill>
+                <a:schemeClr val="tx1"/>
+              </a:solidFill>
+              <a:effectLst/>
+              <a:latin typeface="+mn-lt"/>
+              <a:ea typeface="+mn-ea"/>
+              <a:cs typeface="+mn-cs"/>
+            </a:endParaRPr>
+          </a:p>
+          <a:p>
+            <a:pPr marL="171450" indent="-171450">
+              <a:buFont typeface="Arial" panose="020B0604020202020204" pitchFamily="34" charset="0"/>
+              <a:buChar char="•"/>
+            </a:pPr>
+            <a:r>
+              <a:rPr lang="en-US" sz="1200" kern="1200" dirty="0">
+                <a:solidFill>
+                  <a:schemeClr val="tx1"/>
+                </a:solidFill>
+                <a:effectLst/>
+                <a:latin typeface="+mn-lt"/>
+                <a:ea typeface="+mn-ea"/>
+                <a:cs typeface="+mn-cs"/>
+              </a:rPr>
+              <a:t>When starting the program in client/server model, firstly a TCP server socket needs to be started. </a:t>
+            </a:r>
+          </a:p>
+          <a:p>
+            <a:pPr marL="171450" indent="-171450">
+              <a:buFont typeface="Arial" panose="020B0604020202020204" pitchFamily="34" charset="0"/>
+              <a:buChar char="•"/>
+            </a:pPr>
+            <a:r>
+              <a:rPr lang="en-US" sz="1200" kern="1200" dirty="0">
+                <a:solidFill>
+                  <a:schemeClr val="tx1"/>
+                </a:solidFill>
+                <a:effectLst/>
+                <a:latin typeface="+mn-lt"/>
+                <a:ea typeface="+mn-ea"/>
+                <a:cs typeface="+mn-cs"/>
+              </a:rPr>
+              <a:t>user provides port number to be associated to the server. When a client connects to the server socket on particular port, the client-server connection starts. </a:t>
+            </a:r>
+          </a:p>
+          <a:p>
+            <a:pPr marL="171450" indent="-171450">
+              <a:buFont typeface="Arial" panose="020B0604020202020204" pitchFamily="34" charset="0"/>
+              <a:buChar char="•"/>
+            </a:pPr>
+            <a:r>
+              <a:rPr lang="en-US" sz="1200" kern="1200" dirty="0">
+                <a:solidFill>
+                  <a:schemeClr val="tx1"/>
+                </a:solidFill>
+                <a:effectLst/>
+                <a:latin typeface="+mn-lt"/>
+                <a:ea typeface="+mn-ea"/>
+                <a:cs typeface="+mn-cs"/>
+              </a:rPr>
+              <a:t>Then the client and server can communicate with each other through associated port and IP as the communication medium.</a:t>
+            </a:r>
+          </a:p>
+          <a:p>
+            <a:pPr marL="171450" indent="-171450">
+              <a:buFont typeface="Arial" panose="020B0604020202020204" pitchFamily="34" charset="0"/>
+              <a:buChar char="•"/>
+            </a:pPr>
+            <a:r>
+              <a:rPr lang="en-US" sz="1200" kern="1200" dirty="0">
+                <a:solidFill>
+                  <a:schemeClr val="tx1"/>
+                </a:solidFill>
+                <a:effectLst/>
+                <a:latin typeface="+mn-lt"/>
+                <a:ea typeface="+mn-ea"/>
+                <a:cs typeface="+mn-cs"/>
+              </a:rPr>
+              <a:t>For communicating sensitive information, </a:t>
+            </a:r>
+            <a:r>
+              <a:rPr lang="en-US" sz="1200" kern="1200" dirty="0" err="1">
+                <a:solidFill>
+                  <a:schemeClr val="tx1"/>
+                </a:solidFill>
+                <a:effectLst/>
+                <a:latin typeface="+mn-lt"/>
+                <a:ea typeface="+mn-ea"/>
+                <a:cs typeface="+mn-cs"/>
+              </a:rPr>
+              <a:t>stego</a:t>
+            </a:r>
+            <a:r>
+              <a:rPr lang="en-US" sz="1200" kern="1200" dirty="0">
+                <a:solidFill>
+                  <a:schemeClr val="tx1"/>
+                </a:solidFill>
+                <a:effectLst/>
+                <a:latin typeface="+mn-lt"/>
+                <a:ea typeface="+mn-ea"/>
+                <a:cs typeface="+mn-cs"/>
+              </a:rPr>
+              <a:t>-image can also be used. </a:t>
+            </a:r>
+          </a:p>
+          <a:p>
+            <a:pPr marL="171450" indent="-171450">
+              <a:buFont typeface="Arial" panose="020B0604020202020204" pitchFamily="34" charset="0"/>
+              <a:buChar char="•"/>
+            </a:pPr>
+            <a:r>
+              <a:rPr lang="en-US" sz="1200" kern="1200" dirty="0">
+                <a:solidFill>
+                  <a:schemeClr val="tx1"/>
+                </a:solidFill>
+                <a:effectLst/>
+                <a:latin typeface="+mn-lt"/>
+                <a:ea typeface="+mn-ea"/>
+                <a:cs typeface="+mn-cs"/>
+              </a:rPr>
+              <a:t>sender side can generate a </a:t>
+            </a:r>
+            <a:r>
+              <a:rPr lang="en-US" sz="1200" kern="1200" dirty="0" err="1">
+                <a:solidFill>
+                  <a:schemeClr val="tx1"/>
+                </a:solidFill>
+                <a:effectLst/>
+                <a:latin typeface="+mn-lt"/>
+                <a:ea typeface="+mn-ea"/>
+                <a:cs typeface="+mn-cs"/>
+              </a:rPr>
+              <a:t>stego</a:t>
+            </a:r>
+            <a:r>
+              <a:rPr lang="en-US" sz="1200" kern="1200" dirty="0">
+                <a:solidFill>
+                  <a:schemeClr val="tx1"/>
+                </a:solidFill>
+                <a:effectLst/>
+                <a:latin typeface="+mn-lt"/>
+                <a:ea typeface="+mn-ea"/>
+                <a:cs typeface="+mn-cs"/>
+              </a:rPr>
+              <a:t>-image containing a hidden message and a key shared by both ends. Then the receiver can use the shared key to extract the hidden message from the received </a:t>
+            </a:r>
+            <a:r>
+              <a:rPr lang="en-US" sz="1200" kern="1200" dirty="0" err="1">
+                <a:solidFill>
+                  <a:schemeClr val="tx1"/>
+                </a:solidFill>
+                <a:effectLst/>
+                <a:latin typeface="+mn-lt"/>
+                <a:ea typeface="+mn-ea"/>
+                <a:cs typeface="+mn-cs"/>
+              </a:rPr>
+              <a:t>stego</a:t>
+            </a:r>
+            <a:r>
+              <a:rPr lang="en-US" sz="1200" kern="1200" dirty="0">
+                <a:solidFill>
+                  <a:schemeClr val="tx1"/>
+                </a:solidFill>
+                <a:effectLst/>
+                <a:latin typeface="+mn-lt"/>
+                <a:ea typeface="+mn-ea"/>
+                <a:cs typeface="+mn-cs"/>
+              </a:rPr>
+              <a:t>-image. </a:t>
+            </a:r>
+          </a:p>
+          <a:p>
+            <a:endParaRPr lang="en-US" dirty="0"/>
+          </a:p>
+        </p:txBody>
+      </p:sp>
+      <p:sp>
+        <p:nvSpPr>
+          <p:cNvPr id="4" name="Slide Number Placeholder 3"/>
+          <p:cNvSpPr>
+            <a:spLocks noGrp="1"/>
+          </p:cNvSpPr>
+          <p:nvPr>
+            <p:ph type="sldNum" sz="quarter" idx="5"/>
+          </p:nvPr>
+        </p:nvSpPr>
+        <p:spPr/>
+        <p:txBody>
+          <a:bodyPr/>
+          <a:lstStyle/>
+          <a:p>
+            <a:fld id="{D0A62AD7-9952-4B9B-8D9F-1156F01543DA}" type="slidenum">
+              <a:rPr lang="en-US" smtClean="0"/>
+              <a:t>11</a:t>
+            </a:fld>
+            <a:endParaRPr lang="en-US"/>
+          </a:p>
+        </p:txBody>
+      </p:sp>
+    </p:spTree>
+    <p:extLst>
+      <p:ext uri="{BB962C8B-B14F-4D97-AF65-F5344CB8AC3E}">
+        <p14:creationId xmlns:p14="http://schemas.microsoft.com/office/powerpoint/2010/main" val="2554365039"/>
+      </p:ext>
+    </p:extLst>
+  </p:cSld>
+  <p:clrMapOvr>
+    <a:masterClrMapping/>
+  </p:clrMapOvr>
+</p:notes>
+</file>
+
+<file path=ppt/notesSlides/notesSlide6.xml><?xml version="1.0" encoding="utf-8"?>
+<p:notes xmlns:a="http://schemas.openxmlformats.org/drawingml/2006/main" xmlns:r="http://schemas.openxmlformats.org/officeDocument/2006/relationships" xmlns:p="http://schemas.openxmlformats.org/presentationml/2006/main">
+  <p:cSld>
+    <p:spTree>
+      <p:nvGrpSpPr>
+        <p:cNvPr id="1" name=""/>
+        <p:cNvGrpSpPr/>
+        <p:nvPr/>
+      </p:nvGrpSpPr>
+      <p:grpSpPr>
+        <a:xfrm>
+          <a:off x="0" y="0"/>
+          <a:ext cx="0" cy="0"/>
+          <a:chOff x="0" y="0"/>
+          <a:chExt cx="0" cy="0"/>
+        </a:xfrm>
+      </p:grpSpPr>
+      <p:sp>
+        <p:nvSpPr>
+          <p:cNvPr id="2" name="Slide Image Placeholder 1"/>
+          <p:cNvSpPr>
+            <a:spLocks noGrp="1" noRot="1" noChangeAspect="1"/>
+          </p:cNvSpPr>
+          <p:nvPr>
+            <p:ph type="sldImg"/>
+          </p:nvPr>
+        </p:nvSpPr>
+        <p:spPr/>
+      </p:sp>
+      <p:sp>
+        <p:nvSpPr>
+          <p:cNvPr id="3" name="Notes Placeholder 2"/>
+          <p:cNvSpPr>
+            <a:spLocks noGrp="1"/>
+          </p:cNvSpPr>
+          <p:nvPr>
+            <p:ph type="body" idx="1"/>
+          </p:nvPr>
+        </p:nvSpPr>
+        <p:spPr/>
+        <p:txBody>
+          <a:bodyPr/>
+          <a:lstStyle/>
+          <a:p>
+            <a:r>
+              <a:rPr lang="en-US" sz="1200" kern="1200" dirty="0">
+                <a:solidFill>
+                  <a:schemeClr val="tx1"/>
+                </a:solidFill>
+                <a:effectLst/>
+                <a:latin typeface="+mn-lt"/>
+                <a:ea typeface="+mn-ea"/>
+                <a:cs typeface="+mn-cs"/>
+              </a:rPr>
+              <a:t>Different classes’ instances are created and used whenever necessary. Some major classes involved in the system process are:</a:t>
+            </a:r>
+          </a:p>
+          <a:p>
+            <a:pPr marL="171450" indent="-171450">
+              <a:buFont typeface="Arial" panose="020B0604020202020204" pitchFamily="34" charset="0"/>
+              <a:buChar char="•"/>
+            </a:pPr>
+            <a:r>
+              <a:rPr lang="en-US" sz="1200" b="1" kern="1200" dirty="0" err="1">
+                <a:solidFill>
+                  <a:schemeClr val="tx1"/>
+                </a:solidFill>
+                <a:effectLst/>
+                <a:latin typeface="+mn-lt"/>
+                <a:ea typeface="+mn-ea"/>
+                <a:cs typeface="+mn-cs"/>
+              </a:rPr>
+              <a:t>ImageSteganography</a:t>
+            </a:r>
+            <a:r>
+              <a:rPr lang="en-US" sz="1200" b="1" kern="1200" dirty="0">
+                <a:solidFill>
+                  <a:schemeClr val="tx1"/>
+                </a:solidFill>
+                <a:effectLst/>
+                <a:latin typeface="+mn-lt"/>
+                <a:ea typeface="+mn-ea"/>
+                <a:cs typeface="+mn-cs"/>
+              </a:rPr>
+              <a:t>: </a:t>
+            </a:r>
+            <a:r>
+              <a:rPr lang="en-US" sz="1200" kern="1200" dirty="0">
+                <a:solidFill>
+                  <a:schemeClr val="tx1"/>
+                </a:solidFill>
+                <a:effectLst/>
+                <a:latin typeface="+mn-lt"/>
+                <a:ea typeface="+mn-ea"/>
+                <a:cs typeface="+mn-cs"/>
+              </a:rPr>
+              <a:t>main class of the system which is accessed first when starting the system. Then, preferred mode of the program can be chosen. </a:t>
+            </a:r>
+          </a:p>
+          <a:p>
+            <a:pPr marL="171450" indent="-171450">
+              <a:buFont typeface="Arial" panose="020B0604020202020204" pitchFamily="34" charset="0"/>
+              <a:buChar char="•"/>
+            </a:pPr>
+            <a:r>
+              <a:rPr lang="en-US" sz="1200" b="1" kern="1200" dirty="0" err="1">
+                <a:solidFill>
+                  <a:schemeClr val="tx1"/>
+                </a:solidFill>
+                <a:effectLst/>
+                <a:latin typeface="+mn-lt"/>
+                <a:ea typeface="+mn-ea"/>
+                <a:cs typeface="+mn-cs"/>
+              </a:rPr>
+              <a:t>EncryptionPanel</a:t>
+            </a:r>
+            <a:r>
+              <a:rPr lang="en-US" sz="1200" b="1" kern="1200" dirty="0">
+                <a:solidFill>
+                  <a:schemeClr val="tx1"/>
+                </a:solidFill>
+                <a:effectLst/>
+                <a:latin typeface="+mn-lt"/>
+                <a:ea typeface="+mn-ea"/>
+                <a:cs typeface="+mn-cs"/>
+              </a:rPr>
+              <a:t>: </a:t>
+            </a:r>
+            <a:r>
+              <a:rPr lang="en-US" sz="1200" kern="1200" dirty="0">
+                <a:solidFill>
+                  <a:schemeClr val="tx1"/>
+                </a:solidFill>
+                <a:effectLst/>
+                <a:latin typeface="+mn-lt"/>
+                <a:ea typeface="+mn-ea"/>
+                <a:cs typeface="+mn-cs"/>
+              </a:rPr>
+              <a:t>This class contains the panel for encrypting and embedding the cover image file. It takes cover image file, secret message and shared key as inputs, then calls necessary functions from different classes to reach the goal.</a:t>
+            </a:r>
+          </a:p>
+          <a:p>
+            <a:pPr marL="171450" indent="-171450">
+              <a:buFont typeface="Arial" panose="020B0604020202020204" pitchFamily="34" charset="0"/>
+              <a:buChar char="•"/>
+            </a:pPr>
+            <a:r>
+              <a:rPr lang="en-US" sz="1200" b="1" kern="1200" dirty="0">
+                <a:solidFill>
+                  <a:schemeClr val="tx1"/>
+                </a:solidFill>
+                <a:effectLst/>
+                <a:latin typeface="+mn-lt"/>
+                <a:ea typeface="+mn-ea"/>
+                <a:cs typeface="+mn-cs"/>
+              </a:rPr>
+              <a:t>Encode: </a:t>
+            </a:r>
+            <a:r>
+              <a:rPr lang="en-US" sz="1200" kern="1200" dirty="0">
+                <a:solidFill>
+                  <a:schemeClr val="tx1"/>
+                </a:solidFill>
+                <a:effectLst/>
+                <a:latin typeface="+mn-lt"/>
+                <a:ea typeface="+mn-ea"/>
+                <a:cs typeface="+mn-cs"/>
+              </a:rPr>
+              <a:t>contains the necessary functions for encrypting the given input string and embedding the encrypted string onto provided cover image. It can be accessed from the </a:t>
+            </a:r>
+            <a:r>
+              <a:rPr lang="en-US" sz="1200" kern="1200" dirty="0" err="1">
+                <a:solidFill>
+                  <a:schemeClr val="tx1"/>
+                </a:solidFill>
+                <a:effectLst/>
+                <a:latin typeface="+mn-lt"/>
+                <a:ea typeface="+mn-ea"/>
+                <a:cs typeface="+mn-cs"/>
+              </a:rPr>
+              <a:t>EncryptionPanel</a:t>
+            </a:r>
+            <a:r>
+              <a:rPr lang="en-US" sz="1200" kern="1200" dirty="0">
+                <a:solidFill>
+                  <a:schemeClr val="tx1"/>
+                </a:solidFill>
+                <a:effectLst/>
+                <a:latin typeface="+mn-lt"/>
+                <a:ea typeface="+mn-ea"/>
+                <a:cs typeface="+mn-cs"/>
+              </a:rPr>
+              <a:t> class, which may create and use instance of this class whenever </a:t>
+            </a:r>
+            <a:r>
+              <a:rPr lang="en-US" sz="1200" kern="1200" dirty="0" err="1">
+                <a:solidFill>
+                  <a:schemeClr val="tx1"/>
+                </a:solidFill>
+                <a:effectLst/>
+                <a:latin typeface="+mn-lt"/>
+                <a:ea typeface="+mn-ea"/>
+                <a:cs typeface="+mn-cs"/>
+              </a:rPr>
+              <a:t>stego</a:t>
+            </a:r>
+            <a:r>
+              <a:rPr lang="en-US" sz="1200" kern="1200" dirty="0">
+                <a:solidFill>
+                  <a:schemeClr val="tx1"/>
+                </a:solidFill>
+                <a:effectLst/>
+                <a:latin typeface="+mn-lt"/>
+                <a:ea typeface="+mn-ea"/>
+                <a:cs typeface="+mn-cs"/>
+              </a:rPr>
+              <a:t>-image is to be created.</a:t>
+            </a:r>
+          </a:p>
+          <a:p>
+            <a:pPr marL="171450" indent="-171450">
+              <a:buFont typeface="Arial" panose="020B0604020202020204" pitchFamily="34" charset="0"/>
+              <a:buChar char="•"/>
+            </a:pPr>
+            <a:r>
+              <a:rPr lang="en-US" sz="1200" b="1" kern="1200" dirty="0" err="1">
+                <a:solidFill>
+                  <a:schemeClr val="tx1"/>
+                </a:solidFill>
+                <a:effectLst/>
+                <a:latin typeface="+mn-lt"/>
+                <a:ea typeface="+mn-ea"/>
+                <a:cs typeface="+mn-cs"/>
+              </a:rPr>
+              <a:t>SendMail</a:t>
+            </a:r>
+            <a:r>
+              <a:rPr lang="en-US" sz="1200" b="1" kern="1200" dirty="0">
+                <a:solidFill>
+                  <a:schemeClr val="tx1"/>
+                </a:solidFill>
+                <a:effectLst/>
+                <a:latin typeface="+mn-lt"/>
+                <a:ea typeface="+mn-ea"/>
+                <a:cs typeface="+mn-cs"/>
+              </a:rPr>
+              <a:t>: </a:t>
+            </a:r>
+            <a:r>
+              <a:rPr lang="en-US" sz="1200" kern="1200" dirty="0">
+                <a:solidFill>
+                  <a:schemeClr val="tx1"/>
+                </a:solidFill>
+                <a:effectLst/>
+                <a:latin typeface="+mn-lt"/>
+                <a:ea typeface="+mn-ea"/>
+                <a:cs typeface="+mn-cs"/>
+              </a:rPr>
+              <a:t>This class is responsible for sending the </a:t>
+            </a:r>
+            <a:r>
+              <a:rPr lang="en-US" sz="1200" kern="1200" dirty="0" err="1">
+                <a:solidFill>
+                  <a:schemeClr val="tx1"/>
+                </a:solidFill>
+                <a:effectLst/>
+                <a:latin typeface="+mn-lt"/>
+                <a:ea typeface="+mn-ea"/>
+                <a:cs typeface="+mn-cs"/>
+              </a:rPr>
+              <a:t>stego</a:t>
+            </a:r>
+            <a:r>
+              <a:rPr lang="en-US" sz="1200" kern="1200" dirty="0">
+                <a:solidFill>
+                  <a:schemeClr val="tx1"/>
+                </a:solidFill>
+                <a:effectLst/>
+                <a:latin typeface="+mn-lt"/>
+                <a:ea typeface="+mn-ea"/>
+                <a:cs typeface="+mn-cs"/>
+              </a:rPr>
+              <a:t>-image given by the Encode class, via email. It contains the frame consisting of the user interface.</a:t>
+            </a:r>
+          </a:p>
+          <a:p>
+            <a:pPr marL="171450" indent="-171450">
+              <a:buFont typeface="Arial" panose="020B0604020202020204" pitchFamily="34" charset="0"/>
+              <a:buChar char="•"/>
+            </a:pPr>
+            <a:r>
+              <a:rPr lang="en-US" sz="1200" b="1" kern="1200" dirty="0" err="1">
+                <a:solidFill>
+                  <a:schemeClr val="tx1"/>
+                </a:solidFill>
+                <a:effectLst/>
+                <a:latin typeface="+mn-lt"/>
+                <a:ea typeface="+mn-ea"/>
+                <a:cs typeface="+mn-cs"/>
+              </a:rPr>
+              <a:t>DecryptionPanel</a:t>
+            </a:r>
+            <a:r>
+              <a:rPr lang="en-US" sz="1200" b="1" kern="1200" dirty="0">
+                <a:solidFill>
+                  <a:schemeClr val="tx1"/>
+                </a:solidFill>
+                <a:effectLst/>
+                <a:latin typeface="+mn-lt"/>
+                <a:ea typeface="+mn-ea"/>
+                <a:cs typeface="+mn-cs"/>
+              </a:rPr>
+              <a:t>: </a:t>
+            </a:r>
+            <a:r>
+              <a:rPr lang="en-US" sz="1200" kern="1200" dirty="0">
+                <a:solidFill>
+                  <a:schemeClr val="tx1"/>
+                </a:solidFill>
+                <a:effectLst/>
+                <a:latin typeface="+mn-lt"/>
+                <a:ea typeface="+mn-ea"/>
+                <a:cs typeface="+mn-cs"/>
+              </a:rPr>
+              <a:t>This is the class that contains the panel for extracting and decrypting the hidden message from the </a:t>
+            </a:r>
+            <a:r>
+              <a:rPr lang="en-US" sz="1200" kern="1200" dirty="0" err="1">
+                <a:solidFill>
+                  <a:schemeClr val="tx1"/>
+                </a:solidFill>
+                <a:effectLst/>
+                <a:latin typeface="+mn-lt"/>
+                <a:ea typeface="+mn-ea"/>
+                <a:cs typeface="+mn-cs"/>
+              </a:rPr>
+              <a:t>stego</a:t>
+            </a:r>
+            <a:r>
+              <a:rPr lang="en-US" sz="1200" kern="1200" dirty="0">
+                <a:solidFill>
+                  <a:schemeClr val="tx1"/>
+                </a:solidFill>
+                <a:effectLst/>
+                <a:latin typeface="+mn-lt"/>
+                <a:ea typeface="+mn-ea"/>
+                <a:cs typeface="+mn-cs"/>
+              </a:rPr>
+              <a:t> image file. It takes the </a:t>
+            </a:r>
+            <a:r>
+              <a:rPr lang="en-US" sz="1200" kern="1200" dirty="0" err="1">
+                <a:solidFill>
+                  <a:schemeClr val="tx1"/>
+                </a:solidFill>
+                <a:effectLst/>
+                <a:latin typeface="+mn-lt"/>
+                <a:ea typeface="+mn-ea"/>
+                <a:cs typeface="+mn-cs"/>
+              </a:rPr>
+              <a:t>stego</a:t>
+            </a:r>
+            <a:r>
+              <a:rPr lang="en-US" sz="1200" kern="1200" dirty="0">
+                <a:solidFill>
+                  <a:schemeClr val="tx1"/>
+                </a:solidFill>
+                <a:effectLst/>
+                <a:latin typeface="+mn-lt"/>
+                <a:ea typeface="+mn-ea"/>
+                <a:cs typeface="+mn-cs"/>
+              </a:rPr>
+              <a:t> image file and shared secret key as inputs, then calls necessary functions from different classes to reach the goal.</a:t>
+            </a:r>
+          </a:p>
+          <a:p>
+            <a:pPr marL="171450" indent="-171450">
+              <a:buFont typeface="Arial" panose="020B0604020202020204" pitchFamily="34" charset="0"/>
+              <a:buChar char="•"/>
+            </a:pPr>
+            <a:r>
+              <a:rPr lang="en-US" sz="1200" b="1" kern="1200" dirty="0">
+                <a:solidFill>
+                  <a:schemeClr val="tx1"/>
+                </a:solidFill>
+                <a:effectLst/>
+                <a:latin typeface="+mn-lt"/>
+                <a:ea typeface="+mn-ea"/>
+                <a:cs typeface="+mn-cs"/>
+              </a:rPr>
+              <a:t>Decode: </a:t>
+            </a:r>
+            <a:r>
+              <a:rPr lang="en-US" sz="1200" kern="1200" dirty="0">
+                <a:solidFill>
+                  <a:schemeClr val="tx1"/>
+                </a:solidFill>
+                <a:effectLst/>
+                <a:latin typeface="+mn-lt"/>
+                <a:ea typeface="+mn-ea"/>
+                <a:cs typeface="+mn-cs"/>
+              </a:rPr>
+              <a:t>This class contains the necessary functions for extracting the encrypted text from the </a:t>
+            </a:r>
+            <a:r>
+              <a:rPr lang="en-US" sz="1200" kern="1200" dirty="0" err="1">
+                <a:solidFill>
+                  <a:schemeClr val="tx1"/>
+                </a:solidFill>
+                <a:effectLst/>
+                <a:latin typeface="+mn-lt"/>
+                <a:ea typeface="+mn-ea"/>
+                <a:cs typeface="+mn-cs"/>
+              </a:rPr>
+              <a:t>stego</a:t>
+            </a:r>
+            <a:r>
+              <a:rPr lang="en-US" sz="1200" kern="1200" dirty="0">
+                <a:solidFill>
+                  <a:schemeClr val="tx1"/>
+                </a:solidFill>
+                <a:effectLst/>
+                <a:latin typeface="+mn-lt"/>
+                <a:ea typeface="+mn-ea"/>
+                <a:cs typeface="+mn-cs"/>
+              </a:rPr>
+              <a:t> image as well as decrypting the encrypted text to receive the original message. It can be accessed from the </a:t>
+            </a:r>
+            <a:r>
+              <a:rPr lang="en-US" sz="1200" kern="1200" dirty="0" err="1">
+                <a:solidFill>
+                  <a:schemeClr val="tx1"/>
+                </a:solidFill>
+                <a:effectLst/>
+                <a:latin typeface="+mn-lt"/>
+                <a:ea typeface="+mn-ea"/>
+                <a:cs typeface="+mn-cs"/>
+              </a:rPr>
+              <a:t>DecryptionPanel</a:t>
+            </a:r>
+            <a:r>
+              <a:rPr lang="en-US" sz="1200" kern="1200" dirty="0">
+                <a:solidFill>
+                  <a:schemeClr val="tx1"/>
+                </a:solidFill>
+                <a:effectLst/>
+                <a:latin typeface="+mn-lt"/>
+                <a:ea typeface="+mn-ea"/>
+                <a:cs typeface="+mn-cs"/>
+              </a:rPr>
+              <a:t> class, which may create and use instance of this class whenever hidden message is to be extracted.</a:t>
+            </a:r>
+          </a:p>
+          <a:p>
+            <a:endParaRPr lang="en-US" dirty="0"/>
+          </a:p>
+        </p:txBody>
+      </p:sp>
+      <p:sp>
+        <p:nvSpPr>
+          <p:cNvPr id="4" name="Slide Number Placeholder 3"/>
+          <p:cNvSpPr>
+            <a:spLocks noGrp="1"/>
+          </p:cNvSpPr>
+          <p:nvPr>
+            <p:ph type="sldNum" sz="quarter" idx="5"/>
+          </p:nvPr>
+        </p:nvSpPr>
+        <p:spPr/>
+        <p:txBody>
+          <a:bodyPr/>
+          <a:lstStyle/>
+          <a:p>
+            <a:fld id="{D0A62AD7-9952-4B9B-8D9F-1156F01543DA}" type="slidenum">
+              <a:rPr lang="en-US" smtClean="0"/>
+              <a:t>13</a:t>
+            </a:fld>
+            <a:endParaRPr lang="en-US"/>
+          </a:p>
+        </p:txBody>
+      </p:sp>
+    </p:spTree>
+    <p:extLst>
+      <p:ext uri="{BB962C8B-B14F-4D97-AF65-F5344CB8AC3E}">
+        <p14:creationId xmlns:p14="http://schemas.microsoft.com/office/powerpoint/2010/main" val="3476728861"/>
+      </p:ext>
+    </p:extLst>
+  </p:cSld>
+  <p:clrMapOvr>
+    <a:masterClrMapping/>
+  </p:clrMapOvr>
+</p:notes>
+</file>
+
+<file path=ppt/notesSlides/notesSlide7.xml><?xml version="1.0" encoding="utf-8"?>
+<p:notes xmlns:a="http://schemas.openxmlformats.org/drawingml/2006/main" xmlns:r="http://schemas.openxmlformats.org/officeDocument/2006/relationships" xmlns:p="http://schemas.openxmlformats.org/presentationml/2006/main">
+  <p:cSld>
+    <p:spTree>
+      <p:nvGrpSpPr>
+        <p:cNvPr id="1" name=""/>
+        <p:cNvGrpSpPr/>
+        <p:nvPr/>
+      </p:nvGrpSpPr>
+      <p:grpSpPr>
+        <a:xfrm>
+          <a:off x="0" y="0"/>
+          <a:ext cx="0" cy="0"/>
+          <a:chOff x="0" y="0"/>
+          <a:chExt cx="0" cy="0"/>
+        </a:xfrm>
+      </p:grpSpPr>
+      <p:sp>
+        <p:nvSpPr>
+          <p:cNvPr id="2" name="Slide Image Placeholder 1"/>
+          <p:cNvSpPr>
+            <a:spLocks noGrp="1" noRot="1" noChangeAspect="1"/>
+          </p:cNvSpPr>
+          <p:nvPr>
+            <p:ph type="sldImg"/>
+          </p:nvPr>
+        </p:nvSpPr>
+        <p:spPr/>
+      </p:sp>
+      <p:sp>
+        <p:nvSpPr>
+          <p:cNvPr id="3" name="Notes Placeholder 2"/>
+          <p:cNvSpPr>
+            <a:spLocks noGrp="1"/>
+          </p:cNvSpPr>
+          <p:nvPr>
+            <p:ph type="body" idx="1"/>
+          </p:nvPr>
+        </p:nvSpPr>
+        <p:spPr/>
+        <p:txBody>
+          <a:bodyPr/>
+          <a:lstStyle/>
+          <a:p>
+            <a:pPr marL="171450" indent="-171450" fontAlgn="base">
+              <a:buFont typeface="Arial" panose="020B0604020202020204" pitchFamily="34" charset="0"/>
+              <a:buChar char="•"/>
+            </a:pPr>
+            <a:r>
+              <a:rPr lang="en-US" sz="1200" b="0" i="0" kern="1200" dirty="0">
+                <a:solidFill>
+                  <a:schemeClr val="tx1"/>
+                </a:solidFill>
+                <a:effectLst/>
+                <a:latin typeface="+mn-lt"/>
+                <a:ea typeface="+mn-ea"/>
+                <a:cs typeface="+mn-cs"/>
+              </a:rPr>
+              <a:t>technique in which we hide messages inside an image by replacing Least significant bit of image with the bits of message to be hidden.  </a:t>
+            </a:r>
+          </a:p>
+          <a:p>
+            <a:pPr marL="171450" indent="-171450" fontAlgn="base">
+              <a:buFont typeface="Arial" panose="020B0604020202020204" pitchFamily="34" charset="0"/>
+              <a:buChar char="•"/>
+            </a:pPr>
+            <a:r>
+              <a:rPr lang="en-US" sz="1200" b="0" i="0" kern="1200" dirty="0">
+                <a:solidFill>
+                  <a:schemeClr val="tx1"/>
+                </a:solidFill>
+                <a:effectLst/>
+                <a:latin typeface="+mn-lt"/>
+                <a:ea typeface="+mn-ea"/>
+                <a:cs typeface="+mn-cs"/>
+              </a:rPr>
+              <a:t>By modifying only </a:t>
+            </a:r>
+            <a:r>
+              <a:rPr lang="en-US" sz="1200" b="1" i="0" kern="1200" dirty="0">
+                <a:solidFill>
+                  <a:schemeClr val="tx1"/>
+                </a:solidFill>
+                <a:effectLst/>
+                <a:latin typeface="+mn-lt"/>
+                <a:ea typeface="+mn-ea"/>
+                <a:cs typeface="+mn-cs"/>
+              </a:rPr>
+              <a:t>the first most right bit of an image </a:t>
+            </a:r>
+            <a:r>
+              <a:rPr lang="en-US" sz="1200" b="0" i="0" kern="1200" dirty="0">
+                <a:solidFill>
+                  <a:schemeClr val="tx1"/>
+                </a:solidFill>
+                <a:effectLst/>
+                <a:latin typeface="+mn-lt"/>
+                <a:ea typeface="+mn-ea"/>
+                <a:cs typeface="+mn-cs"/>
+              </a:rPr>
+              <a:t>we can insert our secret message and it also make the picture unnoticeable, but if our message is too large it will start modifying the second right most bit and so on and an attacker can notice the changes in picture.</a:t>
+            </a:r>
+          </a:p>
+          <a:p>
+            <a:pPr marL="171450" indent="-171450" fontAlgn="base">
+              <a:buFont typeface="Arial" panose="020B0604020202020204" pitchFamily="34" charset="0"/>
+              <a:buChar char="•"/>
+            </a:pPr>
+            <a:endParaRPr lang="en-US" sz="1200" b="0" i="0" kern="1200" dirty="0">
+              <a:solidFill>
+                <a:schemeClr val="tx1"/>
+              </a:solidFill>
+              <a:effectLst/>
+              <a:latin typeface="+mn-lt"/>
+              <a:ea typeface="+mn-ea"/>
+              <a:cs typeface="+mn-cs"/>
+            </a:endParaRPr>
+          </a:p>
+          <a:p>
+            <a:pPr marL="171450" indent="-171450" fontAlgn="base">
+              <a:buFont typeface="Arial" panose="020B0604020202020204" pitchFamily="34" charset="0"/>
+              <a:buChar char="•"/>
+            </a:pPr>
+            <a:r>
+              <a:rPr lang="en-US" sz="1200" b="0" i="0" kern="1200" dirty="0">
+                <a:solidFill>
+                  <a:schemeClr val="tx1"/>
+                </a:solidFill>
+                <a:effectLst/>
+                <a:latin typeface="+mn-lt"/>
+                <a:ea typeface="+mn-ea"/>
+                <a:cs typeface="+mn-cs"/>
+              </a:rPr>
+              <a:t>1 pixel(RGB) – 3 bytes (R-1byte, G-1,B-1) – 24 bits</a:t>
+            </a:r>
+          </a:p>
+          <a:p>
+            <a:endParaRPr lang="en-US" dirty="0"/>
+          </a:p>
+          <a:p>
+            <a:endParaRPr lang="en-US" dirty="0"/>
+          </a:p>
+        </p:txBody>
+      </p:sp>
+      <p:sp>
+        <p:nvSpPr>
+          <p:cNvPr id="4" name="Slide Number Placeholder 3"/>
+          <p:cNvSpPr>
+            <a:spLocks noGrp="1"/>
+          </p:cNvSpPr>
+          <p:nvPr>
+            <p:ph type="sldNum" sz="quarter" idx="5"/>
+          </p:nvPr>
+        </p:nvSpPr>
+        <p:spPr/>
+        <p:txBody>
+          <a:bodyPr/>
+          <a:lstStyle/>
+          <a:p>
+            <a:fld id="{D0A62AD7-9952-4B9B-8D9F-1156F01543DA}" type="slidenum">
+              <a:rPr lang="en-US" smtClean="0"/>
+              <a:t>14</a:t>
+            </a:fld>
+            <a:endParaRPr lang="en-US"/>
+          </a:p>
+        </p:txBody>
+      </p:sp>
+    </p:spTree>
+    <p:extLst>
+      <p:ext uri="{BB962C8B-B14F-4D97-AF65-F5344CB8AC3E}">
+        <p14:creationId xmlns:p14="http://schemas.microsoft.com/office/powerpoint/2010/main" val="4231754421"/>
+      </p:ext>
+    </p:extLst>
+  </p:cSld>
+  <p:clrMapOvr>
+    <a:masterClrMapping/>
+  </p:clrMapOvr>
+</p:notes>
 </file>
 
 <file path=ppt/slideLayouts/slideLayout1.xml><?xml version="1.0" encoding="utf-8"?>
@@ -320,7 +2412,7 @@
           <a:p>
             <a:fld id="{FECFB901-D435-4B87-95E4-66DA46225BE9}" type="datetimeFigureOut">
               <a:rPr lang="en-US" smtClean="0"/>
-              <a:t>6/26/2019</a:t>
+              <a:t>8/5/2019</a:t>
             </a:fld>
             <a:endParaRPr lang="en-US"/>
           </a:p>
@@ -601,7 +2693,7 @@
           <a:p>
             <a:fld id="{FECFB901-D435-4B87-95E4-66DA46225BE9}" type="datetimeFigureOut">
               <a:rPr lang="en-US" smtClean="0"/>
-              <a:t>6/26/2019</a:t>
+              <a:t>8/5/2019</a:t>
             </a:fld>
             <a:endParaRPr lang="en-US"/>
           </a:p>
@@ -793,7 +2885,7 @@
           <a:p>
             <a:fld id="{FECFB901-D435-4B87-95E4-66DA46225BE9}" type="datetimeFigureOut">
               <a:rPr lang="en-US" smtClean="0"/>
-              <a:t>6/26/2019</a:t>
+              <a:t>8/5/2019</a:t>
             </a:fld>
             <a:endParaRPr lang="en-US"/>
           </a:p>
@@ -1054,7 +3146,7 @@
           <a:p>
             <a:fld id="{FECFB901-D435-4B87-95E4-66DA46225BE9}" type="datetimeFigureOut">
               <a:rPr lang="en-US" smtClean="0"/>
-              <a:t>6/26/2019</a:t>
+              <a:t>8/5/2019</a:t>
             </a:fld>
             <a:endParaRPr lang="en-US"/>
           </a:p>
@@ -1480,7 +3572,7 @@
           <a:p>
             <a:fld id="{FECFB901-D435-4B87-95E4-66DA46225BE9}" type="datetimeFigureOut">
               <a:rPr lang="en-US" smtClean="0"/>
-              <a:t>6/26/2019</a:t>
+              <a:t>8/5/2019</a:t>
             </a:fld>
             <a:endParaRPr lang="en-US"/>
           </a:p>
@@ -2026,7 +4118,7 @@
           <a:p>
             <a:fld id="{FECFB901-D435-4B87-95E4-66DA46225BE9}" type="datetimeFigureOut">
               <a:rPr lang="en-US" smtClean="0"/>
-              <a:t>6/26/2019</a:t>
+              <a:t>8/5/2019</a:t>
             </a:fld>
             <a:endParaRPr lang="en-US"/>
           </a:p>
@@ -2857,7 +4949,7 @@
           <a:p>
             <a:fld id="{FECFB901-D435-4B87-95E4-66DA46225BE9}" type="datetimeFigureOut">
               <a:rPr lang="en-US" smtClean="0"/>
-              <a:t>6/26/2019</a:t>
+              <a:t>8/5/2019</a:t>
             </a:fld>
             <a:endParaRPr lang="en-US"/>
           </a:p>
@@ -3027,7 +5119,7 @@
           <a:p>
             <a:fld id="{FECFB901-D435-4B87-95E4-66DA46225BE9}" type="datetimeFigureOut">
               <a:rPr lang="en-US" smtClean="0"/>
-              <a:t>6/26/2019</a:t>
+              <a:t>8/5/2019</a:t>
             </a:fld>
             <a:endParaRPr lang="en-US"/>
           </a:p>
@@ -3207,7 +5299,7 @@
           <a:p>
             <a:fld id="{FECFB901-D435-4B87-95E4-66DA46225BE9}" type="datetimeFigureOut">
               <a:rPr lang="en-US" smtClean="0"/>
-              <a:t>6/26/2019</a:t>
+              <a:t>8/5/2019</a:t>
             </a:fld>
             <a:endParaRPr lang="en-US"/>
           </a:p>
@@ -3377,7 +5469,7 @@
           <a:p>
             <a:fld id="{FECFB901-D435-4B87-95E4-66DA46225BE9}" type="datetimeFigureOut">
               <a:rPr lang="en-US" smtClean="0"/>
-              <a:t>6/26/2019</a:t>
+              <a:t>8/5/2019</a:t>
             </a:fld>
             <a:endParaRPr lang="en-US"/>
           </a:p>
@@ -3634,7 +5726,7 @@
           <a:p>
             <a:fld id="{FECFB901-D435-4B87-95E4-66DA46225BE9}" type="datetimeFigureOut">
               <a:rPr lang="en-US" smtClean="0"/>
-              <a:t>6/26/2019</a:t>
+              <a:t>8/5/2019</a:t>
             </a:fld>
             <a:endParaRPr lang="en-US"/>
           </a:p>
@@ -3866,7 +5958,7 @@
           <a:p>
             <a:fld id="{FECFB901-D435-4B87-95E4-66DA46225BE9}" type="datetimeFigureOut">
               <a:rPr lang="en-US" smtClean="0"/>
-              <a:t>6/26/2019</a:t>
+              <a:t>8/5/2019</a:t>
             </a:fld>
             <a:endParaRPr lang="en-US"/>
           </a:p>
@@ -4259,7 +6351,7 @@
           <a:p>
             <a:fld id="{FECFB901-D435-4B87-95E4-66DA46225BE9}" type="datetimeFigureOut">
               <a:rPr lang="en-US" smtClean="0"/>
-              <a:t>6/26/2019</a:t>
+              <a:t>8/5/2019</a:t>
             </a:fld>
             <a:endParaRPr lang="en-US"/>
           </a:p>
@@ -4377,7 +6469,7 @@
           <a:p>
             <a:fld id="{FECFB901-D435-4B87-95E4-66DA46225BE9}" type="datetimeFigureOut">
               <a:rPr lang="en-US" smtClean="0"/>
-              <a:t>6/26/2019</a:t>
+              <a:t>8/5/2019</a:t>
             </a:fld>
             <a:endParaRPr lang="en-US"/>
           </a:p>
@@ -4472,7 +6564,7 @@
           <a:p>
             <a:fld id="{FECFB901-D435-4B87-95E4-66DA46225BE9}" type="datetimeFigureOut">
               <a:rPr lang="en-US" smtClean="0"/>
-              <a:t>6/26/2019</a:t>
+              <a:t>8/5/2019</a:t>
             </a:fld>
             <a:endParaRPr lang="en-US"/>
           </a:p>
@@ -4745,7 +6837,7 @@
           <a:p>
             <a:fld id="{FECFB901-D435-4B87-95E4-66DA46225BE9}" type="datetimeFigureOut">
               <a:rPr lang="en-US" smtClean="0"/>
-              <a:t>6/26/2019</a:t>
+              <a:t>8/5/2019</a:t>
             </a:fld>
             <a:endParaRPr lang="en-US"/>
           </a:p>
@@ -5026,7 +7118,7 @@
           <a:p>
             <a:fld id="{FECFB901-D435-4B87-95E4-66DA46225BE9}" type="datetimeFigureOut">
               <a:rPr lang="en-US" smtClean="0"/>
-              <a:t>6/26/2019</a:t>
+              <a:t>8/5/2019</a:t>
             </a:fld>
             <a:endParaRPr lang="en-US"/>
           </a:p>
@@ -5266,7 +7358,7 @@
           <a:p>
             <a:fld id="{FECFB901-D435-4B87-95E4-66DA46225BE9}" type="datetimeFigureOut">
               <a:rPr lang="en-US" smtClean="0"/>
-              <a:t>6/26/2019</a:t>
+              <a:t>8/5/2019</a:t>
             </a:fld>
             <a:endParaRPr lang="en-US"/>
           </a:p>
@@ -5846,15 +7938,147 @@
         </p:nvSpPr>
         <p:spPr>
           <a:xfrm>
-            <a:off x="2007471" y="581141"/>
-            <a:ext cx="9144000" cy="1641490"/>
+            <a:off x="785839" y="735266"/>
+            <a:ext cx="11062400" cy="1951630"/>
           </a:xfrm>
         </p:spPr>
         <p:txBody>
-          <a:bodyPr/>
-          <a:lstStyle/>
+          <a:bodyPr>
+            <a:noAutofit/>
+          </a:bodyPr>
+          <a:lstStyle/>
+          <a:p>
+            <a:pPr algn="ctr"/>
+            <a:r>
+              <a:rPr lang="en-US" sz="7200" dirty="0"/>
+              <a:t>Image Steganography using </a:t>
+            </a:r>
+            <a:br>
+              <a:rPr lang="en-US" sz="7200" dirty="0"/>
+            </a:br>
+            <a:r>
+              <a:rPr lang="en-US" sz="7200" dirty="0"/>
+              <a:t>LSB Technique</a:t>
+            </a:r>
+          </a:p>
+        </p:txBody>
+      </p:sp>
+      <p:sp>
+        <p:nvSpPr>
+          <p:cNvPr id="3" name="TextBox 2">
+            <a:extLst>
+              <a:ext uri="{FF2B5EF4-FFF2-40B4-BE49-F238E27FC236}">
+                <a16:creationId xmlns:a16="http://schemas.microsoft.com/office/drawing/2014/main" id="{59B30DCC-88A4-4400-A541-51A39B67E25C}"/>
+              </a:ext>
+            </a:extLst>
+          </p:cNvPr>
+          <p:cNvSpPr txBox="1"/>
+          <p:nvPr/>
+        </p:nvSpPr>
+        <p:spPr>
+          <a:xfrm>
+            <a:off x="1978925" y="3875965"/>
+            <a:ext cx="3125337" cy="2246769"/>
+          </a:xfrm>
+          <a:prstGeom prst="rect">
+            <a:avLst/>
+          </a:prstGeom>
+          <a:noFill/>
+        </p:spPr>
+        <p:txBody>
+          <a:bodyPr wrap="square" rtlCol="0">
+            <a:spAutoFit/>
+          </a:bodyPr>
+          <a:lstStyle/>
+          <a:p>
+            <a:r>
+              <a:rPr lang="en-US" sz="2400" b="1" u="sng" dirty="0"/>
+              <a:t>Team Members:</a:t>
+            </a:r>
+          </a:p>
           <a:p>
             <a:endParaRPr lang="en-US" dirty="0"/>
+          </a:p>
+          <a:p>
+            <a:r>
+              <a:rPr lang="en-US" sz="2000" dirty="0"/>
+              <a:t>Aakash Shrestha</a:t>
+            </a:r>
+          </a:p>
+          <a:p>
+            <a:r>
+              <a:rPr lang="en-US" sz="2000" dirty="0"/>
+              <a:t>Sandhya Khadka</a:t>
+            </a:r>
+          </a:p>
+          <a:p>
+            <a:r>
+              <a:rPr lang="en-US" sz="2000" dirty="0"/>
+              <a:t>Simran </a:t>
+            </a:r>
+            <a:r>
+              <a:rPr lang="en-US" sz="2000" dirty="0" err="1"/>
+              <a:t>Dhoju</a:t>
+            </a:r>
+            <a:endParaRPr lang="en-US" sz="2000" dirty="0"/>
+          </a:p>
+          <a:p>
+            <a:r>
+              <a:rPr lang="en-US" sz="2000" dirty="0"/>
+              <a:t>Supriya Amatya</a:t>
+            </a:r>
+          </a:p>
+          <a:p>
+            <a:endParaRPr lang="en-US" dirty="0"/>
+          </a:p>
+        </p:txBody>
+      </p:sp>
+      <p:sp>
+        <p:nvSpPr>
+          <p:cNvPr id="4" name="TextBox 3">
+            <a:extLst>
+              <a:ext uri="{FF2B5EF4-FFF2-40B4-BE49-F238E27FC236}">
+                <a16:creationId xmlns:a16="http://schemas.microsoft.com/office/drawing/2014/main" id="{FFCF32C2-D499-44C2-92C6-5460C7FFF3F4}"/>
+              </a:ext>
+            </a:extLst>
+          </p:cNvPr>
+          <p:cNvSpPr txBox="1"/>
+          <p:nvPr/>
+        </p:nvSpPr>
+        <p:spPr>
+          <a:xfrm>
+            <a:off x="7301552" y="3875965"/>
+            <a:ext cx="2911523" cy="1046440"/>
+          </a:xfrm>
+          <a:prstGeom prst="rect">
+            <a:avLst/>
+          </a:prstGeom>
+          <a:noFill/>
+        </p:spPr>
+        <p:txBody>
+          <a:bodyPr wrap="square" rtlCol="0">
+            <a:spAutoFit/>
+          </a:bodyPr>
+          <a:lstStyle/>
+          <a:p>
+            <a:r>
+              <a:rPr lang="en-US" sz="2400" b="1" u="sng" dirty="0"/>
+              <a:t>Project Supervisor:</a:t>
+            </a:r>
+          </a:p>
+          <a:p>
+            <a:endParaRPr lang="en-US" dirty="0"/>
+          </a:p>
+          <a:p>
+            <a:r>
+              <a:rPr lang="en-US" sz="2000" dirty="0"/>
+              <a:t>Mr. Bhupendra </a:t>
+            </a:r>
+            <a:r>
+              <a:rPr lang="en-US" sz="2000" dirty="0" err="1"/>
+              <a:t>Luhar</a:t>
+            </a:r>
+            <a:endParaRPr lang="en-US" sz="2000" dirty="0"/>
           </a:p>
         </p:txBody>
       </p:sp>
@@ -5893,7 +8117,7 @@
           <p:cNvPr id="2" name="Title 1">
             <a:extLst>
               <a:ext uri="{FF2B5EF4-FFF2-40B4-BE49-F238E27FC236}">
-                <a16:creationId xmlns:a16="http://schemas.microsoft.com/office/drawing/2014/main" id="{D8842BB4-552E-4825-84A4-FB45099F89F4}"/>
+                <a16:creationId xmlns:a16="http://schemas.microsoft.com/office/drawing/2014/main" id="{413D9117-839F-418E-99BD-4ECDC6EDB241}"/>
               </a:ext>
             </a:extLst>
           </p:cNvPr>
@@ -5906,8 +8130,8 @@
         </p:nvSpPr>
         <p:spPr>
           <a:xfrm>
-            <a:off x="495231" y="1080743"/>
-            <a:ext cx="4275551" cy="787814"/>
+            <a:off x="177178" y="-114921"/>
+            <a:ext cx="3957499" cy="1410666"/>
           </a:xfrm>
         </p:spPr>
         <p:txBody>
@@ -5918,54 +8142,51 @@
           <a:p>
             <a:r>
               <a:rPr lang="en-US" sz="3600" dirty="0"/>
-              <a:t>System Architecture:</a:t>
+              <a:t>Level – 1 DFD:</a:t>
             </a:r>
           </a:p>
         </p:txBody>
       </p:sp>
       <p:pic>
         <p:nvPicPr>
-          <p:cNvPr id="4" name="Picture 3">
+          <p:cNvPr id="5" name="Picture 4">
             <a:extLst>
               <a:ext uri="{FF2B5EF4-FFF2-40B4-BE49-F238E27FC236}">
-                <a16:creationId xmlns:a16="http://schemas.microsoft.com/office/drawing/2014/main" id="{4995CEFE-8194-4A95-AE19-06FB55D96262}"/>
+                <a16:creationId xmlns:a16="http://schemas.microsoft.com/office/drawing/2014/main" id="{ED2D7015-A91C-408F-92EC-8770B6BE0A88}"/>
               </a:ext>
             </a:extLst>
           </p:cNvPr>
-          <p:cNvPicPr/>
+          <p:cNvPicPr>
+            <a:picLocks noChangeAspect="1"/>
+          </p:cNvPicPr>
           <p:nvPr/>
         </p:nvPicPr>
         <p:blipFill>
-          <a:blip r:embed="rId2">
+          <a:blip r:embed="rId3">
             <a:extLst>
               <a:ext uri="{28A0092B-C50C-407E-A947-70E740481C1C}">
                 <a14:useLocalDpi xmlns:a14="http://schemas.microsoft.com/office/drawing/2010/main" val="0"/>
               </a:ext>
             </a:extLst>
           </a:blip>
-          <a:srcRect/>
           <a:stretch>
             <a:fillRect/>
           </a:stretch>
         </p:blipFill>
-        <p:spPr bwMode="auto">
+        <p:spPr>
           <a:xfrm>
-            <a:off x="1374450" y="2430807"/>
-            <a:ext cx="9443099" cy="2759765"/>
+            <a:off x="3495601" y="476176"/>
+            <a:ext cx="6548731" cy="5905648"/>
           </a:xfrm>
           <a:prstGeom prst="rect">
             <a:avLst/>
           </a:prstGeom>
-          <a:noFill/>
-          <a:ln>
-            <a:noFill/>
-          </a:ln>
         </p:spPr>
       </p:pic>
     </p:spTree>
     <p:extLst>
       <p:ext uri="{BB962C8B-B14F-4D97-AF65-F5344CB8AC3E}">
-        <p14:creationId xmlns:p14="http://schemas.microsoft.com/office/powerpoint/2010/main" val="3410706972"/>
+        <p14:creationId xmlns:p14="http://schemas.microsoft.com/office/powerpoint/2010/main" val="713363927"/>
       </p:ext>
     </p:extLst>
   </p:cSld>
@@ -5997,7 +8218,7 @@
           <p:cNvPr id="2" name="Title 1">
             <a:extLst>
               <a:ext uri="{FF2B5EF4-FFF2-40B4-BE49-F238E27FC236}">
-                <a16:creationId xmlns:a16="http://schemas.microsoft.com/office/drawing/2014/main" id="{7DA72BAA-892E-4132-BE57-036E6EEE4D88}"/>
+                <a16:creationId xmlns:a16="http://schemas.microsoft.com/office/drawing/2014/main" id="{D8842BB4-552E-4825-84A4-FB45099F89F4}"/>
               </a:ext>
             </a:extLst>
           </p:cNvPr>
@@ -6010,8 +8231,8 @@
         </p:nvSpPr>
         <p:spPr>
           <a:xfrm>
-            <a:off x="468727" y="525117"/>
-            <a:ext cx="3467169" cy="748058"/>
+            <a:off x="495231" y="1080743"/>
+            <a:ext cx="4275551" cy="787814"/>
           </a:xfrm>
         </p:spPr>
         <p:txBody>
@@ -6022,25 +8243,27 @@
           <a:p>
             <a:r>
               <a:rPr lang="en-US" sz="3600" dirty="0"/>
-              <a:t>Class Diagram:</a:t>
+              <a:t>System Architecture:</a:t>
             </a:r>
           </a:p>
         </p:txBody>
       </p:sp>
       <p:pic>
         <p:nvPicPr>
-          <p:cNvPr id="4" name="Picture 3">
+          <p:cNvPr id="5" name="Picture 4">
             <a:extLst>
               <a:ext uri="{FF2B5EF4-FFF2-40B4-BE49-F238E27FC236}">
-                <a16:creationId xmlns:a16="http://schemas.microsoft.com/office/drawing/2014/main" id="{6D6FE3FE-9DFD-43CC-BAF5-00C55056C5B4}"/>
+                <a16:creationId xmlns:a16="http://schemas.microsoft.com/office/drawing/2014/main" id="{516EF413-A3FC-49A1-B378-D12F171B1934}"/>
               </a:ext>
             </a:extLst>
           </p:cNvPr>
-          <p:cNvPicPr/>
+          <p:cNvPicPr>
+            <a:picLocks noChangeAspect="1"/>
+          </p:cNvPicPr>
           <p:nvPr/>
         </p:nvPicPr>
         <p:blipFill>
-          <a:blip r:embed="rId2">
+          <a:blip r:embed="rId3">
             <a:extLst>
               <a:ext uri="{28A0092B-C50C-407E-A947-70E740481C1C}">
                 <a14:useLocalDpi xmlns:a14="http://schemas.microsoft.com/office/drawing/2010/main" val="0"/>
@@ -6053,8 +8276,8 @@
         </p:blipFill>
         <p:spPr>
           <a:xfrm>
-            <a:off x="2450727" y="1273175"/>
-            <a:ext cx="6931812" cy="5167382"/>
+            <a:off x="1901700" y="2306148"/>
+            <a:ext cx="8388600" cy="2800424"/>
           </a:xfrm>
           <a:prstGeom prst="rect">
             <a:avLst/>
@@ -6064,7 +8287,7 @@
     </p:spTree>
     <p:extLst>
       <p:ext uri="{BB962C8B-B14F-4D97-AF65-F5344CB8AC3E}">
-        <p14:creationId xmlns:p14="http://schemas.microsoft.com/office/powerpoint/2010/main" val="4174749588"/>
+        <p14:creationId xmlns:p14="http://schemas.microsoft.com/office/powerpoint/2010/main" val="3410706972"/>
       </p:ext>
     </p:extLst>
   </p:cSld>
@@ -6096,7 +8319,7 @@
           <p:cNvPr id="2" name="Title 1">
             <a:extLst>
               <a:ext uri="{FF2B5EF4-FFF2-40B4-BE49-F238E27FC236}">
-                <a16:creationId xmlns:a16="http://schemas.microsoft.com/office/drawing/2014/main" id="{69D68809-8E86-4FF1-A2B7-41CB17088BE9}"/>
+                <a16:creationId xmlns:a16="http://schemas.microsoft.com/office/drawing/2014/main" id="{9E1BE6DD-64B2-45F0-AA9E-C5EA2070B3FC}"/>
               </a:ext>
             </a:extLst>
           </p:cNvPr>
@@ -6109,29 +8332,28 @@
         </p:nvSpPr>
         <p:spPr>
           <a:xfrm>
-            <a:off x="839788" y="365125"/>
-            <a:ext cx="3732212" cy="1251640"/>
+            <a:off x="148883" y="154110"/>
+            <a:ext cx="4394982" cy="1325563"/>
           </a:xfrm>
         </p:spPr>
         <p:txBody>
-          <a:bodyPr>
-            <a:normAutofit/>
-          </a:bodyPr>
-          <a:lstStyle/>
-          <a:p>
-            <a:r>
-              <a:rPr lang="en-US" sz="3600" dirty="0"/>
+          <a:bodyPr/>
+          <a:lstStyle/>
+          <a:p>
+            <a:r>
+              <a:rPr lang="en-US" sz="4400" dirty="0"/>
               <a:t>Activity Diagram:</a:t>
             </a:r>
+            <a:endParaRPr lang="en-US" dirty="0"/>
           </a:p>
         </p:txBody>
       </p:sp>
       <p:pic>
         <p:nvPicPr>
-          <p:cNvPr id="5" name="Picture 4">
+          <p:cNvPr id="4" name="Picture 3">
             <a:extLst>
               <a:ext uri="{FF2B5EF4-FFF2-40B4-BE49-F238E27FC236}">
-                <a16:creationId xmlns:a16="http://schemas.microsoft.com/office/drawing/2014/main" id="{73EB9CBB-E422-4411-9DF2-8CC31BF888D9}"/>
+                <a16:creationId xmlns:a16="http://schemas.microsoft.com/office/drawing/2014/main" id="{C9AB00F1-DC77-4423-8149-F39412512449}"/>
               </a:ext>
             </a:extLst>
           </p:cNvPr>
@@ -6141,28 +8363,31 @@
           <p:nvPr/>
         </p:nvPicPr>
         <p:blipFill>
-          <a:blip r:embed="rId2"/>
+          <a:blip r:embed="rId2">
+            <a:extLst>
+              <a:ext uri="{28A0092B-C50C-407E-A947-70E740481C1C}">
+                <a14:useLocalDpi xmlns:a14="http://schemas.microsoft.com/office/drawing/2010/main" val="0"/>
+              </a:ext>
+            </a:extLst>
+          </a:blip>
           <a:stretch>
             <a:fillRect/>
           </a:stretch>
         </p:blipFill>
         <p:spPr>
           <a:xfrm>
-            <a:off x="5022574" y="365125"/>
-            <a:ext cx="5612836" cy="6394175"/>
+            <a:off x="4645595" y="291904"/>
+            <a:ext cx="5099193" cy="6274191"/>
           </a:xfrm>
           <a:prstGeom prst="rect">
             <a:avLst/>
           </a:prstGeom>
-          <a:solidFill>
-            <a:schemeClr val="tx1"/>
-          </a:solidFill>
         </p:spPr>
       </p:pic>
     </p:spTree>
     <p:extLst>
       <p:ext uri="{BB962C8B-B14F-4D97-AF65-F5344CB8AC3E}">
-        <p14:creationId xmlns:p14="http://schemas.microsoft.com/office/powerpoint/2010/main" val="394211832"/>
+        <p14:creationId xmlns:p14="http://schemas.microsoft.com/office/powerpoint/2010/main" val="851739524"/>
       </p:ext>
     </p:extLst>
   </p:cSld>
@@ -6191,10 +8416,10 @@
       </p:grpSpPr>
       <p:sp>
         <p:nvSpPr>
-          <p:cNvPr id="3" name="Text Placeholder 2">
+          <p:cNvPr id="2" name="Title 1">
             <a:extLst>
               <a:ext uri="{FF2B5EF4-FFF2-40B4-BE49-F238E27FC236}">
-                <a16:creationId xmlns:a16="http://schemas.microsoft.com/office/drawing/2014/main" id="{7F4DF8B6-0386-4958-8EEA-4245FE7C7AD4}"/>
+                <a16:creationId xmlns:a16="http://schemas.microsoft.com/office/drawing/2014/main" id="{7DA72BAA-892E-4132-BE57-036E6EEE4D88}"/>
               </a:ext>
             </a:extLst>
           </p:cNvPr>
@@ -6202,13 +8427,13 @@
             <a:spLocks noGrp="1"/>
           </p:cNvSpPr>
           <p:nvPr>
-            <p:ph type="body" sz="half" idx="2"/>
+            <p:ph type="title"/>
           </p:nvPr>
         </p:nvSpPr>
         <p:spPr>
           <a:xfrm>
-            <a:off x="694014" y="1260682"/>
-            <a:ext cx="10514012" cy="3034747"/>
+            <a:off x="468727" y="525117"/>
+            <a:ext cx="3467169" cy="748058"/>
           </a:xfrm>
         </p:spPr>
         <p:txBody>
@@ -6217,210 +8442,53 @@
           </a:bodyPr>
           <a:lstStyle/>
           <a:p>
-            <a:pPr marL="457200" indent="-457200" algn="just">
-              <a:buFont typeface="Wingdings" panose="05000000000000000000" pitchFamily="2" charset="2"/>
-              <a:buChar char="q"/>
-            </a:pPr>
-            <a:r>
-              <a:rPr lang="en-US" sz="2800" dirty="0"/>
-              <a:t>A method for embedding data into cover image.</a:t>
-            </a:r>
-          </a:p>
-          <a:p>
-            <a:pPr marL="457200" indent="-457200" algn="just">
-              <a:buFont typeface="Wingdings" panose="05000000000000000000" pitchFamily="2" charset="2"/>
-              <a:buChar char="q"/>
-            </a:pPr>
-            <a:r>
-              <a:rPr lang="en-US" sz="2800" dirty="0"/>
-              <a:t>It is a simple approach in which message bits are embedded in the least significant bits of cover image. </a:t>
-            </a:r>
-          </a:p>
-          <a:p>
-            <a:pPr marL="457200" indent="-457200" algn="just">
-              <a:buFont typeface="Wingdings" panose="05000000000000000000" pitchFamily="2" charset="2"/>
-              <a:buChar char="q"/>
-            </a:pPr>
-            <a:r>
-              <a:rPr lang="en-US" sz="2800" dirty="0"/>
-              <a:t>The least significant bit of each pixel of an image is altered to a bit of a message that is to be hidden. </a:t>
-            </a:r>
-          </a:p>
-          <a:p>
-            <a:pPr algn="just"/>
-            <a:endParaRPr lang="en-US" sz="2800" dirty="0"/>
-          </a:p>
-        </p:txBody>
-      </p:sp>
-      <p:sp>
-        <p:nvSpPr>
-          <p:cNvPr id="10" name="Title 9">
+            <a:r>
+              <a:rPr lang="en-US" sz="3600" dirty="0"/>
+              <a:t>Class Diagram:</a:t>
+            </a:r>
+          </a:p>
+        </p:txBody>
+      </p:sp>
+      <p:pic>
+        <p:nvPicPr>
+          <p:cNvPr id="5" name="Picture 4">
             <a:extLst>
               <a:ext uri="{FF2B5EF4-FFF2-40B4-BE49-F238E27FC236}">
-                <a16:creationId xmlns:a16="http://schemas.microsoft.com/office/drawing/2014/main" id="{B6C9ECE8-3E8B-4292-B04C-227E64BFAB1E}"/>
+                <a16:creationId xmlns:a16="http://schemas.microsoft.com/office/drawing/2014/main" id="{32921804-E156-47AA-9E95-698E2A5D9549}"/>
               </a:ext>
             </a:extLst>
           </p:cNvPr>
-          <p:cNvSpPr>
-            <a:spLocks noGrp="1"/>
-          </p:cNvSpPr>
-          <p:nvPr>
-            <p:ph type="title"/>
-          </p:nvPr>
-        </p:nvSpPr>
-        <p:spPr>
-          <a:xfrm>
-            <a:off x="694014" y="472868"/>
-            <a:ext cx="9894473" cy="787814"/>
-          </a:xfrm>
-        </p:spPr>
-        <p:txBody>
-          <a:bodyPr>
-            <a:normAutofit/>
-          </a:bodyPr>
-          <a:lstStyle/>
-          <a:p>
-            <a:r>
-              <a:rPr lang="en-US" sz="3600" dirty="0"/>
-              <a:t>Least Significant Bit(LSB) Replacement Algorithm</a:t>
-            </a:r>
-          </a:p>
-        </p:txBody>
-      </p:sp>
-      <p:pic>
-        <p:nvPicPr>
-          <p:cNvPr id="13" name="Picture 12" descr="https://2.bp.blogspot.com/-1leyDfJnMJY/WnHSU_aHZKI/AAAAAAAADsk/kClYV86bTwYbIttMrDR2igWNZI_qqJWrwCLcBGAs/s400/encode.png">
-            <a:extLst>
-              <a:ext uri="{FF2B5EF4-FFF2-40B4-BE49-F238E27FC236}">
-                <a16:creationId xmlns:a16="http://schemas.microsoft.com/office/drawing/2014/main" id="{31ECE215-F0B5-4450-B13B-9966576FFADE}"/>
-              </a:ext>
-            </a:extLst>
-          </p:cNvPr>
-          <p:cNvPicPr/>
+          <p:cNvPicPr>
+            <a:picLocks noChangeAspect="1"/>
+          </p:cNvPicPr>
           <p:nvPr/>
         </p:nvPicPr>
         <p:blipFill>
-          <a:blip r:embed="rId2">
+          <a:blip r:embed="rId3">
             <a:extLst>
               <a:ext uri="{28A0092B-C50C-407E-A947-70E740481C1C}">
                 <a14:useLocalDpi xmlns:a14="http://schemas.microsoft.com/office/drawing/2010/main" val="0"/>
               </a:ext>
             </a:extLst>
           </a:blip>
-          <a:srcRect/>
           <a:stretch>
             <a:fillRect/>
           </a:stretch>
         </p:blipFill>
-        <p:spPr bwMode="auto">
+        <p:spPr>
           <a:xfrm>
-            <a:off x="4522785" y="3903951"/>
-            <a:ext cx="3415265" cy="1953509"/>
+            <a:off x="3638329" y="661987"/>
+            <a:ext cx="7151590" cy="5843986"/>
           </a:xfrm>
           <a:prstGeom prst="rect">
             <a:avLst/>
           </a:prstGeom>
-          <a:noFill/>
-          <a:ln>
-            <a:noFill/>
-          </a:ln>
         </p:spPr>
       </p:pic>
-      <p:sp>
-        <p:nvSpPr>
-          <p:cNvPr id="14" name="Text Box 23">
-            <a:extLst>
-              <a:ext uri="{FF2B5EF4-FFF2-40B4-BE49-F238E27FC236}">
-                <a16:creationId xmlns:a16="http://schemas.microsoft.com/office/drawing/2014/main" id="{EEE6399A-E5D7-4565-BCD6-C293191D60D5}"/>
-              </a:ext>
-            </a:extLst>
-          </p:cNvPr>
-          <p:cNvSpPr txBox="1"/>
-          <p:nvPr/>
-        </p:nvSpPr>
-        <p:spPr>
-          <a:xfrm>
-            <a:off x="5097599" y="6048926"/>
-            <a:ext cx="2265639" cy="169277"/>
-          </a:xfrm>
-          <a:prstGeom prst="rect">
-            <a:avLst/>
-          </a:prstGeom>
-          <a:solidFill>
-            <a:prstClr val="white"/>
-          </a:solidFill>
-          <a:ln>
-            <a:noFill/>
-          </a:ln>
-        </p:spPr>
-        <p:txBody>
-          <a:bodyPr rot="0" spcFirstLastPara="0" vert="horz" wrap="square" lIns="0" tIns="0" rIns="0" bIns="0" numCol="1" spcCol="0" rtlCol="0" fromWordArt="0" anchor="t" anchorCtr="0" forceAA="0" compatLnSpc="1">
-            <a:prstTxWarp prst="textNoShape">
-              <a:avLst/>
-            </a:prstTxWarp>
-            <a:spAutoFit/>
-          </a:bodyPr>
-          <a:lstStyle/>
-          <a:p>
-            <a:pPr marL="0" marR="0" algn="just">
-              <a:spcBef>
-                <a:spcPts val="0"/>
-              </a:spcBef>
-              <a:spcAft>
-                <a:spcPts val="1000"/>
-              </a:spcAft>
-            </a:pPr>
-            <a:r>
-              <a:rPr lang="en-US" sz="1100" b="1" i="1" u="sng" dirty="0">
-                <a:solidFill>
-                  <a:srgbClr val="44546A"/>
-                </a:solidFill>
-                <a:effectLst/>
-                <a:latin typeface="Times New Roman" panose="02020603050405020304" pitchFamily="18" charset="0"/>
-                <a:ea typeface="Times New Roman" panose="02020603050405020304" pitchFamily="18" charset="0"/>
-                <a:cs typeface="Mangal" panose="02040503050203030202" pitchFamily="18" charset="0"/>
-              </a:rPr>
-              <a:t>Figure </a:t>
-            </a:r>
-            <a:r>
-              <a:rPr lang="en-US" sz="1100" b="1" i="1" u="sng" dirty="0">
-                <a:solidFill>
-                  <a:srgbClr val="44546A"/>
-                </a:solidFill>
-                <a:latin typeface="Times New Roman" panose="02020603050405020304" pitchFamily="18" charset="0"/>
-                <a:ea typeface="Times New Roman" panose="02020603050405020304" pitchFamily="18" charset="0"/>
-                <a:cs typeface="Mangal" panose="02040503050203030202" pitchFamily="18" charset="0"/>
-              </a:rPr>
-              <a:t>: </a:t>
-            </a:r>
-            <a:r>
-              <a:rPr lang="en-US" sz="1100" b="1" i="1" u="sng" dirty="0">
-                <a:solidFill>
-                  <a:srgbClr val="44546A"/>
-                </a:solidFill>
-                <a:effectLst/>
-                <a:latin typeface="Times New Roman" panose="02020603050405020304" pitchFamily="18" charset="0"/>
-                <a:ea typeface="Times New Roman" panose="02020603050405020304" pitchFamily="18" charset="0"/>
-                <a:cs typeface="Mangal" panose="02040503050203030202" pitchFamily="18" charset="0"/>
-              </a:rPr>
-              <a:t>LSB replacement</a:t>
-            </a:r>
-            <a:endParaRPr lang="en-US" sz="1050" i="1" u="sng" dirty="0">
-              <a:solidFill>
-                <a:srgbClr val="44546A"/>
-              </a:solidFill>
-              <a:effectLst/>
-              <a:latin typeface="Times New Roman" panose="02020603050405020304" pitchFamily="18" charset="0"/>
-              <a:ea typeface="Times New Roman" panose="02020603050405020304" pitchFamily="18" charset="0"/>
-              <a:cs typeface="Mangal" panose="02040503050203030202" pitchFamily="18" charset="0"/>
-            </a:endParaRPr>
-          </a:p>
-        </p:txBody>
-      </p:sp>
     </p:spTree>
     <p:extLst>
       <p:ext uri="{BB962C8B-B14F-4D97-AF65-F5344CB8AC3E}">
-        <p14:creationId xmlns:p14="http://schemas.microsoft.com/office/powerpoint/2010/main" val="2474239535"/>
+        <p14:creationId xmlns:p14="http://schemas.microsoft.com/office/powerpoint/2010/main" val="4174749588"/>
       </p:ext>
     </p:extLst>
   </p:cSld>
@@ -6449,10 +8517,10 @@
       </p:grpSpPr>
       <p:sp>
         <p:nvSpPr>
-          <p:cNvPr id="2" name="Title 1">
+          <p:cNvPr id="3" name="Text Placeholder 2">
             <a:extLst>
               <a:ext uri="{FF2B5EF4-FFF2-40B4-BE49-F238E27FC236}">
-                <a16:creationId xmlns:a16="http://schemas.microsoft.com/office/drawing/2014/main" id="{B151A493-49F4-43B7-A650-1E3E8224DFC1}"/>
+                <a16:creationId xmlns:a16="http://schemas.microsoft.com/office/drawing/2014/main" id="{7F4DF8B6-0386-4958-8EEA-4245FE7C7AD4}"/>
               </a:ext>
             </a:extLst>
           </p:cNvPr>
@@ -6460,32 +8528,62 @@
             <a:spLocks noGrp="1"/>
           </p:cNvSpPr>
           <p:nvPr>
-            <p:ph type="title"/>
+            <p:ph type="body" sz="half" idx="2"/>
           </p:nvPr>
         </p:nvSpPr>
         <p:spPr>
           <a:xfrm>
-            <a:off x="838200" y="452989"/>
-            <a:ext cx="6091099" cy="827571"/>
+            <a:off x="694014" y="1260682"/>
+            <a:ext cx="10514012" cy="3034747"/>
           </a:xfrm>
         </p:spPr>
         <p:txBody>
-          <a:bodyPr/>
-          <a:lstStyle/>
-          <a:p>
-            <a:r>
-              <a:rPr lang="en-US" dirty="0"/>
-              <a:t>Message Embedding Procedure:</a:t>
-            </a:r>
-          </a:p>
-        </p:txBody>
-      </p:sp>
-      <p:sp>
-        <p:nvSpPr>
-          <p:cNvPr id="3" name="Text Placeholder 2">
+          <a:bodyPr>
+            <a:normAutofit/>
+          </a:bodyPr>
+          <a:lstStyle/>
+          <a:p>
+            <a:pPr marL="457200" indent="-457200" algn="just">
+              <a:buFont typeface="Wingdings" panose="05000000000000000000" pitchFamily="2" charset="2"/>
+              <a:buChar char="q"/>
+            </a:pPr>
+            <a:r>
+              <a:rPr lang="en-US" sz="2800" dirty="0"/>
+              <a:t>A method for embedding data into cover image.</a:t>
+            </a:r>
+          </a:p>
+          <a:p>
+            <a:pPr marL="457200" indent="-457200" algn="just">
+              <a:buFont typeface="Wingdings" panose="05000000000000000000" pitchFamily="2" charset="2"/>
+              <a:buChar char="q"/>
+            </a:pPr>
+            <a:r>
+              <a:rPr lang="en-US" sz="2800" dirty="0"/>
+              <a:t>It is a simple approach in which message bits are embedded in the least significant bits of cover image. </a:t>
+            </a:r>
+          </a:p>
+          <a:p>
+            <a:pPr marL="457200" indent="-457200" algn="just">
+              <a:buFont typeface="Wingdings" panose="05000000000000000000" pitchFamily="2" charset="2"/>
+              <a:buChar char="q"/>
+            </a:pPr>
+            <a:r>
+              <a:rPr lang="en-US" sz="2800" dirty="0"/>
+              <a:t>The least significant bit of each pixel of an image is altered to a bit of a message that is to be hidden. </a:t>
+            </a:r>
+          </a:p>
+          <a:p>
+            <a:pPr algn="just"/>
+            <a:endParaRPr lang="en-US" sz="2800" dirty="0"/>
+          </a:p>
+        </p:txBody>
+      </p:sp>
+      <p:sp>
+        <p:nvSpPr>
+          <p:cNvPr id="10" name="Title 9">
             <a:extLst>
               <a:ext uri="{FF2B5EF4-FFF2-40B4-BE49-F238E27FC236}">
-                <a16:creationId xmlns:a16="http://schemas.microsoft.com/office/drawing/2014/main" id="{D22640F0-6FDD-43A0-9F61-6D57B565FD99}"/>
+                <a16:creationId xmlns:a16="http://schemas.microsoft.com/office/drawing/2014/main" id="{B6C9ECE8-3E8B-4292-B04C-227E64BFAB1E}"/>
               </a:ext>
             </a:extLst>
           </p:cNvPr>
@@ -6493,96 +8591,162 @@
             <a:spLocks noGrp="1"/>
           </p:cNvSpPr>
           <p:nvPr>
-            <p:ph type="body" sz="half" idx="2"/>
+            <p:ph type="title"/>
           </p:nvPr>
         </p:nvSpPr>
         <p:spPr>
           <a:xfrm>
-            <a:off x="839788" y="1492595"/>
-            <a:ext cx="10514012" cy="4710665"/>
+            <a:off x="694014" y="472868"/>
+            <a:ext cx="9894473" cy="787814"/>
           </a:xfrm>
         </p:spPr>
         <p:txBody>
           <a:bodyPr>
-            <a:normAutofit lnSpcReduction="10000"/>
+            <a:normAutofit/>
           </a:bodyPr>
           <a:lstStyle/>
           <a:p>
-            <a:pPr marL="400050" lvl="0" indent="-400050">
-              <a:buFont typeface="+mj-lt"/>
-              <a:buAutoNum type="romanUcPeriod"/>
+            <a:r>
+              <a:rPr lang="en-US" sz="3600" dirty="0"/>
+              <a:t>Least Significant Bit(LSB) Replacement Algorithm</a:t>
+            </a:r>
+          </a:p>
+        </p:txBody>
+      </p:sp>
+      <p:pic>
+        <p:nvPicPr>
+          <p:cNvPr id="13" name="Picture 12" descr="https://2.bp.blogspot.com/-1leyDfJnMJY/WnHSU_aHZKI/AAAAAAAADsk/kClYV86bTwYbIttMrDR2igWNZI_qqJWrwCLcBGAs/s400/encode.png">
+            <a:extLst>
+              <a:ext uri="{FF2B5EF4-FFF2-40B4-BE49-F238E27FC236}">
+                <a16:creationId xmlns:a16="http://schemas.microsoft.com/office/drawing/2014/main" id="{31ECE215-F0B5-4450-B13B-9966576FFADE}"/>
+              </a:ext>
+            </a:extLst>
+          </p:cNvPr>
+          <p:cNvPicPr/>
+          <p:nvPr/>
+        </p:nvPicPr>
+        <p:blipFill>
+          <a:blip r:embed="rId3">
+            <a:extLst>
+              <a:ext uri="{28A0092B-C50C-407E-A947-70E740481C1C}">
+                <a14:useLocalDpi xmlns:a14="http://schemas.microsoft.com/office/drawing/2010/main" val="0"/>
+              </a:ext>
+            </a:extLst>
+          </a:blip>
+          <a:srcRect/>
+          <a:stretch>
+            <a:fillRect/>
+          </a:stretch>
+        </p:blipFill>
+        <p:spPr bwMode="auto">
+          <a:xfrm>
+            <a:off x="4522785" y="3903951"/>
+            <a:ext cx="3415265" cy="1953509"/>
+          </a:xfrm>
+          <a:prstGeom prst="rect">
+            <a:avLst/>
+          </a:prstGeom>
+          <a:noFill/>
+          <a:ln>
+            <a:noFill/>
+          </a:ln>
+        </p:spPr>
+      </p:pic>
+      <p:sp>
+        <p:nvSpPr>
+          <p:cNvPr id="14" name="Text Box 23">
+            <a:extLst>
+              <a:ext uri="{FF2B5EF4-FFF2-40B4-BE49-F238E27FC236}">
+                <a16:creationId xmlns:a16="http://schemas.microsoft.com/office/drawing/2014/main" id="{EEE6399A-E5D7-4565-BCD6-C293191D60D5}"/>
+              </a:ext>
+            </a:extLst>
+          </p:cNvPr>
+          <p:cNvSpPr txBox="1"/>
+          <p:nvPr/>
+        </p:nvSpPr>
+        <p:spPr>
+          <a:xfrm>
+            <a:off x="5097599" y="6048926"/>
+            <a:ext cx="2265639" cy="169277"/>
+          </a:xfrm>
+          <a:prstGeom prst="rect">
+            <a:avLst/>
+          </a:prstGeom>
+          <a:solidFill>
+            <a:prstClr val="white"/>
+          </a:solidFill>
+          <a:ln>
+            <a:noFill/>
+          </a:ln>
+        </p:spPr>
+        <p:txBody>
+          <a:bodyPr rot="0" spcFirstLastPara="0" vert="horz" wrap="square" lIns="0" tIns="0" rIns="0" bIns="0" numCol="1" spcCol="0" rtlCol="0" fromWordArt="0" anchor="t" anchorCtr="0" forceAA="0" compatLnSpc="1">
+            <a:prstTxWarp prst="textNoShape">
+              <a:avLst/>
+            </a:prstTxWarp>
+            <a:spAutoFit/>
+          </a:bodyPr>
+          <a:lstStyle/>
+          <a:p>
+            <a:pPr marL="0" marR="0" algn="just">
+              <a:spcBef>
+                <a:spcPts val="0"/>
+              </a:spcBef>
+              <a:spcAft>
+                <a:spcPts val="1000"/>
+              </a:spcAft>
             </a:pPr>
             <a:r>
-              <a:rPr lang="en-US" sz="2400" dirty="0"/>
-              <a:t>Read the cover image and secret text information which is to be embedded into the image.</a:t>
-            </a:r>
-          </a:p>
-          <a:p>
-            <a:pPr marL="400050" lvl="0" indent="-400050">
-              <a:buFont typeface="+mj-lt"/>
-              <a:buAutoNum type="romanUcPeriod"/>
-            </a:pPr>
-            <a:r>
-              <a:rPr lang="en-US" sz="2400" dirty="0"/>
-              <a:t>Convert the secret information into encrypted text by using AES algorithm and secret key shared by receiver and sender.</a:t>
-            </a:r>
-          </a:p>
-          <a:p>
-            <a:pPr marL="400050" lvl="0" indent="-400050">
-              <a:buFont typeface="+mj-lt"/>
-              <a:buAutoNum type="romanUcPeriod"/>
-            </a:pPr>
-            <a:r>
-              <a:rPr lang="en-US" sz="2400" dirty="0"/>
-              <a:t>Add the value of encrypted text’s length at the beginning of the text along with a ‘/’ character.</a:t>
-            </a:r>
-          </a:p>
-          <a:p>
-            <a:pPr marL="400050" lvl="0" indent="-400050">
-              <a:buFont typeface="+mj-lt"/>
-              <a:buAutoNum type="romanUcPeriod"/>
-            </a:pPr>
-            <a:r>
-              <a:rPr lang="en-US" sz="2400" dirty="0"/>
-              <a:t>Convert encrypted text message into binary form – which will give the text message’s characters’ bits.</a:t>
-            </a:r>
-          </a:p>
-          <a:p>
-            <a:pPr marL="400050" lvl="0" indent="-400050">
-              <a:buFont typeface="+mj-lt"/>
-              <a:buAutoNum type="romanUcPeriod"/>
-            </a:pPr>
-            <a:r>
-              <a:rPr lang="en-US" sz="2400" dirty="0"/>
-              <a:t>Find LSBs of each RGB pixels of the cover image.</a:t>
-            </a:r>
-          </a:p>
-          <a:p>
-            <a:pPr marL="400050" lvl="0" indent="-400050">
-              <a:buFont typeface="+mj-lt"/>
-              <a:buAutoNum type="romanUcPeriod"/>
-            </a:pPr>
-            <a:r>
-              <a:rPr lang="en-US" sz="2400" dirty="0"/>
-              <a:t>Embed the bits obtained on step 4 into LSBs of RGB pixels of step 4.</a:t>
-            </a:r>
-          </a:p>
-          <a:p>
-            <a:pPr marL="400050" lvl="0" indent="-400050">
-              <a:buFont typeface="+mj-lt"/>
-              <a:buAutoNum type="romanUcPeriod"/>
-            </a:pPr>
-            <a:r>
-              <a:rPr lang="en-US" sz="2400" dirty="0"/>
-              <a:t>Continue the procedure until the secret information is fully hidden in cover image file.</a:t>
-            </a:r>
+              <a:rPr lang="en-US" sz="1100" b="1" i="1" u="sng" dirty="0">
+                <a:solidFill>
+                  <a:srgbClr val="44546A"/>
+                </a:solidFill>
+                <a:effectLst/>
+                <a:latin typeface="Times New Roman" panose="02020603050405020304" pitchFamily="18" charset="0"/>
+                <a:ea typeface="Times New Roman" panose="02020603050405020304" pitchFamily="18" charset="0"/>
+                <a:cs typeface="Mangal" panose="02040503050203030202" pitchFamily="18" charset="0"/>
+              </a:rPr>
+              <a:t>Figure </a:t>
+            </a:r>
+            <a:r>
+              <a:rPr lang="en-US" sz="1100" b="1" i="1" u="sng" dirty="0">
+                <a:solidFill>
+                  <a:srgbClr val="44546A"/>
+                </a:solidFill>
+                <a:latin typeface="Times New Roman" panose="02020603050405020304" pitchFamily="18" charset="0"/>
+                <a:ea typeface="Times New Roman" panose="02020603050405020304" pitchFamily="18" charset="0"/>
+                <a:cs typeface="Mangal" panose="02040503050203030202" pitchFamily="18" charset="0"/>
+              </a:rPr>
+              <a:t>: </a:t>
+            </a:r>
+            <a:r>
+              <a:rPr lang="en-US" sz="1100" b="1" i="1" u="sng" dirty="0">
+                <a:solidFill>
+                  <a:srgbClr val="44546A"/>
+                </a:solidFill>
+                <a:effectLst/>
+                <a:latin typeface="Times New Roman" panose="02020603050405020304" pitchFamily="18" charset="0"/>
+                <a:ea typeface="Times New Roman" panose="02020603050405020304" pitchFamily="18" charset="0"/>
+                <a:cs typeface="Mangal" panose="02040503050203030202" pitchFamily="18" charset="0"/>
+              </a:rPr>
+              <a:t>LSB replacement</a:t>
+            </a:r>
+            <a:endParaRPr lang="en-US" sz="1050" i="1" u="sng" dirty="0">
+              <a:solidFill>
+                <a:srgbClr val="44546A"/>
+              </a:solidFill>
+              <a:effectLst/>
+              <a:latin typeface="Times New Roman" panose="02020603050405020304" pitchFamily="18" charset="0"/>
+              <a:ea typeface="Times New Roman" panose="02020603050405020304" pitchFamily="18" charset="0"/>
+              <a:cs typeface="Mangal" panose="02040503050203030202" pitchFamily="18" charset="0"/>
+            </a:endParaRPr>
           </a:p>
         </p:txBody>
       </p:sp>
     </p:spTree>
     <p:extLst>
       <p:ext uri="{BB962C8B-B14F-4D97-AF65-F5344CB8AC3E}">
-        <p14:creationId xmlns:p14="http://schemas.microsoft.com/office/powerpoint/2010/main" val="1465656719"/>
+        <p14:creationId xmlns:p14="http://schemas.microsoft.com/office/powerpoint/2010/main" val="2474239535"/>
       </p:ext>
     </p:extLst>
   </p:cSld>
@@ -6614,7 +8778,7 @@
           <p:cNvPr id="2" name="Title 1">
             <a:extLst>
               <a:ext uri="{FF2B5EF4-FFF2-40B4-BE49-F238E27FC236}">
-                <a16:creationId xmlns:a16="http://schemas.microsoft.com/office/drawing/2014/main" id="{AC75D694-C6A0-4D02-87E4-E305AA0C6206}"/>
+                <a16:creationId xmlns:a16="http://schemas.microsoft.com/office/drawing/2014/main" id="{B151A493-49F4-43B7-A650-1E3E8224DFC1}"/>
               </a:ext>
             </a:extLst>
           </p:cNvPr>
@@ -6627,19 +8791,17 @@
         </p:nvSpPr>
         <p:spPr>
           <a:xfrm>
-            <a:off x="680762" y="469209"/>
-            <a:ext cx="6289882" cy="814318"/>
+            <a:off x="838200" y="452989"/>
+            <a:ext cx="6091099" cy="827571"/>
           </a:xfrm>
         </p:spPr>
         <p:txBody>
-          <a:bodyPr>
-            <a:normAutofit/>
-          </a:bodyPr>
-          <a:lstStyle/>
-          <a:p>
-            <a:r>
-              <a:rPr lang="en-US" sz="3600" dirty="0"/>
-              <a:t>Message Extraction  Algorithm</a:t>
+          <a:bodyPr/>
+          <a:lstStyle/>
+          <a:p>
+            <a:r>
+              <a:rPr lang="en-US" dirty="0"/>
+              <a:t>Message Embedding Algorithm:</a:t>
             </a:r>
           </a:p>
         </p:txBody>
@@ -6649,7 +8811,7 @@
           <p:cNvPr id="3" name="Text Placeholder 2">
             <a:extLst>
               <a:ext uri="{FF2B5EF4-FFF2-40B4-BE49-F238E27FC236}">
-                <a16:creationId xmlns:a16="http://schemas.microsoft.com/office/drawing/2014/main" id="{D9F23261-8992-4769-B1CF-B6CF04705598}"/>
+                <a16:creationId xmlns:a16="http://schemas.microsoft.com/office/drawing/2014/main" id="{D22640F0-6FDD-43A0-9F61-6D57B565FD99}"/>
               </a:ext>
             </a:extLst>
           </p:cNvPr>
@@ -6662,13 +8824,13 @@
         </p:nvSpPr>
         <p:spPr>
           <a:xfrm>
-            <a:off x="680762" y="1537252"/>
-            <a:ext cx="10514012" cy="4851539"/>
+            <a:off x="839788" y="1492595"/>
+            <a:ext cx="10514012" cy="4710665"/>
           </a:xfrm>
         </p:spPr>
         <p:txBody>
           <a:bodyPr>
-            <a:normAutofit/>
+            <a:normAutofit lnSpcReduction="10000"/>
           </a:bodyPr>
           <a:lstStyle/>
           <a:p>
@@ -6678,7 +8840,7 @@
             </a:pPr>
             <a:r>
               <a:rPr lang="en-US" sz="2400" dirty="0"/>
-              <a:t>Read the stego image and secret key.</a:t>
+              <a:t>Read the cover image and secret text information which is to be embedded into the image.</a:t>
             </a:r>
           </a:p>
           <a:p>
@@ -6688,7 +8850,7 @@
             </a:pPr>
             <a:r>
               <a:rPr lang="en-US" sz="2400" dirty="0"/>
-              <a:t>Retrieve LSBs of each RGB pixels of the stego image.</a:t>
+              <a:t>Convert the secret information into encrypted text by using AES algorithm and secret key shared by receiver and sender.</a:t>
             </a:r>
           </a:p>
           <a:p>
@@ -6698,7 +8860,7 @@
             </a:pPr>
             <a:r>
               <a:rPr lang="en-US" sz="2400" dirty="0"/>
-              <a:t>Convert binary strings formed by every 8 RGB pixels of step 2 to character and append the characters to a string builder.</a:t>
+              <a:t>Add the value of encrypted text’s length at the beginning of the text along with a ‘/’ character.</a:t>
             </a:r>
           </a:p>
           <a:p>
@@ -6708,7 +8870,7 @@
             </a:pPr>
             <a:r>
               <a:rPr lang="en-US" sz="2400" dirty="0"/>
-              <a:t>Upon finding the first ‘/’ character from string builder of step 3, save its previous characters as text length and discard all characters till that index.</a:t>
+              <a:t>Convert encrypted text message into binary form – which will give the text message’s characters’ bits.</a:t>
             </a:r>
           </a:p>
           <a:p>
@@ -6718,7 +8880,7 @@
             </a:pPr>
             <a:r>
               <a:rPr lang="en-US" sz="2400" dirty="0"/>
-              <a:t>Continue the process for more (text length obtained at step 4 * 8) times to fully extract the hidden encrypted text.</a:t>
+              <a:t>Find LSBs of each RGB pixels of the cover image.</a:t>
             </a:r>
           </a:p>
           <a:p>
@@ -6728,22 +8890,25 @@
             </a:pPr>
             <a:r>
               <a:rPr lang="en-US" sz="2400" dirty="0"/>
-              <a:t>Using the secret key and AES decryption, decrypt secret information obtained on step 4 to get original information. </a:t>
-            </a:r>
-          </a:p>
-          <a:p>
-            <a:pPr marL="400050" indent="-400050">
+              <a:t>Embed the bits obtained on step 4 into LSBs of RGB pixels of step 4.</a:t>
+            </a:r>
+          </a:p>
+          <a:p>
+            <a:pPr marL="400050" lvl="0" indent="-400050">
               <a:buFont typeface="+mj-lt"/>
               <a:buAutoNum type="romanUcPeriod"/>
             </a:pPr>
-            <a:endParaRPr lang="en-US" sz="2400" dirty="0"/>
+            <a:r>
+              <a:rPr lang="en-US" sz="2400" dirty="0"/>
+              <a:t>Continue the procedure until the secret information is fully hidden in cover image file.</a:t>
+            </a:r>
           </a:p>
         </p:txBody>
       </p:sp>
     </p:spTree>
     <p:extLst>
       <p:ext uri="{BB962C8B-B14F-4D97-AF65-F5344CB8AC3E}">
-        <p14:creationId xmlns:p14="http://schemas.microsoft.com/office/powerpoint/2010/main" val="2270037405"/>
+        <p14:creationId xmlns:p14="http://schemas.microsoft.com/office/powerpoint/2010/main" val="1465656719"/>
       </p:ext>
     </p:extLst>
   </p:cSld>
@@ -6775,7 +8940,7 @@
           <p:cNvPr id="2" name="Title 1">
             <a:extLst>
               <a:ext uri="{FF2B5EF4-FFF2-40B4-BE49-F238E27FC236}">
-                <a16:creationId xmlns:a16="http://schemas.microsoft.com/office/drawing/2014/main" id="{8C29D98D-BA14-4584-B56A-61F1533D2B5E}"/>
+                <a16:creationId xmlns:a16="http://schemas.microsoft.com/office/drawing/2014/main" id="{AC75D694-C6A0-4D02-87E4-E305AA0C6206}"/>
               </a:ext>
             </a:extLst>
           </p:cNvPr>
@@ -6788,8 +8953,8 @@
         </p:nvSpPr>
         <p:spPr>
           <a:xfrm>
-            <a:off x="839788" y="404882"/>
-            <a:ext cx="5561012" cy="893832"/>
+            <a:off x="680762" y="469209"/>
+            <a:ext cx="6289882" cy="814318"/>
           </a:xfrm>
         </p:spPr>
         <p:txBody>
@@ -6800,7 +8965,7 @@
           <a:p>
             <a:r>
               <a:rPr lang="en-US" sz="3600" dirty="0"/>
-              <a:t>Software Tools Used</a:t>
+              <a:t>Message Extraction  Algorithm</a:t>
             </a:r>
           </a:p>
         </p:txBody>
@@ -6810,7 +8975,7 @@
           <p:cNvPr id="3" name="Text Placeholder 2">
             <a:extLst>
               <a:ext uri="{FF2B5EF4-FFF2-40B4-BE49-F238E27FC236}">
-                <a16:creationId xmlns:a16="http://schemas.microsoft.com/office/drawing/2014/main" id="{CEEB4F15-AFD2-44A4-A177-7F3B1220AECC}"/>
+                <a16:creationId xmlns:a16="http://schemas.microsoft.com/office/drawing/2014/main" id="{D9F23261-8992-4769-B1CF-B6CF04705598}"/>
               </a:ext>
             </a:extLst>
           </p:cNvPr>
@@ -6823,8 +8988,8 @@
         </p:nvSpPr>
         <p:spPr>
           <a:xfrm>
-            <a:off x="839788" y="1603513"/>
-            <a:ext cx="10514012" cy="4666008"/>
+            <a:off x="680762" y="1537252"/>
+            <a:ext cx="10514012" cy="4851539"/>
           </a:xfrm>
         </p:spPr>
         <p:txBody>
@@ -6833,96 +8998,78 @@
           </a:bodyPr>
           <a:lstStyle/>
           <a:p>
-            <a:pPr marL="457200" lvl="0" indent="-457200">
-              <a:buFont typeface="Arial" panose="020B0604020202020204" pitchFamily="34" charset="0"/>
-              <a:buChar char="•"/>
+            <a:pPr marL="400050" lvl="0" indent="-400050">
+              <a:buFont typeface="+mj-lt"/>
+              <a:buAutoNum type="romanUcPeriod"/>
             </a:pPr>
             <a:r>
-              <a:rPr lang="en-US" sz="2800" dirty="0"/>
-              <a:t>IDE:</a:t>
-            </a:r>
-            <a:r>
-              <a:rPr lang="en-US" sz="2800" b="1" dirty="0"/>
-              <a:t> </a:t>
-            </a:r>
-            <a:r>
-              <a:rPr lang="en-US" sz="2800" dirty="0"/>
-              <a:t>NetBeans 8.0.2.</a:t>
-            </a:r>
-          </a:p>
-          <a:p>
-            <a:pPr marL="457200" lvl="0" indent="-457200">
-              <a:buFont typeface="Arial" panose="020B0604020202020204" pitchFamily="34" charset="0"/>
-              <a:buChar char="•"/>
+              <a:rPr lang="en-US" sz="2400" dirty="0"/>
+              <a:t>Read the stego image and secret key.</a:t>
+            </a:r>
+          </a:p>
+          <a:p>
+            <a:pPr marL="400050" lvl="0" indent="-400050">
+              <a:buFont typeface="+mj-lt"/>
+              <a:buAutoNum type="romanUcPeriod"/>
             </a:pPr>
             <a:r>
-              <a:rPr lang="en-US" sz="2800" dirty="0"/>
-              <a:t>Programming Language: Java programming language.</a:t>
-            </a:r>
-          </a:p>
-          <a:p>
-            <a:pPr marL="457200" lvl="0" indent="-457200">
-              <a:buFont typeface="Arial" panose="020B0604020202020204" pitchFamily="34" charset="0"/>
-              <a:buChar char="•"/>
+              <a:rPr lang="en-US" sz="2400" dirty="0"/>
+              <a:t>Retrieve LSBs of each RGB pixels of the stego image.</a:t>
+            </a:r>
+          </a:p>
+          <a:p>
+            <a:pPr marL="400050" lvl="0" indent="-400050">
+              <a:buFont typeface="+mj-lt"/>
+              <a:buAutoNum type="romanUcPeriod"/>
             </a:pPr>
             <a:r>
-              <a:rPr lang="en-US" sz="2800" dirty="0"/>
-              <a:t>Swing- GUI widget toolkit for java: Used for creating GUI. </a:t>
-            </a:r>
-          </a:p>
-          <a:p>
-            <a:pPr marL="457200" lvl="0" indent="-457200">
-              <a:buFont typeface="Arial" panose="020B0604020202020204" pitchFamily="34" charset="0"/>
-              <a:buChar char="•"/>
+              <a:rPr lang="en-US" sz="2400" dirty="0"/>
+              <a:t>Convert binary strings formed by every 8 RGB pixels of step 2 to character and append the characters to a string builder.</a:t>
+            </a:r>
+          </a:p>
+          <a:p>
+            <a:pPr marL="400050" lvl="0" indent="-400050">
+              <a:buFont typeface="+mj-lt"/>
+              <a:buAutoNum type="romanUcPeriod"/>
             </a:pPr>
             <a:r>
-              <a:rPr lang="en-US" sz="2800" dirty="0"/>
-              <a:t>Java AWT packages: For event handling and working with files and images.</a:t>
-            </a:r>
-          </a:p>
-          <a:p>
-            <a:pPr marL="457200" lvl="0" indent="-457200">
-              <a:buFont typeface="Arial" panose="020B0604020202020204" pitchFamily="34" charset="0"/>
-              <a:buChar char="•"/>
+              <a:rPr lang="en-US" sz="2400" dirty="0"/>
+              <a:t>Upon finding the first ‘/’ character from string builder of step 3, save its previous characters as text length and discard all characters till that index.</a:t>
+            </a:r>
+          </a:p>
+          <a:p>
+            <a:pPr marL="400050" lvl="0" indent="-400050">
+              <a:buFont typeface="+mj-lt"/>
+              <a:buAutoNum type="romanUcPeriod"/>
             </a:pPr>
             <a:r>
-              <a:rPr lang="en-US" sz="2800" dirty="0"/>
-              <a:t>Java Mail bean: Used to send stego image via Email.</a:t>
-            </a:r>
-          </a:p>
-          <a:p>
-            <a:pPr marL="457200" lvl="0" indent="-457200">
-              <a:buFont typeface="Arial" panose="020B0604020202020204" pitchFamily="34" charset="0"/>
-              <a:buChar char="•"/>
+              <a:rPr lang="en-US" sz="2400" dirty="0"/>
+              <a:t>Continue the process for more (text length obtained at step 4 * 8) times to fully extract the hidden encrypted text.</a:t>
+            </a:r>
+          </a:p>
+          <a:p>
+            <a:pPr marL="400050" lvl="0" indent="-400050">
+              <a:buFont typeface="+mj-lt"/>
+              <a:buAutoNum type="romanUcPeriod"/>
             </a:pPr>
             <a:r>
-              <a:rPr lang="en-US" sz="2800" dirty="0"/>
-              <a:t>Java AES encryption/decryption API: Used to generate cipher text.</a:t>
-            </a:r>
-          </a:p>
-          <a:p>
-            <a:pPr marL="457200" lvl="0" indent="-457200">
-              <a:buFont typeface="Arial" panose="020B0604020202020204" pitchFamily="34" charset="0"/>
-              <a:buChar char="•"/>
+              <a:rPr lang="en-US" sz="2400" dirty="0"/>
+              <a:t>Using the secret key and AES decryption, decrypt secret information obtained on step 4 to get original information. </a:t>
+            </a:r>
+          </a:p>
+          <a:p>
+            <a:pPr marL="400050" indent="-400050">
+              <a:buFont typeface="+mj-lt"/>
+              <a:buAutoNum type="romanUcPeriod"/>
             </a:pPr>
-            <a:r>
-              <a:rPr lang="en-US" sz="2800" dirty="0"/>
-              <a:t>Additionally, various java packages and libraries were also used.</a:t>
-            </a:r>
-          </a:p>
-          <a:p>
-            <a:pPr marL="457200" indent="-457200">
-              <a:buFont typeface="Arial" panose="020B0604020202020204" pitchFamily="34" charset="0"/>
-              <a:buChar char="•"/>
-            </a:pPr>
-            <a:endParaRPr lang="en-US" sz="2800" dirty="0"/>
+            <a:endParaRPr lang="en-US" sz="2400" dirty="0"/>
           </a:p>
         </p:txBody>
       </p:sp>
     </p:spTree>
     <p:extLst>
       <p:ext uri="{BB962C8B-B14F-4D97-AF65-F5344CB8AC3E}">
-        <p14:creationId xmlns:p14="http://schemas.microsoft.com/office/powerpoint/2010/main" val="2814388241"/>
+        <p14:creationId xmlns:p14="http://schemas.microsoft.com/office/powerpoint/2010/main" val="2270037405"/>
       </p:ext>
     </p:extLst>
   </p:cSld>
@@ -6954,6 +9101,185 @@
           <p:cNvPr id="2" name="Title 1">
             <a:extLst>
               <a:ext uri="{FF2B5EF4-FFF2-40B4-BE49-F238E27FC236}">
+                <a16:creationId xmlns:a16="http://schemas.microsoft.com/office/drawing/2014/main" id="{8C29D98D-BA14-4584-B56A-61F1533D2B5E}"/>
+              </a:ext>
+            </a:extLst>
+          </p:cNvPr>
+          <p:cNvSpPr>
+            <a:spLocks noGrp="1"/>
+          </p:cNvSpPr>
+          <p:nvPr>
+            <p:ph type="title"/>
+          </p:nvPr>
+        </p:nvSpPr>
+        <p:spPr>
+          <a:xfrm>
+            <a:off x="839788" y="404882"/>
+            <a:ext cx="5561012" cy="893832"/>
+          </a:xfrm>
+        </p:spPr>
+        <p:txBody>
+          <a:bodyPr>
+            <a:normAutofit/>
+          </a:bodyPr>
+          <a:lstStyle/>
+          <a:p>
+            <a:r>
+              <a:rPr lang="en-US" sz="3600" dirty="0"/>
+              <a:t>Software Tools Used</a:t>
+            </a:r>
+          </a:p>
+        </p:txBody>
+      </p:sp>
+      <p:sp>
+        <p:nvSpPr>
+          <p:cNvPr id="3" name="Text Placeholder 2">
+            <a:extLst>
+              <a:ext uri="{FF2B5EF4-FFF2-40B4-BE49-F238E27FC236}">
+                <a16:creationId xmlns:a16="http://schemas.microsoft.com/office/drawing/2014/main" id="{CEEB4F15-AFD2-44A4-A177-7F3B1220AECC}"/>
+              </a:ext>
+            </a:extLst>
+          </p:cNvPr>
+          <p:cNvSpPr>
+            <a:spLocks noGrp="1"/>
+          </p:cNvSpPr>
+          <p:nvPr>
+            <p:ph type="body" sz="half" idx="2"/>
+          </p:nvPr>
+        </p:nvSpPr>
+        <p:spPr>
+          <a:xfrm>
+            <a:off x="839788" y="1603513"/>
+            <a:ext cx="10514012" cy="4666008"/>
+          </a:xfrm>
+        </p:spPr>
+        <p:txBody>
+          <a:bodyPr>
+            <a:normAutofit/>
+          </a:bodyPr>
+          <a:lstStyle/>
+          <a:p>
+            <a:pPr marL="457200" lvl="0" indent="-457200">
+              <a:buFont typeface="Arial" panose="020B0604020202020204" pitchFamily="34" charset="0"/>
+              <a:buChar char="•"/>
+            </a:pPr>
+            <a:r>
+              <a:rPr lang="en-US" sz="2800" dirty="0"/>
+              <a:t>IDE:</a:t>
+            </a:r>
+            <a:r>
+              <a:rPr lang="en-US" sz="2800" b="1" dirty="0"/>
+              <a:t> </a:t>
+            </a:r>
+            <a:r>
+              <a:rPr lang="en-US" sz="2800" dirty="0"/>
+              <a:t>NetBeans 8.0.2.</a:t>
+            </a:r>
+          </a:p>
+          <a:p>
+            <a:pPr marL="457200" lvl="0" indent="-457200">
+              <a:buFont typeface="Arial" panose="020B0604020202020204" pitchFamily="34" charset="0"/>
+              <a:buChar char="•"/>
+            </a:pPr>
+            <a:r>
+              <a:rPr lang="en-US" sz="2800" dirty="0"/>
+              <a:t>Programming Language: Java programming language.</a:t>
+            </a:r>
+          </a:p>
+          <a:p>
+            <a:pPr marL="457200" lvl="0" indent="-457200">
+              <a:buFont typeface="Arial" panose="020B0604020202020204" pitchFamily="34" charset="0"/>
+              <a:buChar char="•"/>
+            </a:pPr>
+            <a:r>
+              <a:rPr lang="en-US" sz="2800" dirty="0"/>
+              <a:t>Swing- GUI widget toolkit for java: Used for creating GUI. </a:t>
+            </a:r>
+          </a:p>
+          <a:p>
+            <a:pPr marL="457200" lvl="0" indent="-457200">
+              <a:buFont typeface="Arial" panose="020B0604020202020204" pitchFamily="34" charset="0"/>
+              <a:buChar char="•"/>
+            </a:pPr>
+            <a:r>
+              <a:rPr lang="en-US" sz="2800" dirty="0"/>
+              <a:t>Java AWT packages: For event handling and working with files and images.</a:t>
+            </a:r>
+          </a:p>
+          <a:p>
+            <a:pPr marL="457200" lvl="0" indent="-457200">
+              <a:buFont typeface="Arial" panose="020B0604020202020204" pitchFamily="34" charset="0"/>
+              <a:buChar char="•"/>
+            </a:pPr>
+            <a:r>
+              <a:rPr lang="en-US" sz="2800" dirty="0"/>
+              <a:t>Java Mail jar file: Used to send stego image via Email.</a:t>
+            </a:r>
+          </a:p>
+          <a:p>
+            <a:pPr marL="457200" lvl="0" indent="-457200">
+              <a:buFont typeface="Arial" panose="020B0604020202020204" pitchFamily="34" charset="0"/>
+              <a:buChar char="•"/>
+            </a:pPr>
+            <a:r>
+              <a:rPr lang="en-US" sz="2800" dirty="0"/>
+              <a:t>Java AES encryption/decryption API: Used to generate cipher text.</a:t>
+            </a:r>
+          </a:p>
+          <a:p>
+            <a:pPr marL="457200" lvl="0" indent="-457200">
+              <a:buFont typeface="Arial" panose="020B0604020202020204" pitchFamily="34" charset="0"/>
+              <a:buChar char="•"/>
+            </a:pPr>
+            <a:r>
+              <a:rPr lang="en-US" sz="2800" dirty="0"/>
+              <a:t>Additionally, various java packages and libraries were also used.</a:t>
+            </a:r>
+          </a:p>
+          <a:p>
+            <a:pPr marL="457200" indent="-457200">
+              <a:buFont typeface="Arial" panose="020B0604020202020204" pitchFamily="34" charset="0"/>
+              <a:buChar char="•"/>
+            </a:pPr>
+            <a:endParaRPr lang="en-US" sz="2800" dirty="0"/>
+          </a:p>
+        </p:txBody>
+      </p:sp>
+    </p:spTree>
+    <p:extLst>
+      <p:ext uri="{BB962C8B-B14F-4D97-AF65-F5344CB8AC3E}">
+        <p14:creationId xmlns:p14="http://schemas.microsoft.com/office/powerpoint/2010/main" val="2814388241"/>
+      </p:ext>
+    </p:extLst>
+  </p:cSld>
+  <p:clrMapOvr>
+    <a:masterClrMapping/>
+  </p:clrMapOvr>
+</p:sld>
+</file>
+
+<file path=ppt/slides/slide18.xml><?xml version="1.0" encoding="utf-8"?>
+<p:sld xmlns:a="http://schemas.openxmlformats.org/drawingml/2006/main" xmlns:r="http://schemas.openxmlformats.org/officeDocument/2006/relationships" xmlns:p="http://schemas.openxmlformats.org/presentationml/2006/main">
+  <p:cSld>
+    <p:spTree>
+      <p:nvGrpSpPr>
+        <p:cNvPr id="1" name=""/>
+        <p:cNvGrpSpPr/>
+        <p:nvPr/>
+      </p:nvGrpSpPr>
+      <p:grpSpPr>
+        <a:xfrm>
+          <a:off x="0" y="0"/>
+          <a:ext cx="0" cy="0"/>
+          <a:chOff x="0" y="0"/>
+          <a:chExt cx="0" cy="0"/>
+        </a:xfrm>
+      </p:grpSpPr>
+      <p:sp>
+        <p:nvSpPr>
+          <p:cNvPr id="2" name="Title 1">
+            <a:extLst>
+              <a:ext uri="{FF2B5EF4-FFF2-40B4-BE49-F238E27FC236}">
                 <a16:creationId xmlns:a16="http://schemas.microsoft.com/office/drawing/2014/main" id="{F257E20D-D0DA-4E21-9AB6-E3E4FC74BF15}"/>
               </a:ext>
             </a:extLst>
@@ -7066,7 +9392,7 @@
 </p:sld>
 </file>
 
-<file path=ppt/slides/slide18.xml><?xml version="1.0" encoding="utf-8"?>
+<file path=ppt/slides/slide19.xml><?xml version="1.0" encoding="utf-8"?>
 <p:sld xmlns:a="http://schemas.openxmlformats.org/drawingml/2006/main" xmlns:r="http://schemas.openxmlformats.org/officeDocument/2006/relationships" xmlns:p="http://schemas.openxmlformats.org/presentationml/2006/main">
   <p:cSld>
     <p:spTree>
@@ -7207,7 +9533,7 @@
         </p:spPr>
         <p:txBody>
           <a:bodyPr>
-            <a:normAutofit lnSpcReduction="10000"/>
+            <a:normAutofit/>
           </a:bodyPr>
           <a:lstStyle/>
           <a:p>
@@ -7236,8 +9562,12 @@
               <a:buChar char="q"/>
             </a:pPr>
             <a:r>
+              <a:rPr lang="en-US" sz="2800" b="1" i="1" dirty="0"/>
+              <a:t>Steganography :</a:t>
+            </a:r>
+            <a:r>
               <a:rPr lang="en-US" sz="2800" dirty="0"/>
-              <a:t>Steganography is a technique of hiding information in digital media in such a way that it is insensible to human eyes.</a:t>
+              <a:t> a technique of hiding information in digital media in such a way that it is insensible to human eyes.</a:t>
             </a:r>
           </a:p>
           <a:p>
@@ -7246,8 +9576,12 @@
               <a:buChar char="q"/>
             </a:pPr>
             <a:r>
+              <a:rPr lang="en-US" sz="2800" b="1" i="1" dirty="0"/>
+              <a:t>Cryptography:</a:t>
+            </a:r>
+            <a:r>
               <a:rPr lang="en-US" sz="2800" dirty="0"/>
-              <a:t>Cryptography is a technique associated with the process of converting ordinary plain text into unintelligible text and vice-versa.</a:t>
+              <a:t> process of converting ordinary plain text into unintelligible text and vice-versa.</a:t>
             </a:r>
           </a:p>
           <a:p>
@@ -7694,7 +10028,7 @@
         </p:nvSpPr>
         <p:spPr>
           <a:xfrm>
-            <a:off x="985562" y="868708"/>
+            <a:off x="985562" y="1102622"/>
             <a:ext cx="10515600" cy="774562"/>
           </a:xfrm>
         </p:spPr>
@@ -7746,17 +10080,7 @@
             </a:pPr>
             <a:r>
               <a:rPr lang="en-US" sz="2800" dirty="0"/>
-              <a:t>Steganography techniques can be used to hide data such as text, image, audio, video etc. within a cover image, video etc.</a:t>
-            </a:r>
-          </a:p>
-          <a:p>
-            <a:pPr marL="457200" indent="-457200">
-              <a:buFont typeface="Wingdings" panose="05000000000000000000" pitchFamily="2" charset="2"/>
-              <a:buChar char="q"/>
-            </a:pPr>
-            <a:r>
-              <a:rPr lang="en-US" sz="2800" dirty="0"/>
-              <a:t>While our project will provide a way to hide text data into a cover image file, it will be limited only to data of the mentioned types i.e., text data onto image data.</a:t>
+              <a:t>While this project will provide a way to hide text data into a cover image file, it will be limited only to data of the mentioned types i.e., text data onto image data.</a:t>
             </a:r>
           </a:p>
           <a:p>
@@ -7805,86 +10129,156 @@
           <a:chExt cx="0" cy="0"/>
         </a:xfrm>
       </p:grpSpPr>
-      <p:pic>
-        <p:nvPicPr>
-          <p:cNvPr id="4" name="Picture 3">
+      <p:sp>
+        <p:nvSpPr>
+          <p:cNvPr id="4" name="Title 3">
             <a:extLst>
               <a:ext uri="{FF2B5EF4-FFF2-40B4-BE49-F238E27FC236}">
-                <a16:creationId xmlns:a16="http://schemas.microsoft.com/office/drawing/2014/main" id="{1958FE84-DCA1-4AA6-9187-13AF8E32C505}"/>
+                <a16:creationId xmlns:a16="http://schemas.microsoft.com/office/drawing/2014/main" id="{DEA453F8-902B-4601-917E-1C4228D6E0F9}"/>
               </a:ext>
             </a:extLst>
           </p:cNvPr>
-          <p:cNvPicPr/>
-          <p:nvPr/>
-        </p:nvPicPr>
-        <p:blipFill>
-          <a:blip r:embed="rId2">
+          <p:cNvSpPr>
+            <a:spLocks noGrp="1"/>
+          </p:cNvSpPr>
+          <p:nvPr>
+            <p:ph type="title"/>
+          </p:nvPr>
+        </p:nvSpPr>
+        <p:spPr>
+          <a:xfrm>
+            <a:off x="374552" y="111385"/>
+            <a:ext cx="5257800" cy="1325563"/>
+          </a:xfrm>
+        </p:spPr>
+        <p:txBody>
+          <a:bodyPr>
+            <a:normAutofit/>
+          </a:bodyPr>
+          <a:lstStyle/>
+          <a:p>
+            <a:r>
+              <a:rPr lang="en-US" sz="4800" dirty="0"/>
+              <a:t>Literature Review</a:t>
+            </a:r>
+          </a:p>
+        </p:txBody>
+      </p:sp>
+      <p:sp>
+        <p:nvSpPr>
+          <p:cNvPr id="7" name="Rectangle 6">
             <a:extLst>
-              <a:ext uri="{28A0092B-C50C-407E-A947-70E740481C1C}">
-                <a14:useLocalDpi xmlns:a14="http://schemas.microsoft.com/office/drawing/2010/main" val="0"/>
+              <a:ext uri="{FF2B5EF4-FFF2-40B4-BE49-F238E27FC236}">
+                <a16:creationId xmlns:a16="http://schemas.microsoft.com/office/drawing/2014/main" id="{8F0087D9-F50A-45BB-B548-18BF9D5C69C3}"/>
               </a:ext>
             </a:extLst>
-          </a:blip>
-          <a:srcRect/>
-          <a:stretch>
-            <a:fillRect/>
-          </a:stretch>
-        </p:blipFill>
-        <p:spPr bwMode="auto">
+          </p:cNvPr>
+          <p:cNvSpPr/>
+          <p:nvPr/>
+        </p:nvSpPr>
+        <p:spPr>
           <a:xfrm>
-            <a:off x="5367129" y="618689"/>
-            <a:ext cx="3566368" cy="5885663"/>
+            <a:off x="374552" y="1269048"/>
+            <a:ext cx="11442895" cy="5170646"/>
           </a:xfrm>
           <a:prstGeom prst="rect">
             <a:avLst/>
           </a:prstGeom>
-          <a:solidFill>
-            <a:schemeClr val="tx1"/>
-          </a:solidFill>
-          <a:ln>
-            <a:noFill/>
-          </a:ln>
         </p:spPr>
-      </p:pic>
-      <p:sp>
-        <p:nvSpPr>
-          <p:cNvPr id="5" name="TextBox 4">
-            <a:extLst>
-              <a:ext uri="{FF2B5EF4-FFF2-40B4-BE49-F238E27FC236}">
-                <a16:creationId xmlns:a16="http://schemas.microsoft.com/office/drawing/2014/main" id="{49AE8DCB-91D3-4D5F-94BE-2699D92BBED4}"/>
-              </a:ext>
-            </a:extLst>
-          </p:cNvPr>
-          <p:cNvSpPr txBox="1"/>
-          <p:nvPr/>
-        </p:nvSpPr>
-        <p:spPr>
-          <a:xfrm>
-            <a:off x="516834" y="728869"/>
-            <a:ext cx="4850295" cy="646331"/>
-          </a:xfrm>
-          <a:prstGeom prst="rect">
-            <a:avLst/>
-          </a:prstGeom>
-          <a:noFill/>
-        </p:spPr>
-        <p:txBody>
-          <a:bodyPr wrap="square" rtlCol="0">
+        <p:txBody>
+          <a:bodyPr wrap="square">
             <a:spAutoFit/>
           </a:bodyPr>
           <a:lstStyle/>
           <a:p>
-            <a:r>
-              <a:rPr lang="en-US" sz="3600" dirty="0"/>
-              <a:t>Use-Case Diagram:</a:t>
-            </a:r>
+            <a:pPr marL="285750" indent="-285750" algn="just">
+              <a:buFont typeface="Wingdings" panose="05000000000000000000" pitchFamily="2" charset="2"/>
+              <a:buChar char="q"/>
+            </a:pPr>
+            <a:r>
+              <a:rPr lang="en-US" sz="2400" dirty="0"/>
+              <a:t>The word steganography is derived from the Greek words </a:t>
+            </a:r>
+            <a:r>
+              <a:rPr lang="en-US" sz="2400" dirty="0" err="1"/>
+              <a:t>stegos</a:t>
+            </a:r>
+            <a:r>
+              <a:rPr lang="en-US" sz="2400" dirty="0"/>
+              <a:t> meaning cover and </a:t>
+            </a:r>
+            <a:r>
+              <a:rPr lang="en-US" sz="2400" dirty="0" err="1"/>
+              <a:t>grafia</a:t>
+            </a:r>
+            <a:r>
+              <a:rPr lang="en-US" sz="2400" dirty="0"/>
+              <a:t> meaning writing.</a:t>
+            </a:r>
+          </a:p>
+          <a:p>
+            <a:pPr marL="285750" indent="-285750" algn="just">
+              <a:buFont typeface="Wingdings" panose="05000000000000000000" pitchFamily="2" charset="2"/>
+              <a:buChar char="q"/>
+            </a:pPr>
+            <a:r>
+              <a:rPr lang="en-US" sz="2400" dirty="0"/>
+              <a:t>For more secure data transfer, cryptography is used along with steganography. The grouping of these two approaches enhances the security of data. </a:t>
+            </a:r>
+          </a:p>
+          <a:p>
+            <a:pPr marL="285750" indent="-285750" algn="just">
+              <a:buFont typeface="Wingdings" panose="05000000000000000000" pitchFamily="2" charset="2"/>
+              <a:buChar char="q"/>
+            </a:pPr>
+            <a:r>
+              <a:rPr lang="en-US" sz="2400" dirty="0"/>
+              <a:t>The Least Significant Bit (LSB) Replacement Algorithm is a commonly used straightforward steganographic algorithm used to embed secret information inside a cover medium.</a:t>
+            </a:r>
+          </a:p>
+          <a:p>
+            <a:pPr marL="285750" indent="-285750" algn="just">
+              <a:buFont typeface="Wingdings" panose="05000000000000000000" pitchFamily="2" charset="2"/>
+              <a:buChar char="q"/>
+            </a:pPr>
+            <a:r>
+              <a:rPr lang="en-US" sz="2400" dirty="0"/>
+              <a:t>In the LSB method, the least significant bits of the original data in the cover medium are altered based on the secret message.</a:t>
+            </a:r>
+          </a:p>
+          <a:p>
+            <a:pPr marL="285750" indent="-285750" algn="just">
+              <a:buFont typeface="Wingdings" panose="05000000000000000000" pitchFamily="2" charset="2"/>
+              <a:buChar char="q"/>
+            </a:pPr>
+            <a:r>
+              <a:rPr lang="en-US" sz="2400" dirty="0"/>
+              <a:t>In the case of digital images, the alteration is done only at the least significant bits of the original image so as to reduce the effect of degradation of the original image.</a:t>
+            </a:r>
+          </a:p>
+          <a:p>
+            <a:pPr marL="285750" indent="-285750" algn="just">
+              <a:buFont typeface="Wingdings" panose="05000000000000000000" pitchFamily="2" charset="2"/>
+              <a:buChar char="q"/>
+            </a:pPr>
+            <a:r>
+              <a:rPr lang="en-US" sz="2400" dirty="0"/>
+              <a:t>This system implements the image steganography technique of LSB replacement algorithm along with AES encryption for cryptography.</a:t>
+            </a:r>
+          </a:p>
+          <a:p>
+            <a:pPr marL="285750" indent="-285750" algn="just">
+              <a:buFont typeface="Wingdings" panose="05000000000000000000" pitchFamily="2" charset="2"/>
+              <a:buChar char="q"/>
+            </a:pPr>
+            <a:endParaRPr lang="en-US" dirty="0"/>
           </a:p>
         </p:txBody>
       </p:sp>
     </p:spTree>
     <p:extLst>
       <p:ext uri="{BB962C8B-B14F-4D97-AF65-F5344CB8AC3E}">
-        <p14:creationId xmlns:p14="http://schemas.microsoft.com/office/powerpoint/2010/main" val="1406242936"/>
+        <p14:creationId xmlns:p14="http://schemas.microsoft.com/office/powerpoint/2010/main" val="1148335594"/>
       </p:ext>
     </p:extLst>
   </p:cSld>
@@ -7913,85 +10307,79 @@
       </p:grpSpPr>
       <p:sp>
         <p:nvSpPr>
-          <p:cNvPr id="2" name="Title 1">
+          <p:cNvPr id="5" name="TextBox 4">
             <a:extLst>
               <a:ext uri="{FF2B5EF4-FFF2-40B4-BE49-F238E27FC236}">
-                <a16:creationId xmlns:a16="http://schemas.microsoft.com/office/drawing/2014/main" id="{01C626A4-D2AE-4955-959A-AD3CC41B7430}"/>
+                <a16:creationId xmlns:a16="http://schemas.microsoft.com/office/drawing/2014/main" id="{49AE8DCB-91D3-4D5F-94BE-2699D92BBED4}"/>
               </a:ext>
             </a:extLst>
           </p:cNvPr>
-          <p:cNvSpPr>
-            <a:spLocks noGrp="1"/>
-          </p:cNvSpPr>
-          <p:nvPr>
-            <p:ph type="title"/>
-          </p:nvPr>
+          <p:cNvSpPr txBox="1"/>
+          <p:nvPr/>
         </p:nvSpPr>
         <p:spPr>
           <a:xfrm>
-            <a:off x="760275" y="497647"/>
-            <a:ext cx="2870821" cy="973345"/>
+            <a:off x="516834" y="728869"/>
+            <a:ext cx="4850295" cy="646331"/>
           </a:xfrm>
+          <a:prstGeom prst="rect">
+            <a:avLst/>
+          </a:prstGeom>
+          <a:noFill/>
         </p:spPr>
         <p:txBody>
-          <a:bodyPr>
-            <a:normAutofit/>
+          <a:bodyPr wrap="square" rtlCol="0">
+            <a:spAutoFit/>
           </a:bodyPr>
           <a:lstStyle/>
           <a:p>
             <a:r>
               <a:rPr lang="en-US" sz="3600" dirty="0"/>
-              <a:t>Level-0 DFD:</a:t>
-            </a:r>
-            <a:endParaRPr lang="en-US" sz="4000" dirty="0"/>
+              <a:t>Use-Case Diagram:</a:t>
+            </a:r>
           </a:p>
         </p:txBody>
       </p:sp>
       <p:pic>
         <p:nvPicPr>
-          <p:cNvPr id="4" name="Picture 3">
+          <p:cNvPr id="3" name="Picture 2">
             <a:extLst>
               <a:ext uri="{FF2B5EF4-FFF2-40B4-BE49-F238E27FC236}">
-                <a16:creationId xmlns:a16="http://schemas.microsoft.com/office/drawing/2014/main" id="{41611044-E3C0-47B2-92EF-67BF45E5E453}"/>
+                <a16:creationId xmlns:a16="http://schemas.microsoft.com/office/drawing/2014/main" id="{8F09CC17-D542-4F37-BD3E-1A808E8B2694}"/>
               </a:ext>
             </a:extLst>
           </p:cNvPr>
-          <p:cNvPicPr/>
+          <p:cNvPicPr>
+            <a:picLocks noChangeAspect="1"/>
+          </p:cNvPicPr>
           <p:nvPr/>
         </p:nvPicPr>
-        <p:blipFill rotWithShape="1">
-          <a:blip r:embed="rId2">
+        <p:blipFill>
+          <a:blip r:embed="rId3">
             <a:extLst>
               <a:ext uri="{28A0092B-C50C-407E-A947-70E740481C1C}">
                 <a14:useLocalDpi xmlns:a14="http://schemas.microsoft.com/office/drawing/2010/main" val="0"/>
               </a:ext>
             </a:extLst>
           </a:blip>
-          <a:srcRect l="10832" t="22380" r="11361" b="26393"/>
-          <a:stretch/>
+          <a:stretch>
+            <a:fillRect/>
+          </a:stretch>
         </p:blipFill>
-        <p:spPr bwMode="auto">
+        <p:spPr>
           <a:xfrm>
-            <a:off x="1550505" y="2093845"/>
-            <a:ext cx="9197008" cy="3101008"/>
+            <a:off x="4815679" y="615966"/>
+            <a:ext cx="5917970" cy="5825018"/>
           </a:xfrm>
           <a:prstGeom prst="rect">
             <a:avLst/>
           </a:prstGeom>
-          <a:ln>
-            <a:noFill/>
-          </a:ln>
-          <a:extLst>
-            <a:ext uri="{53640926-AAD7-44D8-BBD7-CCE9431645EC}">
-              <a14:shadowObscured xmlns:a14="http://schemas.microsoft.com/office/drawing/2010/main"/>
-            </a:ext>
-          </a:extLst>
         </p:spPr>
       </p:pic>
     </p:spTree>
     <p:extLst>
       <p:ext uri="{BB962C8B-B14F-4D97-AF65-F5344CB8AC3E}">
-        <p14:creationId xmlns:p14="http://schemas.microsoft.com/office/powerpoint/2010/main" val="2483203595"/>
+        <p14:creationId xmlns:p14="http://schemas.microsoft.com/office/powerpoint/2010/main" val="1406242936"/>
       </p:ext>
     </p:extLst>
   </p:cSld>
@@ -8023,7 +10411,7 @@
           <p:cNvPr id="2" name="Title 1">
             <a:extLst>
               <a:ext uri="{FF2B5EF4-FFF2-40B4-BE49-F238E27FC236}">
-                <a16:creationId xmlns:a16="http://schemas.microsoft.com/office/drawing/2014/main" id="{413D9117-839F-418E-99BD-4ECDC6EDB241}"/>
+                <a16:creationId xmlns:a16="http://schemas.microsoft.com/office/drawing/2014/main" id="{01C626A4-D2AE-4955-959A-AD3CC41B7430}"/>
               </a:ext>
             </a:extLst>
           </p:cNvPr>
@@ -8036,8 +10424,8 @@
         </p:nvSpPr>
         <p:spPr>
           <a:xfrm>
-            <a:off x="177178" y="-114921"/>
-            <a:ext cx="3957499" cy="1410666"/>
+            <a:off x="760275" y="497647"/>
+            <a:ext cx="2870821" cy="973345"/>
           </a:xfrm>
         </p:spPr>
         <p:txBody>
@@ -8048,56 +10436,52 @@
           <a:p>
             <a:r>
               <a:rPr lang="en-US" sz="3600" dirty="0"/>
-              <a:t>Level – 1 DFD:</a:t>
-            </a:r>
+              <a:t>Level-0 DFD:</a:t>
+            </a:r>
+            <a:endParaRPr lang="en-US" sz="4000" dirty="0"/>
           </a:p>
         </p:txBody>
       </p:sp>
       <p:pic>
         <p:nvPicPr>
-          <p:cNvPr id="4" name="Picture 3">
+          <p:cNvPr id="5" name="Picture 4">
             <a:extLst>
               <a:ext uri="{FF2B5EF4-FFF2-40B4-BE49-F238E27FC236}">
-                <a16:creationId xmlns:a16="http://schemas.microsoft.com/office/drawing/2014/main" id="{FD211AFD-8680-4382-BB51-253AA8C04B9E}"/>
+                <a16:creationId xmlns:a16="http://schemas.microsoft.com/office/drawing/2014/main" id="{82A078FE-06AF-48E4-AA05-04A5379CE411}"/>
               </a:ext>
             </a:extLst>
           </p:cNvPr>
-          <p:cNvPicPr/>
+          <p:cNvPicPr>
+            <a:picLocks noChangeAspect="1"/>
+          </p:cNvPicPr>
           <p:nvPr/>
         </p:nvPicPr>
-        <p:blipFill rotWithShape="1">
-          <a:blip r:embed="rId2">
+        <p:blipFill>
+          <a:blip r:embed="rId3">
             <a:extLst>
               <a:ext uri="{28A0092B-C50C-407E-A947-70E740481C1C}">
                 <a14:useLocalDpi xmlns:a14="http://schemas.microsoft.com/office/drawing/2010/main" val="0"/>
               </a:ext>
             </a:extLst>
           </a:blip>
-          <a:srcRect l="9835" t="8950" r="3665" b="10200"/>
-          <a:stretch/>
+          <a:stretch>
+            <a:fillRect/>
+          </a:stretch>
         </p:blipFill>
-        <p:spPr bwMode="auto">
+        <p:spPr>
           <a:xfrm>
-            <a:off x="1513398" y="1091020"/>
-            <a:ext cx="8677524" cy="5429050"/>
+            <a:off x="2069342" y="2413524"/>
+            <a:ext cx="8352450" cy="2355423"/>
           </a:xfrm>
           <a:prstGeom prst="rect">
             <a:avLst/>
           </a:prstGeom>
-          <a:ln>
-            <a:noFill/>
-          </a:ln>
-          <a:extLst>
-            <a:ext uri="{53640926-AAD7-44D8-BBD7-CCE9431645EC}">
-              <a14:shadowObscured xmlns:a14="http://schemas.microsoft.com/office/drawing/2010/main"/>
-            </a:ext>
-          </a:extLst>
         </p:spPr>
       </p:pic>
     </p:spTree>
     <p:extLst>
       <p:ext uri="{BB962C8B-B14F-4D97-AF65-F5344CB8AC3E}">
-        <p14:creationId xmlns:p14="http://schemas.microsoft.com/office/powerpoint/2010/main" val="713363927"/>
+        <p14:creationId xmlns:p14="http://schemas.microsoft.com/office/powerpoint/2010/main" val="2483203595"/>
       </p:ext>
     </p:extLst>
   </p:cSld>
@@ -8366,4 +10750,299 @@
     </a:ext>
   </a:extLst>
 </a:theme>
+</file>
+
+<file path=ppt/theme/theme2.xml><?xml version="1.0" encoding="utf-8"?>
+<a:theme xmlns:a="http://schemas.openxmlformats.org/drawingml/2006/main" name="Office Theme">
+  <a:themeElements>
+    <a:clrScheme name="Office">
+      <a:dk1>
+        <a:sysClr val="windowText" lastClr="000000"/>
+      </a:dk1>
+      <a:lt1>
+        <a:sysClr val="window" lastClr="FFFFFF"/>
+      </a:lt1>
+      <a:dk2>
+        <a:srgbClr val="44546A"/>
+      </a:dk2>
+      <a:lt2>
+        <a:srgbClr val="E7E6E6"/>
+      </a:lt2>
+      <a:accent1>
+        <a:srgbClr val="4472C4"/>
+      </a:accent1>
+      <a:accent2>
+        <a:srgbClr val="ED7D31"/>
+      </a:accent2>
+      <a:accent3>
+        <a:srgbClr val="A5A5A5"/>
+      </a:accent3>
+      <a:accent4>
+        <a:srgbClr val="FFC000"/>
+      </a:accent4>
+      <a:accent5>
+        <a:srgbClr val="5B9BD5"/>
+      </a:accent5>
+      <a:accent6>
+        <a:srgbClr val="70AD47"/>
+      </a:accent6>
+      <a:hlink>
+        <a:srgbClr val="0563C1"/>
+      </a:hlink>
+      <a:folHlink>
+        <a:srgbClr val="954F72"/>
+      </a:folHlink>
+    </a:clrScheme>
+    <a:fontScheme name="Office">
+      <a:majorFont>
+        <a:latin typeface="Calibri Light" panose="020F0302020204030204"/>
+        <a:ea typeface=""/>
+        <a:cs typeface=""/>
+        <a:font script="Jpan" typeface="游ゴシック Light"/>
+        <a:font script="Hang" typeface="맑은 고딕"/>
+        <a:font script="Hans" typeface="等线 Light"/>
+        <a:font script="Hant" typeface="新細明體"/>
+        <a:font script="Arab" typeface="Times New Roman"/>
+        <a:font script="Hebr" typeface="Times New Roman"/>
+        <a:font script="Thai" typeface="Angsana New"/>
+        <a:font script="Ethi" typeface="Nyala"/>
+        <a:font script="Beng" typeface="Vrinda"/>
+        <a:font script="Gujr" typeface="Shruti"/>
+        <a:font script="Khmr" typeface="MoolBoran"/>
+        <a:font script="Knda" typeface="Tunga"/>
+        <a:font script="Guru" typeface="Raavi"/>
+        <a:font script="Cans" typeface="Euphemia"/>
+        <a:font script="Cher" typeface="Plantagenet Cherokee"/>
+        <a:font script="Yiii" typeface="Microsoft Yi Baiti"/>
+        <a:font script="Tibt" typeface="Microsoft Himalaya"/>
+        <a:font script="Thaa" typeface="MV Boli"/>
+        <a:font script="Deva" typeface="Mangal"/>
+        <a:font script="Telu" typeface="Gautami"/>
+        <a:font script="Taml" typeface="Latha"/>
+        <a:font script="Syrc" typeface="Estrangelo Edessa"/>
+        <a:font script="Orya" typeface="Kalinga"/>
+        <a:font script="Mlym" typeface="Kartika"/>
+        <a:font script="Laoo" typeface="DokChampa"/>
+        <a:font script="Sinh" typeface="Iskoola Pota"/>
+        <a:font script="Mong" typeface="Mongolian Baiti"/>
+        <a:font script="Viet" typeface="Times New Roman"/>
+        <a:font script="Uigh" typeface="Microsoft Uighur"/>
+        <a:font script="Geor" typeface="Sylfaen"/>
+        <a:font script="Armn" typeface="Arial"/>
+        <a:font script="Bugi" typeface="Leelawadee UI"/>
+        <a:font script="Bopo" typeface="Microsoft JhengHei"/>
+        <a:font script="Java" typeface="Javanese Text"/>
+        <a:font script="Lisu" typeface="Segoe UI"/>
+        <a:font script="Mymr" typeface="Myanmar Text"/>
+        <a:font script="Nkoo" typeface="Ebrima"/>
+        <a:font script="Olck" typeface="Nirmala UI"/>
+        <a:font script="Osma" typeface="Ebrima"/>
+        <a:font script="Phag" typeface="Phagspa"/>
+        <a:font script="Syrn" typeface="Estrangelo Edessa"/>
+        <a:font script="Syrj" typeface="Estrangelo Edessa"/>
+        <a:font script="Syre" typeface="Estrangelo Edessa"/>
+        <a:font script="Sora" typeface="Nirmala UI"/>
+        <a:font script="Tale" typeface="Microsoft Tai Le"/>
+        <a:font script="Talu" typeface="Microsoft New Tai Lue"/>
+        <a:font script="Tfng" typeface="Ebrima"/>
+      </a:majorFont>
+      <a:minorFont>
+        <a:latin typeface="Calibri" panose="020F0502020204030204"/>
+        <a:ea typeface=""/>
+        <a:cs typeface=""/>
+        <a:font script="Jpan" typeface="游ゴシック"/>
+        <a:font script="Hang" typeface="맑은 고딕"/>
+        <a:font script="Hans" typeface="等线"/>
+        <a:font script="Hant" typeface="新細明體"/>
+        <a:font script="Arab" typeface="Arial"/>
+        <a:font script="Hebr" typeface="Arial"/>
+        <a:font script="Thai" typeface="Cordia New"/>
+        <a:font script="Ethi" typeface="Nyala"/>
+        <a:font script="Beng" typeface="Vrinda"/>
+        <a:font script="Gujr" typeface="Shruti"/>
+        <a:font script="Khmr" typeface="DaunPenh"/>
+        <a:font script="Knda" typeface="Tunga"/>
+        <a:font script="Guru" typeface="Raavi"/>
+        <a:font script="Cans" typeface="Euphemia"/>
+        <a:font script="Cher" typeface="Plantagenet Cherokee"/>
+        <a:font script="Yiii" typeface="Microsoft Yi Baiti"/>
+        <a:font script="Tibt" typeface="Microsoft Himalaya"/>
+        <a:font script="Thaa" typeface="MV Boli"/>
+        <a:font script="Deva" typeface="Mangal"/>
+        <a:font script="Telu" typeface="Gautami"/>
+        <a:font script="Taml" typeface="Latha"/>
+        <a:font script="Syrc" typeface="Estrangelo Edessa"/>
+        <a:font script="Orya" typeface="Kalinga"/>
+        <a:font script="Mlym" typeface="Kartika"/>
+        <a:font script="Laoo" typeface="DokChampa"/>
+        <a:font script="Sinh" typeface="Iskoola Pota"/>
+        <a:font script="Mong" typeface="Mongolian Baiti"/>
+        <a:font script="Viet" typeface="Arial"/>
+        <a:font script="Uigh" typeface="Microsoft Uighur"/>
+        <a:font script="Geor" typeface="Sylfaen"/>
+        <a:font script="Armn" typeface="Arial"/>
+        <a:font script="Bugi" typeface="Leelawadee UI"/>
+        <a:font script="Bopo" typeface="Microsoft JhengHei"/>
+        <a:font script="Java" typeface="Javanese Text"/>
+        <a:font script="Lisu" typeface="Segoe UI"/>
+        <a:font script="Mymr" typeface="Myanmar Text"/>
+        <a:font script="Nkoo" typeface="Ebrima"/>
+        <a:font script="Olck" typeface="Nirmala UI"/>
+        <a:font script="Osma" typeface="Ebrima"/>
+        <a:font script="Phag" typeface="Phagspa"/>
+        <a:font script="Syrn" typeface="Estrangelo Edessa"/>
+        <a:font script="Syrj" typeface="Estrangelo Edessa"/>
+        <a:font script="Syre" typeface="Estrangelo Edessa"/>
+        <a:font script="Sora" typeface="Nirmala UI"/>
+        <a:font script="Tale" typeface="Microsoft Tai Le"/>
+        <a:font script="Talu" typeface="Microsoft New Tai Lue"/>
+        <a:font script="Tfng" typeface="Ebrima"/>
+      </a:minorFont>
+    </a:fontScheme>
+    <a:fmtScheme name="Office">
+      <a:fillStyleLst>
+        <a:solidFill>
+          <a:schemeClr val="phClr"/>
+        </a:solidFill>
+        <a:gradFill rotWithShape="1">
+          <a:gsLst>
+            <a:gs pos="0">
+              <a:schemeClr val="phClr">
+                <a:lumMod val="110000"/>
+                <a:satMod val="105000"/>
+                <a:tint val="67000"/>
+              </a:schemeClr>
+            </a:gs>
+            <a:gs pos="50000">
+              <a:schemeClr val="phClr">
+                <a:lumMod val="105000"/>
+                <a:satMod val="103000"/>
+                <a:tint val="73000"/>
+              </a:schemeClr>
+            </a:gs>
+            <a:gs pos="100000">
+              <a:schemeClr val="phClr">
+                <a:lumMod val="105000"/>
+                <a:satMod val="109000"/>
+                <a:tint val="81000"/>
+              </a:schemeClr>
+            </a:gs>
+          </a:gsLst>
+          <a:lin ang="5400000" scaled="0"/>
+        </a:gradFill>
+        <a:gradFill rotWithShape="1">
+          <a:gsLst>
+            <a:gs pos="0">
+              <a:schemeClr val="phClr">
+                <a:satMod val="103000"/>
+                <a:lumMod val="102000"/>
+                <a:tint val="94000"/>
+              </a:schemeClr>
+            </a:gs>
+            <a:gs pos="50000">
+              <a:schemeClr val="phClr">
+                <a:satMod val="110000"/>
+                <a:lumMod val="100000"/>
+                <a:shade val="100000"/>
+              </a:schemeClr>
+            </a:gs>
+            <a:gs pos="100000">
+              <a:schemeClr val="phClr">
+                <a:lumMod val="99000"/>
+                <a:satMod val="120000"/>
+                <a:shade val="78000"/>
+              </a:schemeClr>
+            </a:gs>
+          </a:gsLst>
+          <a:lin ang="5400000" scaled="0"/>
+        </a:gradFill>
+      </a:fillStyleLst>
+      <a:lnStyleLst>
+        <a:ln w="6350" cap="flat" cmpd="sng" algn="ctr">
+          <a:solidFill>
+            <a:schemeClr val="phClr"/>
+          </a:solidFill>
+          <a:prstDash val="solid"/>
+          <a:miter lim="800000"/>
+        </a:ln>
+        <a:ln w="12700" cap="flat" cmpd="sng" algn="ctr">
+          <a:solidFill>
+            <a:schemeClr val="phClr"/>
+          </a:solidFill>
+          <a:prstDash val="solid"/>
+          <a:miter lim="800000"/>
+        </a:ln>
+        <a:ln w="19050" cap="flat" cmpd="sng" algn="ctr">
+          <a:solidFill>
+            <a:schemeClr val="phClr"/>
+          </a:solidFill>
+          <a:prstDash val="solid"/>
+          <a:miter lim="800000"/>
+        </a:ln>
+      </a:lnStyleLst>
+      <a:effectStyleLst>
+        <a:effectStyle>
+          <a:effectLst/>
+        </a:effectStyle>
+        <a:effectStyle>
+          <a:effectLst/>
+        </a:effectStyle>
+        <a:effectStyle>
+          <a:effectLst>
+            <a:outerShdw blurRad="57150" dist="19050" dir="5400000" algn="ctr" rotWithShape="0">
+              <a:srgbClr val="000000">
+                <a:alpha val="63000"/>
+              </a:srgbClr>
+            </a:outerShdw>
+          </a:effectLst>
+        </a:effectStyle>
+      </a:effectStyleLst>
+      <a:bgFillStyleLst>
+        <a:solidFill>
+          <a:schemeClr val="phClr"/>
+        </a:solidFill>
+        <a:solidFill>
+          <a:schemeClr val="phClr">
+            <a:tint val="95000"/>
+            <a:satMod val="170000"/>
+          </a:schemeClr>
+        </a:solidFill>
+        <a:gradFill rotWithShape="1">
+          <a:gsLst>
+            <a:gs pos="0">
+              <a:schemeClr val="phClr">
+                <a:tint val="93000"/>
+                <a:satMod val="150000"/>
+                <a:shade val="98000"/>
+                <a:lumMod val="102000"/>
+              </a:schemeClr>
+            </a:gs>
+            <a:gs pos="50000">
+              <a:schemeClr val="phClr">
+                <a:tint val="98000"/>
+                <a:satMod val="130000"/>
+                <a:shade val="90000"/>
+                <a:lumMod val="103000"/>
+              </a:schemeClr>
+            </a:gs>
+            <a:gs pos="100000">
+              <a:schemeClr val="phClr">
+                <a:shade val="63000"/>
+                <a:satMod val="120000"/>
+              </a:schemeClr>
+            </a:gs>
+          </a:gsLst>
+          <a:lin ang="5400000" scaled="0"/>
+        </a:gradFill>
+      </a:bgFillStyleLst>
+    </a:fmtScheme>
+  </a:themeElements>
+  <a:objectDefaults/>
+  <a:extraClrSchemeLst/>
+  <a:extLst>
+    <a:ext uri="{05A4C25C-085E-4340-85A3-A5531E510DB2}">
+      <thm15:themeFamily xmlns:thm15="http://schemas.microsoft.com/office/thememl/2012/main" name="Office Theme" id="{62F939B6-93AF-4DB8-9C6B-D6C7DFDC589F}" vid="{4A3C46E8-61CC-4603-A589-7422A47A8E4A}"/>
+    </a:ext>
+  </a:extLst>
+</a:theme>
 </file>
--- a/Documentation/final.pptx
+++ b/Documentation/final.pptx
@@ -5,7 +5,7 @@
     <p:sldMasterId id="2147483756" r:id="rId1"/>
   </p:sldMasterIdLst>
   <p:notesMasterIdLst>
-    <p:notesMasterId r:id="rId21"/>
+    <p:notesMasterId r:id="rId27"/>
   </p:notesMasterIdLst>
   <p:sldIdLst>
     <p:sldId id="257" r:id="rId2"/>
@@ -25,8 +25,14 @@
     <p:sldId id="273" r:id="rId16"/>
     <p:sldId id="274" r:id="rId17"/>
     <p:sldId id="275" r:id="rId18"/>
-    <p:sldId id="276" r:id="rId19"/>
-    <p:sldId id="277" r:id="rId20"/>
+    <p:sldId id="281" r:id="rId19"/>
+    <p:sldId id="282" r:id="rId20"/>
+    <p:sldId id="283" r:id="rId21"/>
+    <p:sldId id="284" r:id="rId22"/>
+    <p:sldId id="285" r:id="rId23"/>
+    <p:sldId id="286" r:id="rId24"/>
+    <p:sldId id="276" r:id="rId25"/>
+    <p:sldId id="277" r:id="rId26"/>
   </p:sldIdLst>
   <p:sldSz cx="12192000" cy="6858000"/>
   <p:notesSz cx="6858000" cy="9144000"/>
@@ -215,7 +221,7 @@
           <a:p>
             <a:fld id="{14D8C4FE-A3D8-40C9-A82F-E9992FA5D24B}" type="datetimeFigureOut">
               <a:rPr lang="en-US" smtClean="0"/>
-              <a:t>8/5/2019</a:t>
+              <a:t>8/8/2019</a:t>
             </a:fld>
             <a:endParaRPr lang="en-US"/>
           </a:p>
@@ -2412,7 +2418,7 @@
           <a:p>
             <a:fld id="{FECFB901-D435-4B87-95E4-66DA46225BE9}" type="datetimeFigureOut">
               <a:rPr lang="en-US" smtClean="0"/>
-              <a:t>8/5/2019</a:t>
+              <a:t>8/8/2019</a:t>
             </a:fld>
             <a:endParaRPr lang="en-US"/>
           </a:p>
@@ -2693,7 +2699,7 @@
           <a:p>
             <a:fld id="{FECFB901-D435-4B87-95E4-66DA46225BE9}" type="datetimeFigureOut">
               <a:rPr lang="en-US" smtClean="0"/>
-              <a:t>8/5/2019</a:t>
+              <a:t>8/8/2019</a:t>
             </a:fld>
             <a:endParaRPr lang="en-US"/>
           </a:p>
@@ -2885,7 +2891,7 @@
           <a:p>
             <a:fld id="{FECFB901-D435-4B87-95E4-66DA46225BE9}" type="datetimeFigureOut">
               <a:rPr lang="en-US" smtClean="0"/>
-              <a:t>8/5/2019</a:t>
+              <a:t>8/8/2019</a:t>
             </a:fld>
             <a:endParaRPr lang="en-US"/>
           </a:p>
@@ -3146,7 +3152,7 @@
           <a:p>
             <a:fld id="{FECFB901-D435-4B87-95E4-66DA46225BE9}" type="datetimeFigureOut">
               <a:rPr lang="en-US" smtClean="0"/>
-              <a:t>8/5/2019</a:t>
+              <a:t>8/8/2019</a:t>
             </a:fld>
             <a:endParaRPr lang="en-US"/>
           </a:p>
@@ -3572,7 +3578,7 @@
           <a:p>
             <a:fld id="{FECFB901-D435-4B87-95E4-66DA46225BE9}" type="datetimeFigureOut">
               <a:rPr lang="en-US" smtClean="0"/>
-              <a:t>8/5/2019</a:t>
+              <a:t>8/8/2019</a:t>
             </a:fld>
             <a:endParaRPr lang="en-US"/>
           </a:p>
@@ -4118,7 +4124,7 @@
           <a:p>
             <a:fld id="{FECFB901-D435-4B87-95E4-66DA46225BE9}" type="datetimeFigureOut">
               <a:rPr lang="en-US" smtClean="0"/>
-              <a:t>8/5/2019</a:t>
+              <a:t>8/8/2019</a:t>
             </a:fld>
             <a:endParaRPr lang="en-US"/>
           </a:p>
@@ -4949,7 +4955,7 @@
           <a:p>
             <a:fld id="{FECFB901-D435-4B87-95E4-66DA46225BE9}" type="datetimeFigureOut">
               <a:rPr lang="en-US" smtClean="0"/>
-              <a:t>8/5/2019</a:t>
+              <a:t>8/8/2019</a:t>
             </a:fld>
             <a:endParaRPr lang="en-US"/>
           </a:p>
@@ -5119,7 +5125,7 @@
           <a:p>
             <a:fld id="{FECFB901-D435-4B87-95E4-66DA46225BE9}" type="datetimeFigureOut">
               <a:rPr lang="en-US" smtClean="0"/>
-              <a:t>8/5/2019</a:t>
+              <a:t>8/8/2019</a:t>
             </a:fld>
             <a:endParaRPr lang="en-US"/>
           </a:p>
@@ -5299,7 +5305,7 @@
           <a:p>
             <a:fld id="{FECFB901-D435-4B87-95E4-66DA46225BE9}" type="datetimeFigureOut">
               <a:rPr lang="en-US" smtClean="0"/>
-              <a:t>8/5/2019</a:t>
+              <a:t>8/8/2019</a:t>
             </a:fld>
             <a:endParaRPr lang="en-US"/>
           </a:p>
@@ -5469,7 +5475,7 @@
           <a:p>
             <a:fld id="{FECFB901-D435-4B87-95E4-66DA46225BE9}" type="datetimeFigureOut">
               <a:rPr lang="en-US" smtClean="0"/>
-              <a:t>8/5/2019</a:t>
+              <a:t>8/8/2019</a:t>
             </a:fld>
             <a:endParaRPr lang="en-US"/>
           </a:p>
@@ -5726,7 +5732,7 @@
           <a:p>
             <a:fld id="{FECFB901-D435-4B87-95E4-66DA46225BE9}" type="datetimeFigureOut">
               <a:rPr lang="en-US" smtClean="0"/>
-              <a:t>8/5/2019</a:t>
+              <a:t>8/8/2019</a:t>
             </a:fld>
             <a:endParaRPr lang="en-US"/>
           </a:p>
@@ -5958,7 +5964,7 @@
           <a:p>
             <a:fld id="{FECFB901-D435-4B87-95E4-66DA46225BE9}" type="datetimeFigureOut">
               <a:rPr lang="en-US" smtClean="0"/>
-              <a:t>8/5/2019</a:t>
+              <a:t>8/8/2019</a:t>
             </a:fld>
             <a:endParaRPr lang="en-US"/>
           </a:p>
@@ -6351,7 +6357,7 @@
           <a:p>
             <a:fld id="{FECFB901-D435-4B87-95E4-66DA46225BE9}" type="datetimeFigureOut">
               <a:rPr lang="en-US" smtClean="0"/>
-              <a:t>8/5/2019</a:t>
+              <a:t>8/8/2019</a:t>
             </a:fld>
             <a:endParaRPr lang="en-US"/>
           </a:p>
@@ -6469,7 +6475,7 @@
           <a:p>
             <a:fld id="{FECFB901-D435-4B87-95E4-66DA46225BE9}" type="datetimeFigureOut">
               <a:rPr lang="en-US" smtClean="0"/>
-              <a:t>8/5/2019</a:t>
+              <a:t>8/8/2019</a:t>
             </a:fld>
             <a:endParaRPr lang="en-US"/>
           </a:p>
@@ -6564,7 +6570,7 @@
           <a:p>
             <a:fld id="{FECFB901-D435-4B87-95E4-66DA46225BE9}" type="datetimeFigureOut">
               <a:rPr lang="en-US" smtClean="0"/>
-              <a:t>8/5/2019</a:t>
+              <a:t>8/8/2019</a:t>
             </a:fld>
             <a:endParaRPr lang="en-US"/>
           </a:p>
@@ -6837,7 +6843,7 @@
           <a:p>
             <a:fld id="{FECFB901-D435-4B87-95E4-66DA46225BE9}" type="datetimeFigureOut">
               <a:rPr lang="en-US" smtClean="0"/>
-              <a:t>8/5/2019</a:t>
+              <a:t>8/8/2019</a:t>
             </a:fld>
             <a:endParaRPr lang="en-US"/>
           </a:p>
@@ -7118,7 +7124,7 @@
           <a:p>
             <a:fld id="{FECFB901-D435-4B87-95E4-66DA46225BE9}" type="datetimeFigureOut">
               <a:rPr lang="en-US" smtClean="0"/>
-              <a:t>8/5/2019</a:t>
+              <a:t>8/8/2019</a:t>
             </a:fld>
             <a:endParaRPr lang="en-US"/>
           </a:p>
@@ -7358,7 +7364,7 @@
           <a:p>
             <a:fld id="{FECFB901-D435-4B87-95E4-66DA46225BE9}" type="datetimeFigureOut">
               <a:rPr lang="en-US" smtClean="0"/>
-              <a:t>8/5/2019</a:t>
+              <a:t>8/8/2019</a:t>
             </a:fld>
             <a:endParaRPr lang="en-US"/>
           </a:p>
@@ -8130,8 +8136,8 @@
         </p:nvSpPr>
         <p:spPr>
           <a:xfrm>
-            <a:off x="177178" y="-114921"/>
-            <a:ext cx="3957499" cy="1410666"/>
+            <a:off x="261584" y="266855"/>
+            <a:ext cx="3775844" cy="816357"/>
           </a:xfrm>
         </p:spPr>
         <p:txBody>
@@ -8141,7 +8147,7 @@
           <a:lstStyle/>
           <a:p>
             <a:r>
-              <a:rPr lang="en-US" sz="3600" dirty="0"/>
+              <a:rPr lang="en-US" sz="4400" dirty="0"/>
               <a:t>Level – 1 DFD:</a:t>
             </a:r>
           </a:p>
@@ -8175,7 +8181,7 @@
         </p:blipFill>
         <p:spPr>
           <a:xfrm>
-            <a:off x="3495601" y="476176"/>
+            <a:off x="4578813" y="590412"/>
             <a:ext cx="6548731" cy="5905648"/>
           </a:xfrm>
           <a:prstGeom prst="rect">
@@ -8231,18 +8237,18 @@
         </p:nvSpPr>
         <p:spPr>
           <a:xfrm>
-            <a:off x="495231" y="1080743"/>
-            <a:ext cx="4275551" cy="787814"/>
+            <a:off x="453028" y="433629"/>
+            <a:ext cx="5642972" cy="787814"/>
           </a:xfrm>
         </p:spPr>
         <p:txBody>
           <a:bodyPr>
-            <a:normAutofit/>
+            <a:noAutofit/>
           </a:bodyPr>
           <a:lstStyle/>
           <a:p>
             <a:r>
-              <a:rPr lang="en-US" sz="3600" dirty="0"/>
+              <a:rPr lang="en-US" sz="4400" dirty="0"/>
               <a:t>System Architecture:</a:t>
             </a:r>
           </a:p>
@@ -8276,7 +8282,7 @@
         </p:blipFill>
         <p:spPr>
           <a:xfrm>
-            <a:off x="1901700" y="2306148"/>
+            <a:off x="1732888" y="2179538"/>
             <a:ext cx="8388600" cy="2800424"/>
           </a:xfrm>
           <a:prstGeom prst="rect">
@@ -8333,18 +8339,19 @@
         <p:spPr>
           <a:xfrm>
             <a:off x="148883" y="154110"/>
-            <a:ext cx="4394982" cy="1325563"/>
+            <a:ext cx="4774809" cy="1325563"/>
           </a:xfrm>
         </p:spPr>
         <p:txBody>
-          <a:bodyPr/>
+          <a:bodyPr>
+            <a:normAutofit/>
+          </a:bodyPr>
           <a:lstStyle/>
           <a:p>
             <a:r>
               <a:rPr lang="en-US" sz="4400" dirty="0"/>
               <a:t>Activity Diagram:</a:t>
             </a:r>
-            <a:endParaRPr lang="en-US" dirty="0"/>
           </a:p>
         </p:txBody>
       </p:sp>
@@ -8376,8 +8383,8 @@
         </p:blipFill>
         <p:spPr>
           <a:xfrm>
-            <a:off x="4645595" y="291904"/>
-            <a:ext cx="5099193" cy="6274191"/>
+            <a:off x="5195385" y="154110"/>
+            <a:ext cx="5355669" cy="6589766"/>
           </a:xfrm>
           <a:prstGeom prst="rect">
             <a:avLst/>
@@ -8433,17 +8440,17 @@
         <p:spPr>
           <a:xfrm>
             <a:off x="468727" y="525117"/>
-            <a:ext cx="3467169" cy="748058"/>
+            <a:ext cx="3850055" cy="748058"/>
           </a:xfrm>
         </p:spPr>
         <p:txBody>
           <a:bodyPr>
-            <a:normAutofit/>
+            <a:noAutofit/>
           </a:bodyPr>
           <a:lstStyle/>
           <a:p>
             <a:r>
-              <a:rPr lang="en-US" sz="3600" dirty="0"/>
+              <a:rPr lang="en-US" sz="4400" dirty="0"/>
               <a:t>Class Diagram:</a:t>
             </a:r>
           </a:p>
@@ -8477,7 +8484,7 @@
         </p:blipFill>
         <p:spPr>
           <a:xfrm>
-            <a:off x="3638329" y="661987"/>
+            <a:off x="4512354" y="633852"/>
             <a:ext cx="7151590" cy="5843986"/>
           </a:xfrm>
           <a:prstGeom prst="rect">
@@ -8533,7 +8540,7 @@
         </p:nvSpPr>
         <p:spPr>
           <a:xfrm>
-            <a:off x="694014" y="1260682"/>
+            <a:off x="694014" y="1702282"/>
             <a:ext cx="10514012" cy="3034747"/>
           </a:xfrm>
         </p:spPr>
@@ -8597,17 +8604,17 @@
         <p:spPr>
           <a:xfrm>
             <a:off x="694014" y="472868"/>
-            <a:ext cx="9894473" cy="787814"/>
+            <a:ext cx="10194380" cy="787814"/>
           </a:xfrm>
         </p:spPr>
         <p:txBody>
           <a:bodyPr>
-            <a:normAutofit/>
+            <a:noAutofit/>
           </a:bodyPr>
           <a:lstStyle/>
           <a:p>
             <a:r>
-              <a:rPr lang="en-US" sz="3600" dirty="0"/>
+              <a:rPr lang="en-US" sz="4400" dirty="0"/>
               <a:t>Least Significant Bit(LSB) Replacement Algorithm</a:t>
             </a:r>
           </a:p>
@@ -8640,7 +8647,7 @@
         </p:blipFill>
         <p:spPr bwMode="auto">
           <a:xfrm>
-            <a:off x="4522785" y="3903951"/>
+            <a:off x="4522781" y="4254803"/>
             <a:ext cx="3415265" cy="1953509"/>
           </a:xfrm>
           <a:prstGeom prst="rect">
@@ -8666,7 +8673,7 @@
         </p:nvSpPr>
         <p:spPr>
           <a:xfrm>
-            <a:off x="5097599" y="6048926"/>
+            <a:off x="5097595" y="6300493"/>
             <a:ext cx="2265639" cy="169277"/>
           </a:xfrm>
           <a:prstGeom prst="rect">
@@ -8792,15 +8799,17 @@
         <p:spPr>
           <a:xfrm>
             <a:off x="838200" y="452989"/>
-            <a:ext cx="6091099" cy="827571"/>
+            <a:ext cx="8179191" cy="827571"/>
           </a:xfrm>
         </p:spPr>
         <p:txBody>
-          <a:bodyPr/>
+          <a:bodyPr>
+            <a:noAutofit/>
+          </a:bodyPr>
           <a:lstStyle/>
           <a:p>
             <a:r>
-              <a:rPr lang="en-US" dirty="0"/>
+              <a:rPr lang="en-US" sz="4400" dirty="0"/>
               <a:t>Message Embedding Algorithm:</a:t>
             </a:r>
           </a:p>
@@ -8954,7 +8963,7 @@
         <p:spPr>
           <a:xfrm>
             <a:off x="680762" y="469209"/>
-            <a:ext cx="6289882" cy="814318"/>
+            <a:ext cx="8843066" cy="814318"/>
           </a:xfrm>
         </p:spPr>
         <p:txBody>
@@ -8964,7 +8973,7 @@
           <a:lstStyle/>
           <a:p>
             <a:r>
-              <a:rPr lang="en-US" sz="3600" dirty="0"/>
+              <a:rPr lang="en-US" sz="4400" dirty="0"/>
               <a:t>Message Extraction  Algorithm</a:t>
             </a:r>
           </a:p>
@@ -9114,8 +9123,8 @@
         </p:nvSpPr>
         <p:spPr>
           <a:xfrm>
-            <a:off x="839788" y="404882"/>
-            <a:ext cx="5561012" cy="893832"/>
+            <a:off x="839787" y="404882"/>
+            <a:ext cx="6151855" cy="893832"/>
           </a:xfrm>
         </p:spPr>
         <p:txBody>
@@ -9125,7 +9134,7 @@
           <a:lstStyle/>
           <a:p>
             <a:r>
-              <a:rPr lang="en-US" sz="3600" dirty="0"/>
+              <a:rPr lang="en-US" sz="4400" dirty="0"/>
               <a:t>Software Tools Used</a:t>
             </a:r>
           </a:p>
@@ -9149,7 +9158,7 @@
         </p:nvSpPr>
         <p:spPr>
           <a:xfrm>
-            <a:off x="839788" y="1603513"/>
+            <a:off x="839787" y="1505040"/>
             <a:ext cx="10514012" cy="4666008"/>
           </a:xfrm>
         </p:spPr>
@@ -9280,7 +9289,7 @@
           <p:cNvPr id="2" name="Title 1">
             <a:extLst>
               <a:ext uri="{FF2B5EF4-FFF2-40B4-BE49-F238E27FC236}">
-                <a16:creationId xmlns:a16="http://schemas.microsoft.com/office/drawing/2014/main" id="{F257E20D-D0DA-4E21-9AB6-E3E4FC74BF15}"/>
+                <a16:creationId xmlns:a16="http://schemas.microsoft.com/office/drawing/2014/main" id="{2F37DF02-6663-4DA4-86A3-C622A0B8742A}"/>
               </a:ext>
             </a:extLst>
           </p:cNvPr>
@@ -9291,12 +9300,7 @@
             <p:ph type="title"/>
           </p:nvPr>
         </p:nvSpPr>
-        <p:spPr>
-          <a:xfrm>
-            <a:off x="838200" y="524151"/>
-            <a:ext cx="3135864" cy="721553"/>
-          </a:xfrm>
-        </p:spPr>
+        <p:spPr/>
         <p:txBody>
           <a:bodyPr>
             <a:normAutofit/>
@@ -9304,77 +9308,620 @@
           <a:lstStyle/>
           <a:p>
             <a:r>
-              <a:rPr lang="en-US" sz="3600" dirty="0"/>
-              <a:t>Conclusion</a:t>
-            </a:r>
-          </a:p>
-        </p:txBody>
-      </p:sp>
-      <p:sp>
-        <p:nvSpPr>
-          <p:cNvPr id="3" name="Text Placeholder 2">
+              <a:rPr lang="en-US" sz="4400" dirty="0"/>
+              <a:t>Unit Testing</a:t>
+            </a:r>
+          </a:p>
+        </p:txBody>
+      </p:sp>
+      <p:graphicFrame>
+        <p:nvGraphicFramePr>
+          <p:cNvPr id="4" name="Content Placeholder 3">
             <a:extLst>
               <a:ext uri="{FF2B5EF4-FFF2-40B4-BE49-F238E27FC236}">
-                <a16:creationId xmlns:a16="http://schemas.microsoft.com/office/drawing/2014/main" id="{B2AA8949-3473-4112-92F6-7FDBCA3F3756}"/>
+                <a16:creationId xmlns:a16="http://schemas.microsoft.com/office/drawing/2014/main" id="{32384940-840A-4DCD-A85B-E05C41972B91}"/>
               </a:ext>
             </a:extLst>
           </p:cNvPr>
-          <p:cNvSpPr>
-            <a:spLocks noGrp="1"/>
-          </p:cNvSpPr>
-          <p:nvPr>
-            <p:ph type="body" sz="half" idx="2"/>
-          </p:nvPr>
+          <p:cNvGraphicFramePr>
+            <a:graphicFrameLocks noGrp="1"/>
+          </p:cNvGraphicFramePr>
+          <p:nvPr>
+            <p:ph idx="1"/>
+            <p:extLst>
+              <p:ext uri="{D42A27DB-BD31-4B8C-83A1-F6EECF244321}">
+                <p14:modId xmlns:p14="http://schemas.microsoft.com/office/powerpoint/2010/main" val="4221105674"/>
+              </p:ext>
+            </p:extLst>
+          </p:nvPr>
+        </p:nvGraphicFramePr>
+        <p:xfrm>
+          <a:off x="1162978" y="2838157"/>
+          <a:ext cx="9078300" cy="2194558"/>
+        </p:xfrm>
+        <a:graphic>
+          <a:graphicData uri="http://schemas.openxmlformats.org/drawingml/2006/table">
+            <a:tbl>
+              <a:tblPr firstRow="1" firstCol="1" bandRow="1">
+                <a:tableStyleId>{5C22544A-7EE6-4342-B048-85BDC9FD1C3A}</a:tableStyleId>
+              </a:tblPr>
+              <a:tblGrid>
+                <a:gridCol w="1815660">
+                  <a:extLst>
+                    <a:ext uri="{9D8B030D-6E8A-4147-A177-3AD203B41FA5}">
+                      <a16:colId xmlns:a16="http://schemas.microsoft.com/office/drawing/2014/main" val="2410204287"/>
+                    </a:ext>
+                  </a:extLst>
+                </a:gridCol>
+                <a:gridCol w="1815660">
+                  <a:extLst>
+                    <a:ext uri="{9D8B030D-6E8A-4147-A177-3AD203B41FA5}">
+                      <a16:colId xmlns:a16="http://schemas.microsoft.com/office/drawing/2014/main" val="673692133"/>
+                    </a:ext>
+                  </a:extLst>
+                </a:gridCol>
+                <a:gridCol w="1815660">
+                  <a:extLst>
+                    <a:ext uri="{9D8B030D-6E8A-4147-A177-3AD203B41FA5}">
+                      <a16:colId xmlns:a16="http://schemas.microsoft.com/office/drawing/2014/main" val="3737317514"/>
+                    </a:ext>
+                  </a:extLst>
+                </a:gridCol>
+                <a:gridCol w="1815660">
+                  <a:extLst>
+                    <a:ext uri="{9D8B030D-6E8A-4147-A177-3AD203B41FA5}">
+                      <a16:colId xmlns:a16="http://schemas.microsoft.com/office/drawing/2014/main" val="2863337706"/>
+                    </a:ext>
+                  </a:extLst>
+                </a:gridCol>
+                <a:gridCol w="1815660">
+                  <a:extLst>
+                    <a:ext uri="{9D8B030D-6E8A-4147-A177-3AD203B41FA5}">
+                      <a16:colId xmlns:a16="http://schemas.microsoft.com/office/drawing/2014/main" val="2969003496"/>
+                    </a:ext>
+                  </a:extLst>
+                </a:gridCol>
+              </a:tblGrid>
+              <a:tr h="518265">
+                <a:tc>
+                  <a:txBody>
+                    <a:bodyPr/>
+                    <a:lstStyle/>
+                    <a:p>
+                      <a:pPr marL="0" marR="0" algn="just">
+                        <a:lnSpc>
+                          <a:spcPct val="150000"/>
+                        </a:lnSpc>
+                        <a:spcBef>
+                          <a:spcPts val="0"/>
+                        </a:spcBef>
+                        <a:spcAft>
+                          <a:spcPts val="600"/>
+                        </a:spcAft>
+                      </a:pPr>
+                      <a:r>
+                        <a:rPr lang="en-US" sz="1200">
+                          <a:effectLst/>
+                        </a:rPr>
+                        <a:t>Test Cases</a:t>
+                      </a:r>
+                      <a:endParaRPr lang="en-US" sz="1200">
+                        <a:effectLst/>
+                        <a:latin typeface="Times New Roman" panose="02020603050405020304" pitchFamily="18" charset="0"/>
+                        <a:ea typeface="Times New Roman" panose="02020603050405020304" pitchFamily="18" charset="0"/>
+                        <a:cs typeface="Mangal" panose="02040503050203030202" pitchFamily="18" charset="0"/>
+                      </a:endParaRPr>
+                    </a:p>
+                  </a:txBody>
+                  <a:tcPr marL="68580" marR="68580" marT="0" marB="0"/>
+                </a:tc>
+                <a:tc>
+                  <a:txBody>
+                    <a:bodyPr/>
+                    <a:lstStyle/>
+                    <a:p>
+                      <a:pPr marL="0" marR="0" algn="just">
+                        <a:lnSpc>
+                          <a:spcPct val="150000"/>
+                        </a:lnSpc>
+                        <a:spcBef>
+                          <a:spcPts val="0"/>
+                        </a:spcBef>
+                        <a:spcAft>
+                          <a:spcPts val="600"/>
+                        </a:spcAft>
+                      </a:pPr>
+                      <a:r>
+                        <a:rPr lang="en-US" sz="1200" dirty="0">
+                          <a:effectLst/>
+                        </a:rPr>
+                        <a:t>Input</a:t>
+                      </a:r>
+                      <a:endParaRPr lang="en-US" sz="1200" dirty="0">
+                        <a:effectLst/>
+                        <a:latin typeface="Times New Roman" panose="02020603050405020304" pitchFamily="18" charset="0"/>
+                        <a:ea typeface="Times New Roman" panose="02020603050405020304" pitchFamily="18" charset="0"/>
+                        <a:cs typeface="Mangal" panose="02040503050203030202" pitchFamily="18" charset="0"/>
+                      </a:endParaRPr>
+                    </a:p>
+                  </a:txBody>
+                  <a:tcPr marL="68580" marR="68580" marT="0" marB="0"/>
+                </a:tc>
+                <a:tc>
+                  <a:txBody>
+                    <a:bodyPr/>
+                    <a:lstStyle/>
+                    <a:p>
+                      <a:pPr marL="0" marR="0" algn="just">
+                        <a:lnSpc>
+                          <a:spcPct val="150000"/>
+                        </a:lnSpc>
+                        <a:spcBef>
+                          <a:spcPts val="0"/>
+                        </a:spcBef>
+                        <a:spcAft>
+                          <a:spcPts val="600"/>
+                        </a:spcAft>
+                      </a:pPr>
+                      <a:r>
+                        <a:rPr lang="en-US" sz="1200" dirty="0">
+                          <a:effectLst/>
+                        </a:rPr>
+                        <a:t>Expected Output</a:t>
+                      </a:r>
+                      <a:endParaRPr lang="en-US" sz="1200" dirty="0">
+                        <a:effectLst/>
+                        <a:latin typeface="Times New Roman" panose="02020603050405020304" pitchFamily="18" charset="0"/>
+                        <a:ea typeface="Times New Roman" panose="02020603050405020304" pitchFamily="18" charset="0"/>
+                        <a:cs typeface="Mangal" panose="02040503050203030202" pitchFamily="18" charset="0"/>
+                      </a:endParaRPr>
+                    </a:p>
+                  </a:txBody>
+                  <a:tcPr marL="68580" marR="68580" marT="0" marB="0"/>
+                </a:tc>
+                <a:tc>
+                  <a:txBody>
+                    <a:bodyPr/>
+                    <a:lstStyle/>
+                    <a:p>
+                      <a:pPr marL="0" marR="0" algn="just">
+                        <a:lnSpc>
+                          <a:spcPct val="150000"/>
+                        </a:lnSpc>
+                        <a:spcBef>
+                          <a:spcPts val="0"/>
+                        </a:spcBef>
+                        <a:spcAft>
+                          <a:spcPts val="600"/>
+                        </a:spcAft>
+                      </a:pPr>
+                      <a:r>
+                        <a:rPr lang="en-US" sz="1200">
+                          <a:effectLst/>
+                        </a:rPr>
+                        <a:t>Output</a:t>
+                      </a:r>
+                      <a:endParaRPr lang="en-US" sz="1200">
+                        <a:effectLst/>
+                        <a:latin typeface="Times New Roman" panose="02020603050405020304" pitchFamily="18" charset="0"/>
+                        <a:ea typeface="Times New Roman" panose="02020603050405020304" pitchFamily="18" charset="0"/>
+                        <a:cs typeface="Mangal" panose="02040503050203030202" pitchFamily="18" charset="0"/>
+                      </a:endParaRPr>
+                    </a:p>
+                  </a:txBody>
+                  <a:tcPr marL="68580" marR="68580" marT="0" marB="0"/>
+                </a:tc>
+                <a:tc>
+                  <a:txBody>
+                    <a:bodyPr/>
+                    <a:lstStyle/>
+                    <a:p>
+                      <a:pPr marL="0" marR="0" algn="just">
+                        <a:lnSpc>
+                          <a:spcPct val="150000"/>
+                        </a:lnSpc>
+                        <a:spcBef>
+                          <a:spcPts val="0"/>
+                        </a:spcBef>
+                        <a:spcAft>
+                          <a:spcPts val="600"/>
+                        </a:spcAft>
+                      </a:pPr>
+                      <a:r>
+                        <a:rPr lang="en-US" sz="1200">
+                          <a:effectLst/>
+                        </a:rPr>
+                        <a:t>Remarks</a:t>
+                      </a:r>
+                      <a:endParaRPr lang="en-US" sz="1200">
+                        <a:effectLst/>
+                        <a:latin typeface="Times New Roman" panose="02020603050405020304" pitchFamily="18" charset="0"/>
+                        <a:ea typeface="Times New Roman" panose="02020603050405020304" pitchFamily="18" charset="0"/>
+                        <a:cs typeface="Mangal" panose="02040503050203030202" pitchFamily="18" charset="0"/>
+                      </a:endParaRPr>
+                    </a:p>
+                  </a:txBody>
+                  <a:tcPr marL="68580" marR="68580" marT="0" marB="0"/>
+                </a:tc>
+                <a:extLst>
+                  <a:ext uri="{0D108BD9-81ED-4DB2-BD59-A6C34878D82A}">
+                    <a16:rowId xmlns:a16="http://schemas.microsoft.com/office/drawing/2014/main" val="489256895"/>
+                  </a:ext>
+                </a:extLst>
+              </a:tr>
+              <a:tr h="863777">
+                <a:tc>
+                  <a:txBody>
+                    <a:bodyPr/>
+                    <a:lstStyle/>
+                    <a:p>
+                      <a:pPr marL="0" marR="0" algn="ctr">
+                        <a:lnSpc>
+                          <a:spcPct val="150000"/>
+                        </a:lnSpc>
+                        <a:spcBef>
+                          <a:spcPts val="0"/>
+                        </a:spcBef>
+                        <a:spcAft>
+                          <a:spcPts val="600"/>
+                        </a:spcAft>
+                      </a:pPr>
+                      <a:r>
+                        <a:rPr lang="en-US" sz="1200">
+                          <a:effectLst/>
+                        </a:rPr>
+                        <a:t>String encryption</a:t>
+                      </a:r>
+                      <a:endParaRPr lang="en-US" sz="1200">
+                        <a:effectLst/>
+                        <a:latin typeface="Times New Roman" panose="02020603050405020304" pitchFamily="18" charset="0"/>
+                        <a:ea typeface="Times New Roman" panose="02020603050405020304" pitchFamily="18" charset="0"/>
+                        <a:cs typeface="Mangal" panose="02040503050203030202" pitchFamily="18" charset="0"/>
+                      </a:endParaRPr>
+                    </a:p>
+                  </a:txBody>
+                  <a:tcPr marL="68580" marR="68580" marT="0" marB="0"/>
+                </a:tc>
+                <a:tc>
+                  <a:txBody>
+                    <a:bodyPr/>
+                    <a:lstStyle/>
+                    <a:p>
+                      <a:pPr marL="0" marR="0" algn="ctr">
+                        <a:lnSpc>
+                          <a:spcPct val="150000"/>
+                        </a:lnSpc>
+                        <a:spcBef>
+                          <a:spcPts val="0"/>
+                        </a:spcBef>
+                        <a:spcAft>
+                          <a:spcPts val="600"/>
+                        </a:spcAft>
+                      </a:pPr>
+                      <a:r>
+                        <a:rPr lang="en-US" sz="1200">
+                          <a:effectLst/>
+                        </a:rPr>
+                        <a:t>Message string, key string</a:t>
+                      </a:r>
+                      <a:endParaRPr lang="en-US" sz="1200">
+                        <a:effectLst/>
+                        <a:latin typeface="Times New Roman" panose="02020603050405020304" pitchFamily="18" charset="0"/>
+                        <a:ea typeface="Times New Roman" panose="02020603050405020304" pitchFamily="18" charset="0"/>
+                        <a:cs typeface="Mangal" panose="02040503050203030202" pitchFamily="18" charset="0"/>
+                      </a:endParaRPr>
+                    </a:p>
+                  </a:txBody>
+                  <a:tcPr marL="68580" marR="68580" marT="0" marB="0"/>
+                </a:tc>
+                <a:tc>
+                  <a:txBody>
+                    <a:bodyPr/>
+                    <a:lstStyle/>
+                    <a:p>
+                      <a:pPr marL="0" marR="0" algn="ctr">
+                        <a:lnSpc>
+                          <a:spcPct val="150000"/>
+                        </a:lnSpc>
+                        <a:spcBef>
+                          <a:spcPts val="0"/>
+                        </a:spcBef>
+                        <a:spcAft>
+                          <a:spcPts val="600"/>
+                        </a:spcAft>
+                      </a:pPr>
+                      <a:r>
+                        <a:rPr lang="en-US" sz="1200" dirty="0">
+                          <a:effectLst/>
+                        </a:rPr>
+                        <a:t>Encrypted string</a:t>
+                      </a:r>
+                      <a:endParaRPr lang="en-US" sz="1200" dirty="0">
+                        <a:effectLst/>
+                        <a:latin typeface="Times New Roman" panose="02020603050405020304" pitchFamily="18" charset="0"/>
+                        <a:ea typeface="Times New Roman" panose="02020603050405020304" pitchFamily="18" charset="0"/>
+                        <a:cs typeface="Mangal" panose="02040503050203030202" pitchFamily="18" charset="0"/>
+                      </a:endParaRPr>
+                    </a:p>
+                  </a:txBody>
+                  <a:tcPr marL="68580" marR="68580" marT="0" marB="0"/>
+                </a:tc>
+                <a:tc>
+                  <a:txBody>
+                    <a:bodyPr/>
+                    <a:lstStyle/>
+                    <a:p>
+                      <a:pPr marL="0" marR="0" algn="ctr">
+                        <a:lnSpc>
+                          <a:spcPct val="150000"/>
+                        </a:lnSpc>
+                        <a:spcBef>
+                          <a:spcPts val="0"/>
+                        </a:spcBef>
+                        <a:spcAft>
+                          <a:spcPts val="600"/>
+                        </a:spcAft>
+                      </a:pPr>
+                      <a:r>
+                        <a:rPr lang="en-US" sz="1200">
+                          <a:effectLst/>
+                        </a:rPr>
+                        <a:t>Encrypted string</a:t>
+                      </a:r>
+                      <a:endParaRPr lang="en-US" sz="1200">
+                        <a:effectLst/>
+                        <a:latin typeface="Times New Roman" panose="02020603050405020304" pitchFamily="18" charset="0"/>
+                        <a:ea typeface="Times New Roman" panose="02020603050405020304" pitchFamily="18" charset="0"/>
+                        <a:cs typeface="Mangal" panose="02040503050203030202" pitchFamily="18" charset="0"/>
+                      </a:endParaRPr>
+                    </a:p>
+                  </a:txBody>
+                  <a:tcPr marL="68580" marR="68580" marT="0" marB="0"/>
+                </a:tc>
+                <a:tc>
+                  <a:txBody>
+                    <a:bodyPr/>
+                    <a:lstStyle/>
+                    <a:p>
+                      <a:pPr marL="0" marR="0" algn="ctr">
+                        <a:lnSpc>
+                          <a:spcPct val="150000"/>
+                        </a:lnSpc>
+                        <a:spcBef>
+                          <a:spcPts val="0"/>
+                        </a:spcBef>
+                        <a:spcAft>
+                          <a:spcPts val="600"/>
+                        </a:spcAft>
+                      </a:pPr>
+                      <a:r>
+                        <a:rPr lang="en-US" sz="1200">
+                          <a:effectLst/>
+                        </a:rPr>
+                        <a:t>Encrypted successfully</a:t>
+                      </a:r>
+                      <a:endParaRPr lang="en-US" sz="1200">
+                        <a:effectLst/>
+                        <a:latin typeface="Times New Roman" panose="02020603050405020304" pitchFamily="18" charset="0"/>
+                        <a:ea typeface="Times New Roman" panose="02020603050405020304" pitchFamily="18" charset="0"/>
+                        <a:cs typeface="Mangal" panose="02040503050203030202" pitchFamily="18" charset="0"/>
+                      </a:endParaRPr>
+                    </a:p>
+                  </a:txBody>
+                  <a:tcPr marL="68580" marR="68580" marT="0" marB="0"/>
+                </a:tc>
+                <a:extLst>
+                  <a:ext uri="{0D108BD9-81ED-4DB2-BD59-A6C34878D82A}">
+                    <a16:rowId xmlns:a16="http://schemas.microsoft.com/office/drawing/2014/main" val="1024722262"/>
+                  </a:ext>
+                </a:extLst>
+              </a:tr>
+              <a:tr h="812516">
+                <a:tc>
+                  <a:txBody>
+                    <a:bodyPr/>
+                    <a:lstStyle/>
+                    <a:p>
+                      <a:pPr marL="0" marR="0" algn="ctr">
+                        <a:lnSpc>
+                          <a:spcPct val="150000"/>
+                        </a:lnSpc>
+                        <a:spcBef>
+                          <a:spcPts val="0"/>
+                        </a:spcBef>
+                        <a:spcAft>
+                          <a:spcPts val="600"/>
+                        </a:spcAft>
+                      </a:pPr>
+                      <a:r>
+                        <a:rPr lang="en-US" sz="1200">
+                          <a:effectLst/>
+                        </a:rPr>
+                        <a:t>Image’s LSB replacement</a:t>
+                      </a:r>
+                      <a:endParaRPr lang="en-US" sz="1200">
+                        <a:effectLst/>
+                        <a:latin typeface="Times New Roman" panose="02020603050405020304" pitchFamily="18" charset="0"/>
+                        <a:ea typeface="Times New Roman" panose="02020603050405020304" pitchFamily="18" charset="0"/>
+                        <a:cs typeface="Mangal" panose="02040503050203030202" pitchFamily="18" charset="0"/>
+                      </a:endParaRPr>
+                    </a:p>
+                  </a:txBody>
+                  <a:tcPr marL="68580" marR="68580" marT="0" marB="0"/>
+                </a:tc>
+                <a:tc>
+                  <a:txBody>
+                    <a:bodyPr/>
+                    <a:lstStyle/>
+                    <a:p>
+                      <a:pPr marL="0" marR="0" algn="ctr">
+                        <a:lnSpc>
+                          <a:spcPct val="150000"/>
+                        </a:lnSpc>
+                        <a:spcBef>
+                          <a:spcPts val="0"/>
+                        </a:spcBef>
+                        <a:spcAft>
+                          <a:spcPts val="600"/>
+                        </a:spcAft>
+                      </a:pPr>
+                      <a:r>
+                        <a:rPr lang="en-US" sz="1200">
+                          <a:effectLst/>
+                        </a:rPr>
+                        <a:t>Image, any string</a:t>
+                      </a:r>
+                      <a:endParaRPr lang="en-US" sz="1200">
+                        <a:effectLst/>
+                        <a:latin typeface="Times New Roman" panose="02020603050405020304" pitchFamily="18" charset="0"/>
+                        <a:ea typeface="Times New Roman" panose="02020603050405020304" pitchFamily="18" charset="0"/>
+                        <a:cs typeface="Mangal" panose="02040503050203030202" pitchFamily="18" charset="0"/>
+                      </a:endParaRPr>
+                    </a:p>
+                  </a:txBody>
+                  <a:tcPr marL="68580" marR="68580" marT="0" marB="0"/>
+                </a:tc>
+                <a:tc>
+                  <a:txBody>
+                    <a:bodyPr/>
+                    <a:lstStyle/>
+                    <a:p>
+                      <a:pPr marL="0" marR="0" algn="ctr">
+                        <a:lnSpc>
+                          <a:spcPct val="150000"/>
+                        </a:lnSpc>
+                        <a:spcBef>
+                          <a:spcPts val="0"/>
+                        </a:spcBef>
+                        <a:spcAft>
+                          <a:spcPts val="600"/>
+                        </a:spcAft>
+                      </a:pPr>
+                      <a:r>
+                        <a:rPr lang="en-US" sz="1200">
+                          <a:effectLst/>
+                        </a:rPr>
+                        <a:t>Image with changed LSBs</a:t>
+                      </a:r>
+                      <a:endParaRPr lang="en-US" sz="1200">
+                        <a:effectLst/>
+                        <a:latin typeface="Times New Roman" panose="02020603050405020304" pitchFamily="18" charset="0"/>
+                        <a:ea typeface="Times New Roman" panose="02020603050405020304" pitchFamily="18" charset="0"/>
+                        <a:cs typeface="Mangal" panose="02040503050203030202" pitchFamily="18" charset="0"/>
+                      </a:endParaRPr>
+                    </a:p>
+                  </a:txBody>
+                  <a:tcPr marL="68580" marR="68580" marT="0" marB="0"/>
+                </a:tc>
+                <a:tc>
+                  <a:txBody>
+                    <a:bodyPr/>
+                    <a:lstStyle/>
+                    <a:p>
+                      <a:pPr marL="0" marR="0" algn="ctr">
+                        <a:lnSpc>
+                          <a:spcPct val="150000"/>
+                        </a:lnSpc>
+                        <a:spcBef>
+                          <a:spcPts val="0"/>
+                        </a:spcBef>
+                        <a:spcAft>
+                          <a:spcPts val="600"/>
+                        </a:spcAft>
+                      </a:pPr>
+                      <a:r>
+                        <a:rPr lang="en-US" sz="1200">
+                          <a:effectLst/>
+                        </a:rPr>
+                        <a:t>Image with changed LSBs</a:t>
+                      </a:r>
+                      <a:endParaRPr lang="en-US" sz="1200">
+                        <a:effectLst/>
+                        <a:latin typeface="Times New Roman" panose="02020603050405020304" pitchFamily="18" charset="0"/>
+                        <a:ea typeface="Times New Roman" panose="02020603050405020304" pitchFamily="18" charset="0"/>
+                        <a:cs typeface="Mangal" panose="02040503050203030202" pitchFamily="18" charset="0"/>
+                      </a:endParaRPr>
+                    </a:p>
+                  </a:txBody>
+                  <a:tcPr marL="68580" marR="68580" marT="0" marB="0"/>
+                </a:tc>
+                <a:tc>
+                  <a:txBody>
+                    <a:bodyPr/>
+                    <a:lstStyle/>
+                    <a:p>
+                      <a:pPr marL="0" marR="0" algn="ctr">
+                        <a:lnSpc>
+                          <a:spcPct val="150000"/>
+                        </a:lnSpc>
+                        <a:spcBef>
+                          <a:spcPts val="0"/>
+                        </a:spcBef>
+                        <a:spcAft>
+                          <a:spcPts val="600"/>
+                        </a:spcAft>
+                      </a:pPr>
+                      <a:r>
+                        <a:rPr lang="en-US" sz="1200" dirty="0">
+                          <a:effectLst/>
+                        </a:rPr>
+                        <a:t>String embedded to image successfully</a:t>
+                      </a:r>
+                      <a:endParaRPr lang="en-US" sz="1200" dirty="0">
+                        <a:effectLst/>
+                        <a:latin typeface="Times New Roman" panose="02020603050405020304" pitchFamily="18" charset="0"/>
+                        <a:ea typeface="Times New Roman" panose="02020603050405020304" pitchFamily="18" charset="0"/>
+                        <a:cs typeface="Mangal" panose="02040503050203030202" pitchFamily="18" charset="0"/>
+                      </a:endParaRPr>
+                    </a:p>
+                  </a:txBody>
+                  <a:tcPr marL="68580" marR="68580" marT="0" marB="0"/>
+                </a:tc>
+                <a:extLst>
+                  <a:ext uri="{0D108BD9-81ED-4DB2-BD59-A6C34878D82A}">
+                    <a16:rowId xmlns:a16="http://schemas.microsoft.com/office/drawing/2014/main" val="354730021"/>
+                  </a:ext>
+                </a:extLst>
+              </a:tr>
+            </a:tbl>
+          </a:graphicData>
+        </a:graphic>
+      </p:graphicFrame>
+      <p:sp>
+        <p:nvSpPr>
+          <p:cNvPr id="6" name="TextBox 5">
+            <a:extLst>
+              <a:ext uri="{FF2B5EF4-FFF2-40B4-BE49-F238E27FC236}">
+                <a16:creationId xmlns:a16="http://schemas.microsoft.com/office/drawing/2014/main" id="{415EF242-EE44-4BBB-87D9-AFF52313C492}"/>
+              </a:ext>
+            </a:extLst>
+          </p:cNvPr>
+          <p:cNvSpPr txBox="1"/>
+          <p:nvPr/>
         </p:nvSpPr>
         <p:spPr>
           <a:xfrm>
-            <a:off x="839788" y="1245704"/>
-            <a:ext cx="10514012" cy="4904547"/>
+            <a:off x="1162978" y="2068759"/>
+            <a:ext cx="7136960" cy="523220"/>
           </a:xfrm>
+          <a:prstGeom prst="rect">
+            <a:avLst/>
+          </a:prstGeom>
+          <a:noFill/>
         </p:spPr>
         <p:txBody>
-          <a:bodyPr>
-            <a:normAutofit/>
+          <a:bodyPr wrap="square" rtlCol="0">
+            <a:spAutoFit/>
           </a:bodyPr>
           <a:lstStyle/>
           <a:p>
             <a:pPr marL="342900" indent="-342900">
-              <a:buFont typeface="Wingdings" panose="05000000000000000000" pitchFamily="2" charset="2"/>
-              <a:buChar char="q"/>
+              <a:buFont typeface="Arial" panose="020B0604020202020204" pitchFamily="34" charset="0"/>
+              <a:buChar char="•"/>
             </a:pPr>
             <a:r>
               <a:rPr lang="en-US" sz="2800" dirty="0"/>
-              <a:t>The final product is a system that can take a cover image file, hidden message and a secret key as input and provide a stego-image.</a:t>
-            </a:r>
-          </a:p>
-          <a:p>
-            <a:pPr marL="342900" indent="-342900">
-              <a:buFont typeface="Wingdings" panose="05000000000000000000" pitchFamily="2" charset="2"/>
-              <a:buChar char="q"/>
-            </a:pPr>
-            <a:r>
-              <a:rPr lang="en-US" sz="2800" dirty="0"/>
-              <a:t>The system can also extract the secret message hidden in the stego-image when provided with stego image and the associated key.</a:t>
-            </a:r>
-          </a:p>
-          <a:p>
-            <a:pPr marL="342900" indent="-342900">
-              <a:buFont typeface="Wingdings" panose="05000000000000000000" pitchFamily="2" charset="2"/>
-              <a:buChar char="q"/>
-            </a:pPr>
-            <a:r>
-              <a:rPr lang="en-US" sz="2800" dirty="0"/>
-              <a:t>The embedding process follows image’s LSB replacement algorithm. Message is hidden in the least significant bits of the image.</a:t>
-            </a:r>
-          </a:p>
-          <a:p>
-            <a:pPr marL="342900" indent="-342900">
-              <a:buFont typeface="Wingdings" panose="05000000000000000000" pitchFamily="2" charset="2"/>
-              <a:buChar char="q"/>
-            </a:pPr>
-            <a:r>
-              <a:rPr lang="en-US" sz="2800" dirty="0"/>
-              <a:t>To extract the hidden message from the stego image, LSBs are extracted then shown as string.</a:t>
+              <a:t>Message encryption and embedding module:</a:t>
             </a:r>
           </a:p>
         </p:txBody>
@@ -9382,7 +9929,7 @@
     </p:spTree>
     <p:extLst>
       <p:ext uri="{BB962C8B-B14F-4D97-AF65-F5344CB8AC3E}">
-        <p14:creationId xmlns:p14="http://schemas.microsoft.com/office/powerpoint/2010/main" val="1658408816"/>
+        <p14:creationId xmlns:p14="http://schemas.microsoft.com/office/powerpoint/2010/main" val="1541038712"/>
       </p:ext>
     </p:extLst>
   </p:cSld>
@@ -9411,10 +9958,10 @@
       </p:grpSpPr>
       <p:sp>
         <p:nvSpPr>
-          <p:cNvPr id="2" name="Title 1">
+          <p:cNvPr id="3" name="Content Placeholder 2">
             <a:extLst>
               <a:ext uri="{FF2B5EF4-FFF2-40B4-BE49-F238E27FC236}">
-                <a16:creationId xmlns:a16="http://schemas.microsoft.com/office/drawing/2014/main" id="{2CD8CE4F-EFA3-4662-A33D-146B061A68BF}"/>
+                <a16:creationId xmlns:a16="http://schemas.microsoft.com/office/drawing/2014/main" id="{69D5CB56-FC14-44E8-8A0A-DDB20C6D6073}"/>
               </a:ext>
             </a:extLst>
           </p:cNvPr>
@@ -9422,13 +9969,654 @@
             <a:spLocks noGrp="1"/>
           </p:cNvSpPr>
           <p:nvPr>
-            <p:ph type="title"/>
+            <p:ph idx="1"/>
           </p:nvPr>
         </p:nvSpPr>
         <p:spPr>
           <a:xfrm>
-            <a:off x="4656414" y="1661828"/>
-            <a:ext cx="3785221" cy="3534344"/>
+            <a:off x="1119225" y="2039814"/>
+            <a:ext cx="10233800" cy="4585933"/>
+          </a:xfrm>
+        </p:spPr>
+        <p:txBody>
+          <a:bodyPr/>
+          <a:lstStyle/>
+          <a:p>
+            <a:r>
+              <a:rPr lang="en-US" dirty="0"/>
+              <a:t>Emailing process module:</a:t>
+            </a:r>
+          </a:p>
+          <a:p>
+            <a:pPr marL="0" indent="0">
+              <a:buNone/>
+            </a:pPr>
+            <a:endParaRPr lang="en-US" dirty="0"/>
+          </a:p>
+          <a:p>
+            <a:pPr marL="0" indent="0">
+              <a:buNone/>
+            </a:pPr>
+            <a:endParaRPr lang="en-US" dirty="0"/>
+          </a:p>
+          <a:p>
+            <a:pPr marL="0" indent="0">
+              <a:buNone/>
+            </a:pPr>
+            <a:endParaRPr lang="en-US" dirty="0"/>
+          </a:p>
+          <a:p>
+            <a:pPr marL="0" indent="0">
+              <a:buNone/>
+            </a:pPr>
+            <a:endParaRPr lang="en-US" dirty="0"/>
+          </a:p>
+          <a:p>
+            <a:pPr marL="0" indent="0">
+              <a:buNone/>
+            </a:pPr>
+            <a:endParaRPr lang="en-US" dirty="0"/>
+          </a:p>
+          <a:p>
+            <a:pPr marL="0" indent="0">
+              <a:buNone/>
+            </a:pPr>
+            <a:endParaRPr lang="en-US" dirty="0"/>
+          </a:p>
+        </p:txBody>
+      </p:sp>
+      <p:graphicFrame>
+        <p:nvGraphicFramePr>
+          <p:cNvPr id="4" name="Table 3">
+            <a:extLst>
+              <a:ext uri="{FF2B5EF4-FFF2-40B4-BE49-F238E27FC236}">
+                <a16:creationId xmlns:a16="http://schemas.microsoft.com/office/drawing/2014/main" id="{238B61A4-3C01-4739-B799-C4928D13FA08}"/>
+              </a:ext>
+            </a:extLst>
+          </p:cNvPr>
+          <p:cNvGraphicFramePr>
+            <a:graphicFrameLocks noGrp="1"/>
+          </p:cNvGraphicFramePr>
+          <p:nvPr>
+            <p:extLst>
+              <p:ext uri="{D42A27DB-BD31-4B8C-83A1-F6EECF244321}">
+                <p14:modId xmlns:p14="http://schemas.microsoft.com/office/powerpoint/2010/main" val="2191321828"/>
+              </p:ext>
+            </p:extLst>
+          </p:nvPr>
+        </p:nvGraphicFramePr>
+        <p:xfrm>
+          <a:off x="1118450" y="2756836"/>
+          <a:ext cx="9769170" cy="2103982"/>
+        </p:xfrm>
+        <a:graphic>
+          <a:graphicData uri="http://schemas.openxmlformats.org/drawingml/2006/table">
+            <a:tbl>
+              <a:tblPr firstRow="1" firstCol="1" bandRow="1">
+                <a:tableStyleId>{5C22544A-7EE6-4342-B048-85BDC9FD1C3A}</a:tableStyleId>
+              </a:tblPr>
+              <a:tblGrid>
+                <a:gridCol w="1953834">
+                  <a:extLst>
+                    <a:ext uri="{9D8B030D-6E8A-4147-A177-3AD203B41FA5}">
+                      <a16:colId xmlns:a16="http://schemas.microsoft.com/office/drawing/2014/main" val="3510619738"/>
+                    </a:ext>
+                  </a:extLst>
+                </a:gridCol>
+                <a:gridCol w="1953834">
+                  <a:extLst>
+                    <a:ext uri="{9D8B030D-6E8A-4147-A177-3AD203B41FA5}">
+                      <a16:colId xmlns:a16="http://schemas.microsoft.com/office/drawing/2014/main" val="1725625729"/>
+                    </a:ext>
+                  </a:extLst>
+                </a:gridCol>
+                <a:gridCol w="1953834">
+                  <a:extLst>
+                    <a:ext uri="{9D8B030D-6E8A-4147-A177-3AD203B41FA5}">
+                      <a16:colId xmlns:a16="http://schemas.microsoft.com/office/drawing/2014/main" val="695172700"/>
+                    </a:ext>
+                  </a:extLst>
+                </a:gridCol>
+                <a:gridCol w="1953834">
+                  <a:extLst>
+                    <a:ext uri="{9D8B030D-6E8A-4147-A177-3AD203B41FA5}">
+                      <a16:colId xmlns:a16="http://schemas.microsoft.com/office/drawing/2014/main" val="3788602661"/>
+                    </a:ext>
+                  </a:extLst>
+                </a:gridCol>
+                <a:gridCol w="1953834">
+                  <a:extLst>
+                    <a:ext uri="{9D8B030D-6E8A-4147-A177-3AD203B41FA5}">
+                      <a16:colId xmlns:a16="http://schemas.microsoft.com/office/drawing/2014/main" val="2504044671"/>
+                    </a:ext>
+                  </a:extLst>
+                </a:gridCol>
+              </a:tblGrid>
+              <a:tr h="401606">
+                <a:tc>
+                  <a:txBody>
+                    <a:bodyPr/>
+                    <a:lstStyle/>
+                    <a:p>
+                      <a:pPr marL="0" marR="0" algn="just">
+                        <a:lnSpc>
+                          <a:spcPct val="150000"/>
+                        </a:lnSpc>
+                        <a:spcBef>
+                          <a:spcPts val="0"/>
+                        </a:spcBef>
+                        <a:spcAft>
+                          <a:spcPts val="600"/>
+                        </a:spcAft>
+                      </a:pPr>
+                      <a:r>
+                        <a:rPr lang="en-US" sz="1200">
+                          <a:effectLst/>
+                        </a:rPr>
+                        <a:t>Test Cases</a:t>
+                      </a:r>
+                      <a:endParaRPr lang="en-US" sz="1200">
+                        <a:effectLst/>
+                        <a:latin typeface="Times New Roman" panose="02020603050405020304" pitchFamily="18" charset="0"/>
+                        <a:ea typeface="Times New Roman" panose="02020603050405020304" pitchFamily="18" charset="0"/>
+                        <a:cs typeface="Mangal" panose="02040503050203030202" pitchFamily="18" charset="0"/>
+                      </a:endParaRPr>
+                    </a:p>
+                  </a:txBody>
+                  <a:tcPr marL="68580" marR="68580" marT="0" marB="0"/>
+                </a:tc>
+                <a:tc>
+                  <a:txBody>
+                    <a:bodyPr/>
+                    <a:lstStyle/>
+                    <a:p>
+                      <a:pPr marL="0" marR="0" algn="just">
+                        <a:lnSpc>
+                          <a:spcPct val="150000"/>
+                        </a:lnSpc>
+                        <a:spcBef>
+                          <a:spcPts val="0"/>
+                        </a:spcBef>
+                        <a:spcAft>
+                          <a:spcPts val="600"/>
+                        </a:spcAft>
+                      </a:pPr>
+                      <a:r>
+                        <a:rPr lang="en-US" sz="1200">
+                          <a:effectLst/>
+                        </a:rPr>
+                        <a:t>Input</a:t>
+                      </a:r>
+                      <a:endParaRPr lang="en-US" sz="1200">
+                        <a:effectLst/>
+                        <a:latin typeface="Times New Roman" panose="02020603050405020304" pitchFamily="18" charset="0"/>
+                        <a:ea typeface="Times New Roman" panose="02020603050405020304" pitchFamily="18" charset="0"/>
+                        <a:cs typeface="Mangal" panose="02040503050203030202" pitchFamily="18" charset="0"/>
+                      </a:endParaRPr>
+                    </a:p>
+                  </a:txBody>
+                  <a:tcPr marL="68580" marR="68580" marT="0" marB="0"/>
+                </a:tc>
+                <a:tc>
+                  <a:txBody>
+                    <a:bodyPr/>
+                    <a:lstStyle/>
+                    <a:p>
+                      <a:pPr marL="0" marR="0" algn="just">
+                        <a:lnSpc>
+                          <a:spcPct val="150000"/>
+                        </a:lnSpc>
+                        <a:spcBef>
+                          <a:spcPts val="0"/>
+                        </a:spcBef>
+                        <a:spcAft>
+                          <a:spcPts val="600"/>
+                        </a:spcAft>
+                      </a:pPr>
+                      <a:r>
+                        <a:rPr lang="en-US" sz="1200" dirty="0">
+                          <a:effectLst/>
+                        </a:rPr>
+                        <a:t>Expected Output</a:t>
+                      </a:r>
+                      <a:endParaRPr lang="en-US" sz="1200" dirty="0">
+                        <a:effectLst/>
+                        <a:latin typeface="Times New Roman" panose="02020603050405020304" pitchFamily="18" charset="0"/>
+                        <a:ea typeface="Times New Roman" panose="02020603050405020304" pitchFamily="18" charset="0"/>
+                        <a:cs typeface="Mangal" panose="02040503050203030202" pitchFamily="18" charset="0"/>
+                      </a:endParaRPr>
+                    </a:p>
+                  </a:txBody>
+                  <a:tcPr marL="68580" marR="68580" marT="0" marB="0"/>
+                </a:tc>
+                <a:tc>
+                  <a:txBody>
+                    <a:bodyPr/>
+                    <a:lstStyle/>
+                    <a:p>
+                      <a:pPr marL="0" marR="0" algn="just">
+                        <a:lnSpc>
+                          <a:spcPct val="150000"/>
+                        </a:lnSpc>
+                        <a:spcBef>
+                          <a:spcPts val="0"/>
+                        </a:spcBef>
+                        <a:spcAft>
+                          <a:spcPts val="600"/>
+                        </a:spcAft>
+                      </a:pPr>
+                      <a:r>
+                        <a:rPr lang="en-US" sz="1200">
+                          <a:effectLst/>
+                        </a:rPr>
+                        <a:t>Output</a:t>
+                      </a:r>
+                      <a:endParaRPr lang="en-US" sz="1200">
+                        <a:effectLst/>
+                        <a:latin typeface="Times New Roman" panose="02020603050405020304" pitchFamily="18" charset="0"/>
+                        <a:ea typeface="Times New Roman" panose="02020603050405020304" pitchFamily="18" charset="0"/>
+                        <a:cs typeface="Mangal" panose="02040503050203030202" pitchFamily="18" charset="0"/>
+                      </a:endParaRPr>
+                    </a:p>
+                  </a:txBody>
+                  <a:tcPr marL="68580" marR="68580" marT="0" marB="0"/>
+                </a:tc>
+                <a:tc>
+                  <a:txBody>
+                    <a:bodyPr/>
+                    <a:lstStyle/>
+                    <a:p>
+                      <a:pPr marL="0" marR="0" algn="just">
+                        <a:lnSpc>
+                          <a:spcPct val="150000"/>
+                        </a:lnSpc>
+                        <a:spcBef>
+                          <a:spcPts val="0"/>
+                        </a:spcBef>
+                        <a:spcAft>
+                          <a:spcPts val="600"/>
+                        </a:spcAft>
+                      </a:pPr>
+                      <a:r>
+                        <a:rPr lang="en-US" sz="1200">
+                          <a:effectLst/>
+                        </a:rPr>
+                        <a:t>Remarks</a:t>
+                      </a:r>
+                      <a:endParaRPr lang="en-US" sz="1200">
+                        <a:effectLst/>
+                        <a:latin typeface="Times New Roman" panose="02020603050405020304" pitchFamily="18" charset="0"/>
+                        <a:ea typeface="Times New Roman" panose="02020603050405020304" pitchFamily="18" charset="0"/>
+                        <a:cs typeface="Mangal" panose="02040503050203030202" pitchFamily="18" charset="0"/>
+                      </a:endParaRPr>
+                    </a:p>
+                  </a:txBody>
+                  <a:tcPr marL="68580" marR="68580" marT="0" marB="0"/>
+                </a:tc>
+                <a:extLst>
+                  <a:ext uri="{0D108BD9-81ED-4DB2-BD59-A6C34878D82A}">
+                    <a16:rowId xmlns:a16="http://schemas.microsoft.com/office/drawing/2014/main" val="4277982110"/>
+                  </a:ext>
+                </a:extLst>
+              </a:tr>
+              <a:tr h="851188">
+                <a:tc>
+                  <a:txBody>
+                    <a:bodyPr/>
+                    <a:lstStyle/>
+                    <a:p>
+                      <a:pPr marL="0" marR="0" algn="ctr">
+                        <a:lnSpc>
+                          <a:spcPct val="150000"/>
+                        </a:lnSpc>
+                        <a:spcBef>
+                          <a:spcPts val="0"/>
+                        </a:spcBef>
+                        <a:spcAft>
+                          <a:spcPts val="600"/>
+                        </a:spcAft>
+                      </a:pPr>
+                      <a:r>
+                        <a:rPr lang="en-US" sz="1200">
+                          <a:effectLst/>
+                        </a:rPr>
+                        <a:t>Email Send</a:t>
+                      </a:r>
+                      <a:endParaRPr lang="en-US" sz="1200">
+                        <a:effectLst/>
+                        <a:latin typeface="Times New Roman" panose="02020603050405020304" pitchFamily="18" charset="0"/>
+                        <a:ea typeface="Times New Roman" panose="02020603050405020304" pitchFamily="18" charset="0"/>
+                        <a:cs typeface="Mangal" panose="02040503050203030202" pitchFamily="18" charset="0"/>
+                      </a:endParaRPr>
+                    </a:p>
+                  </a:txBody>
+                  <a:tcPr marL="68580" marR="68580" marT="0" marB="0"/>
+                </a:tc>
+                <a:tc>
+                  <a:txBody>
+                    <a:bodyPr/>
+                    <a:lstStyle/>
+                    <a:p>
+                      <a:pPr marL="0" marR="0" algn="ctr">
+                        <a:lnSpc>
+                          <a:spcPct val="150000"/>
+                        </a:lnSpc>
+                        <a:spcBef>
+                          <a:spcPts val="0"/>
+                        </a:spcBef>
+                        <a:spcAft>
+                          <a:spcPts val="600"/>
+                        </a:spcAft>
+                      </a:pPr>
+                      <a:r>
+                        <a:rPr lang="en-US" sz="1200">
+                          <a:effectLst/>
+                        </a:rPr>
+                        <a:t>An image file, email attributes</a:t>
+                      </a:r>
+                      <a:endParaRPr lang="en-US" sz="1200">
+                        <a:effectLst/>
+                        <a:latin typeface="Times New Roman" panose="02020603050405020304" pitchFamily="18" charset="0"/>
+                        <a:ea typeface="Times New Roman" panose="02020603050405020304" pitchFamily="18" charset="0"/>
+                        <a:cs typeface="Mangal" panose="02040503050203030202" pitchFamily="18" charset="0"/>
+                      </a:endParaRPr>
+                    </a:p>
+                  </a:txBody>
+                  <a:tcPr marL="68580" marR="68580" marT="0" marB="0"/>
+                </a:tc>
+                <a:tc>
+                  <a:txBody>
+                    <a:bodyPr/>
+                    <a:lstStyle/>
+                    <a:p>
+                      <a:pPr marL="0" marR="0" algn="ctr">
+                        <a:lnSpc>
+                          <a:spcPct val="150000"/>
+                        </a:lnSpc>
+                        <a:spcBef>
+                          <a:spcPts val="0"/>
+                        </a:spcBef>
+                        <a:spcAft>
+                          <a:spcPts val="600"/>
+                        </a:spcAft>
+                      </a:pPr>
+                      <a:r>
+                        <a:rPr lang="en-US" sz="1200" dirty="0">
+                          <a:effectLst/>
+                        </a:rPr>
+                        <a:t>Image file sent</a:t>
+                      </a:r>
+                      <a:endParaRPr lang="en-US" sz="1200" dirty="0">
+                        <a:effectLst/>
+                        <a:latin typeface="Times New Roman" panose="02020603050405020304" pitchFamily="18" charset="0"/>
+                        <a:ea typeface="Times New Roman" panose="02020603050405020304" pitchFamily="18" charset="0"/>
+                        <a:cs typeface="Mangal" panose="02040503050203030202" pitchFamily="18" charset="0"/>
+                      </a:endParaRPr>
+                    </a:p>
+                  </a:txBody>
+                  <a:tcPr marL="68580" marR="68580" marT="0" marB="0"/>
+                </a:tc>
+                <a:tc>
+                  <a:txBody>
+                    <a:bodyPr/>
+                    <a:lstStyle/>
+                    <a:p>
+                      <a:pPr marL="0" marR="0" algn="ctr">
+                        <a:lnSpc>
+                          <a:spcPct val="150000"/>
+                        </a:lnSpc>
+                        <a:spcBef>
+                          <a:spcPts val="0"/>
+                        </a:spcBef>
+                        <a:spcAft>
+                          <a:spcPts val="600"/>
+                        </a:spcAft>
+                      </a:pPr>
+                      <a:r>
+                        <a:rPr lang="en-US" sz="1200">
+                          <a:effectLst/>
+                        </a:rPr>
+                        <a:t>Authentication error</a:t>
+                      </a:r>
+                      <a:endParaRPr lang="en-US" sz="1200">
+                        <a:effectLst/>
+                        <a:latin typeface="Times New Roman" panose="02020603050405020304" pitchFamily="18" charset="0"/>
+                        <a:ea typeface="Times New Roman" panose="02020603050405020304" pitchFamily="18" charset="0"/>
+                        <a:cs typeface="Mangal" panose="02040503050203030202" pitchFamily="18" charset="0"/>
+                      </a:endParaRPr>
+                    </a:p>
+                  </a:txBody>
+                  <a:tcPr marL="68580" marR="68580" marT="0" marB="0"/>
+                </a:tc>
+                <a:tc>
+                  <a:txBody>
+                    <a:bodyPr/>
+                    <a:lstStyle/>
+                    <a:p>
+                      <a:pPr marL="0" marR="0" algn="ctr">
+                        <a:lnSpc>
+                          <a:spcPct val="150000"/>
+                        </a:lnSpc>
+                        <a:spcBef>
+                          <a:spcPts val="0"/>
+                        </a:spcBef>
+                        <a:spcAft>
+                          <a:spcPts val="600"/>
+                        </a:spcAft>
+                      </a:pPr>
+                      <a:r>
+                        <a:rPr lang="en-US" sz="1200">
+                          <a:effectLst/>
+                        </a:rPr>
+                        <a:t>Error because of gmail’s security issue</a:t>
+                      </a:r>
+                      <a:endParaRPr lang="en-US" sz="1200">
+                        <a:effectLst/>
+                        <a:latin typeface="Times New Roman" panose="02020603050405020304" pitchFamily="18" charset="0"/>
+                        <a:ea typeface="Times New Roman" panose="02020603050405020304" pitchFamily="18" charset="0"/>
+                        <a:cs typeface="Mangal" panose="02040503050203030202" pitchFamily="18" charset="0"/>
+                      </a:endParaRPr>
+                    </a:p>
+                  </a:txBody>
+                  <a:tcPr marL="68580" marR="68580" marT="0" marB="0"/>
+                </a:tc>
+                <a:extLst>
+                  <a:ext uri="{0D108BD9-81ED-4DB2-BD59-A6C34878D82A}">
+                    <a16:rowId xmlns:a16="http://schemas.microsoft.com/office/drawing/2014/main" val="2696824099"/>
+                  </a:ext>
+                </a:extLst>
+              </a:tr>
+              <a:tr h="851188">
+                <a:tc>
+                  <a:txBody>
+                    <a:bodyPr/>
+                    <a:lstStyle/>
+                    <a:p>
+                      <a:pPr marL="0" marR="0" algn="ctr">
+                        <a:lnSpc>
+                          <a:spcPct val="150000"/>
+                        </a:lnSpc>
+                        <a:spcBef>
+                          <a:spcPts val="0"/>
+                        </a:spcBef>
+                        <a:spcAft>
+                          <a:spcPts val="600"/>
+                        </a:spcAft>
+                      </a:pPr>
+                      <a:r>
+                        <a:rPr lang="en-US" sz="1200">
+                          <a:effectLst/>
+                        </a:rPr>
+                        <a:t>Email Send</a:t>
+                      </a:r>
+                      <a:endParaRPr lang="en-US" sz="1200">
+                        <a:effectLst/>
+                        <a:latin typeface="Times New Roman" panose="02020603050405020304" pitchFamily="18" charset="0"/>
+                        <a:ea typeface="Times New Roman" panose="02020603050405020304" pitchFamily="18" charset="0"/>
+                        <a:cs typeface="Mangal" panose="02040503050203030202" pitchFamily="18" charset="0"/>
+                      </a:endParaRPr>
+                    </a:p>
+                  </a:txBody>
+                  <a:tcPr marL="68580" marR="68580" marT="0" marB="0"/>
+                </a:tc>
+                <a:tc>
+                  <a:txBody>
+                    <a:bodyPr/>
+                    <a:lstStyle/>
+                    <a:p>
+                      <a:pPr marL="0" marR="0" algn="ctr">
+                        <a:lnSpc>
+                          <a:spcPct val="150000"/>
+                        </a:lnSpc>
+                        <a:spcBef>
+                          <a:spcPts val="0"/>
+                        </a:spcBef>
+                        <a:spcAft>
+                          <a:spcPts val="600"/>
+                        </a:spcAft>
+                      </a:pPr>
+                      <a:r>
+                        <a:rPr lang="en-US" sz="1200">
+                          <a:effectLst/>
+                        </a:rPr>
+                        <a:t>An image file, correct email attributes</a:t>
+                      </a:r>
+                      <a:endParaRPr lang="en-US" sz="1200">
+                        <a:effectLst/>
+                        <a:latin typeface="Times New Roman" panose="02020603050405020304" pitchFamily="18" charset="0"/>
+                        <a:ea typeface="Times New Roman" panose="02020603050405020304" pitchFamily="18" charset="0"/>
+                        <a:cs typeface="Mangal" panose="02040503050203030202" pitchFamily="18" charset="0"/>
+                      </a:endParaRPr>
+                    </a:p>
+                  </a:txBody>
+                  <a:tcPr marL="68580" marR="68580" marT="0" marB="0"/>
+                </a:tc>
+                <a:tc>
+                  <a:txBody>
+                    <a:bodyPr/>
+                    <a:lstStyle/>
+                    <a:p>
+                      <a:pPr marL="0" marR="0" algn="ctr">
+                        <a:lnSpc>
+                          <a:spcPct val="150000"/>
+                        </a:lnSpc>
+                        <a:spcBef>
+                          <a:spcPts val="0"/>
+                        </a:spcBef>
+                        <a:spcAft>
+                          <a:spcPts val="600"/>
+                        </a:spcAft>
+                      </a:pPr>
+                      <a:r>
+                        <a:rPr lang="en-US" sz="1200" dirty="0">
+                          <a:effectLst/>
+                        </a:rPr>
+                        <a:t>Image file sent</a:t>
+                      </a:r>
+                      <a:endParaRPr lang="en-US" sz="1200" dirty="0">
+                        <a:effectLst/>
+                        <a:latin typeface="Times New Roman" panose="02020603050405020304" pitchFamily="18" charset="0"/>
+                        <a:ea typeface="Times New Roman" panose="02020603050405020304" pitchFamily="18" charset="0"/>
+                        <a:cs typeface="Mangal" panose="02040503050203030202" pitchFamily="18" charset="0"/>
+                      </a:endParaRPr>
+                    </a:p>
+                  </a:txBody>
+                  <a:tcPr marL="68580" marR="68580" marT="0" marB="0"/>
+                </a:tc>
+                <a:tc>
+                  <a:txBody>
+                    <a:bodyPr/>
+                    <a:lstStyle/>
+                    <a:p>
+                      <a:pPr marL="0" marR="0" algn="ctr">
+                        <a:lnSpc>
+                          <a:spcPct val="150000"/>
+                        </a:lnSpc>
+                        <a:spcBef>
+                          <a:spcPts val="0"/>
+                        </a:spcBef>
+                        <a:spcAft>
+                          <a:spcPts val="600"/>
+                        </a:spcAft>
+                      </a:pPr>
+                      <a:r>
+                        <a:rPr lang="en-US" sz="1200">
+                          <a:effectLst/>
+                        </a:rPr>
+                        <a:t>Image file sent</a:t>
+                      </a:r>
+                      <a:endParaRPr lang="en-US" sz="1200">
+                        <a:effectLst/>
+                        <a:latin typeface="Times New Roman" panose="02020603050405020304" pitchFamily="18" charset="0"/>
+                        <a:ea typeface="Times New Roman" panose="02020603050405020304" pitchFamily="18" charset="0"/>
+                        <a:cs typeface="Mangal" panose="02040503050203030202" pitchFamily="18" charset="0"/>
+                      </a:endParaRPr>
+                    </a:p>
+                  </a:txBody>
+                  <a:tcPr marL="68580" marR="68580" marT="0" marB="0"/>
+                </a:tc>
+                <a:tc>
+                  <a:txBody>
+                    <a:bodyPr/>
+                    <a:lstStyle/>
+                    <a:p>
+                      <a:pPr marL="0" marR="0" algn="ctr">
+                        <a:lnSpc>
+                          <a:spcPct val="150000"/>
+                        </a:lnSpc>
+                        <a:spcBef>
+                          <a:spcPts val="0"/>
+                        </a:spcBef>
+                        <a:spcAft>
+                          <a:spcPts val="600"/>
+                        </a:spcAft>
+                      </a:pPr>
+                      <a:r>
+                        <a:rPr lang="en-US" sz="1200" dirty="0">
+                          <a:effectLst/>
+                        </a:rPr>
+                        <a:t>Image sent successfully via email</a:t>
+                      </a:r>
+                      <a:endParaRPr lang="en-US" sz="1200" dirty="0">
+                        <a:effectLst/>
+                        <a:latin typeface="Times New Roman" panose="02020603050405020304" pitchFamily="18" charset="0"/>
+                        <a:ea typeface="Times New Roman" panose="02020603050405020304" pitchFamily="18" charset="0"/>
+                        <a:cs typeface="Mangal" panose="02040503050203030202" pitchFamily="18" charset="0"/>
+                      </a:endParaRPr>
+                    </a:p>
+                  </a:txBody>
+                  <a:tcPr marL="68580" marR="68580" marT="0" marB="0"/>
+                </a:tc>
+                <a:extLst>
+                  <a:ext uri="{0D108BD9-81ED-4DB2-BD59-A6C34878D82A}">
+                    <a16:rowId xmlns:a16="http://schemas.microsoft.com/office/drawing/2014/main" val="2302762589"/>
+                  </a:ext>
+                </a:extLst>
+              </a:tr>
+            </a:tbl>
+          </a:graphicData>
+        </a:graphic>
+      </p:graphicFrame>
+      <p:sp>
+        <p:nvSpPr>
+          <p:cNvPr id="5" name="Title 1">
+            <a:extLst>
+              <a:ext uri="{FF2B5EF4-FFF2-40B4-BE49-F238E27FC236}">
+                <a16:creationId xmlns:a16="http://schemas.microsoft.com/office/drawing/2014/main" id="{434BB22E-F855-4205-9845-D3A84E3BC76F}"/>
+              </a:ext>
+            </a:extLst>
+          </p:cNvPr>
+          <p:cNvSpPr>
+            <a:spLocks noGrp="1"/>
+          </p:cNvSpPr>
+          <p:nvPr>
+            <p:ph type="title"/>
+          </p:nvPr>
+        </p:nvSpPr>
+        <p:spPr>
+          <a:xfrm>
+            <a:off x="838200" y="365125"/>
+            <a:ext cx="10515600" cy="1325563"/>
           </a:xfrm>
         </p:spPr>
         <p:txBody>
@@ -9439,7 +10627,7 @@
           <a:p>
             <a:r>
               <a:rPr lang="en-US" sz="4400" dirty="0"/>
-              <a:t>Thank You!!</a:t>
+              <a:t>Unit Testing</a:t>
             </a:r>
           </a:p>
         </p:txBody>
@@ -9447,7 +10635,7 @@
     </p:spTree>
     <p:extLst>
       <p:ext uri="{BB962C8B-B14F-4D97-AF65-F5344CB8AC3E}">
-        <p14:creationId xmlns:p14="http://schemas.microsoft.com/office/powerpoint/2010/main" val="2229574153"/>
+        <p14:creationId xmlns:p14="http://schemas.microsoft.com/office/powerpoint/2010/main" val="58358108"/>
       </p:ext>
     </p:extLst>
   </p:cSld>
@@ -9609,6 +10797,2297 @@
 </p:sld>
 </file>
 
+<file path=ppt/slides/slide20.xml><?xml version="1.0" encoding="utf-8"?>
+<p:sld xmlns:a="http://schemas.openxmlformats.org/drawingml/2006/main" xmlns:r="http://schemas.openxmlformats.org/officeDocument/2006/relationships" xmlns:p="http://schemas.openxmlformats.org/presentationml/2006/main">
+  <p:cSld>
+    <p:spTree>
+      <p:nvGrpSpPr>
+        <p:cNvPr id="1" name=""/>
+        <p:cNvGrpSpPr/>
+        <p:nvPr/>
+      </p:nvGrpSpPr>
+      <p:grpSpPr>
+        <a:xfrm>
+          <a:off x="0" y="0"/>
+          <a:ext cx="0" cy="0"/>
+          <a:chOff x="0" y="0"/>
+          <a:chExt cx="0" cy="0"/>
+        </a:xfrm>
+      </p:grpSpPr>
+      <p:sp>
+        <p:nvSpPr>
+          <p:cNvPr id="2" name="Title 1">
+            <a:extLst>
+              <a:ext uri="{FF2B5EF4-FFF2-40B4-BE49-F238E27FC236}">
+                <a16:creationId xmlns:a16="http://schemas.microsoft.com/office/drawing/2014/main" id="{F4F9AC87-655C-4B02-8B77-FC794E52C7D2}"/>
+              </a:ext>
+            </a:extLst>
+          </p:cNvPr>
+          <p:cNvSpPr>
+            <a:spLocks noGrp="1"/>
+          </p:cNvSpPr>
+          <p:nvPr>
+            <p:ph type="title"/>
+          </p:nvPr>
+        </p:nvSpPr>
+        <p:spPr/>
+        <p:txBody>
+          <a:bodyPr>
+            <a:normAutofit/>
+          </a:bodyPr>
+          <a:lstStyle/>
+          <a:p>
+            <a:r>
+              <a:rPr lang="en-US" sz="4400" dirty="0"/>
+              <a:t>Unit Testing</a:t>
+            </a:r>
+          </a:p>
+        </p:txBody>
+      </p:sp>
+      <p:sp>
+        <p:nvSpPr>
+          <p:cNvPr id="3" name="Content Placeholder 2">
+            <a:extLst>
+              <a:ext uri="{FF2B5EF4-FFF2-40B4-BE49-F238E27FC236}">
+                <a16:creationId xmlns:a16="http://schemas.microsoft.com/office/drawing/2014/main" id="{E15B6A82-F246-47C3-9686-93EAE86BFCB8}"/>
+              </a:ext>
+            </a:extLst>
+          </p:cNvPr>
+          <p:cNvSpPr>
+            <a:spLocks noGrp="1"/>
+          </p:cNvSpPr>
+          <p:nvPr>
+            <p:ph idx="1"/>
+          </p:nvPr>
+        </p:nvSpPr>
+        <p:spPr/>
+        <p:txBody>
+          <a:bodyPr/>
+          <a:lstStyle/>
+          <a:p>
+            <a:r>
+              <a:rPr lang="en-US" dirty="0"/>
+              <a:t>Message extraction and decryption module:</a:t>
+            </a:r>
+          </a:p>
+          <a:p>
+            <a:pPr marL="0" indent="0">
+              <a:buNone/>
+            </a:pPr>
+            <a:endParaRPr lang="en-US" dirty="0"/>
+          </a:p>
+        </p:txBody>
+      </p:sp>
+      <p:graphicFrame>
+        <p:nvGraphicFramePr>
+          <p:cNvPr id="4" name="Table 3">
+            <a:extLst>
+              <a:ext uri="{FF2B5EF4-FFF2-40B4-BE49-F238E27FC236}">
+                <a16:creationId xmlns:a16="http://schemas.microsoft.com/office/drawing/2014/main" id="{C9BFA885-676E-421E-92BB-C966AAA681D2}"/>
+              </a:ext>
+            </a:extLst>
+          </p:cNvPr>
+          <p:cNvGraphicFramePr>
+            <a:graphicFrameLocks noGrp="1"/>
+          </p:cNvGraphicFramePr>
+          <p:nvPr>
+            <p:extLst>
+              <p:ext uri="{D42A27DB-BD31-4B8C-83A1-F6EECF244321}">
+                <p14:modId xmlns:p14="http://schemas.microsoft.com/office/powerpoint/2010/main" val="2830338199"/>
+              </p:ext>
+            </p:extLst>
+          </p:nvPr>
+        </p:nvGraphicFramePr>
+        <p:xfrm>
+          <a:off x="1120775" y="2604293"/>
+          <a:ext cx="9472198" cy="3205663"/>
+        </p:xfrm>
+        <a:graphic>
+          <a:graphicData uri="http://schemas.openxmlformats.org/drawingml/2006/table">
+            <a:tbl>
+              <a:tblPr firstRow="1" firstCol="1" bandRow="1">
+                <a:tableStyleId>{5C22544A-7EE6-4342-B048-85BDC9FD1C3A}</a:tableStyleId>
+              </a:tblPr>
+              <a:tblGrid>
+                <a:gridCol w="1886862">
+                  <a:extLst>
+                    <a:ext uri="{9D8B030D-6E8A-4147-A177-3AD203B41FA5}">
+                      <a16:colId xmlns:a16="http://schemas.microsoft.com/office/drawing/2014/main" val="3125021903"/>
+                    </a:ext>
+                  </a:extLst>
+                </a:gridCol>
+                <a:gridCol w="1888756">
+                  <a:extLst>
+                    <a:ext uri="{9D8B030D-6E8A-4147-A177-3AD203B41FA5}">
+                      <a16:colId xmlns:a16="http://schemas.microsoft.com/office/drawing/2014/main" val="1282705275"/>
+                    </a:ext>
+                  </a:extLst>
+                </a:gridCol>
+                <a:gridCol w="1886862">
+                  <a:extLst>
+                    <a:ext uri="{9D8B030D-6E8A-4147-A177-3AD203B41FA5}">
+                      <a16:colId xmlns:a16="http://schemas.microsoft.com/office/drawing/2014/main" val="689980860"/>
+                    </a:ext>
+                  </a:extLst>
+                </a:gridCol>
+                <a:gridCol w="1886862">
+                  <a:extLst>
+                    <a:ext uri="{9D8B030D-6E8A-4147-A177-3AD203B41FA5}">
+                      <a16:colId xmlns:a16="http://schemas.microsoft.com/office/drawing/2014/main" val="2312737230"/>
+                    </a:ext>
+                  </a:extLst>
+                </a:gridCol>
+                <a:gridCol w="1922856">
+                  <a:extLst>
+                    <a:ext uri="{9D8B030D-6E8A-4147-A177-3AD203B41FA5}">
+                      <a16:colId xmlns:a16="http://schemas.microsoft.com/office/drawing/2014/main" val="606833284"/>
+                    </a:ext>
+                  </a:extLst>
+                </a:gridCol>
+              </a:tblGrid>
+              <a:tr h="534034">
+                <a:tc>
+                  <a:txBody>
+                    <a:bodyPr/>
+                    <a:lstStyle/>
+                    <a:p>
+                      <a:pPr marL="0" marR="0" algn="just">
+                        <a:lnSpc>
+                          <a:spcPct val="150000"/>
+                        </a:lnSpc>
+                        <a:spcBef>
+                          <a:spcPts val="0"/>
+                        </a:spcBef>
+                        <a:spcAft>
+                          <a:spcPts val="600"/>
+                        </a:spcAft>
+                      </a:pPr>
+                      <a:r>
+                        <a:rPr lang="en-US" sz="1200">
+                          <a:effectLst/>
+                        </a:rPr>
+                        <a:t>Test Cases</a:t>
+                      </a:r>
+                      <a:endParaRPr lang="en-US" sz="1200">
+                        <a:effectLst/>
+                        <a:latin typeface="Times New Roman" panose="02020603050405020304" pitchFamily="18" charset="0"/>
+                        <a:ea typeface="Times New Roman" panose="02020603050405020304" pitchFamily="18" charset="0"/>
+                        <a:cs typeface="Mangal" panose="02040503050203030202" pitchFamily="18" charset="0"/>
+                      </a:endParaRPr>
+                    </a:p>
+                  </a:txBody>
+                  <a:tcPr marL="68580" marR="68580" marT="0" marB="0"/>
+                </a:tc>
+                <a:tc>
+                  <a:txBody>
+                    <a:bodyPr/>
+                    <a:lstStyle/>
+                    <a:p>
+                      <a:pPr marL="0" marR="0" algn="just">
+                        <a:lnSpc>
+                          <a:spcPct val="150000"/>
+                        </a:lnSpc>
+                        <a:spcBef>
+                          <a:spcPts val="0"/>
+                        </a:spcBef>
+                        <a:spcAft>
+                          <a:spcPts val="600"/>
+                        </a:spcAft>
+                      </a:pPr>
+                      <a:r>
+                        <a:rPr lang="en-US" sz="1200">
+                          <a:effectLst/>
+                        </a:rPr>
+                        <a:t>Input</a:t>
+                      </a:r>
+                      <a:endParaRPr lang="en-US" sz="1200">
+                        <a:effectLst/>
+                        <a:latin typeface="Times New Roman" panose="02020603050405020304" pitchFamily="18" charset="0"/>
+                        <a:ea typeface="Times New Roman" panose="02020603050405020304" pitchFamily="18" charset="0"/>
+                        <a:cs typeface="Mangal" panose="02040503050203030202" pitchFamily="18" charset="0"/>
+                      </a:endParaRPr>
+                    </a:p>
+                  </a:txBody>
+                  <a:tcPr marL="68580" marR="68580" marT="0" marB="0"/>
+                </a:tc>
+                <a:tc>
+                  <a:txBody>
+                    <a:bodyPr/>
+                    <a:lstStyle/>
+                    <a:p>
+                      <a:pPr marL="0" marR="0" algn="just">
+                        <a:lnSpc>
+                          <a:spcPct val="150000"/>
+                        </a:lnSpc>
+                        <a:spcBef>
+                          <a:spcPts val="0"/>
+                        </a:spcBef>
+                        <a:spcAft>
+                          <a:spcPts val="600"/>
+                        </a:spcAft>
+                      </a:pPr>
+                      <a:r>
+                        <a:rPr lang="en-US" sz="1200">
+                          <a:effectLst/>
+                        </a:rPr>
+                        <a:t>Expected Output</a:t>
+                      </a:r>
+                      <a:endParaRPr lang="en-US" sz="1200">
+                        <a:effectLst/>
+                        <a:latin typeface="Times New Roman" panose="02020603050405020304" pitchFamily="18" charset="0"/>
+                        <a:ea typeface="Times New Roman" panose="02020603050405020304" pitchFamily="18" charset="0"/>
+                        <a:cs typeface="Mangal" panose="02040503050203030202" pitchFamily="18" charset="0"/>
+                      </a:endParaRPr>
+                    </a:p>
+                  </a:txBody>
+                  <a:tcPr marL="68580" marR="68580" marT="0" marB="0"/>
+                </a:tc>
+                <a:tc>
+                  <a:txBody>
+                    <a:bodyPr/>
+                    <a:lstStyle/>
+                    <a:p>
+                      <a:pPr marL="0" marR="0" algn="just">
+                        <a:lnSpc>
+                          <a:spcPct val="150000"/>
+                        </a:lnSpc>
+                        <a:spcBef>
+                          <a:spcPts val="0"/>
+                        </a:spcBef>
+                        <a:spcAft>
+                          <a:spcPts val="600"/>
+                        </a:spcAft>
+                      </a:pPr>
+                      <a:r>
+                        <a:rPr lang="en-US" sz="1200">
+                          <a:effectLst/>
+                        </a:rPr>
+                        <a:t>Output</a:t>
+                      </a:r>
+                      <a:endParaRPr lang="en-US" sz="1200">
+                        <a:effectLst/>
+                        <a:latin typeface="Times New Roman" panose="02020603050405020304" pitchFamily="18" charset="0"/>
+                        <a:ea typeface="Times New Roman" panose="02020603050405020304" pitchFamily="18" charset="0"/>
+                        <a:cs typeface="Mangal" panose="02040503050203030202" pitchFamily="18" charset="0"/>
+                      </a:endParaRPr>
+                    </a:p>
+                  </a:txBody>
+                  <a:tcPr marL="68580" marR="68580" marT="0" marB="0"/>
+                </a:tc>
+                <a:tc>
+                  <a:txBody>
+                    <a:bodyPr/>
+                    <a:lstStyle/>
+                    <a:p>
+                      <a:pPr marL="0" marR="0" algn="just">
+                        <a:lnSpc>
+                          <a:spcPct val="150000"/>
+                        </a:lnSpc>
+                        <a:spcBef>
+                          <a:spcPts val="0"/>
+                        </a:spcBef>
+                        <a:spcAft>
+                          <a:spcPts val="600"/>
+                        </a:spcAft>
+                      </a:pPr>
+                      <a:r>
+                        <a:rPr lang="en-US" sz="1200">
+                          <a:effectLst/>
+                        </a:rPr>
+                        <a:t>Remarks</a:t>
+                      </a:r>
+                      <a:endParaRPr lang="en-US" sz="1200">
+                        <a:effectLst/>
+                        <a:latin typeface="Times New Roman" panose="02020603050405020304" pitchFamily="18" charset="0"/>
+                        <a:ea typeface="Times New Roman" panose="02020603050405020304" pitchFamily="18" charset="0"/>
+                        <a:cs typeface="Mangal" panose="02040503050203030202" pitchFamily="18" charset="0"/>
+                      </a:endParaRPr>
+                    </a:p>
+                  </a:txBody>
+                  <a:tcPr marL="68580" marR="68580" marT="0" marB="0"/>
+                </a:tc>
+                <a:extLst>
+                  <a:ext uri="{0D108BD9-81ED-4DB2-BD59-A6C34878D82A}">
+                    <a16:rowId xmlns:a16="http://schemas.microsoft.com/office/drawing/2014/main" val="2393155751"/>
+                  </a:ext>
+                </a:extLst>
+              </a:tr>
+              <a:tr h="727831">
+                <a:tc>
+                  <a:txBody>
+                    <a:bodyPr/>
+                    <a:lstStyle/>
+                    <a:p>
+                      <a:pPr marL="0" marR="0" algn="ctr">
+                        <a:lnSpc>
+                          <a:spcPct val="150000"/>
+                        </a:lnSpc>
+                        <a:spcBef>
+                          <a:spcPts val="0"/>
+                        </a:spcBef>
+                        <a:spcAft>
+                          <a:spcPts val="600"/>
+                        </a:spcAft>
+                      </a:pPr>
+                      <a:r>
+                        <a:rPr lang="en-US" sz="1200">
+                          <a:effectLst/>
+                        </a:rPr>
+                        <a:t>String Extraction from Image</a:t>
+                      </a:r>
+                      <a:endParaRPr lang="en-US" sz="1200">
+                        <a:effectLst/>
+                        <a:latin typeface="Times New Roman" panose="02020603050405020304" pitchFamily="18" charset="0"/>
+                        <a:ea typeface="Times New Roman" panose="02020603050405020304" pitchFamily="18" charset="0"/>
+                        <a:cs typeface="Mangal" panose="02040503050203030202" pitchFamily="18" charset="0"/>
+                      </a:endParaRPr>
+                    </a:p>
+                  </a:txBody>
+                  <a:tcPr marL="68580" marR="68580" marT="0" marB="0"/>
+                </a:tc>
+                <a:tc>
+                  <a:txBody>
+                    <a:bodyPr/>
+                    <a:lstStyle/>
+                    <a:p>
+                      <a:pPr marL="0" marR="0" algn="ctr">
+                        <a:lnSpc>
+                          <a:spcPct val="150000"/>
+                        </a:lnSpc>
+                        <a:spcBef>
+                          <a:spcPts val="0"/>
+                        </a:spcBef>
+                        <a:spcAft>
+                          <a:spcPts val="600"/>
+                        </a:spcAft>
+                      </a:pPr>
+                      <a:r>
+                        <a:rPr lang="en-US" sz="1200">
+                          <a:effectLst/>
+                        </a:rPr>
+                        <a:t>Random image file</a:t>
+                      </a:r>
+                      <a:endParaRPr lang="en-US" sz="1200">
+                        <a:effectLst/>
+                        <a:latin typeface="Times New Roman" panose="02020603050405020304" pitchFamily="18" charset="0"/>
+                        <a:ea typeface="Times New Roman" panose="02020603050405020304" pitchFamily="18" charset="0"/>
+                        <a:cs typeface="Mangal" panose="02040503050203030202" pitchFamily="18" charset="0"/>
+                      </a:endParaRPr>
+                    </a:p>
+                  </a:txBody>
+                  <a:tcPr marL="68580" marR="68580" marT="0" marB="0"/>
+                </a:tc>
+                <a:tc>
+                  <a:txBody>
+                    <a:bodyPr/>
+                    <a:lstStyle/>
+                    <a:p>
+                      <a:pPr marL="0" marR="0" algn="ctr">
+                        <a:lnSpc>
+                          <a:spcPct val="150000"/>
+                        </a:lnSpc>
+                        <a:spcBef>
+                          <a:spcPts val="0"/>
+                        </a:spcBef>
+                        <a:spcAft>
+                          <a:spcPts val="600"/>
+                        </a:spcAft>
+                      </a:pPr>
+                      <a:r>
+                        <a:rPr lang="en-US" sz="1200">
+                          <a:effectLst/>
+                        </a:rPr>
+                        <a:t>Encrypted string</a:t>
+                      </a:r>
+                      <a:endParaRPr lang="en-US" sz="1200">
+                        <a:effectLst/>
+                        <a:latin typeface="Times New Roman" panose="02020603050405020304" pitchFamily="18" charset="0"/>
+                        <a:ea typeface="Times New Roman" panose="02020603050405020304" pitchFamily="18" charset="0"/>
+                        <a:cs typeface="Mangal" panose="02040503050203030202" pitchFamily="18" charset="0"/>
+                      </a:endParaRPr>
+                    </a:p>
+                  </a:txBody>
+                  <a:tcPr marL="68580" marR="68580" marT="0" marB="0"/>
+                </a:tc>
+                <a:tc>
+                  <a:txBody>
+                    <a:bodyPr/>
+                    <a:lstStyle/>
+                    <a:p>
+                      <a:pPr marL="0" marR="0" algn="ctr">
+                        <a:lnSpc>
+                          <a:spcPct val="150000"/>
+                        </a:lnSpc>
+                        <a:spcBef>
+                          <a:spcPts val="0"/>
+                        </a:spcBef>
+                        <a:spcAft>
+                          <a:spcPts val="600"/>
+                        </a:spcAft>
+                      </a:pPr>
+                      <a:r>
+                        <a:rPr lang="en-US" sz="1200">
+                          <a:effectLst/>
+                        </a:rPr>
+                        <a:t>Input error</a:t>
+                      </a:r>
+                      <a:endParaRPr lang="en-US" sz="1200">
+                        <a:effectLst/>
+                        <a:latin typeface="Times New Roman" panose="02020603050405020304" pitchFamily="18" charset="0"/>
+                        <a:ea typeface="Times New Roman" panose="02020603050405020304" pitchFamily="18" charset="0"/>
+                        <a:cs typeface="Mangal" panose="02040503050203030202" pitchFamily="18" charset="0"/>
+                      </a:endParaRPr>
+                    </a:p>
+                  </a:txBody>
+                  <a:tcPr marL="68580" marR="68580" marT="0" marB="0"/>
+                </a:tc>
+                <a:tc>
+                  <a:txBody>
+                    <a:bodyPr/>
+                    <a:lstStyle/>
+                    <a:p>
+                      <a:pPr marL="0" marR="0" algn="ctr">
+                        <a:lnSpc>
+                          <a:spcPct val="150000"/>
+                        </a:lnSpc>
+                        <a:spcBef>
+                          <a:spcPts val="0"/>
+                        </a:spcBef>
+                        <a:spcAft>
+                          <a:spcPts val="600"/>
+                        </a:spcAft>
+                      </a:pPr>
+                      <a:r>
+                        <a:rPr lang="en-US" sz="1200">
+                          <a:effectLst/>
+                        </a:rPr>
+                        <a:t>Image not a valid stego file</a:t>
+                      </a:r>
+                      <a:endParaRPr lang="en-US" sz="1200">
+                        <a:effectLst/>
+                        <a:latin typeface="Times New Roman" panose="02020603050405020304" pitchFamily="18" charset="0"/>
+                        <a:ea typeface="Times New Roman" panose="02020603050405020304" pitchFamily="18" charset="0"/>
+                        <a:cs typeface="Mangal" panose="02040503050203030202" pitchFamily="18" charset="0"/>
+                      </a:endParaRPr>
+                    </a:p>
+                  </a:txBody>
+                  <a:tcPr marL="68580" marR="68580" marT="0" marB="0"/>
+                </a:tc>
+                <a:extLst>
+                  <a:ext uri="{0D108BD9-81ED-4DB2-BD59-A6C34878D82A}">
+                    <a16:rowId xmlns:a16="http://schemas.microsoft.com/office/drawing/2014/main" val="2374514621"/>
+                  </a:ext>
+                </a:extLst>
+              </a:tr>
+              <a:tr h="971899">
+                <a:tc>
+                  <a:txBody>
+                    <a:bodyPr/>
+                    <a:lstStyle/>
+                    <a:p>
+                      <a:pPr marL="0" marR="0" algn="ctr">
+                        <a:lnSpc>
+                          <a:spcPct val="150000"/>
+                        </a:lnSpc>
+                        <a:spcBef>
+                          <a:spcPts val="0"/>
+                        </a:spcBef>
+                        <a:spcAft>
+                          <a:spcPts val="600"/>
+                        </a:spcAft>
+                      </a:pPr>
+                      <a:r>
+                        <a:rPr lang="en-US" sz="1200">
+                          <a:effectLst/>
+                        </a:rPr>
+                        <a:t>String Extraction from Image</a:t>
+                      </a:r>
+                      <a:endParaRPr lang="en-US" sz="1200">
+                        <a:effectLst/>
+                        <a:latin typeface="Times New Roman" panose="02020603050405020304" pitchFamily="18" charset="0"/>
+                        <a:ea typeface="Times New Roman" panose="02020603050405020304" pitchFamily="18" charset="0"/>
+                        <a:cs typeface="Mangal" panose="02040503050203030202" pitchFamily="18" charset="0"/>
+                      </a:endParaRPr>
+                    </a:p>
+                  </a:txBody>
+                  <a:tcPr marL="68580" marR="68580" marT="0" marB="0"/>
+                </a:tc>
+                <a:tc>
+                  <a:txBody>
+                    <a:bodyPr/>
+                    <a:lstStyle/>
+                    <a:p>
+                      <a:pPr marL="0" marR="0" algn="ctr">
+                        <a:lnSpc>
+                          <a:spcPct val="150000"/>
+                        </a:lnSpc>
+                        <a:spcBef>
+                          <a:spcPts val="0"/>
+                        </a:spcBef>
+                        <a:spcAft>
+                          <a:spcPts val="600"/>
+                        </a:spcAft>
+                      </a:pPr>
+                      <a:r>
+                        <a:rPr lang="en-US" sz="1200">
+                          <a:effectLst/>
+                        </a:rPr>
+                        <a:t>Stego image file</a:t>
+                      </a:r>
+                      <a:endParaRPr lang="en-US" sz="1200">
+                        <a:effectLst/>
+                        <a:latin typeface="Times New Roman" panose="02020603050405020304" pitchFamily="18" charset="0"/>
+                        <a:ea typeface="Times New Roman" panose="02020603050405020304" pitchFamily="18" charset="0"/>
+                        <a:cs typeface="Mangal" panose="02040503050203030202" pitchFamily="18" charset="0"/>
+                      </a:endParaRPr>
+                    </a:p>
+                  </a:txBody>
+                  <a:tcPr marL="68580" marR="68580" marT="0" marB="0"/>
+                </a:tc>
+                <a:tc>
+                  <a:txBody>
+                    <a:bodyPr/>
+                    <a:lstStyle/>
+                    <a:p>
+                      <a:pPr marL="0" marR="0" algn="ctr">
+                        <a:lnSpc>
+                          <a:spcPct val="150000"/>
+                        </a:lnSpc>
+                        <a:spcBef>
+                          <a:spcPts val="0"/>
+                        </a:spcBef>
+                        <a:spcAft>
+                          <a:spcPts val="600"/>
+                        </a:spcAft>
+                      </a:pPr>
+                      <a:r>
+                        <a:rPr lang="en-US" sz="1200">
+                          <a:effectLst/>
+                        </a:rPr>
+                        <a:t>Encrypted string</a:t>
+                      </a:r>
+                      <a:endParaRPr lang="en-US" sz="1200">
+                        <a:effectLst/>
+                        <a:latin typeface="Times New Roman" panose="02020603050405020304" pitchFamily="18" charset="0"/>
+                        <a:ea typeface="Times New Roman" panose="02020603050405020304" pitchFamily="18" charset="0"/>
+                        <a:cs typeface="Mangal" panose="02040503050203030202" pitchFamily="18" charset="0"/>
+                      </a:endParaRPr>
+                    </a:p>
+                  </a:txBody>
+                  <a:tcPr marL="68580" marR="68580" marT="0" marB="0"/>
+                </a:tc>
+                <a:tc>
+                  <a:txBody>
+                    <a:bodyPr/>
+                    <a:lstStyle/>
+                    <a:p>
+                      <a:pPr marL="0" marR="0" algn="ctr">
+                        <a:lnSpc>
+                          <a:spcPct val="150000"/>
+                        </a:lnSpc>
+                        <a:spcBef>
+                          <a:spcPts val="0"/>
+                        </a:spcBef>
+                        <a:spcAft>
+                          <a:spcPts val="600"/>
+                        </a:spcAft>
+                      </a:pPr>
+                      <a:r>
+                        <a:rPr lang="en-US" sz="1200">
+                          <a:effectLst/>
+                        </a:rPr>
+                        <a:t>Encrypted string</a:t>
+                      </a:r>
+                      <a:endParaRPr lang="en-US" sz="1200">
+                        <a:effectLst/>
+                        <a:latin typeface="Times New Roman" panose="02020603050405020304" pitchFamily="18" charset="0"/>
+                        <a:ea typeface="Times New Roman" panose="02020603050405020304" pitchFamily="18" charset="0"/>
+                        <a:cs typeface="Mangal" panose="02040503050203030202" pitchFamily="18" charset="0"/>
+                      </a:endParaRPr>
+                    </a:p>
+                  </a:txBody>
+                  <a:tcPr marL="68580" marR="68580" marT="0" marB="0"/>
+                </a:tc>
+                <a:tc>
+                  <a:txBody>
+                    <a:bodyPr/>
+                    <a:lstStyle/>
+                    <a:p>
+                      <a:pPr marL="0" marR="0" algn="ctr">
+                        <a:lnSpc>
+                          <a:spcPct val="150000"/>
+                        </a:lnSpc>
+                        <a:spcBef>
+                          <a:spcPts val="0"/>
+                        </a:spcBef>
+                        <a:spcAft>
+                          <a:spcPts val="600"/>
+                        </a:spcAft>
+                      </a:pPr>
+                      <a:r>
+                        <a:rPr lang="en-US" sz="1200">
+                          <a:effectLst/>
+                        </a:rPr>
+                        <a:t>Encrypted string extracted successfully</a:t>
+                      </a:r>
+                      <a:endParaRPr lang="en-US" sz="1200">
+                        <a:effectLst/>
+                        <a:latin typeface="Times New Roman" panose="02020603050405020304" pitchFamily="18" charset="0"/>
+                        <a:ea typeface="Times New Roman" panose="02020603050405020304" pitchFamily="18" charset="0"/>
+                        <a:cs typeface="Mangal" panose="02040503050203030202" pitchFamily="18" charset="0"/>
+                      </a:endParaRPr>
+                    </a:p>
+                  </a:txBody>
+                  <a:tcPr marL="68580" marR="68580" marT="0" marB="0"/>
+                </a:tc>
+                <a:extLst>
+                  <a:ext uri="{0D108BD9-81ED-4DB2-BD59-A6C34878D82A}">
+                    <a16:rowId xmlns:a16="http://schemas.microsoft.com/office/drawing/2014/main" val="3190857276"/>
+                  </a:ext>
+                </a:extLst>
+              </a:tr>
+              <a:tr h="971899">
+                <a:tc>
+                  <a:txBody>
+                    <a:bodyPr/>
+                    <a:lstStyle/>
+                    <a:p>
+                      <a:pPr marL="0" marR="0" algn="ctr">
+                        <a:lnSpc>
+                          <a:spcPct val="150000"/>
+                        </a:lnSpc>
+                        <a:spcBef>
+                          <a:spcPts val="0"/>
+                        </a:spcBef>
+                        <a:spcAft>
+                          <a:spcPts val="600"/>
+                        </a:spcAft>
+                      </a:pPr>
+                      <a:r>
+                        <a:rPr lang="en-US" sz="1200">
+                          <a:effectLst/>
+                        </a:rPr>
+                        <a:t>Decryption of encrypted string</a:t>
+                      </a:r>
+                      <a:endParaRPr lang="en-US" sz="1200">
+                        <a:effectLst/>
+                        <a:latin typeface="Times New Roman" panose="02020603050405020304" pitchFamily="18" charset="0"/>
+                        <a:ea typeface="Times New Roman" panose="02020603050405020304" pitchFamily="18" charset="0"/>
+                        <a:cs typeface="Mangal" panose="02040503050203030202" pitchFamily="18" charset="0"/>
+                      </a:endParaRPr>
+                    </a:p>
+                  </a:txBody>
+                  <a:tcPr marL="68580" marR="68580" marT="0" marB="0"/>
+                </a:tc>
+                <a:tc>
+                  <a:txBody>
+                    <a:bodyPr/>
+                    <a:lstStyle/>
+                    <a:p>
+                      <a:pPr marL="0" marR="0" algn="ctr">
+                        <a:lnSpc>
+                          <a:spcPct val="150000"/>
+                        </a:lnSpc>
+                        <a:spcBef>
+                          <a:spcPts val="0"/>
+                        </a:spcBef>
+                        <a:spcAft>
+                          <a:spcPts val="600"/>
+                        </a:spcAft>
+                      </a:pPr>
+                      <a:r>
+                        <a:rPr lang="en-US" sz="1200">
+                          <a:effectLst/>
+                        </a:rPr>
+                        <a:t>Encrypted string, associated key string</a:t>
+                      </a:r>
+                      <a:endParaRPr lang="en-US" sz="1200">
+                        <a:effectLst/>
+                        <a:latin typeface="Times New Roman" panose="02020603050405020304" pitchFamily="18" charset="0"/>
+                        <a:ea typeface="Times New Roman" panose="02020603050405020304" pitchFamily="18" charset="0"/>
+                        <a:cs typeface="Mangal" panose="02040503050203030202" pitchFamily="18" charset="0"/>
+                      </a:endParaRPr>
+                    </a:p>
+                  </a:txBody>
+                  <a:tcPr marL="68580" marR="68580" marT="0" marB="0"/>
+                </a:tc>
+                <a:tc>
+                  <a:txBody>
+                    <a:bodyPr/>
+                    <a:lstStyle/>
+                    <a:p>
+                      <a:pPr marL="0" marR="0" algn="ctr">
+                        <a:lnSpc>
+                          <a:spcPct val="150000"/>
+                        </a:lnSpc>
+                        <a:spcBef>
+                          <a:spcPts val="0"/>
+                        </a:spcBef>
+                        <a:spcAft>
+                          <a:spcPts val="600"/>
+                        </a:spcAft>
+                      </a:pPr>
+                      <a:r>
+                        <a:rPr lang="en-US" sz="1200">
+                          <a:effectLst/>
+                        </a:rPr>
+                        <a:t>Decrypted string</a:t>
+                      </a:r>
+                      <a:endParaRPr lang="en-US" sz="1200">
+                        <a:effectLst/>
+                        <a:latin typeface="Times New Roman" panose="02020603050405020304" pitchFamily="18" charset="0"/>
+                        <a:ea typeface="Times New Roman" panose="02020603050405020304" pitchFamily="18" charset="0"/>
+                        <a:cs typeface="Mangal" panose="02040503050203030202" pitchFamily="18" charset="0"/>
+                      </a:endParaRPr>
+                    </a:p>
+                  </a:txBody>
+                  <a:tcPr marL="68580" marR="68580" marT="0" marB="0"/>
+                </a:tc>
+                <a:tc>
+                  <a:txBody>
+                    <a:bodyPr/>
+                    <a:lstStyle/>
+                    <a:p>
+                      <a:pPr marL="0" marR="0" algn="ctr">
+                        <a:lnSpc>
+                          <a:spcPct val="150000"/>
+                        </a:lnSpc>
+                        <a:spcBef>
+                          <a:spcPts val="0"/>
+                        </a:spcBef>
+                        <a:spcAft>
+                          <a:spcPts val="600"/>
+                        </a:spcAft>
+                      </a:pPr>
+                      <a:r>
+                        <a:rPr lang="en-US" sz="1200">
+                          <a:effectLst/>
+                        </a:rPr>
+                        <a:t>Decrypted string</a:t>
+                      </a:r>
+                      <a:endParaRPr lang="en-US" sz="1200">
+                        <a:effectLst/>
+                        <a:latin typeface="Times New Roman" panose="02020603050405020304" pitchFamily="18" charset="0"/>
+                        <a:ea typeface="Times New Roman" panose="02020603050405020304" pitchFamily="18" charset="0"/>
+                        <a:cs typeface="Mangal" panose="02040503050203030202" pitchFamily="18" charset="0"/>
+                      </a:endParaRPr>
+                    </a:p>
+                  </a:txBody>
+                  <a:tcPr marL="68580" marR="68580" marT="0" marB="0"/>
+                </a:tc>
+                <a:tc>
+                  <a:txBody>
+                    <a:bodyPr/>
+                    <a:lstStyle/>
+                    <a:p>
+                      <a:pPr marL="0" marR="0" algn="ctr">
+                        <a:lnSpc>
+                          <a:spcPct val="150000"/>
+                        </a:lnSpc>
+                        <a:spcBef>
+                          <a:spcPts val="0"/>
+                        </a:spcBef>
+                        <a:spcAft>
+                          <a:spcPts val="600"/>
+                        </a:spcAft>
+                      </a:pPr>
+                      <a:r>
+                        <a:rPr lang="en-US" sz="1200" dirty="0">
+                          <a:effectLst/>
+                        </a:rPr>
+                        <a:t>String decrypted successfully</a:t>
+                      </a:r>
+                      <a:endParaRPr lang="en-US" sz="1200" dirty="0">
+                        <a:effectLst/>
+                        <a:latin typeface="Times New Roman" panose="02020603050405020304" pitchFamily="18" charset="0"/>
+                        <a:ea typeface="Times New Roman" panose="02020603050405020304" pitchFamily="18" charset="0"/>
+                        <a:cs typeface="Mangal" panose="02040503050203030202" pitchFamily="18" charset="0"/>
+                      </a:endParaRPr>
+                    </a:p>
+                  </a:txBody>
+                  <a:tcPr marL="68580" marR="68580" marT="0" marB="0"/>
+                </a:tc>
+                <a:extLst>
+                  <a:ext uri="{0D108BD9-81ED-4DB2-BD59-A6C34878D82A}">
+                    <a16:rowId xmlns:a16="http://schemas.microsoft.com/office/drawing/2014/main" val="3191584115"/>
+                  </a:ext>
+                </a:extLst>
+              </a:tr>
+            </a:tbl>
+          </a:graphicData>
+        </a:graphic>
+      </p:graphicFrame>
+    </p:spTree>
+    <p:extLst>
+      <p:ext uri="{BB962C8B-B14F-4D97-AF65-F5344CB8AC3E}">
+        <p14:creationId xmlns:p14="http://schemas.microsoft.com/office/powerpoint/2010/main" val="3216809904"/>
+      </p:ext>
+    </p:extLst>
+  </p:cSld>
+  <p:clrMapOvr>
+    <a:masterClrMapping/>
+  </p:clrMapOvr>
+</p:sld>
+</file>
+
+<file path=ppt/slides/slide21.xml><?xml version="1.0" encoding="utf-8"?>
+<p:sld xmlns:a="http://schemas.openxmlformats.org/drawingml/2006/main" xmlns:r="http://schemas.openxmlformats.org/officeDocument/2006/relationships" xmlns:p="http://schemas.openxmlformats.org/presentationml/2006/main">
+  <p:cSld>
+    <p:spTree>
+      <p:nvGrpSpPr>
+        <p:cNvPr id="1" name=""/>
+        <p:cNvGrpSpPr/>
+        <p:nvPr/>
+      </p:nvGrpSpPr>
+      <p:grpSpPr>
+        <a:xfrm>
+          <a:off x="0" y="0"/>
+          <a:ext cx="0" cy="0"/>
+          <a:chOff x="0" y="0"/>
+          <a:chExt cx="0" cy="0"/>
+        </a:xfrm>
+      </p:grpSpPr>
+      <p:sp>
+        <p:nvSpPr>
+          <p:cNvPr id="2" name="Title 1">
+            <a:extLst>
+              <a:ext uri="{FF2B5EF4-FFF2-40B4-BE49-F238E27FC236}">
+                <a16:creationId xmlns:a16="http://schemas.microsoft.com/office/drawing/2014/main" id="{335B4C4A-F266-41A5-9FAC-3AB3E3D5501A}"/>
+              </a:ext>
+            </a:extLst>
+          </p:cNvPr>
+          <p:cNvSpPr>
+            <a:spLocks noGrp="1"/>
+          </p:cNvSpPr>
+          <p:nvPr>
+            <p:ph type="title"/>
+          </p:nvPr>
+        </p:nvSpPr>
+        <p:spPr/>
+        <p:txBody>
+          <a:bodyPr>
+            <a:normAutofit/>
+          </a:bodyPr>
+          <a:lstStyle/>
+          <a:p>
+            <a:r>
+              <a:rPr lang="en-US" sz="4400" dirty="0"/>
+              <a:t>Integration Testing</a:t>
+            </a:r>
+          </a:p>
+        </p:txBody>
+      </p:sp>
+      <p:graphicFrame>
+        <p:nvGraphicFramePr>
+          <p:cNvPr id="4" name="Content Placeholder 3">
+            <a:extLst>
+              <a:ext uri="{FF2B5EF4-FFF2-40B4-BE49-F238E27FC236}">
+                <a16:creationId xmlns:a16="http://schemas.microsoft.com/office/drawing/2014/main" id="{7DF79668-775A-4A82-8E29-9D0CFC4F4349}"/>
+              </a:ext>
+            </a:extLst>
+          </p:cNvPr>
+          <p:cNvGraphicFramePr>
+            <a:graphicFrameLocks noGrp="1"/>
+          </p:cNvGraphicFramePr>
+          <p:nvPr>
+            <p:ph idx="1"/>
+            <p:extLst>
+              <p:ext uri="{D42A27DB-BD31-4B8C-83A1-F6EECF244321}">
+                <p14:modId xmlns:p14="http://schemas.microsoft.com/office/powerpoint/2010/main" val="3084735646"/>
+              </p:ext>
+            </p:extLst>
+          </p:nvPr>
+        </p:nvGraphicFramePr>
+        <p:xfrm>
+          <a:off x="1766668" y="3367669"/>
+          <a:ext cx="8432409" cy="1891967"/>
+        </p:xfrm>
+        <a:graphic>
+          <a:graphicData uri="http://schemas.openxmlformats.org/drawingml/2006/table">
+            <a:tbl>
+              <a:tblPr firstRow="1" firstCol="1" bandRow="1">
+                <a:tableStyleId>{5C22544A-7EE6-4342-B048-85BDC9FD1C3A}</a:tableStyleId>
+              </a:tblPr>
+              <a:tblGrid>
+                <a:gridCol w="1850871">
+                  <a:extLst>
+                    <a:ext uri="{9D8B030D-6E8A-4147-A177-3AD203B41FA5}">
+                      <a16:colId xmlns:a16="http://schemas.microsoft.com/office/drawing/2014/main" val="1094133676"/>
+                    </a:ext>
+                  </a:extLst>
+                </a:gridCol>
+                <a:gridCol w="1618607">
+                  <a:extLst>
+                    <a:ext uri="{9D8B030D-6E8A-4147-A177-3AD203B41FA5}">
+                      <a16:colId xmlns:a16="http://schemas.microsoft.com/office/drawing/2014/main" val="3298943569"/>
+                    </a:ext>
+                  </a:extLst>
+                </a:gridCol>
+                <a:gridCol w="1589561">
+                  <a:extLst>
+                    <a:ext uri="{9D8B030D-6E8A-4147-A177-3AD203B41FA5}">
+                      <a16:colId xmlns:a16="http://schemas.microsoft.com/office/drawing/2014/main" val="1340507699"/>
+                    </a:ext>
+                  </a:extLst>
+                </a:gridCol>
+                <a:gridCol w="1686685">
+                  <a:extLst>
+                    <a:ext uri="{9D8B030D-6E8A-4147-A177-3AD203B41FA5}">
+                      <a16:colId xmlns:a16="http://schemas.microsoft.com/office/drawing/2014/main" val="69509169"/>
+                    </a:ext>
+                  </a:extLst>
+                </a:gridCol>
+                <a:gridCol w="1686685">
+                  <a:extLst>
+                    <a:ext uri="{9D8B030D-6E8A-4147-A177-3AD203B41FA5}">
+                      <a16:colId xmlns:a16="http://schemas.microsoft.com/office/drawing/2014/main" val="3419143415"/>
+                    </a:ext>
+                  </a:extLst>
+                </a:gridCol>
+              </a:tblGrid>
+              <a:tr h="527813">
+                <a:tc>
+                  <a:txBody>
+                    <a:bodyPr/>
+                    <a:lstStyle/>
+                    <a:p>
+                      <a:pPr marL="0" marR="0" algn="just">
+                        <a:lnSpc>
+                          <a:spcPct val="150000"/>
+                        </a:lnSpc>
+                        <a:spcBef>
+                          <a:spcPts val="0"/>
+                        </a:spcBef>
+                        <a:spcAft>
+                          <a:spcPts val="600"/>
+                        </a:spcAft>
+                      </a:pPr>
+                      <a:r>
+                        <a:rPr lang="en-US" sz="1200">
+                          <a:effectLst/>
+                        </a:rPr>
+                        <a:t>Test Cases</a:t>
+                      </a:r>
+                      <a:endParaRPr lang="en-US" sz="1200">
+                        <a:effectLst/>
+                        <a:latin typeface="Times New Roman" panose="02020603050405020304" pitchFamily="18" charset="0"/>
+                        <a:ea typeface="Times New Roman" panose="02020603050405020304" pitchFamily="18" charset="0"/>
+                        <a:cs typeface="Mangal" panose="02040503050203030202" pitchFamily="18" charset="0"/>
+                      </a:endParaRPr>
+                    </a:p>
+                  </a:txBody>
+                  <a:tcPr marL="68580" marR="68580" marT="0" marB="0"/>
+                </a:tc>
+                <a:tc>
+                  <a:txBody>
+                    <a:bodyPr/>
+                    <a:lstStyle/>
+                    <a:p>
+                      <a:pPr marL="0" marR="0" algn="just">
+                        <a:lnSpc>
+                          <a:spcPct val="150000"/>
+                        </a:lnSpc>
+                        <a:spcBef>
+                          <a:spcPts val="0"/>
+                        </a:spcBef>
+                        <a:spcAft>
+                          <a:spcPts val="600"/>
+                        </a:spcAft>
+                      </a:pPr>
+                      <a:r>
+                        <a:rPr lang="en-US" sz="1200">
+                          <a:effectLst/>
+                        </a:rPr>
+                        <a:t>Input</a:t>
+                      </a:r>
+                      <a:endParaRPr lang="en-US" sz="1200">
+                        <a:effectLst/>
+                        <a:latin typeface="Times New Roman" panose="02020603050405020304" pitchFamily="18" charset="0"/>
+                        <a:ea typeface="Times New Roman" panose="02020603050405020304" pitchFamily="18" charset="0"/>
+                        <a:cs typeface="Mangal" panose="02040503050203030202" pitchFamily="18" charset="0"/>
+                      </a:endParaRPr>
+                    </a:p>
+                  </a:txBody>
+                  <a:tcPr marL="68580" marR="68580" marT="0" marB="0"/>
+                </a:tc>
+                <a:tc>
+                  <a:txBody>
+                    <a:bodyPr/>
+                    <a:lstStyle/>
+                    <a:p>
+                      <a:pPr marL="0" marR="0" algn="just">
+                        <a:lnSpc>
+                          <a:spcPct val="150000"/>
+                        </a:lnSpc>
+                        <a:spcBef>
+                          <a:spcPts val="0"/>
+                        </a:spcBef>
+                        <a:spcAft>
+                          <a:spcPts val="600"/>
+                        </a:spcAft>
+                      </a:pPr>
+                      <a:r>
+                        <a:rPr lang="en-US" sz="1200">
+                          <a:effectLst/>
+                        </a:rPr>
+                        <a:t>Expected Output</a:t>
+                      </a:r>
+                      <a:endParaRPr lang="en-US" sz="1200">
+                        <a:effectLst/>
+                        <a:latin typeface="Times New Roman" panose="02020603050405020304" pitchFamily="18" charset="0"/>
+                        <a:ea typeface="Times New Roman" panose="02020603050405020304" pitchFamily="18" charset="0"/>
+                        <a:cs typeface="Mangal" panose="02040503050203030202" pitchFamily="18" charset="0"/>
+                      </a:endParaRPr>
+                    </a:p>
+                  </a:txBody>
+                  <a:tcPr marL="68580" marR="68580" marT="0" marB="0"/>
+                </a:tc>
+                <a:tc>
+                  <a:txBody>
+                    <a:bodyPr/>
+                    <a:lstStyle/>
+                    <a:p>
+                      <a:pPr marL="0" marR="0" algn="just">
+                        <a:lnSpc>
+                          <a:spcPct val="150000"/>
+                        </a:lnSpc>
+                        <a:spcBef>
+                          <a:spcPts val="0"/>
+                        </a:spcBef>
+                        <a:spcAft>
+                          <a:spcPts val="600"/>
+                        </a:spcAft>
+                      </a:pPr>
+                      <a:r>
+                        <a:rPr lang="en-US" sz="1200">
+                          <a:effectLst/>
+                        </a:rPr>
+                        <a:t>Output</a:t>
+                      </a:r>
+                      <a:endParaRPr lang="en-US" sz="1200">
+                        <a:effectLst/>
+                        <a:latin typeface="Times New Roman" panose="02020603050405020304" pitchFamily="18" charset="0"/>
+                        <a:ea typeface="Times New Roman" panose="02020603050405020304" pitchFamily="18" charset="0"/>
+                        <a:cs typeface="Mangal" panose="02040503050203030202" pitchFamily="18" charset="0"/>
+                      </a:endParaRPr>
+                    </a:p>
+                  </a:txBody>
+                  <a:tcPr marL="68580" marR="68580" marT="0" marB="0"/>
+                </a:tc>
+                <a:tc>
+                  <a:txBody>
+                    <a:bodyPr/>
+                    <a:lstStyle/>
+                    <a:p>
+                      <a:pPr marL="0" marR="0" algn="just">
+                        <a:lnSpc>
+                          <a:spcPct val="150000"/>
+                        </a:lnSpc>
+                        <a:spcBef>
+                          <a:spcPts val="0"/>
+                        </a:spcBef>
+                        <a:spcAft>
+                          <a:spcPts val="600"/>
+                        </a:spcAft>
+                      </a:pPr>
+                      <a:r>
+                        <a:rPr lang="en-US" sz="1200" dirty="0">
+                          <a:effectLst/>
+                        </a:rPr>
+                        <a:t>Remarks</a:t>
+                      </a:r>
+                      <a:endParaRPr lang="en-US" sz="1200" dirty="0">
+                        <a:effectLst/>
+                        <a:latin typeface="Times New Roman" panose="02020603050405020304" pitchFamily="18" charset="0"/>
+                        <a:ea typeface="Times New Roman" panose="02020603050405020304" pitchFamily="18" charset="0"/>
+                        <a:cs typeface="Mangal" panose="02040503050203030202" pitchFamily="18" charset="0"/>
+                      </a:endParaRPr>
+                    </a:p>
+                  </a:txBody>
+                  <a:tcPr marL="68580" marR="68580" marT="0" marB="0"/>
+                </a:tc>
+                <a:extLst>
+                  <a:ext uri="{0D108BD9-81ED-4DB2-BD59-A6C34878D82A}">
+                    <a16:rowId xmlns:a16="http://schemas.microsoft.com/office/drawing/2014/main" val="2999926911"/>
+                  </a:ext>
+                </a:extLst>
+              </a:tr>
+              <a:tr h="1364154">
+                <a:tc>
+                  <a:txBody>
+                    <a:bodyPr/>
+                    <a:lstStyle/>
+                    <a:p>
+                      <a:pPr marL="0" marR="0" algn="ctr">
+                        <a:lnSpc>
+                          <a:spcPct val="150000"/>
+                        </a:lnSpc>
+                        <a:spcBef>
+                          <a:spcPts val="0"/>
+                        </a:spcBef>
+                        <a:spcAft>
+                          <a:spcPts val="600"/>
+                        </a:spcAft>
+                      </a:pPr>
+                      <a:r>
+                        <a:rPr lang="en-US" sz="1200">
+                          <a:effectLst/>
+                        </a:rPr>
+                        <a:t>Encryption and LSB replacement process integration</a:t>
+                      </a:r>
+                      <a:endParaRPr lang="en-US" sz="1200">
+                        <a:effectLst/>
+                        <a:latin typeface="Times New Roman" panose="02020603050405020304" pitchFamily="18" charset="0"/>
+                        <a:ea typeface="Times New Roman" panose="02020603050405020304" pitchFamily="18" charset="0"/>
+                        <a:cs typeface="Mangal" panose="02040503050203030202" pitchFamily="18" charset="0"/>
+                      </a:endParaRPr>
+                    </a:p>
+                  </a:txBody>
+                  <a:tcPr marL="68580" marR="68580" marT="0" marB="0"/>
+                </a:tc>
+                <a:tc>
+                  <a:txBody>
+                    <a:bodyPr/>
+                    <a:lstStyle/>
+                    <a:p>
+                      <a:pPr marL="0" marR="0" algn="ctr">
+                        <a:lnSpc>
+                          <a:spcPct val="150000"/>
+                        </a:lnSpc>
+                        <a:spcBef>
+                          <a:spcPts val="0"/>
+                        </a:spcBef>
+                        <a:spcAft>
+                          <a:spcPts val="600"/>
+                        </a:spcAft>
+                      </a:pPr>
+                      <a:r>
+                        <a:rPr lang="en-US" sz="1200" dirty="0">
+                          <a:effectLst/>
+                        </a:rPr>
+                        <a:t>Message String, Key String, image file</a:t>
+                      </a:r>
+                      <a:endParaRPr lang="en-US" sz="1200" dirty="0">
+                        <a:effectLst/>
+                        <a:latin typeface="Times New Roman" panose="02020603050405020304" pitchFamily="18" charset="0"/>
+                        <a:ea typeface="Times New Roman" panose="02020603050405020304" pitchFamily="18" charset="0"/>
+                        <a:cs typeface="Mangal" panose="02040503050203030202" pitchFamily="18" charset="0"/>
+                      </a:endParaRPr>
+                    </a:p>
+                  </a:txBody>
+                  <a:tcPr marL="68580" marR="68580" marT="0" marB="0"/>
+                </a:tc>
+                <a:tc>
+                  <a:txBody>
+                    <a:bodyPr/>
+                    <a:lstStyle/>
+                    <a:p>
+                      <a:pPr marL="0" marR="0" algn="ctr">
+                        <a:lnSpc>
+                          <a:spcPct val="150000"/>
+                        </a:lnSpc>
+                        <a:spcBef>
+                          <a:spcPts val="0"/>
+                        </a:spcBef>
+                        <a:spcAft>
+                          <a:spcPts val="600"/>
+                        </a:spcAft>
+                      </a:pPr>
+                      <a:r>
+                        <a:rPr lang="en-US" sz="1200">
+                          <a:effectLst/>
+                        </a:rPr>
+                        <a:t>Stego image file</a:t>
+                      </a:r>
+                      <a:endParaRPr lang="en-US" sz="1200">
+                        <a:effectLst/>
+                        <a:latin typeface="Times New Roman" panose="02020603050405020304" pitchFamily="18" charset="0"/>
+                        <a:ea typeface="Times New Roman" panose="02020603050405020304" pitchFamily="18" charset="0"/>
+                        <a:cs typeface="Mangal" panose="02040503050203030202" pitchFamily="18" charset="0"/>
+                      </a:endParaRPr>
+                    </a:p>
+                  </a:txBody>
+                  <a:tcPr marL="68580" marR="68580" marT="0" marB="0"/>
+                </a:tc>
+                <a:tc>
+                  <a:txBody>
+                    <a:bodyPr/>
+                    <a:lstStyle/>
+                    <a:p>
+                      <a:pPr marL="0" marR="0" algn="ctr">
+                        <a:lnSpc>
+                          <a:spcPct val="150000"/>
+                        </a:lnSpc>
+                        <a:spcBef>
+                          <a:spcPts val="0"/>
+                        </a:spcBef>
+                        <a:spcAft>
+                          <a:spcPts val="600"/>
+                        </a:spcAft>
+                      </a:pPr>
+                      <a:r>
+                        <a:rPr lang="en-US" sz="1200" dirty="0">
+                          <a:effectLst/>
+                        </a:rPr>
+                        <a:t>Stego image file</a:t>
+                      </a:r>
+                      <a:endParaRPr lang="en-US" sz="1200" dirty="0">
+                        <a:effectLst/>
+                        <a:latin typeface="Times New Roman" panose="02020603050405020304" pitchFamily="18" charset="0"/>
+                        <a:ea typeface="Times New Roman" panose="02020603050405020304" pitchFamily="18" charset="0"/>
+                        <a:cs typeface="Mangal" panose="02040503050203030202" pitchFamily="18" charset="0"/>
+                      </a:endParaRPr>
+                    </a:p>
+                  </a:txBody>
+                  <a:tcPr marL="68580" marR="68580" marT="0" marB="0"/>
+                </a:tc>
+                <a:tc>
+                  <a:txBody>
+                    <a:bodyPr/>
+                    <a:lstStyle/>
+                    <a:p>
+                      <a:pPr marL="0" marR="0" algn="ctr">
+                        <a:lnSpc>
+                          <a:spcPct val="150000"/>
+                        </a:lnSpc>
+                        <a:spcBef>
+                          <a:spcPts val="0"/>
+                        </a:spcBef>
+                        <a:spcAft>
+                          <a:spcPts val="600"/>
+                        </a:spcAft>
+                      </a:pPr>
+                      <a:r>
+                        <a:rPr lang="en-US" sz="1200" dirty="0">
+                          <a:effectLst/>
+                        </a:rPr>
+                        <a:t>Message successfully hidden in image</a:t>
+                      </a:r>
+                      <a:endParaRPr lang="en-US" sz="1200" dirty="0">
+                        <a:effectLst/>
+                        <a:latin typeface="Times New Roman" panose="02020603050405020304" pitchFamily="18" charset="0"/>
+                        <a:ea typeface="Times New Roman" panose="02020603050405020304" pitchFamily="18" charset="0"/>
+                        <a:cs typeface="Mangal" panose="02040503050203030202" pitchFamily="18" charset="0"/>
+                      </a:endParaRPr>
+                    </a:p>
+                  </a:txBody>
+                  <a:tcPr marL="68580" marR="68580" marT="0" marB="0"/>
+                </a:tc>
+                <a:extLst>
+                  <a:ext uri="{0D108BD9-81ED-4DB2-BD59-A6C34878D82A}">
+                    <a16:rowId xmlns:a16="http://schemas.microsoft.com/office/drawing/2014/main" val="1200293309"/>
+                  </a:ext>
+                </a:extLst>
+              </a:tr>
+            </a:tbl>
+          </a:graphicData>
+        </a:graphic>
+      </p:graphicFrame>
+      <p:sp>
+        <p:nvSpPr>
+          <p:cNvPr id="6" name="TextBox 5">
+            <a:extLst>
+              <a:ext uri="{FF2B5EF4-FFF2-40B4-BE49-F238E27FC236}">
+                <a16:creationId xmlns:a16="http://schemas.microsoft.com/office/drawing/2014/main" id="{57985292-2C4F-4B09-890A-28FC902A07B2}"/>
+              </a:ext>
+            </a:extLst>
+          </p:cNvPr>
+          <p:cNvSpPr txBox="1"/>
+          <p:nvPr/>
+        </p:nvSpPr>
+        <p:spPr>
+          <a:xfrm>
+            <a:off x="1041008" y="2110154"/>
+            <a:ext cx="9158069" cy="954107"/>
+          </a:xfrm>
+          <a:prstGeom prst="rect">
+            <a:avLst/>
+          </a:prstGeom>
+          <a:noFill/>
+        </p:spPr>
+        <p:txBody>
+          <a:bodyPr wrap="square" rtlCol="0">
+            <a:spAutoFit/>
+          </a:bodyPr>
+          <a:lstStyle/>
+          <a:p>
+            <a:pPr marL="457200" indent="-457200">
+              <a:buFont typeface="Arial" panose="020B0604020202020204" pitchFamily="34" charset="0"/>
+              <a:buChar char="•"/>
+            </a:pPr>
+            <a:r>
+              <a:rPr lang="en-US" sz="2800" dirty="0"/>
+              <a:t>Integration testing for encryption and embedding module </a:t>
+            </a:r>
+          </a:p>
+          <a:p>
+            <a:endParaRPr lang="en-US" sz="2800" dirty="0"/>
+          </a:p>
+        </p:txBody>
+      </p:sp>
+    </p:spTree>
+    <p:extLst>
+      <p:ext uri="{BB962C8B-B14F-4D97-AF65-F5344CB8AC3E}">
+        <p14:creationId xmlns:p14="http://schemas.microsoft.com/office/powerpoint/2010/main" val="369582572"/>
+      </p:ext>
+    </p:extLst>
+  </p:cSld>
+  <p:clrMapOvr>
+    <a:masterClrMapping/>
+  </p:clrMapOvr>
+</p:sld>
+</file>
+
+<file path=ppt/slides/slide22.xml><?xml version="1.0" encoding="utf-8"?>
+<p:sld xmlns:a="http://schemas.openxmlformats.org/drawingml/2006/main" xmlns:r="http://schemas.openxmlformats.org/officeDocument/2006/relationships" xmlns:p="http://schemas.openxmlformats.org/presentationml/2006/main">
+  <p:cSld>
+    <p:spTree>
+      <p:nvGrpSpPr>
+        <p:cNvPr id="1" name=""/>
+        <p:cNvGrpSpPr/>
+        <p:nvPr/>
+      </p:nvGrpSpPr>
+      <p:grpSpPr>
+        <a:xfrm>
+          <a:off x="0" y="0"/>
+          <a:ext cx="0" cy="0"/>
+          <a:chOff x="0" y="0"/>
+          <a:chExt cx="0" cy="0"/>
+        </a:xfrm>
+      </p:grpSpPr>
+      <p:sp>
+        <p:nvSpPr>
+          <p:cNvPr id="3" name="Content Placeholder 2">
+            <a:extLst>
+              <a:ext uri="{FF2B5EF4-FFF2-40B4-BE49-F238E27FC236}">
+                <a16:creationId xmlns:a16="http://schemas.microsoft.com/office/drawing/2014/main" id="{9982073D-C7B9-44F1-B3B9-570CAB791398}"/>
+              </a:ext>
+            </a:extLst>
+          </p:cNvPr>
+          <p:cNvSpPr>
+            <a:spLocks noGrp="1"/>
+          </p:cNvSpPr>
+          <p:nvPr>
+            <p:ph idx="1"/>
+          </p:nvPr>
+        </p:nvSpPr>
+        <p:spPr/>
+        <p:txBody>
+          <a:bodyPr/>
+          <a:lstStyle/>
+          <a:p>
+            <a:r>
+              <a:rPr lang="en-US" dirty="0"/>
+              <a:t>Integration testing for message extraction and decryption module</a:t>
+            </a:r>
+          </a:p>
+        </p:txBody>
+      </p:sp>
+      <p:sp>
+        <p:nvSpPr>
+          <p:cNvPr id="4" name="Title 1">
+            <a:extLst>
+              <a:ext uri="{FF2B5EF4-FFF2-40B4-BE49-F238E27FC236}">
+                <a16:creationId xmlns:a16="http://schemas.microsoft.com/office/drawing/2014/main" id="{0921C6A3-9749-4F27-84C3-48BBB88DC7C0}"/>
+              </a:ext>
+            </a:extLst>
+          </p:cNvPr>
+          <p:cNvSpPr>
+            <a:spLocks noGrp="1"/>
+          </p:cNvSpPr>
+          <p:nvPr>
+            <p:ph type="title"/>
+          </p:nvPr>
+        </p:nvSpPr>
+        <p:spPr>
+          <a:xfrm>
+            <a:off x="838200" y="365126"/>
+            <a:ext cx="10515600" cy="1308930"/>
+          </a:xfrm>
+        </p:spPr>
+        <p:txBody>
+          <a:bodyPr>
+            <a:normAutofit/>
+          </a:bodyPr>
+          <a:lstStyle/>
+          <a:p>
+            <a:r>
+              <a:rPr lang="en-US" sz="4400" dirty="0"/>
+              <a:t>Integration Testing</a:t>
+            </a:r>
+          </a:p>
+        </p:txBody>
+      </p:sp>
+      <p:graphicFrame>
+        <p:nvGraphicFramePr>
+          <p:cNvPr id="5" name="Table 4">
+            <a:extLst>
+              <a:ext uri="{FF2B5EF4-FFF2-40B4-BE49-F238E27FC236}">
+                <a16:creationId xmlns:a16="http://schemas.microsoft.com/office/drawing/2014/main" id="{91EF18DB-E5E7-4DCD-AF00-7E59CBD75B88}"/>
+              </a:ext>
+            </a:extLst>
+          </p:cNvPr>
+          <p:cNvGraphicFramePr>
+            <a:graphicFrameLocks noGrp="1"/>
+          </p:cNvGraphicFramePr>
+          <p:nvPr>
+            <p:extLst>
+              <p:ext uri="{D42A27DB-BD31-4B8C-83A1-F6EECF244321}">
+                <p14:modId xmlns:p14="http://schemas.microsoft.com/office/powerpoint/2010/main" val="1038182236"/>
+              </p:ext>
+            </p:extLst>
+          </p:nvPr>
+        </p:nvGraphicFramePr>
+        <p:xfrm>
+          <a:off x="1713915" y="2775204"/>
+          <a:ext cx="8764170" cy="2452179"/>
+        </p:xfrm>
+        <a:graphic>
+          <a:graphicData uri="http://schemas.openxmlformats.org/drawingml/2006/table">
+            <a:tbl>
+              <a:tblPr firstRow="1" firstCol="1" bandRow="1">
+                <a:tableStyleId>{5C22544A-7EE6-4342-B048-85BDC9FD1C3A}</a:tableStyleId>
+              </a:tblPr>
+              <a:tblGrid>
+                <a:gridCol w="1751990">
+                  <a:extLst>
+                    <a:ext uri="{9D8B030D-6E8A-4147-A177-3AD203B41FA5}">
+                      <a16:colId xmlns:a16="http://schemas.microsoft.com/office/drawing/2014/main" val="3797945783"/>
+                    </a:ext>
+                  </a:extLst>
+                </a:gridCol>
+                <a:gridCol w="1753045">
+                  <a:extLst>
+                    <a:ext uri="{9D8B030D-6E8A-4147-A177-3AD203B41FA5}">
+                      <a16:colId xmlns:a16="http://schemas.microsoft.com/office/drawing/2014/main" val="353151140"/>
+                    </a:ext>
+                  </a:extLst>
+                </a:gridCol>
+                <a:gridCol w="1753045">
+                  <a:extLst>
+                    <a:ext uri="{9D8B030D-6E8A-4147-A177-3AD203B41FA5}">
+                      <a16:colId xmlns:a16="http://schemas.microsoft.com/office/drawing/2014/main" val="2690705257"/>
+                    </a:ext>
+                  </a:extLst>
+                </a:gridCol>
+                <a:gridCol w="1753045">
+                  <a:extLst>
+                    <a:ext uri="{9D8B030D-6E8A-4147-A177-3AD203B41FA5}">
+                      <a16:colId xmlns:a16="http://schemas.microsoft.com/office/drawing/2014/main" val="1390446213"/>
+                    </a:ext>
+                  </a:extLst>
+                </a:gridCol>
+                <a:gridCol w="1753045">
+                  <a:extLst>
+                    <a:ext uri="{9D8B030D-6E8A-4147-A177-3AD203B41FA5}">
+                      <a16:colId xmlns:a16="http://schemas.microsoft.com/office/drawing/2014/main" val="2825011763"/>
+                    </a:ext>
+                  </a:extLst>
+                </a:gridCol>
+              </a:tblGrid>
+              <a:tr h="429927">
+                <a:tc>
+                  <a:txBody>
+                    <a:bodyPr/>
+                    <a:lstStyle/>
+                    <a:p>
+                      <a:pPr marL="0" marR="0" algn="just">
+                        <a:lnSpc>
+                          <a:spcPct val="150000"/>
+                        </a:lnSpc>
+                        <a:spcBef>
+                          <a:spcPts val="0"/>
+                        </a:spcBef>
+                        <a:spcAft>
+                          <a:spcPts val="600"/>
+                        </a:spcAft>
+                      </a:pPr>
+                      <a:r>
+                        <a:rPr lang="en-US" sz="1200">
+                          <a:effectLst/>
+                        </a:rPr>
+                        <a:t>Test Cases</a:t>
+                      </a:r>
+                      <a:endParaRPr lang="en-US" sz="1200">
+                        <a:effectLst/>
+                        <a:latin typeface="Times New Roman" panose="02020603050405020304" pitchFamily="18" charset="0"/>
+                        <a:ea typeface="Times New Roman" panose="02020603050405020304" pitchFamily="18" charset="0"/>
+                        <a:cs typeface="Mangal" panose="02040503050203030202" pitchFamily="18" charset="0"/>
+                      </a:endParaRPr>
+                    </a:p>
+                  </a:txBody>
+                  <a:tcPr marL="68580" marR="68580" marT="0" marB="0"/>
+                </a:tc>
+                <a:tc>
+                  <a:txBody>
+                    <a:bodyPr/>
+                    <a:lstStyle/>
+                    <a:p>
+                      <a:pPr marL="0" marR="0" algn="just">
+                        <a:lnSpc>
+                          <a:spcPct val="150000"/>
+                        </a:lnSpc>
+                        <a:spcBef>
+                          <a:spcPts val="0"/>
+                        </a:spcBef>
+                        <a:spcAft>
+                          <a:spcPts val="600"/>
+                        </a:spcAft>
+                      </a:pPr>
+                      <a:r>
+                        <a:rPr lang="en-US" sz="1200">
+                          <a:effectLst/>
+                        </a:rPr>
+                        <a:t>Input</a:t>
+                      </a:r>
+                      <a:endParaRPr lang="en-US" sz="1200">
+                        <a:effectLst/>
+                        <a:latin typeface="Times New Roman" panose="02020603050405020304" pitchFamily="18" charset="0"/>
+                        <a:ea typeface="Times New Roman" panose="02020603050405020304" pitchFamily="18" charset="0"/>
+                        <a:cs typeface="Mangal" panose="02040503050203030202" pitchFamily="18" charset="0"/>
+                      </a:endParaRPr>
+                    </a:p>
+                  </a:txBody>
+                  <a:tcPr marL="68580" marR="68580" marT="0" marB="0"/>
+                </a:tc>
+                <a:tc>
+                  <a:txBody>
+                    <a:bodyPr/>
+                    <a:lstStyle/>
+                    <a:p>
+                      <a:pPr marL="0" marR="0" algn="just">
+                        <a:lnSpc>
+                          <a:spcPct val="150000"/>
+                        </a:lnSpc>
+                        <a:spcBef>
+                          <a:spcPts val="0"/>
+                        </a:spcBef>
+                        <a:spcAft>
+                          <a:spcPts val="600"/>
+                        </a:spcAft>
+                      </a:pPr>
+                      <a:r>
+                        <a:rPr lang="en-US" sz="1200" dirty="0">
+                          <a:effectLst/>
+                        </a:rPr>
+                        <a:t>Expected Output</a:t>
+                      </a:r>
+                      <a:endParaRPr lang="en-US" sz="1200" dirty="0">
+                        <a:effectLst/>
+                        <a:latin typeface="Times New Roman" panose="02020603050405020304" pitchFamily="18" charset="0"/>
+                        <a:ea typeface="Times New Roman" panose="02020603050405020304" pitchFamily="18" charset="0"/>
+                        <a:cs typeface="Mangal" panose="02040503050203030202" pitchFamily="18" charset="0"/>
+                      </a:endParaRPr>
+                    </a:p>
+                  </a:txBody>
+                  <a:tcPr marL="68580" marR="68580" marT="0" marB="0"/>
+                </a:tc>
+                <a:tc>
+                  <a:txBody>
+                    <a:bodyPr/>
+                    <a:lstStyle/>
+                    <a:p>
+                      <a:pPr marL="0" marR="0" algn="just">
+                        <a:lnSpc>
+                          <a:spcPct val="150000"/>
+                        </a:lnSpc>
+                        <a:spcBef>
+                          <a:spcPts val="0"/>
+                        </a:spcBef>
+                        <a:spcAft>
+                          <a:spcPts val="600"/>
+                        </a:spcAft>
+                      </a:pPr>
+                      <a:r>
+                        <a:rPr lang="en-US" sz="1200">
+                          <a:effectLst/>
+                        </a:rPr>
+                        <a:t>Output</a:t>
+                      </a:r>
+                      <a:endParaRPr lang="en-US" sz="1200">
+                        <a:effectLst/>
+                        <a:latin typeface="Times New Roman" panose="02020603050405020304" pitchFamily="18" charset="0"/>
+                        <a:ea typeface="Times New Roman" panose="02020603050405020304" pitchFamily="18" charset="0"/>
+                        <a:cs typeface="Mangal" panose="02040503050203030202" pitchFamily="18" charset="0"/>
+                      </a:endParaRPr>
+                    </a:p>
+                  </a:txBody>
+                  <a:tcPr marL="68580" marR="68580" marT="0" marB="0"/>
+                </a:tc>
+                <a:tc>
+                  <a:txBody>
+                    <a:bodyPr/>
+                    <a:lstStyle/>
+                    <a:p>
+                      <a:pPr marL="0" marR="0" algn="just">
+                        <a:lnSpc>
+                          <a:spcPct val="150000"/>
+                        </a:lnSpc>
+                        <a:spcBef>
+                          <a:spcPts val="0"/>
+                        </a:spcBef>
+                        <a:spcAft>
+                          <a:spcPts val="600"/>
+                        </a:spcAft>
+                      </a:pPr>
+                      <a:r>
+                        <a:rPr lang="en-US" sz="1200">
+                          <a:effectLst/>
+                        </a:rPr>
+                        <a:t>Remarks</a:t>
+                      </a:r>
+                      <a:endParaRPr lang="en-US" sz="1200">
+                        <a:effectLst/>
+                        <a:latin typeface="Times New Roman" panose="02020603050405020304" pitchFamily="18" charset="0"/>
+                        <a:ea typeface="Times New Roman" panose="02020603050405020304" pitchFamily="18" charset="0"/>
+                        <a:cs typeface="Mangal" panose="02040503050203030202" pitchFamily="18" charset="0"/>
+                      </a:endParaRPr>
+                    </a:p>
+                  </a:txBody>
+                  <a:tcPr marL="68580" marR="68580" marT="0" marB="0"/>
+                </a:tc>
+                <a:extLst>
+                  <a:ext uri="{0D108BD9-81ED-4DB2-BD59-A6C34878D82A}">
+                    <a16:rowId xmlns:a16="http://schemas.microsoft.com/office/drawing/2014/main" val="3907664132"/>
+                  </a:ext>
+                </a:extLst>
+              </a:tr>
+              <a:tr h="1011126">
+                <a:tc>
+                  <a:txBody>
+                    <a:bodyPr/>
+                    <a:lstStyle/>
+                    <a:p>
+                      <a:pPr marL="0" marR="0" algn="ctr">
+                        <a:lnSpc>
+                          <a:spcPct val="150000"/>
+                        </a:lnSpc>
+                        <a:spcBef>
+                          <a:spcPts val="0"/>
+                        </a:spcBef>
+                        <a:spcAft>
+                          <a:spcPts val="600"/>
+                        </a:spcAft>
+                      </a:pPr>
+                      <a:r>
+                        <a:rPr lang="en-US" sz="1200">
+                          <a:effectLst/>
+                        </a:rPr>
+                        <a:t>Message Extraction and Decryption integration</a:t>
+                      </a:r>
+                      <a:endParaRPr lang="en-US" sz="1200">
+                        <a:effectLst/>
+                        <a:latin typeface="Times New Roman" panose="02020603050405020304" pitchFamily="18" charset="0"/>
+                        <a:ea typeface="Times New Roman" panose="02020603050405020304" pitchFamily="18" charset="0"/>
+                        <a:cs typeface="Mangal" panose="02040503050203030202" pitchFamily="18" charset="0"/>
+                      </a:endParaRPr>
+                    </a:p>
+                  </a:txBody>
+                  <a:tcPr marL="68580" marR="68580" marT="0" marB="0"/>
+                </a:tc>
+                <a:tc>
+                  <a:txBody>
+                    <a:bodyPr/>
+                    <a:lstStyle/>
+                    <a:p>
+                      <a:pPr marL="0" marR="0" algn="ctr">
+                        <a:lnSpc>
+                          <a:spcPct val="150000"/>
+                        </a:lnSpc>
+                        <a:spcBef>
+                          <a:spcPts val="0"/>
+                        </a:spcBef>
+                        <a:spcAft>
+                          <a:spcPts val="600"/>
+                        </a:spcAft>
+                      </a:pPr>
+                      <a:r>
+                        <a:rPr lang="en-US" sz="1200">
+                          <a:effectLst/>
+                        </a:rPr>
+                        <a:t>Random image, key string</a:t>
+                      </a:r>
+                      <a:endParaRPr lang="en-US" sz="1200">
+                        <a:effectLst/>
+                        <a:latin typeface="Times New Roman" panose="02020603050405020304" pitchFamily="18" charset="0"/>
+                        <a:ea typeface="Times New Roman" panose="02020603050405020304" pitchFamily="18" charset="0"/>
+                        <a:cs typeface="Mangal" panose="02040503050203030202" pitchFamily="18" charset="0"/>
+                      </a:endParaRPr>
+                    </a:p>
+                  </a:txBody>
+                  <a:tcPr marL="68580" marR="68580" marT="0" marB="0"/>
+                </a:tc>
+                <a:tc>
+                  <a:txBody>
+                    <a:bodyPr/>
+                    <a:lstStyle/>
+                    <a:p>
+                      <a:pPr marL="0" marR="0" algn="ctr">
+                        <a:lnSpc>
+                          <a:spcPct val="150000"/>
+                        </a:lnSpc>
+                        <a:spcBef>
+                          <a:spcPts val="0"/>
+                        </a:spcBef>
+                        <a:spcAft>
+                          <a:spcPts val="600"/>
+                        </a:spcAft>
+                      </a:pPr>
+                      <a:r>
+                        <a:rPr lang="en-US" sz="1200" dirty="0">
+                          <a:effectLst/>
+                        </a:rPr>
+                        <a:t>Hidden message in decrypted form</a:t>
+                      </a:r>
+                      <a:endParaRPr lang="en-US" sz="1200" dirty="0">
+                        <a:effectLst/>
+                        <a:latin typeface="Times New Roman" panose="02020603050405020304" pitchFamily="18" charset="0"/>
+                        <a:ea typeface="Times New Roman" panose="02020603050405020304" pitchFamily="18" charset="0"/>
+                        <a:cs typeface="Mangal" panose="02040503050203030202" pitchFamily="18" charset="0"/>
+                      </a:endParaRPr>
+                    </a:p>
+                  </a:txBody>
+                  <a:tcPr marL="68580" marR="68580" marT="0" marB="0"/>
+                </a:tc>
+                <a:tc>
+                  <a:txBody>
+                    <a:bodyPr/>
+                    <a:lstStyle/>
+                    <a:p>
+                      <a:pPr marL="0" marR="0" algn="ctr">
+                        <a:lnSpc>
+                          <a:spcPct val="150000"/>
+                        </a:lnSpc>
+                        <a:spcBef>
+                          <a:spcPts val="0"/>
+                        </a:spcBef>
+                        <a:spcAft>
+                          <a:spcPts val="600"/>
+                        </a:spcAft>
+                      </a:pPr>
+                      <a:r>
+                        <a:rPr lang="en-US" sz="1200">
+                          <a:effectLst/>
+                        </a:rPr>
+                        <a:t>Input error</a:t>
+                      </a:r>
+                      <a:endParaRPr lang="en-US" sz="1200">
+                        <a:effectLst/>
+                        <a:latin typeface="Times New Roman" panose="02020603050405020304" pitchFamily="18" charset="0"/>
+                        <a:ea typeface="Times New Roman" panose="02020603050405020304" pitchFamily="18" charset="0"/>
+                        <a:cs typeface="Mangal" panose="02040503050203030202" pitchFamily="18" charset="0"/>
+                      </a:endParaRPr>
+                    </a:p>
+                  </a:txBody>
+                  <a:tcPr marL="68580" marR="68580" marT="0" marB="0"/>
+                </a:tc>
+                <a:tc>
+                  <a:txBody>
+                    <a:bodyPr/>
+                    <a:lstStyle/>
+                    <a:p>
+                      <a:pPr marL="0" marR="0" algn="ctr">
+                        <a:lnSpc>
+                          <a:spcPct val="150000"/>
+                        </a:lnSpc>
+                        <a:spcBef>
+                          <a:spcPts val="0"/>
+                        </a:spcBef>
+                        <a:spcAft>
+                          <a:spcPts val="600"/>
+                        </a:spcAft>
+                      </a:pPr>
+                      <a:r>
+                        <a:rPr lang="en-US" sz="1200">
+                          <a:effectLst/>
+                        </a:rPr>
+                        <a:t>Invalid image or key</a:t>
+                      </a:r>
+                      <a:endParaRPr lang="en-US" sz="1200">
+                        <a:effectLst/>
+                        <a:latin typeface="Times New Roman" panose="02020603050405020304" pitchFamily="18" charset="0"/>
+                        <a:ea typeface="Times New Roman" panose="02020603050405020304" pitchFamily="18" charset="0"/>
+                        <a:cs typeface="Mangal" panose="02040503050203030202" pitchFamily="18" charset="0"/>
+                      </a:endParaRPr>
+                    </a:p>
+                  </a:txBody>
+                  <a:tcPr marL="68580" marR="68580" marT="0" marB="0"/>
+                </a:tc>
+                <a:extLst>
+                  <a:ext uri="{0D108BD9-81ED-4DB2-BD59-A6C34878D82A}">
+                    <a16:rowId xmlns:a16="http://schemas.microsoft.com/office/drawing/2014/main" val="404091778"/>
+                  </a:ext>
+                </a:extLst>
+              </a:tr>
+              <a:tr h="1011126">
+                <a:tc>
+                  <a:txBody>
+                    <a:bodyPr/>
+                    <a:lstStyle/>
+                    <a:p>
+                      <a:pPr marL="0" marR="0" algn="ctr">
+                        <a:lnSpc>
+                          <a:spcPct val="150000"/>
+                        </a:lnSpc>
+                        <a:spcBef>
+                          <a:spcPts val="0"/>
+                        </a:spcBef>
+                        <a:spcAft>
+                          <a:spcPts val="600"/>
+                        </a:spcAft>
+                      </a:pPr>
+                      <a:r>
+                        <a:rPr lang="en-US" sz="1200">
+                          <a:effectLst/>
+                        </a:rPr>
+                        <a:t>Message Extraction and Decryption integration</a:t>
+                      </a:r>
+                      <a:endParaRPr lang="en-US" sz="1200">
+                        <a:effectLst/>
+                        <a:latin typeface="Times New Roman" panose="02020603050405020304" pitchFamily="18" charset="0"/>
+                        <a:ea typeface="Times New Roman" panose="02020603050405020304" pitchFamily="18" charset="0"/>
+                        <a:cs typeface="Mangal" panose="02040503050203030202" pitchFamily="18" charset="0"/>
+                      </a:endParaRPr>
+                    </a:p>
+                  </a:txBody>
+                  <a:tcPr marL="68580" marR="68580" marT="0" marB="0"/>
+                </a:tc>
+                <a:tc>
+                  <a:txBody>
+                    <a:bodyPr/>
+                    <a:lstStyle/>
+                    <a:p>
+                      <a:pPr marL="0" marR="0" algn="ctr">
+                        <a:lnSpc>
+                          <a:spcPct val="150000"/>
+                        </a:lnSpc>
+                        <a:spcBef>
+                          <a:spcPts val="0"/>
+                        </a:spcBef>
+                        <a:spcAft>
+                          <a:spcPts val="600"/>
+                        </a:spcAft>
+                      </a:pPr>
+                      <a:r>
+                        <a:rPr lang="en-US" sz="1200">
+                          <a:effectLst/>
+                        </a:rPr>
+                        <a:t>Stego image, associated key</a:t>
+                      </a:r>
+                      <a:endParaRPr lang="en-US" sz="1200">
+                        <a:effectLst/>
+                        <a:latin typeface="Times New Roman" panose="02020603050405020304" pitchFamily="18" charset="0"/>
+                        <a:ea typeface="Times New Roman" panose="02020603050405020304" pitchFamily="18" charset="0"/>
+                        <a:cs typeface="Mangal" panose="02040503050203030202" pitchFamily="18" charset="0"/>
+                      </a:endParaRPr>
+                    </a:p>
+                  </a:txBody>
+                  <a:tcPr marL="68580" marR="68580" marT="0" marB="0"/>
+                </a:tc>
+                <a:tc>
+                  <a:txBody>
+                    <a:bodyPr/>
+                    <a:lstStyle/>
+                    <a:p>
+                      <a:pPr marL="0" marR="0" algn="ctr">
+                        <a:lnSpc>
+                          <a:spcPct val="150000"/>
+                        </a:lnSpc>
+                        <a:spcBef>
+                          <a:spcPts val="0"/>
+                        </a:spcBef>
+                        <a:spcAft>
+                          <a:spcPts val="600"/>
+                        </a:spcAft>
+                      </a:pPr>
+                      <a:r>
+                        <a:rPr lang="en-US" sz="1200">
+                          <a:effectLst/>
+                        </a:rPr>
+                        <a:t>Hidden message in decrypted form</a:t>
+                      </a:r>
+                      <a:endParaRPr lang="en-US" sz="1200">
+                        <a:effectLst/>
+                        <a:latin typeface="Times New Roman" panose="02020603050405020304" pitchFamily="18" charset="0"/>
+                        <a:ea typeface="Times New Roman" panose="02020603050405020304" pitchFamily="18" charset="0"/>
+                        <a:cs typeface="Mangal" panose="02040503050203030202" pitchFamily="18" charset="0"/>
+                      </a:endParaRPr>
+                    </a:p>
+                  </a:txBody>
+                  <a:tcPr marL="68580" marR="68580" marT="0" marB="0"/>
+                </a:tc>
+                <a:tc>
+                  <a:txBody>
+                    <a:bodyPr/>
+                    <a:lstStyle/>
+                    <a:p>
+                      <a:pPr marL="0" marR="0" algn="ctr">
+                        <a:lnSpc>
+                          <a:spcPct val="150000"/>
+                        </a:lnSpc>
+                        <a:spcBef>
+                          <a:spcPts val="0"/>
+                        </a:spcBef>
+                        <a:spcAft>
+                          <a:spcPts val="600"/>
+                        </a:spcAft>
+                      </a:pPr>
+                      <a:r>
+                        <a:rPr lang="en-US" sz="1200">
+                          <a:effectLst/>
+                        </a:rPr>
+                        <a:t>Hidden message in decrypted form</a:t>
+                      </a:r>
+                      <a:endParaRPr lang="en-US" sz="1200">
+                        <a:effectLst/>
+                        <a:latin typeface="Times New Roman" panose="02020603050405020304" pitchFamily="18" charset="0"/>
+                        <a:ea typeface="Times New Roman" panose="02020603050405020304" pitchFamily="18" charset="0"/>
+                        <a:cs typeface="Mangal" panose="02040503050203030202" pitchFamily="18" charset="0"/>
+                      </a:endParaRPr>
+                    </a:p>
+                  </a:txBody>
+                  <a:tcPr marL="68580" marR="68580" marT="0" marB="0"/>
+                </a:tc>
+                <a:tc>
+                  <a:txBody>
+                    <a:bodyPr/>
+                    <a:lstStyle/>
+                    <a:p>
+                      <a:pPr marL="0" marR="0" algn="ctr">
+                        <a:lnSpc>
+                          <a:spcPct val="150000"/>
+                        </a:lnSpc>
+                        <a:spcBef>
+                          <a:spcPts val="0"/>
+                        </a:spcBef>
+                        <a:spcAft>
+                          <a:spcPts val="600"/>
+                        </a:spcAft>
+                      </a:pPr>
+                      <a:r>
+                        <a:rPr lang="en-US" sz="1200" dirty="0">
+                          <a:effectLst/>
+                        </a:rPr>
+                        <a:t>Hidden message extracted successfully</a:t>
+                      </a:r>
+                      <a:endParaRPr lang="en-US" sz="1200" dirty="0">
+                        <a:effectLst/>
+                        <a:latin typeface="Times New Roman" panose="02020603050405020304" pitchFamily="18" charset="0"/>
+                        <a:ea typeface="Times New Roman" panose="02020603050405020304" pitchFamily="18" charset="0"/>
+                        <a:cs typeface="Mangal" panose="02040503050203030202" pitchFamily="18" charset="0"/>
+                      </a:endParaRPr>
+                    </a:p>
+                  </a:txBody>
+                  <a:tcPr marL="68580" marR="68580" marT="0" marB="0"/>
+                </a:tc>
+                <a:extLst>
+                  <a:ext uri="{0D108BD9-81ED-4DB2-BD59-A6C34878D82A}">
+                    <a16:rowId xmlns:a16="http://schemas.microsoft.com/office/drawing/2014/main" val="3025317722"/>
+                  </a:ext>
+                </a:extLst>
+              </a:tr>
+            </a:tbl>
+          </a:graphicData>
+        </a:graphic>
+      </p:graphicFrame>
+    </p:spTree>
+    <p:extLst>
+      <p:ext uri="{BB962C8B-B14F-4D97-AF65-F5344CB8AC3E}">
+        <p14:creationId xmlns:p14="http://schemas.microsoft.com/office/powerpoint/2010/main" val="1679027786"/>
+      </p:ext>
+    </p:extLst>
+  </p:cSld>
+  <p:clrMapOvr>
+    <a:masterClrMapping/>
+  </p:clrMapOvr>
+</p:sld>
+</file>
+
+<file path=ppt/slides/slide23.xml><?xml version="1.0" encoding="utf-8"?>
+<p:sld xmlns:a="http://schemas.openxmlformats.org/drawingml/2006/main" xmlns:r="http://schemas.openxmlformats.org/officeDocument/2006/relationships" xmlns:p="http://schemas.openxmlformats.org/presentationml/2006/main">
+  <p:cSld>
+    <p:spTree>
+      <p:nvGrpSpPr>
+        <p:cNvPr id="1" name=""/>
+        <p:cNvGrpSpPr/>
+        <p:nvPr/>
+      </p:nvGrpSpPr>
+      <p:grpSpPr>
+        <a:xfrm>
+          <a:off x="0" y="0"/>
+          <a:ext cx="0" cy="0"/>
+          <a:chOff x="0" y="0"/>
+          <a:chExt cx="0" cy="0"/>
+        </a:xfrm>
+      </p:grpSpPr>
+      <p:sp>
+        <p:nvSpPr>
+          <p:cNvPr id="2" name="Title 1">
+            <a:extLst>
+              <a:ext uri="{FF2B5EF4-FFF2-40B4-BE49-F238E27FC236}">
+                <a16:creationId xmlns:a16="http://schemas.microsoft.com/office/drawing/2014/main" id="{C252DC68-1EE0-45B8-A741-B05598F852D5}"/>
+              </a:ext>
+            </a:extLst>
+          </p:cNvPr>
+          <p:cNvSpPr>
+            <a:spLocks noGrp="1"/>
+          </p:cNvSpPr>
+          <p:nvPr>
+            <p:ph type="title"/>
+          </p:nvPr>
+        </p:nvSpPr>
+        <p:spPr/>
+        <p:txBody>
+          <a:bodyPr>
+            <a:normAutofit/>
+          </a:bodyPr>
+          <a:lstStyle/>
+          <a:p>
+            <a:r>
+              <a:rPr lang="en-US" sz="4400" dirty="0"/>
+              <a:t>System Testing</a:t>
+            </a:r>
+          </a:p>
+        </p:txBody>
+      </p:sp>
+      <p:sp>
+        <p:nvSpPr>
+          <p:cNvPr id="3" name="Content Placeholder 2">
+            <a:extLst>
+              <a:ext uri="{FF2B5EF4-FFF2-40B4-BE49-F238E27FC236}">
+                <a16:creationId xmlns:a16="http://schemas.microsoft.com/office/drawing/2014/main" id="{80B18A90-F4F1-4748-A880-66D1BF1DB5E9}"/>
+              </a:ext>
+            </a:extLst>
+          </p:cNvPr>
+          <p:cNvSpPr>
+            <a:spLocks noGrp="1"/>
+          </p:cNvSpPr>
+          <p:nvPr>
+            <p:ph idx="1"/>
+          </p:nvPr>
+        </p:nvSpPr>
+        <p:spPr/>
+        <p:txBody>
+          <a:bodyPr/>
+          <a:lstStyle/>
+          <a:p>
+            <a:r>
+              <a:rPr lang="en-US" dirty="0"/>
+              <a:t>A cover image file, a key and a message to be hidden were provided as inputs to the system and stego image was successfully generated. </a:t>
+            </a:r>
+          </a:p>
+          <a:p>
+            <a:r>
+              <a:rPr lang="en-US" dirty="0"/>
+              <a:t>Sending the generated stego image file over email was also successfully tested. </a:t>
+            </a:r>
+          </a:p>
+          <a:p>
+            <a:r>
+              <a:rPr lang="en-US" dirty="0"/>
+              <a:t>Stego image was tested for message extraction by choosing the extract and decrypt option in the program.</a:t>
+            </a:r>
+          </a:p>
+          <a:p>
+            <a:r>
+              <a:rPr lang="en-US" dirty="0"/>
+              <a:t>The program was able to extract the hidden message from the stego image in decrypted form. </a:t>
+            </a:r>
+          </a:p>
+        </p:txBody>
+      </p:sp>
+    </p:spTree>
+    <p:extLst>
+      <p:ext uri="{BB962C8B-B14F-4D97-AF65-F5344CB8AC3E}">
+        <p14:creationId xmlns:p14="http://schemas.microsoft.com/office/powerpoint/2010/main" val="363184716"/>
+      </p:ext>
+    </p:extLst>
+  </p:cSld>
+  <p:clrMapOvr>
+    <a:masterClrMapping/>
+  </p:clrMapOvr>
+</p:sld>
+</file>
+
+<file path=ppt/slides/slide24.xml><?xml version="1.0" encoding="utf-8"?>
+<p:sld xmlns:a="http://schemas.openxmlformats.org/drawingml/2006/main" xmlns:r="http://schemas.openxmlformats.org/officeDocument/2006/relationships" xmlns:p="http://schemas.openxmlformats.org/presentationml/2006/main">
+  <p:cSld>
+    <p:spTree>
+      <p:nvGrpSpPr>
+        <p:cNvPr id="1" name=""/>
+        <p:cNvGrpSpPr/>
+        <p:nvPr/>
+      </p:nvGrpSpPr>
+      <p:grpSpPr>
+        <a:xfrm>
+          <a:off x="0" y="0"/>
+          <a:ext cx="0" cy="0"/>
+          <a:chOff x="0" y="0"/>
+          <a:chExt cx="0" cy="0"/>
+        </a:xfrm>
+      </p:grpSpPr>
+      <p:sp>
+        <p:nvSpPr>
+          <p:cNvPr id="2" name="Title 1">
+            <a:extLst>
+              <a:ext uri="{FF2B5EF4-FFF2-40B4-BE49-F238E27FC236}">
+                <a16:creationId xmlns:a16="http://schemas.microsoft.com/office/drawing/2014/main" id="{F257E20D-D0DA-4E21-9AB6-E3E4FC74BF15}"/>
+              </a:ext>
+            </a:extLst>
+          </p:cNvPr>
+          <p:cNvSpPr>
+            <a:spLocks noGrp="1"/>
+          </p:cNvSpPr>
+          <p:nvPr>
+            <p:ph type="title"/>
+          </p:nvPr>
+        </p:nvSpPr>
+        <p:spPr>
+          <a:xfrm>
+            <a:off x="838200" y="524151"/>
+            <a:ext cx="3135864" cy="721553"/>
+          </a:xfrm>
+        </p:spPr>
+        <p:txBody>
+          <a:bodyPr>
+            <a:normAutofit/>
+          </a:bodyPr>
+          <a:lstStyle/>
+          <a:p>
+            <a:r>
+              <a:rPr lang="en-US" sz="4400" dirty="0"/>
+              <a:t>Conclusion</a:t>
+            </a:r>
+          </a:p>
+        </p:txBody>
+      </p:sp>
+      <p:sp>
+        <p:nvSpPr>
+          <p:cNvPr id="3" name="Text Placeholder 2">
+            <a:extLst>
+              <a:ext uri="{FF2B5EF4-FFF2-40B4-BE49-F238E27FC236}">
+                <a16:creationId xmlns:a16="http://schemas.microsoft.com/office/drawing/2014/main" id="{B2AA8949-3473-4112-92F6-7FDBCA3F3756}"/>
+              </a:ext>
+            </a:extLst>
+          </p:cNvPr>
+          <p:cNvSpPr>
+            <a:spLocks noGrp="1"/>
+          </p:cNvSpPr>
+          <p:nvPr>
+            <p:ph type="body" sz="half" idx="2"/>
+          </p:nvPr>
+        </p:nvSpPr>
+        <p:spPr>
+          <a:xfrm>
+            <a:off x="838200" y="1364567"/>
+            <a:ext cx="10514012" cy="3308577"/>
+          </a:xfrm>
+        </p:spPr>
+        <p:txBody>
+          <a:bodyPr>
+            <a:normAutofit/>
+          </a:bodyPr>
+          <a:lstStyle/>
+          <a:p>
+            <a:pPr marL="342900" indent="-342900">
+              <a:buFont typeface="Wingdings" panose="05000000000000000000" pitchFamily="2" charset="2"/>
+              <a:buChar char="q"/>
+            </a:pPr>
+            <a:r>
+              <a:rPr lang="en-US" sz="2800" dirty="0"/>
+              <a:t>The final product is a system that can take a cover image file, hidden message and a secret key as input and provide a stego-image.</a:t>
+            </a:r>
+          </a:p>
+          <a:p>
+            <a:pPr marL="342900" indent="-342900">
+              <a:buFont typeface="Wingdings" panose="05000000000000000000" pitchFamily="2" charset="2"/>
+              <a:buChar char="q"/>
+            </a:pPr>
+            <a:r>
+              <a:rPr lang="en-US" sz="2800" dirty="0"/>
+              <a:t>The system can also extract the secret message hidden in the stego-image when provided with stego image and the associated key.</a:t>
+            </a:r>
+          </a:p>
+        </p:txBody>
+      </p:sp>
+    </p:spTree>
+    <p:extLst>
+      <p:ext uri="{BB962C8B-B14F-4D97-AF65-F5344CB8AC3E}">
+        <p14:creationId xmlns:p14="http://schemas.microsoft.com/office/powerpoint/2010/main" val="1658408816"/>
+      </p:ext>
+    </p:extLst>
+  </p:cSld>
+  <p:clrMapOvr>
+    <a:masterClrMapping/>
+  </p:clrMapOvr>
+</p:sld>
+</file>
+
+<file path=ppt/slides/slide25.xml><?xml version="1.0" encoding="utf-8"?>
+<p:sld xmlns:a="http://schemas.openxmlformats.org/drawingml/2006/main" xmlns:r="http://schemas.openxmlformats.org/officeDocument/2006/relationships" xmlns:p="http://schemas.openxmlformats.org/presentationml/2006/main">
+  <p:cSld>
+    <p:spTree>
+      <p:nvGrpSpPr>
+        <p:cNvPr id="1" name=""/>
+        <p:cNvGrpSpPr/>
+        <p:nvPr/>
+      </p:nvGrpSpPr>
+      <p:grpSpPr>
+        <a:xfrm>
+          <a:off x="0" y="0"/>
+          <a:ext cx="0" cy="0"/>
+          <a:chOff x="0" y="0"/>
+          <a:chExt cx="0" cy="0"/>
+        </a:xfrm>
+      </p:grpSpPr>
+      <p:sp>
+        <p:nvSpPr>
+          <p:cNvPr id="2" name="Title 1">
+            <a:extLst>
+              <a:ext uri="{FF2B5EF4-FFF2-40B4-BE49-F238E27FC236}">
+                <a16:creationId xmlns:a16="http://schemas.microsoft.com/office/drawing/2014/main" id="{2CD8CE4F-EFA3-4662-A33D-146B061A68BF}"/>
+              </a:ext>
+            </a:extLst>
+          </p:cNvPr>
+          <p:cNvSpPr>
+            <a:spLocks noGrp="1"/>
+          </p:cNvSpPr>
+          <p:nvPr>
+            <p:ph type="title"/>
+          </p:nvPr>
+        </p:nvSpPr>
+        <p:spPr>
+          <a:xfrm>
+            <a:off x="4656414" y="1661828"/>
+            <a:ext cx="3785221" cy="3534344"/>
+          </a:xfrm>
+        </p:spPr>
+        <p:txBody>
+          <a:bodyPr>
+            <a:normAutofit/>
+          </a:bodyPr>
+          <a:lstStyle/>
+          <a:p>
+            <a:r>
+              <a:rPr lang="en-US" sz="4400" dirty="0"/>
+              <a:t>Thank You!!</a:t>
+            </a:r>
+          </a:p>
+        </p:txBody>
+      </p:sp>
+    </p:spTree>
+    <p:extLst>
+      <p:ext uri="{BB962C8B-B14F-4D97-AF65-F5344CB8AC3E}">
+        <p14:creationId xmlns:p14="http://schemas.microsoft.com/office/powerpoint/2010/main" val="2229574153"/>
+      </p:ext>
+    </p:extLst>
+  </p:cSld>
+  <p:clrMapOvr>
+    <a:masterClrMapping/>
+  </p:clrMapOvr>
+</p:sld>
+</file>
+
 <file path=ppt/slides/slide3.xml><?xml version="1.0" encoding="utf-8"?>
 <p:sld xmlns:a="http://schemas.openxmlformats.org/drawingml/2006/main" xmlns:r="http://schemas.openxmlformats.org/officeDocument/2006/relationships" xmlns:p="http://schemas.openxmlformats.org/presentationml/2006/main">
   <p:cSld>
@@ -9644,7 +13123,7 @@
         </p:nvSpPr>
         <p:spPr>
           <a:xfrm>
-            <a:off x="839788" y="519250"/>
+            <a:off x="835024" y="643869"/>
             <a:ext cx="10515600" cy="695049"/>
           </a:xfrm>
         </p:spPr>
@@ -9679,7 +13158,7 @@
         </p:nvSpPr>
         <p:spPr>
           <a:xfrm>
-            <a:off x="839788" y="887897"/>
+            <a:off x="836612" y="1214299"/>
             <a:ext cx="10514012" cy="5075582"/>
           </a:xfrm>
         </p:spPr>
@@ -9778,7 +13257,7 @@
         </p:nvSpPr>
         <p:spPr>
           <a:xfrm>
-            <a:off x="932554" y="656672"/>
+            <a:off x="946622" y="347183"/>
             <a:ext cx="10515600" cy="1251640"/>
           </a:xfrm>
         </p:spPr>
@@ -9893,7 +13372,7 @@
         </p:nvSpPr>
         <p:spPr>
           <a:xfrm>
-            <a:off x="1065075" y="711407"/>
+            <a:off x="838200" y="472868"/>
             <a:ext cx="10515600" cy="787814"/>
           </a:xfrm>
         </p:spPr>
@@ -10028,7 +13507,7 @@
         </p:nvSpPr>
         <p:spPr>
           <a:xfrm>
-            <a:off x="985562" y="1102622"/>
+            <a:off x="838994" y="502214"/>
             <a:ext cx="10515600" cy="774562"/>
           </a:xfrm>
         </p:spPr>
@@ -10064,8 +13543,8 @@
         </p:nvSpPr>
         <p:spPr>
           <a:xfrm>
-            <a:off x="838994" y="1102622"/>
-            <a:ext cx="10514012" cy="4652755"/>
+            <a:off x="838994" y="1276776"/>
+            <a:ext cx="10514012" cy="3054380"/>
           </a:xfrm>
         </p:spPr>
         <p:txBody>
@@ -10147,8 +13626,8 @@
         </p:nvSpPr>
         <p:spPr>
           <a:xfrm>
-            <a:off x="374552" y="111385"/>
-            <a:ext cx="5257800" cy="1325563"/>
+            <a:off x="374552" y="209860"/>
+            <a:ext cx="5257800" cy="943692"/>
           </a:xfrm>
         </p:spPr>
         <p:txBody>
@@ -10158,7 +13637,7 @@
           <a:lstStyle/>
           <a:p>
             <a:r>
-              <a:rPr lang="en-US" sz="4800" dirty="0"/>
+              <a:rPr lang="en-US" sz="4400" dirty="0"/>
               <a:t>Literature Review</a:t>
             </a:r>
           </a:p>
@@ -10319,8 +13798,8 @@
         </p:nvSpPr>
         <p:spPr>
           <a:xfrm>
-            <a:off x="516834" y="728869"/>
-            <a:ext cx="4850295" cy="646331"/>
+            <a:off x="516834" y="344148"/>
+            <a:ext cx="4850295" cy="769441"/>
           </a:xfrm>
           <a:prstGeom prst="rect">
             <a:avLst/>
@@ -10334,7 +13813,7 @@
           <a:lstStyle/>
           <a:p>
             <a:r>
-              <a:rPr lang="en-US" sz="3600" dirty="0"/>
+              <a:rPr lang="en-US" sz="4400" dirty="0"/>
               <a:t>Use-Case Diagram:</a:t>
             </a:r>
           </a:p>
@@ -10368,7 +13847,7 @@
         </p:blipFill>
         <p:spPr>
           <a:xfrm>
-            <a:off x="4815679" y="615966"/>
+            <a:off x="5367129" y="728868"/>
             <a:ext cx="5917970" cy="5825018"/>
           </a:xfrm>
           <a:prstGeom prst="rect">
@@ -10425,20 +13904,19 @@
         <p:spPr>
           <a:xfrm>
             <a:off x="760275" y="497647"/>
-            <a:ext cx="2870821" cy="973345"/>
+            <a:ext cx="4135282" cy="973345"/>
           </a:xfrm>
         </p:spPr>
         <p:txBody>
           <a:bodyPr>
-            <a:normAutofit/>
+            <a:noAutofit/>
           </a:bodyPr>
           <a:lstStyle/>
           <a:p>
             <a:r>
-              <a:rPr lang="en-US" sz="3600" dirty="0"/>
+              <a:rPr lang="en-US" sz="4400" dirty="0"/>
               <a:t>Level-0 DFD:</a:t>
             </a:r>
-            <a:endParaRPr lang="en-US" sz="4000" dirty="0"/>
           </a:p>
         </p:txBody>
       </p:sp>

--- a/Documentation/final.pptx
+++ b/Documentation/final.pptx
@@ -5,34 +5,37 @@
     <p:sldMasterId id="2147483756" r:id="rId1"/>
   </p:sldMasterIdLst>
   <p:notesMasterIdLst>
-    <p:notesMasterId r:id="rId27"/>
+    <p:notesMasterId r:id="rId30"/>
   </p:notesMasterIdLst>
   <p:sldIdLst>
     <p:sldId id="257" r:id="rId2"/>
-    <p:sldId id="265" r:id="rId3"/>
-    <p:sldId id="266" r:id="rId4"/>
-    <p:sldId id="260" r:id="rId5"/>
-    <p:sldId id="261" r:id="rId6"/>
-    <p:sldId id="262" r:id="rId7"/>
-    <p:sldId id="279" r:id="rId8"/>
-    <p:sldId id="263" r:id="rId9"/>
-    <p:sldId id="267" r:id="rId10"/>
-    <p:sldId id="268" r:id="rId11"/>
-    <p:sldId id="269" r:id="rId12"/>
-    <p:sldId id="278" r:id="rId13"/>
-    <p:sldId id="270" r:id="rId14"/>
-    <p:sldId id="272" r:id="rId15"/>
-    <p:sldId id="273" r:id="rId16"/>
-    <p:sldId id="274" r:id="rId17"/>
-    <p:sldId id="275" r:id="rId18"/>
-    <p:sldId id="281" r:id="rId19"/>
-    <p:sldId id="282" r:id="rId20"/>
-    <p:sldId id="283" r:id="rId21"/>
-    <p:sldId id="284" r:id="rId22"/>
-    <p:sldId id="285" r:id="rId23"/>
-    <p:sldId id="286" r:id="rId24"/>
-    <p:sldId id="276" r:id="rId25"/>
-    <p:sldId id="277" r:id="rId26"/>
+    <p:sldId id="287" r:id="rId3"/>
+    <p:sldId id="265" r:id="rId4"/>
+    <p:sldId id="266" r:id="rId5"/>
+    <p:sldId id="260" r:id="rId6"/>
+    <p:sldId id="261" r:id="rId7"/>
+    <p:sldId id="262" r:id="rId8"/>
+    <p:sldId id="279" r:id="rId9"/>
+    <p:sldId id="263" r:id="rId10"/>
+    <p:sldId id="267" r:id="rId11"/>
+    <p:sldId id="268" r:id="rId12"/>
+    <p:sldId id="269" r:id="rId13"/>
+    <p:sldId id="278" r:id="rId14"/>
+    <p:sldId id="270" r:id="rId15"/>
+    <p:sldId id="272" r:id="rId16"/>
+    <p:sldId id="273" r:id="rId17"/>
+    <p:sldId id="274" r:id="rId18"/>
+    <p:sldId id="275" r:id="rId19"/>
+    <p:sldId id="281" r:id="rId20"/>
+    <p:sldId id="282" r:id="rId21"/>
+    <p:sldId id="283" r:id="rId22"/>
+    <p:sldId id="284" r:id="rId23"/>
+    <p:sldId id="285" r:id="rId24"/>
+    <p:sldId id="286" r:id="rId25"/>
+    <p:sldId id="276" r:id="rId26"/>
+    <p:sldId id="288" r:id="rId27"/>
+    <p:sldId id="289" r:id="rId28"/>
+    <p:sldId id="277" r:id="rId29"/>
   </p:sldIdLst>
   <p:sldSz cx="12192000" cy="6858000"/>
   <p:notesSz cx="6858000" cy="9144000"/>
@@ -221,7 +224,7 @@
           <a:p>
             <a:fld id="{14D8C4FE-A3D8-40C9-A82F-E9992FA5D24B}" type="datetimeFigureOut">
               <a:rPr lang="en-US" smtClean="0"/>
-              <a:t>8/8/2019</a:t>
+              <a:t>8/9/2019</a:t>
             </a:fld>
             <a:endParaRPr lang="en-US"/>
           </a:p>
@@ -553,7 +556,7 @@
           <a:p>
             <a:fld id="{D0A62AD7-9952-4B9B-8D9F-1156F01543DA}" type="slidenum">
               <a:rPr lang="en-US" smtClean="0"/>
-              <a:t>2</a:t>
+              <a:t>3</a:t>
             </a:fld>
             <a:endParaRPr lang="en-US"/>
           </a:p>
@@ -908,7 +911,7 @@
           <a:p>
             <a:fld id="{D0A62AD7-9952-4B9B-8D9F-1156F01543DA}" type="slidenum">
               <a:rPr lang="en-US" smtClean="0"/>
-              <a:t>8</a:t>
+              <a:t>9</a:t>
             </a:fld>
             <a:endParaRPr lang="en-US"/>
           </a:p>
@@ -1037,7 +1040,7 @@
           <a:p>
             <a:fld id="{D0A62AD7-9952-4B9B-8D9F-1156F01543DA}" type="slidenum">
               <a:rPr lang="en-US" smtClean="0"/>
-              <a:t>9</a:t>
+              <a:t>10</a:t>
             </a:fld>
             <a:endParaRPr lang="en-US"/>
           </a:p>
@@ -1184,7 +1187,7 @@
           <a:p>
             <a:fld id="{D0A62AD7-9952-4B9B-8D9F-1156F01543DA}" type="slidenum">
               <a:rPr lang="en-US" smtClean="0"/>
-              <a:t>10</a:t>
+              <a:t>11</a:t>
             </a:fld>
             <a:endParaRPr lang="en-US"/>
           </a:p>
@@ -1529,7 +1532,7 @@
           <a:p>
             <a:fld id="{D0A62AD7-9952-4B9B-8D9F-1156F01543DA}" type="slidenum">
               <a:rPr lang="en-US" smtClean="0"/>
-              <a:t>11</a:t>
+              <a:t>12</a:t>
             </a:fld>
             <a:endParaRPr lang="en-US"/>
           </a:p>
@@ -1592,6 +1595,23 @@
           <a:bodyPr/>
           <a:lstStyle/>
           <a:p>
+            <a:pPr marL="171450" marR="0" lvl="0" indent="-171450" algn="l" defTabSz="914400" rtl="0" eaLnBrk="1" fontAlgn="auto" latinLnBrk="0" hangingPunct="1">
+              <a:lnSpc>
+                <a:spcPct val="100000"/>
+              </a:lnSpc>
+              <a:spcBef>
+                <a:spcPts val="0"/>
+              </a:spcBef>
+              <a:spcAft>
+                <a:spcPts val="0"/>
+              </a:spcAft>
+              <a:buClrTx/>
+              <a:buSzTx/>
+              <a:buFont typeface="Arial" panose="020B0604020202020204" pitchFamily="34" charset="0"/>
+              <a:buChar char="•"/>
+              <a:tabLst/>
+              <a:defRPr/>
+            </a:pPr>
             <a:r>
               <a:rPr lang="en-US" sz="1200" kern="1200" dirty="0">
                 <a:solidFill>
@@ -1602,7 +1622,7 @@
                 <a:ea typeface="+mn-ea"/>
                 <a:cs typeface="+mn-cs"/>
               </a:rPr>
-              <a:t>Different classes’ instances are created and used whenever necessary. Some major classes involved in the system process are:</a:t>
+              <a:t>program can either be started in regular mode or client server mode. Either of the modes will support image steganography procedures.</a:t>
             </a:r>
           </a:p>
           <a:p>
@@ -1610,30 +1630,6 @@
               <a:buFont typeface="Arial" panose="020B0604020202020204" pitchFamily="34" charset="0"/>
               <a:buChar char="•"/>
             </a:pPr>
-            <a:r>
-              <a:rPr lang="en-US" sz="1200" b="1" kern="1200" dirty="0" err="1">
-                <a:solidFill>
-                  <a:schemeClr val="tx1"/>
-                </a:solidFill>
-                <a:effectLst/>
-                <a:latin typeface="+mn-lt"/>
-                <a:ea typeface="+mn-ea"/>
-                <a:cs typeface="+mn-cs"/>
-              </a:rPr>
-              <a:t>ImageSteganography</a:t>
-            </a:r>
-            <a:r>
-              <a:rPr lang="en-US" sz="1200" b="1" kern="1200" dirty="0">
-                <a:solidFill>
-                  <a:schemeClr val="tx1"/>
-                </a:solidFill>
-                <a:effectLst/>
-                <a:latin typeface="+mn-lt"/>
-                <a:ea typeface="+mn-ea"/>
-                <a:cs typeface="+mn-cs"/>
-              </a:rPr>
-              <a:t>: </a:t>
-            </a:r>
             <a:r>
               <a:rPr lang="en-US" sz="1200" kern="1200" dirty="0">
                 <a:solidFill>
@@ -1644,7 +1640,7 @@
                 <a:ea typeface="+mn-ea"/>
                 <a:cs typeface="+mn-cs"/>
               </a:rPr>
-              <a:t>main class of the system which is accessed first when starting the system. Then, preferred mode of the program can be chosen. </a:t>
+              <a:t>In client server mode, firstly a TCP server socket needs to be started. The user provides port number to be associated to the server. </a:t>
             </a:r>
           </a:p>
           <a:p>
@@ -1652,30 +1648,6 @@
               <a:buFont typeface="Arial" panose="020B0604020202020204" pitchFamily="34" charset="0"/>
               <a:buChar char="•"/>
             </a:pPr>
-            <a:r>
-              <a:rPr lang="en-US" sz="1200" b="1" kern="1200" dirty="0" err="1">
-                <a:solidFill>
-                  <a:schemeClr val="tx1"/>
-                </a:solidFill>
-                <a:effectLst/>
-                <a:latin typeface="+mn-lt"/>
-                <a:ea typeface="+mn-ea"/>
-                <a:cs typeface="+mn-cs"/>
-              </a:rPr>
-              <a:t>EncryptionPanel</a:t>
-            </a:r>
-            <a:r>
-              <a:rPr lang="en-US" sz="1200" b="1" kern="1200" dirty="0">
-                <a:solidFill>
-                  <a:schemeClr val="tx1"/>
-                </a:solidFill>
-                <a:effectLst/>
-                <a:latin typeface="+mn-lt"/>
-                <a:ea typeface="+mn-ea"/>
-                <a:cs typeface="+mn-cs"/>
-              </a:rPr>
-              <a:t>: </a:t>
-            </a:r>
             <a:r>
               <a:rPr lang="en-US" sz="1200" kern="1200" dirty="0">
                 <a:solidFill>
@@ -1686,7 +1658,7 @@
                 <a:ea typeface="+mn-ea"/>
                 <a:cs typeface="+mn-cs"/>
               </a:rPr>
-              <a:t>This class contains the panel for encrypting and embedding the cover image file. It takes cover image file, secret message and shared key as inputs, then calls necessary functions from different classes to reach the goal.</a:t>
+              <a:t>When a client connects to the server socket on particular port, the client-server connection starts. Then the client and server can communicate with each other</a:t>
             </a:r>
           </a:p>
           <a:p>
@@ -1694,18 +1666,6 @@
               <a:buFont typeface="Arial" panose="020B0604020202020204" pitchFamily="34" charset="0"/>
               <a:buChar char="•"/>
             </a:pPr>
-            <a:r>
-              <a:rPr lang="en-US" sz="1200" b="1" kern="1200" dirty="0">
-                <a:solidFill>
-                  <a:schemeClr val="tx1"/>
-                </a:solidFill>
-                <a:effectLst/>
-                <a:latin typeface="+mn-lt"/>
-                <a:ea typeface="+mn-ea"/>
-                <a:cs typeface="+mn-cs"/>
-              </a:rPr>
-              <a:t>Encode: </a:t>
-            </a:r>
             <a:r>
               <a:rPr lang="en-US" sz="1200" kern="1200" dirty="0">
                 <a:solidFill>
@@ -1716,20 +1676,27 @@
                 <a:ea typeface="+mn-ea"/>
                 <a:cs typeface="+mn-cs"/>
               </a:rPr>
-              <a:t>contains the necessary functions for encrypting the given input string and embedding the encrypted string onto provided cover image. It can be accessed from the </a:t>
-            </a:r>
-            <a:r>
-              <a:rPr lang="en-US" sz="1200" kern="1200" dirty="0" err="1">
-                <a:solidFill>
-                  <a:schemeClr val="tx1"/>
-                </a:solidFill>
-                <a:effectLst/>
-                <a:latin typeface="+mn-lt"/>
-                <a:ea typeface="+mn-ea"/>
-                <a:cs typeface="+mn-cs"/>
-              </a:rPr>
-              <a:t>EncryptionPanel</a:t>
-            </a:r>
+              <a:t>The ‘encrypt and embed’ option takes a cover image, secret key and the message to be hidden as input. Then provides a stego-image as output</a:t>
+            </a:r>
+          </a:p>
+          <a:p>
+            <a:pPr marL="171450" marR="0" lvl="0" indent="-171450" algn="l" defTabSz="914400" rtl="0" eaLnBrk="1" fontAlgn="auto" latinLnBrk="0" hangingPunct="1">
+              <a:lnSpc>
+                <a:spcPct val="100000"/>
+              </a:lnSpc>
+              <a:spcBef>
+                <a:spcPts val="0"/>
+              </a:spcBef>
+              <a:spcAft>
+                <a:spcPts val="0"/>
+              </a:spcAft>
+              <a:buClrTx/>
+              <a:buSzTx/>
+              <a:buFont typeface="Arial" panose="020B0604020202020204" pitchFamily="34" charset="0"/>
+              <a:buChar char="•"/>
+              <a:tabLst/>
+              <a:defRPr/>
+            </a:pPr>
             <a:r>
               <a:rPr lang="en-US" sz="1200" kern="1200" dirty="0">
                 <a:solidFill>
@@ -1740,31 +1707,7 @@
                 <a:ea typeface="+mn-ea"/>
                 <a:cs typeface="+mn-cs"/>
               </a:rPr>
-              <a:t> class, which may create and use instance of this class whenever </a:t>
-            </a:r>
-            <a:r>
-              <a:rPr lang="en-US" sz="1200" kern="1200" dirty="0" err="1">
-                <a:solidFill>
-                  <a:schemeClr val="tx1"/>
-                </a:solidFill>
-                <a:effectLst/>
-                <a:latin typeface="+mn-lt"/>
-                <a:ea typeface="+mn-ea"/>
-                <a:cs typeface="+mn-cs"/>
-              </a:rPr>
-              <a:t>stego</a:t>
-            </a:r>
-            <a:r>
-              <a:rPr lang="en-US" sz="1200" kern="1200" dirty="0">
-                <a:solidFill>
-                  <a:schemeClr val="tx1"/>
-                </a:solidFill>
-                <a:effectLst/>
-                <a:latin typeface="+mn-lt"/>
-                <a:ea typeface="+mn-ea"/>
-                <a:cs typeface="+mn-cs"/>
-              </a:rPr>
-              <a:t>-image is to be created.</a:t>
+              <a:t>the ‘extract and decrypt’ option takes the generated stego image and associated key the extracts the hidden message. Then message can be saved as a file.</a:t>
             </a:r>
           </a:p>
           <a:p>
@@ -1772,236 +1715,6 @@
               <a:buFont typeface="Arial" panose="020B0604020202020204" pitchFamily="34" charset="0"/>
               <a:buChar char="•"/>
             </a:pPr>
-            <a:r>
-              <a:rPr lang="en-US" sz="1200" b="1" kern="1200" dirty="0" err="1">
-                <a:solidFill>
-                  <a:schemeClr val="tx1"/>
-                </a:solidFill>
-                <a:effectLst/>
-                <a:latin typeface="+mn-lt"/>
-                <a:ea typeface="+mn-ea"/>
-                <a:cs typeface="+mn-cs"/>
-              </a:rPr>
-              <a:t>SendMail</a:t>
-            </a:r>
-            <a:r>
-              <a:rPr lang="en-US" sz="1200" b="1" kern="1200" dirty="0">
-                <a:solidFill>
-                  <a:schemeClr val="tx1"/>
-                </a:solidFill>
-                <a:effectLst/>
-                <a:latin typeface="+mn-lt"/>
-                <a:ea typeface="+mn-ea"/>
-                <a:cs typeface="+mn-cs"/>
-              </a:rPr>
-              <a:t>: </a:t>
-            </a:r>
-            <a:r>
-              <a:rPr lang="en-US" sz="1200" kern="1200" dirty="0">
-                <a:solidFill>
-                  <a:schemeClr val="tx1"/>
-                </a:solidFill>
-                <a:effectLst/>
-                <a:latin typeface="+mn-lt"/>
-                <a:ea typeface="+mn-ea"/>
-                <a:cs typeface="+mn-cs"/>
-              </a:rPr>
-              <a:t>This class is responsible for sending the </a:t>
-            </a:r>
-            <a:r>
-              <a:rPr lang="en-US" sz="1200" kern="1200" dirty="0" err="1">
-                <a:solidFill>
-                  <a:schemeClr val="tx1"/>
-                </a:solidFill>
-                <a:effectLst/>
-                <a:latin typeface="+mn-lt"/>
-                <a:ea typeface="+mn-ea"/>
-                <a:cs typeface="+mn-cs"/>
-              </a:rPr>
-              <a:t>stego</a:t>
-            </a:r>
-            <a:r>
-              <a:rPr lang="en-US" sz="1200" kern="1200" dirty="0">
-                <a:solidFill>
-                  <a:schemeClr val="tx1"/>
-                </a:solidFill>
-                <a:effectLst/>
-                <a:latin typeface="+mn-lt"/>
-                <a:ea typeface="+mn-ea"/>
-                <a:cs typeface="+mn-cs"/>
-              </a:rPr>
-              <a:t>-image given by the Encode class, via email. It contains the frame consisting of the user interface.</a:t>
-            </a:r>
-          </a:p>
-          <a:p>
-            <a:pPr marL="171450" indent="-171450">
-              <a:buFont typeface="Arial" panose="020B0604020202020204" pitchFamily="34" charset="0"/>
-              <a:buChar char="•"/>
-            </a:pPr>
-            <a:r>
-              <a:rPr lang="en-US" sz="1200" b="1" kern="1200" dirty="0" err="1">
-                <a:solidFill>
-                  <a:schemeClr val="tx1"/>
-                </a:solidFill>
-                <a:effectLst/>
-                <a:latin typeface="+mn-lt"/>
-                <a:ea typeface="+mn-ea"/>
-                <a:cs typeface="+mn-cs"/>
-              </a:rPr>
-              <a:t>DecryptionPanel</a:t>
-            </a:r>
-            <a:r>
-              <a:rPr lang="en-US" sz="1200" b="1" kern="1200" dirty="0">
-                <a:solidFill>
-                  <a:schemeClr val="tx1"/>
-                </a:solidFill>
-                <a:effectLst/>
-                <a:latin typeface="+mn-lt"/>
-                <a:ea typeface="+mn-ea"/>
-                <a:cs typeface="+mn-cs"/>
-              </a:rPr>
-              <a:t>: </a:t>
-            </a:r>
-            <a:r>
-              <a:rPr lang="en-US" sz="1200" kern="1200" dirty="0">
-                <a:solidFill>
-                  <a:schemeClr val="tx1"/>
-                </a:solidFill>
-                <a:effectLst/>
-                <a:latin typeface="+mn-lt"/>
-                <a:ea typeface="+mn-ea"/>
-                <a:cs typeface="+mn-cs"/>
-              </a:rPr>
-              <a:t>This is the class that contains the panel for extracting and decrypting the hidden message from the </a:t>
-            </a:r>
-            <a:r>
-              <a:rPr lang="en-US" sz="1200" kern="1200" dirty="0" err="1">
-                <a:solidFill>
-                  <a:schemeClr val="tx1"/>
-                </a:solidFill>
-                <a:effectLst/>
-                <a:latin typeface="+mn-lt"/>
-                <a:ea typeface="+mn-ea"/>
-                <a:cs typeface="+mn-cs"/>
-              </a:rPr>
-              <a:t>stego</a:t>
-            </a:r>
-            <a:r>
-              <a:rPr lang="en-US" sz="1200" kern="1200" dirty="0">
-                <a:solidFill>
-                  <a:schemeClr val="tx1"/>
-                </a:solidFill>
-                <a:effectLst/>
-                <a:latin typeface="+mn-lt"/>
-                <a:ea typeface="+mn-ea"/>
-                <a:cs typeface="+mn-cs"/>
-              </a:rPr>
-              <a:t> image file. It takes the </a:t>
-            </a:r>
-            <a:r>
-              <a:rPr lang="en-US" sz="1200" kern="1200" dirty="0" err="1">
-                <a:solidFill>
-                  <a:schemeClr val="tx1"/>
-                </a:solidFill>
-                <a:effectLst/>
-                <a:latin typeface="+mn-lt"/>
-                <a:ea typeface="+mn-ea"/>
-                <a:cs typeface="+mn-cs"/>
-              </a:rPr>
-              <a:t>stego</a:t>
-            </a:r>
-            <a:r>
-              <a:rPr lang="en-US" sz="1200" kern="1200" dirty="0">
-                <a:solidFill>
-                  <a:schemeClr val="tx1"/>
-                </a:solidFill>
-                <a:effectLst/>
-                <a:latin typeface="+mn-lt"/>
-                <a:ea typeface="+mn-ea"/>
-                <a:cs typeface="+mn-cs"/>
-              </a:rPr>
-              <a:t> image file and shared secret key as inputs, then calls necessary functions from different classes to reach the goal.</a:t>
-            </a:r>
-          </a:p>
-          <a:p>
-            <a:pPr marL="171450" indent="-171450">
-              <a:buFont typeface="Arial" panose="020B0604020202020204" pitchFamily="34" charset="0"/>
-              <a:buChar char="•"/>
-            </a:pPr>
-            <a:r>
-              <a:rPr lang="en-US" sz="1200" b="1" kern="1200" dirty="0">
-                <a:solidFill>
-                  <a:schemeClr val="tx1"/>
-                </a:solidFill>
-                <a:effectLst/>
-                <a:latin typeface="+mn-lt"/>
-                <a:ea typeface="+mn-ea"/>
-                <a:cs typeface="+mn-cs"/>
-              </a:rPr>
-              <a:t>Decode: </a:t>
-            </a:r>
-            <a:r>
-              <a:rPr lang="en-US" sz="1200" kern="1200" dirty="0">
-                <a:solidFill>
-                  <a:schemeClr val="tx1"/>
-                </a:solidFill>
-                <a:effectLst/>
-                <a:latin typeface="+mn-lt"/>
-                <a:ea typeface="+mn-ea"/>
-                <a:cs typeface="+mn-cs"/>
-              </a:rPr>
-              <a:t>This class contains the necessary functions for extracting the encrypted text from the </a:t>
-            </a:r>
-            <a:r>
-              <a:rPr lang="en-US" sz="1200" kern="1200" dirty="0" err="1">
-                <a:solidFill>
-                  <a:schemeClr val="tx1"/>
-                </a:solidFill>
-                <a:effectLst/>
-                <a:latin typeface="+mn-lt"/>
-                <a:ea typeface="+mn-ea"/>
-                <a:cs typeface="+mn-cs"/>
-              </a:rPr>
-              <a:t>stego</a:t>
-            </a:r>
-            <a:r>
-              <a:rPr lang="en-US" sz="1200" kern="1200" dirty="0">
-                <a:solidFill>
-                  <a:schemeClr val="tx1"/>
-                </a:solidFill>
-                <a:effectLst/>
-                <a:latin typeface="+mn-lt"/>
-                <a:ea typeface="+mn-ea"/>
-                <a:cs typeface="+mn-cs"/>
-              </a:rPr>
-              <a:t> image as well as decrypting the encrypted text to receive the original message. It can be accessed from the </a:t>
-            </a:r>
-            <a:r>
-              <a:rPr lang="en-US" sz="1200" kern="1200" dirty="0" err="1">
-                <a:solidFill>
-                  <a:schemeClr val="tx1"/>
-                </a:solidFill>
-                <a:effectLst/>
-                <a:latin typeface="+mn-lt"/>
-                <a:ea typeface="+mn-ea"/>
-                <a:cs typeface="+mn-cs"/>
-              </a:rPr>
-              <a:t>DecryptionPanel</a:t>
-            </a:r>
-            <a:r>
-              <a:rPr lang="en-US" sz="1200" kern="1200" dirty="0">
-                <a:solidFill>
-                  <a:schemeClr val="tx1"/>
-                </a:solidFill>
-                <a:effectLst/>
-                <a:latin typeface="+mn-lt"/>
-                <a:ea typeface="+mn-ea"/>
-                <a:cs typeface="+mn-cs"/>
-              </a:rPr>
-              <a:t> class, which may create and use instance of this class whenever hidden message is to be extracted.</a:t>
-            </a:r>
-          </a:p>
-          <a:p>
             <a:endParaRPr lang="en-US" dirty="0"/>
           </a:p>
         </p:txBody>
@@ -2032,7 +1745,7 @@
     </p:spTree>
     <p:extLst>
       <p:ext uri="{BB962C8B-B14F-4D97-AF65-F5344CB8AC3E}">
-        <p14:creationId xmlns:p14="http://schemas.microsoft.com/office/powerpoint/2010/main" val="3476728861"/>
+        <p14:creationId xmlns:p14="http://schemas.microsoft.com/office/powerpoint/2010/main" val="4227919332"/>
       </p:ext>
     </p:extLst>
   </p:cSld>
@@ -2086,6 +1799,500 @@
           <a:bodyPr/>
           <a:lstStyle/>
           <a:p>
+            <a:r>
+              <a:rPr lang="en-US" sz="1200" kern="1200" dirty="0">
+                <a:solidFill>
+                  <a:schemeClr val="tx1"/>
+                </a:solidFill>
+                <a:effectLst/>
+                <a:latin typeface="+mn-lt"/>
+                <a:ea typeface="+mn-ea"/>
+                <a:cs typeface="+mn-cs"/>
+              </a:rPr>
+              <a:t>Different classes’ instances are created and used whenever necessary. Some major classes involved in the system process are:</a:t>
+            </a:r>
+          </a:p>
+          <a:p>
+            <a:pPr marL="171450" indent="-171450">
+              <a:buFont typeface="Arial" panose="020B0604020202020204" pitchFamily="34" charset="0"/>
+              <a:buChar char="•"/>
+            </a:pPr>
+            <a:r>
+              <a:rPr lang="en-US" sz="1200" b="1" kern="1200" dirty="0" err="1">
+                <a:solidFill>
+                  <a:schemeClr val="tx1"/>
+                </a:solidFill>
+                <a:effectLst/>
+                <a:latin typeface="+mn-lt"/>
+                <a:ea typeface="+mn-ea"/>
+                <a:cs typeface="+mn-cs"/>
+              </a:rPr>
+              <a:t>ImageSteganography</a:t>
+            </a:r>
+            <a:r>
+              <a:rPr lang="en-US" sz="1200" b="1" kern="1200" dirty="0">
+                <a:solidFill>
+                  <a:schemeClr val="tx1"/>
+                </a:solidFill>
+                <a:effectLst/>
+                <a:latin typeface="+mn-lt"/>
+                <a:ea typeface="+mn-ea"/>
+                <a:cs typeface="+mn-cs"/>
+              </a:rPr>
+              <a:t>: </a:t>
+            </a:r>
+            <a:r>
+              <a:rPr lang="en-US" sz="1200" kern="1200" dirty="0">
+                <a:solidFill>
+                  <a:schemeClr val="tx1"/>
+                </a:solidFill>
+                <a:effectLst/>
+                <a:latin typeface="+mn-lt"/>
+                <a:ea typeface="+mn-ea"/>
+                <a:cs typeface="+mn-cs"/>
+              </a:rPr>
+              <a:t>main class of the system which is accessed first when starting the system. Then, preferred mode of the program can be chosen. </a:t>
+            </a:r>
+          </a:p>
+          <a:p>
+            <a:pPr marL="171450" indent="-171450">
+              <a:buFont typeface="Arial" panose="020B0604020202020204" pitchFamily="34" charset="0"/>
+              <a:buChar char="•"/>
+            </a:pPr>
+            <a:r>
+              <a:rPr lang="en-US" sz="1200" b="1" kern="1200" dirty="0" err="1">
+                <a:solidFill>
+                  <a:schemeClr val="tx1"/>
+                </a:solidFill>
+                <a:effectLst/>
+                <a:latin typeface="+mn-lt"/>
+                <a:ea typeface="+mn-ea"/>
+                <a:cs typeface="+mn-cs"/>
+              </a:rPr>
+              <a:t>EncryptionPanel</a:t>
+            </a:r>
+            <a:r>
+              <a:rPr lang="en-US" sz="1200" b="1" kern="1200" dirty="0">
+                <a:solidFill>
+                  <a:schemeClr val="tx1"/>
+                </a:solidFill>
+                <a:effectLst/>
+                <a:latin typeface="+mn-lt"/>
+                <a:ea typeface="+mn-ea"/>
+                <a:cs typeface="+mn-cs"/>
+              </a:rPr>
+              <a:t>: </a:t>
+            </a:r>
+            <a:r>
+              <a:rPr lang="en-US" sz="1200" kern="1200" dirty="0">
+                <a:solidFill>
+                  <a:schemeClr val="tx1"/>
+                </a:solidFill>
+                <a:effectLst/>
+                <a:latin typeface="+mn-lt"/>
+                <a:ea typeface="+mn-ea"/>
+                <a:cs typeface="+mn-cs"/>
+              </a:rPr>
+              <a:t>This class contains the panel for encrypting and embedding the cover image file. It takes cover image file, secret message and shared key as inputs, then calls necessary functions from different classes to reach the goal.</a:t>
+            </a:r>
+          </a:p>
+          <a:p>
+            <a:pPr marL="171450" indent="-171450">
+              <a:buFont typeface="Arial" panose="020B0604020202020204" pitchFamily="34" charset="0"/>
+              <a:buChar char="•"/>
+            </a:pPr>
+            <a:r>
+              <a:rPr lang="en-US" sz="1200" b="1" kern="1200" dirty="0">
+                <a:solidFill>
+                  <a:schemeClr val="tx1"/>
+                </a:solidFill>
+                <a:effectLst/>
+                <a:latin typeface="+mn-lt"/>
+                <a:ea typeface="+mn-ea"/>
+                <a:cs typeface="+mn-cs"/>
+              </a:rPr>
+              <a:t>Encode: </a:t>
+            </a:r>
+            <a:r>
+              <a:rPr lang="en-US" sz="1200" kern="1200" dirty="0">
+                <a:solidFill>
+                  <a:schemeClr val="tx1"/>
+                </a:solidFill>
+                <a:effectLst/>
+                <a:latin typeface="+mn-lt"/>
+                <a:ea typeface="+mn-ea"/>
+                <a:cs typeface="+mn-cs"/>
+              </a:rPr>
+              <a:t>contains the necessary functions for encrypting the given input string and embedding the encrypted string onto provided cover image. It can be accessed from the </a:t>
+            </a:r>
+            <a:r>
+              <a:rPr lang="en-US" sz="1200" kern="1200" dirty="0" err="1">
+                <a:solidFill>
+                  <a:schemeClr val="tx1"/>
+                </a:solidFill>
+                <a:effectLst/>
+                <a:latin typeface="+mn-lt"/>
+                <a:ea typeface="+mn-ea"/>
+                <a:cs typeface="+mn-cs"/>
+              </a:rPr>
+              <a:t>EncryptionPanel</a:t>
+            </a:r>
+            <a:r>
+              <a:rPr lang="en-US" sz="1200" kern="1200" dirty="0">
+                <a:solidFill>
+                  <a:schemeClr val="tx1"/>
+                </a:solidFill>
+                <a:effectLst/>
+                <a:latin typeface="+mn-lt"/>
+                <a:ea typeface="+mn-ea"/>
+                <a:cs typeface="+mn-cs"/>
+              </a:rPr>
+              <a:t> class, which may create and use instance of this class whenever </a:t>
+            </a:r>
+            <a:r>
+              <a:rPr lang="en-US" sz="1200" kern="1200" dirty="0" err="1">
+                <a:solidFill>
+                  <a:schemeClr val="tx1"/>
+                </a:solidFill>
+                <a:effectLst/>
+                <a:latin typeface="+mn-lt"/>
+                <a:ea typeface="+mn-ea"/>
+                <a:cs typeface="+mn-cs"/>
+              </a:rPr>
+              <a:t>stego</a:t>
+            </a:r>
+            <a:r>
+              <a:rPr lang="en-US" sz="1200" kern="1200" dirty="0">
+                <a:solidFill>
+                  <a:schemeClr val="tx1"/>
+                </a:solidFill>
+                <a:effectLst/>
+                <a:latin typeface="+mn-lt"/>
+                <a:ea typeface="+mn-ea"/>
+                <a:cs typeface="+mn-cs"/>
+              </a:rPr>
+              <a:t>-image is to be created.</a:t>
+            </a:r>
+          </a:p>
+          <a:p>
+            <a:pPr marL="171450" indent="-171450">
+              <a:buFont typeface="Arial" panose="020B0604020202020204" pitchFamily="34" charset="0"/>
+              <a:buChar char="•"/>
+            </a:pPr>
+            <a:r>
+              <a:rPr lang="en-US" sz="1200" b="1" kern="1200" dirty="0" err="1">
+                <a:solidFill>
+                  <a:schemeClr val="tx1"/>
+                </a:solidFill>
+                <a:effectLst/>
+                <a:latin typeface="+mn-lt"/>
+                <a:ea typeface="+mn-ea"/>
+                <a:cs typeface="+mn-cs"/>
+              </a:rPr>
+              <a:t>SendMail</a:t>
+            </a:r>
+            <a:r>
+              <a:rPr lang="en-US" sz="1200" b="1" kern="1200" dirty="0">
+                <a:solidFill>
+                  <a:schemeClr val="tx1"/>
+                </a:solidFill>
+                <a:effectLst/>
+                <a:latin typeface="+mn-lt"/>
+                <a:ea typeface="+mn-ea"/>
+                <a:cs typeface="+mn-cs"/>
+              </a:rPr>
+              <a:t>: </a:t>
+            </a:r>
+            <a:r>
+              <a:rPr lang="en-US" sz="1200" kern="1200" dirty="0">
+                <a:solidFill>
+                  <a:schemeClr val="tx1"/>
+                </a:solidFill>
+                <a:effectLst/>
+                <a:latin typeface="+mn-lt"/>
+                <a:ea typeface="+mn-ea"/>
+                <a:cs typeface="+mn-cs"/>
+              </a:rPr>
+              <a:t>This class is responsible for sending the </a:t>
+            </a:r>
+            <a:r>
+              <a:rPr lang="en-US" sz="1200" kern="1200" dirty="0" err="1">
+                <a:solidFill>
+                  <a:schemeClr val="tx1"/>
+                </a:solidFill>
+                <a:effectLst/>
+                <a:latin typeface="+mn-lt"/>
+                <a:ea typeface="+mn-ea"/>
+                <a:cs typeface="+mn-cs"/>
+              </a:rPr>
+              <a:t>stego</a:t>
+            </a:r>
+            <a:r>
+              <a:rPr lang="en-US" sz="1200" kern="1200" dirty="0">
+                <a:solidFill>
+                  <a:schemeClr val="tx1"/>
+                </a:solidFill>
+                <a:effectLst/>
+                <a:latin typeface="+mn-lt"/>
+                <a:ea typeface="+mn-ea"/>
+                <a:cs typeface="+mn-cs"/>
+              </a:rPr>
+              <a:t>-image given by the Encode class, via email. It contains the frame consisting of the user interface.</a:t>
+            </a:r>
+          </a:p>
+          <a:p>
+            <a:pPr marL="171450" indent="-171450">
+              <a:buFont typeface="Arial" panose="020B0604020202020204" pitchFamily="34" charset="0"/>
+              <a:buChar char="•"/>
+            </a:pPr>
+            <a:r>
+              <a:rPr lang="en-US" sz="1200" b="1" kern="1200" dirty="0" err="1">
+                <a:solidFill>
+                  <a:schemeClr val="tx1"/>
+                </a:solidFill>
+                <a:effectLst/>
+                <a:latin typeface="+mn-lt"/>
+                <a:ea typeface="+mn-ea"/>
+                <a:cs typeface="+mn-cs"/>
+              </a:rPr>
+              <a:t>DecryptionPanel</a:t>
+            </a:r>
+            <a:r>
+              <a:rPr lang="en-US" sz="1200" b="1" kern="1200" dirty="0">
+                <a:solidFill>
+                  <a:schemeClr val="tx1"/>
+                </a:solidFill>
+                <a:effectLst/>
+                <a:latin typeface="+mn-lt"/>
+                <a:ea typeface="+mn-ea"/>
+                <a:cs typeface="+mn-cs"/>
+              </a:rPr>
+              <a:t>: </a:t>
+            </a:r>
+            <a:r>
+              <a:rPr lang="en-US" sz="1200" kern="1200" dirty="0">
+                <a:solidFill>
+                  <a:schemeClr val="tx1"/>
+                </a:solidFill>
+                <a:effectLst/>
+                <a:latin typeface="+mn-lt"/>
+                <a:ea typeface="+mn-ea"/>
+                <a:cs typeface="+mn-cs"/>
+              </a:rPr>
+              <a:t>This is the class that contains the panel for extracting and decrypting the hidden message from the </a:t>
+            </a:r>
+            <a:r>
+              <a:rPr lang="en-US" sz="1200" kern="1200" dirty="0" err="1">
+                <a:solidFill>
+                  <a:schemeClr val="tx1"/>
+                </a:solidFill>
+                <a:effectLst/>
+                <a:latin typeface="+mn-lt"/>
+                <a:ea typeface="+mn-ea"/>
+                <a:cs typeface="+mn-cs"/>
+              </a:rPr>
+              <a:t>stego</a:t>
+            </a:r>
+            <a:r>
+              <a:rPr lang="en-US" sz="1200" kern="1200" dirty="0">
+                <a:solidFill>
+                  <a:schemeClr val="tx1"/>
+                </a:solidFill>
+                <a:effectLst/>
+                <a:latin typeface="+mn-lt"/>
+                <a:ea typeface="+mn-ea"/>
+                <a:cs typeface="+mn-cs"/>
+              </a:rPr>
+              <a:t> image file. It takes the </a:t>
+            </a:r>
+            <a:r>
+              <a:rPr lang="en-US" sz="1200" kern="1200" dirty="0" err="1">
+                <a:solidFill>
+                  <a:schemeClr val="tx1"/>
+                </a:solidFill>
+                <a:effectLst/>
+                <a:latin typeface="+mn-lt"/>
+                <a:ea typeface="+mn-ea"/>
+                <a:cs typeface="+mn-cs"/>
+              </a:rPr>
+              <a:t>stego</a:t>
+            </a:r>
+            <a:r>
+              <a:rPr lang="en-US" sz="1200" kern="1200" dirty="0">
+                <a:solidFill>
+                  <a:schemeClr val="tx1"/>
+                </a:solidFill>
+                <a:effectLst/>
+                <a:latin typeface="+mn-lt"/>
+                <a:ea typeface="+mn-ea"/>
+                <a:cs typeface="+mn-cs"/>
+              </a:rPr>
+              <a:t> image file and shared secret key as inputs, then calls necessary functions from different classes to reach the goal.</a:t>
+            </a:r>
+          </a:p>
+          <a:p>
+            <a:pPr marL="171450" indent="-171450">
+              <a:buFont typeface="Arial" panose="020B0604020202020204" pitchFamily="34" charset="0"/>
+              <a:buChar char="•"/>
+            </a:pPr>
+            <a:r>
+              <a:rPr lang="en-US" sz="1200" b="1" kern="1200" dirty="0">
+                <a:solidFill>
+                  <a:schemeClr val="tx1"/>
+                </a:solidFill>
+                <a:effectLst/>
+                <a:latin typeface="+mn-lt"/>
+                <a:ea typeface="+mn-ea"/>
+                <a:cs typeface="+mn-cs"/>
+              </a:rPr>
+              <a:t>Decode: </a:t>
+            </a:r>
+            <a:r>
+              <a:rPr lang="en-US" sz="1200" kern="1200" dirty="0">
+                <a:solidFill>
+                  <a:schemeClr val="tx1"/>
+                </a:solidFill>
+                <a:effectLst/>
+                <a:latin typeface="+mn-lt"/>
+                <a:ea typeface="+mn-ea"/>
+                <a:cs typeface="+mn-cs"/>
+              </a:rPr>
+              <a:t>This class contains the necessary functions for extracting the encrypted text from the </a:t>
+            </a:r>
+            <a:r>
+              <a:rPr lang="en-US" sz="1200" kern="1200" dirty="0" err="1">
+                <a:solidFill>
+                  <a:schemeClr val="tx1"/>
+                </a:solidFill>
+                <a:effectLst/>
+                <a:latin typeface="+mn-lt"/>
+                <a:ea typeface="+mn-ea"/>
+                <a:cs typeface="+mn-cs"/>
+              </a:rPr>
+              <a:t>stego</a:t>
+            </a:r>
+            <a:r>
+              <a:rPr lang="en-US" sz="1200" kern="1200" dirty="0">
+                <a:solidFill>
+                  <a:schemeClr val="tx1"/>
+                </a:solidFill>
+                <a:effectLst/>
+                <a:latin typeface="+mn-lt"/>
+                <a:ea typeface="+mn-ea"/>
+                <a:cs typeface="+mn-cs"/>
+              </a:rPr>
+              <a:t> image as well as decrypting the encrypted text to receive the original message. It can be accessed from the </a:t>
+            </a:r>
+            <a:r>
+              <a:rPr lang="en-US" sz="1200" kern="1200" dirty="0" err="1">
+                <a:solidFill>
+                  <a:schemeClr val="tx1"/>
+                </a:solidFill>
+                <a:effectLst/>
+                <a:latin typeface="+mn-lt"/>
+                <a:ea typeface="+mn-ea"/>
+                <a:cs typeface="+mn-cs"/>
+              </a:rPr>
+              <a:t>DecryptionPanel</a:t>
+            </a:r>
+            <a:r>
+              <a:rPr lang="en-US" sz="1200" kern="1200" dirty="0">
+                <a:solidFill>
+                  <a:schemeClr val="tx1"/>
+                </a:solidFill>
+                <a:effectLst/>
+                <a:latin typeface="+mn-lt"/>
+                <a:ea typeface="+mn-ea"/>
+                <a:cs typeface="+mn-cs"/>
+              </a:rPr>
+              <a:t> class, which may create and use instance of this class whenever hidden message is to be extracted.</a:t>
+            </a:r>
+          </a:p>
+          <a:p>
+            <a:endParaRPr lang="en-US" dirty="0"/>
+          </a:p>
+        </p:txBody>
+      </p:sp>
+      <p:sp>
+        <p:nvSpPr>
+          <p:cNvPr id="4" name="Slide Number Placeholder 3"/>
+          <p:cNvSpPr>
+            <a:spLocks noGrp="1"/>
+          </p:cNvSpPr>
+          <p:nvPr>
+            <p:ph type="sldNum" sz="quarter" idx="5"/>
+          </p:nvPr>
+        </p:nvSpPr>
+        <p:spPr/>
+        <p:txBody>
+          <a:bodyPr/>
+          <a:lstStyle/>
+          <a:p>
+            <a:fld id="{D0A62AD7-9952-4B9B-8D9F-1156F01543DA}" type="slidenum">
+              <a:rPr lang="en-US" smtClean="0"/>
+              <a:t>14</a:t>
+            </a:fld>
+            <a:endParaRPr lang="en-US"/>
+          </a:p>
+        </p:txBody>
+      </p:sp>
+    </p:spTree>
+    <p:extLst>
+      <p:ext uri="{BB962C8B-B14F-4D97-AF65-F5344CB8AC3E}">
+        <p14:creationId xmlns:p14="http://schemas.microsoft.com/office/powerpoint/2010/main" val="3476728861"/>
+      </p:ext>
+    </p:extLst>
+  </p:cSld>
+  <p:clrMapOvr>
+    <a:masterClrMapping/>
+  </p:clrMapOvr>
+</p:notes>
+</file>
+
+<file path=ppt/notesSlides/notesSlide8.xml><?xml version="1.0" encoding="utf-8"?>
+<p:notes xmlns:a="http://schemas.openxmlformats.org/drawingml/2006/main" xmlns:r="http://schemas.openxmlformats.org/officeDocument/2006/relationships" xmlns:p="http://schemas.openxmlformats.org/presentationml/2006/main">
+  <p:cSld>
+    <p:spTree>
+      <p:nvGrpSpPr>
+        <p:cNvPr id="1" name=""/>
+        <p:cNvGrpSpPr/>
+        <p:nvPr/>
+      </p:nvGrpSpPr>
+      <p:grpSpPr>
+        <a:xfrm>
+          <a:off x="0" y="0"/>
+          <a:ext cx="0" cy="0"/>
+          <a:chOff x="0" y="0"/>
+          <a:chExt cx="0" cy="0"/>
+        </a:xfrm>
+      </p:grpSpPr>
+      <p:sp>
+        <p:nvSpPr>
+          <p:cNvPr id="2" name="Slide Image Placeholder 1"/>
+          <p:cNvSpPr>
+            <a:spLocks noGrp="1" noRot="1" noChangeAspect="1"/>
+          </p:cNvSpPr>
+          <p:nvPr>
+            <p:ph type="sldImg"/>
+          </p:nvPr>
+        </p:nvSpPr>
+        <p:spPr/>
+      </p:sp>
+      <p:sp>
+        <p:nvSpPr>
+          <p:cNvPr id="3" name="Notes Placeholder 2"/>
+          <p:cNvSpPr>
+            <a:spLocks noGrp="1"/>
+          </p:cNvSpPr>
+          <p:nvPr>
+            <p:ph type="body" idx="1"/>
+          </p:nvPr>
+        </p:nvSpPr>
+        <p:spPr/>
+        <p:txBody>
+          <a:bodyPr/>
+          <a:lstStyle/>
+          <a:p>
             <a:pPr marL="171450" indent="-171450" fontAlgn="base">
               <a:buFont typeface="Arial" panose="020B0604020202020204" pitchFamily="34" charset="0"/>
               <a:buChar char="•"/>
@@ -2203,7 +2410,7 @@
           <a:p>
             <a:fld id="{D0A62AD7-9952-4B9B-8D9F-1156F01543DA}" type="slidenum">
               <a:rPr lang="en-US" smtClean="0"/>
-              <a:t>14</a:t>
+              <a:t>15</a:t>
             </a:fld>
             <a:endParaRPr lang="en-US"/>
           </a:p>
@@ -2416,9 +2623,9 @@
           <a:bodyPr/>
           <a:lstStyle/>
           <a:p>
-            <a:fld id="{FECFB901-D435-4B87-95E4-66DA46225BE9}" type="datetimeFigureOut">
+            <a:fld id="{3AE74A8A-E60D-4516-95BD-6F45BC7FD501}" type="datetime1">
               <a:rPr lang="en-US" smtClean="0"/>
-              <a:t>8/8/2019</a:t>
+              <a:t>8/9/2019</a:t>
             </a:fld>
             <a:endParaRPr lang="en-US"/>
           </a:p>
@@ -2697,9 +2904,9 @@
           <a:bodyPr/>
           <a:lstStyle/>
           <a:p>
-            <a:fld id="{FECFB901-D435-4B87-95E4-66DA46225BE9}" type="datetimeFigureOut">
+            <a:fld id="{CE389F87-F05A-4746-B073-D1EB96011F11}" type="datetime1">
               <a:rPr lang="en-US" smtClean="0"/>
-              <a:t>8/8/2019</a:t>
+              <a:t>8/9/2019</a:t>
             </a:fld>
             <a:endParaRPr lang="en-US"/>
           </a:p>
@@ -2889,9 +3096,9 @@
           <a:bodyPr/>
           <a:lstStyle/>
           <a:p>
-            <a:fld id="{FECFB901-D435-4B87-95E4-66DA46225BE9}" type="datetimeFigureOut">
+            <a:fld id="{9DA4C82C-48B3-4328-BAD3-68D493608E4C}" type="datetime1">
               <a:rPr lang="en-US" smtClean="0"/>
-              <a:t>8/8/2019</a:t>
+              <a:t>8/9/2019</a:t>
             </a:fld>
             <a:endParaRPr lang="en-US"/>
           </a:p>
@@ -3150,9 +3357,9 @@
           <a:bodyPr/>
           <a:lstStyle/>
           <a:p>
-            <a:fld id="{FECFB901-D435-4B87-95E4-66DA46225BE9}" type="datetimeFigureOut">
+            <a:fld id="{487B1990-89EB-4754-80E8-4EC305662707}" type="datetime1">
               <a:rPr lang="en-US" smtClean="0"/>
-              <a:t>8/8/2019</a:t>
+              <a:t>8/9/2019</a:t>
             </a:fld>
             <a:endParaRPr lang="en-US"/>
           </a:p>
@@ -3576,9 +3783,9 @@
           <a:bodyPr/>
           <a:lstStyle/>
           <a:p>
-            <a:fld id="{FECFB901-D435-4B87-95E4-66DA46225BE9}" type="datetimeFigureOut">
+            <a:fld id="{7BA75F16-6604-434D-A1A4-F7B4B8197DB7}" type="datetime1">
               <a:rPr lang="en-US" smtClean="0"/>
-              <a:t>8/8/2019</a:t>
+              <a:t>8/9/2019</a:t>
             </a:fld>
             <a:endParaRPr lang="en-US"/>
           </a:p>
@@ -4122,9 +4329,9 @@
           <a:bodyPr/>
           <a:lstStyle/>
           <a:p>
-            <a:fld id="{FECFB901-D435-4B87-95E4-66DA46225BE9}" type="datetimeFigureOut">
+            <a:fld id="{1429EE39-C956-446B-8380-476375E94C74}" type="datetime1">
               <a:rPr lang="en-US" smtClean="0"/>
-              <a:t>8/8/2019</a:t>
+              <a:t>8/9/2019</a:t>
             </a:fld>
             <a:endParaRPr lang="en-US"/>
           </a:p>
@@ -4953,9 +5160,9 @@
           <a:bodyPr/>
           <a:lstStyle/>
           <a:p>
-            <a:fld id="{FECFB901-D435-4B87-95E4-66DA46225BE9}" type="datetimeFigureOut">
+            <a:fld id="{83291ED1-2C34-4608-B123-A7D39769E2F9}" type="datetime1">
               <a:rPr lang="en-US" smtClean="0"/>
-              <a:t>8/8/2019</a:t>
+              <a:t>8/9/2019</a:t>
             </a:fld>
             <a:endParaRPr lang="en-US"/>
           </a:p>
@@ -5123,9 +5330,9 @@
           <a:bodyPr/>
           <a:lstStyle/>
           <a:p>
-            <a:fld id="{FECFB901-D435-4B87-95E4-66DA46225BE9}" type="datetimeFigureOut">
+            <a:fld id="{CC70B4D1-229D-4B38-ACBB-A678502A3B20}" type="datetime1">
               <a:rPr lang="en-US" smtClean="0"/>
-              <a:t>8/8/2019</a:t>
+              <a:t>8/9/2019</a:t>
             </a:fld>
             <a:endParaRPr lang="en-US"/>
           </a:p>
@@ -5303,9 +5510,9 @@
           <a:bodyPr/>
           <a:lstStyle/>
           <a:p>
-            <a:fld id="{FECFB901-D435-4B87-95E4-66DA46225BE9}" type="datetimeFigureOut">
+            <a:fld id="{5015D0F8-A4CC-42B3-AAD5-58F679FB3423}" type="datetime1">
               <a:rPr lang="en-US" smtClean="0"/>
-              <a:t>8/8/2019</a:t>
+              <a:t>8/9/2019</a:t>
             </a:fld>
             <a:endParaRPr lang="en-US"/>
           </a:p>
@@ -5473,9 +5680,9 @@
           <a:bodyPr/>
           <a:lstStyle/>
           <a:p>
-            <a:fld id="{FECFB901-D435-4B87-95E4-66DA46225BE9}" type="datetimeFigureOut">
+            <a:fld id="{FEF52548-49B0-4B9E-827E-E58B5D727F6F}" type="datetime1">
               <a:rPr lang="en-US" smtClean="0"/>
-              <a:t>8/8/2019</a:t>
+              <a:t>8/9/2019</a:t>
             </a:fld>
             <a:endParaRPr lang="en-US"/>
           </a:p>
@@ -5730,9 +5937,9 @@
           <a:bodyPr/>
           <a:lstStyle/>
           <a:p>
-            <a:fld id="{FECFB901-D435-4B87-95E4-66DA46225BE9}" type="datetimeFigureOut">
+            <a:fld id="{9DC05923-35F4-4759-83F2-51F6C5D0D729}" type="datetime1">
               <a:rPr lang="en-US" smtClean="0"/>
-              <a:t>8/8/2019</a:t>
+              <a:t>8/9/2019</a:t>
             </a:fld>
             <a:endParaRPr lang="en-US"/>
           </a:p>
@@ -5962,9 +6169,9 @@
           <a:bodyPr/>
           <a:lstStyle/>
           <a:p>
-            <a:fld id="{FECFB901-D435-4B87-95E4-66DA46225BE9}" type="datetimeFigureOut">
+            <a:fld id="{BBC53E44-2411-42EA-B686-BF66CB1D719A}" type="datetime1">
               <a:rPr lang="en-US" smtClean="0"/>
-              <a:t>8/8/2019</a:t>
+              <a:t>8/9/2019</a:t>
             </a:fld>
             <a:endParaRPr lang="en-US"/>
           </a:p>
@@ -6355,9 +6562,9 @@
           <a:bodyPr/>
           <a:lstStyle/>
           <a:p>
-            <a:fld id="{FECFB901-D435-4B87-95E4-66DA46225BE9}" type="datetimeFigureOut">
+            <a:fld id="{766687C3-A21E-4BA8-A771-957D7F32E544}" type="datetime1">
               <a:rPr lang="en-US" smtClean="0"/>
-              <a:t>8/8/2019</a:t>
+              <a:t>8/9/2019</a:t>
             </a:fld>
             <a:endParaRPr lang="en-US"/>
           </a:p>
@@ -6473,9 +6680,9 @@
           <a:bodyPr/>
           <a:lstStyle/>
           <a:p>
-            <a:fld id="{FECFB901-D435-4B87-95E4-66DA46225BE9}" type="datetimeFigureOut">
+            <a:fld id="{167A0752-5711-4BCB-B1DE-AAB96C7721BA}" type="datetime1">
               <a:rPr lang="en-US" smtClean="0"/>
-              <a:t>8/8/2019</a:t>
+              <a:t>8/9/2019</a:t>
             </a:fld>
             <a:endParaRPr lang="en-US"/>
           </a:p>
@@ -6568,9 +6775,9 @@
           <a:bodyPr/>
           <a:lstStyle/>
           <a:p>
-            <a:fld id="{FECFB901-D435-4B87-95E4-66DA46225BE9}" type="datetimeFigureOut">
+            <a:fld id="{BEC9A9AC-1DA5-49C5-A2B2-23215E92F594}" type="datetime1">
               <a:rPr lang="en-US" smtClean="0"/>
-              <a:t>8/8/2019</a:t>
+              <a:t>8/9/2019</a:t>
             </a:fld>
             <a:endParaRPr lang="en-US"/>
           </a:p>
@@ -6841,9 +7048,9 @@
           <a:bodyPr/>
           <a:lstStyle/>
           <a:p>
-            <a:fld id="{FECFB901-D435-4B87-95E4-66DA46225BE9}" type="datetimeFigureOut">
+            <a:fld id="{88CC9E49-EF9C-493E-ADEC-6C53C42EA538}" type="datetime1">
               <a:rPr lang="en-US" smtClean="0"/>
-              <a:t>8/8/2019</a:t>
+              <a:t>8/9/2019</a:t>
             </a:fld>
             <a:endParaRPr lang="en-US"/>
           </a:p>
@@ -7122,9 +7329,9 @@
           <a:bodyPr/>
           <a:lstStyle/>
           <a:p>
-            <a:fld id="{FECFB901-D435-4B87-95E4-66DA46225BE9}" type="datetimeFigureOut">
+            <a:fld id="{835E3A6E-F87B-4A0D-9F23-C15D67729FA0}" type="datetime1">
               <a:rPr lang="en-US" smtClean="0"/>
-              <a:t>8/8/2019</a:t>
+              <a:t>8/9/2019</a:t>
             </a:fld>
             <a:endParaRPr lang="en-US"/>
           </a:p>
@@ -7362,9 +7569,9 @@
             </a:lvl1pPr>
           </a:lstStyle>
           <a:p>
-            <a:fld id="{FECFB901-D435-4B87-95E4-66DA46225BE9}" type="datetimeFigureOut">
+            <a:fld id="{B95024F0-24D2-4C74-B012-83EB8D31604F}" type="datetime1">
               <a:rPr lang="en-US" smtClean="0"/>
-              <a:t>8/8/2019</a:t>
+              <a:t>8/9/2019</a:t>
             </a:fld>
             <a:endParaRPr lang="en-US"/>
           </a:p>
@@ -7511,6 +7718,7 @@
     <p:sldLayoutId id="2147483772" r:id="rId16"/>
     <p:sldLayoutId id="2147483773" r:id="rId17"/>
   </p:sldLayoutIdLst>
+  <p:hf sldNum="0" hdr="0" ftr="0" dt="0"/>
   <p:txStyles>
     <p:titleStyle>
       <a:lvl1pPr algn="l" defTabSz="914400" rtl="0" eaLnBrk="1" latinLnBrk="0" hangingPunct="1">
@@ -7944,8 +8152,8 @@
         </p:nvSpPr>
         <p:spPr>
           <a:xfrm>
-            <a:off x="785839" y="735266"/>
-            <a:ext cx="11062400" cy="1951630"/>
+            <a:off x="564800" y="275772"/>
+            <a:ext cx="11062400" cy="3526970"/>
           </a:xfrm>
         </p:spPr>
         <p:txBody>
@@ -7956,15 +8164,22 @@
           <a:p>
             <a:pPr algn="ctr"/>
             <a:r>
-              <a:rPr lang="en-US" sz="7200" dirty="0"/>
-              <a:t>Image Steganography using </a:t>
+              <a:rPr lang="en-US" sz="6600" dirty="0"/>
+              <a:t>A Final Year Project Presentation</a:t>
             </a:r>
             <a:br>
-              <a:rPr lang="en-US" sz="7200" dirty="0"/>
+              <a:rPr lang="en-US" sz="6600" dirty="0"/>
             </a:br>
             <a:r>
-              <a:rPr lang="en-US" sz="7200" dirty="0"/>
-              <a:t>LSB Technique</a:t>
+              <a:rPr lang="en-US" sz="6600" dirty="0"/>
+              <a:t>On</a:t>
+            </a:r>
+            <a:br>
+              <a:rPr lang="en-US" sz="6600" dirty="0"/>
+            </a:br>
+            <a:r>
+              <a:rPr lang="en-US" sz="6600" dirty="0"/>
+              <a:t>Image Steganography</a:t>
             </a:r>
           </a:p>
         </p:txBody>
@@ -7983,7 +8198,7 @@
         </p:nvSpPr>
         <p:spPr>
           <a:xfrm>
-            <a:off x="1978925" y="3875965"/>
+            <a:off x="1978925" y="4224308"/>
             <a:ext cx="3125337" cy="2246769"/>
           </a:xfrm>
           <a:prstGeom prst="rect">
@@ -8053,7 +8268,7 @@
         </p:nvSpPr>
         <p:spPr>
           <a:xfrm>
-            <a:off x="7301552" y="3875965"/>
+            <a:off x="7301552" y="4224308"/>
             <a:ext cx="2911523" cy="1046440"/>
           </a:xfrm>
           <a:prstGeom prst="rect">
@@ -8102,6 +8317,107 @@
 </file>
 
 <file path=ppt/slides/slide10.xml><?xml version="1.0" encoding="utf-8"?>
+<p:sld xmlns:a="http://schemas.openxmlformats.org/drawingml/2006/main" xmlns:r="http://schemas.openxmlformats.org/officeDocument/2006/relationships" xmlns:p="http://schemas.openxmlformats.org/presentationml/2006/main">
+  <p:cSld>
+    <p:spTree>
+      <p:nvGrpSpPr>
+        <p:cNvPr id="1" name=""/>
+        <p:cNvGrpSpPr/>
+        <p:nvPr/>
+      </p:nvGrpSpPr>
+      <p:grpSpPr>
+        <a:xfrm>
+          <a:off x="0" y="0"/>
+          <a:ext cx="0" cy="0"/>
+          <a:chOff x="0" y="0"/>
+          <a:chExt cx="0" cy="0"/>
+        </a:xfrm>
+      </p:grpSpPr>
+      <p:sp>
+        <p:nvSpPr>
+          <p:cNvPr id="2" name="Title 1">
+            <a:extLst>
+              <a:ext uri="{FF2B5EF4-FFF2-40B4-BE49-F238E27FC236}">
+                <a16:creationId xmlns:a16="http://schemas.microsoft.com/office/drawing/2014/main" id="{01C626A4-D2AE-4955-959A-AD3CC41B7430}"/>
+              </a:ext>
+            </a:extLst>
+          </p:cNvPr>
+          <p:cNvSpPr>
+            <a:spLocks noGrp="1"/>
+          </p:cNvSpPr>
+          <p:nvPr>
+            <p:ph type="title"/>
+          </p:nvPr>
+        </p:nvSpPr>
+        <p:spPr>
+          <a:xfrm>
+            <a:off x="760275" y="497647"/>
+            <a:ext cx="4135282" cy="973345"/>
+          </a:xfrm>
+        </p:spPr>
+        <p:txBody>
+          <a:bodyPr>
+            <a:noAutofit/>
+          </a:bodyPr>
+          <a:lstStyle/>
+          <a:p>
+            <a:r>
+              <a:rPr lang="en-US" sz="4400" dirty="0"/>
+              <a:t>Level-0 DFD:</a:t>
+            </a:r>
+          </a:p>
+        </p:txBody>
+      </p:sp>
+      <p:pic>
+        <p:nvPicPr>
+          <p:cNvPr id="5" name="Picture 4">
+            <a:extLst>
+              <a:ext uri="{FF2B5EF4-FFF2-40B4-BE49-F238E27FC236}">
+                <a16:creationId xmlns:a16="http://schemas.microsoft.com/office/drawing/2014/main" id="{82A078FE-06AF-48E4-AA05-04A5379CE411}"/>
+              </a:ext>
+            </a:extLst>
+          </p:cNvPr>
+          <p:cNvPicPr>
+            <a:picLocks noChangeAspect="1"/>
+          </p:cNvPicPr>
+          <p:nvPr/>
+        </p:nvPicPr>
+        <p:blipFill>
+          <a:blip r:embed="rId3">
+            <a:extLst>
+              <a:ext uri="{28A0092B-C50C-407E-A947-70E740481C1C}">
+                <a14:useLocalDpi xmlns:a14="http://schemas.microsoft.com/office/drawing/2010/main" val="0"/>
+              </a:ext>
+            </a:extLst>
+          </a:blip>
+          <a:stretch>
+            <a:fillRect/>
+          </a:stretch>
+        </p:blipFill>
+        <p:spPr>
+          <a:xfrm>
+            <a:off x="2069342" y="2413524"/>
+            <a:ext cx="8352450" cy="2355423"/>
+          </a:xfrm>
+          <a:prstGeom prst="rect">
+            <a:avLst/>
+          </a:prstGeom>
+        </p:spPr>
+      </p:pic>
+    </p:spTree>
+    <p:extLst>
+      <p:ext uri="{BB962C8B-B14F-4D97-AF65-F5344CB8AC3E}">
+        <p14:creationId xmlns:p14="http://schemas.microsoft.com/office/powerpoint/2010/main" val="2483203595"/>
+      </p:ext>
+    </p:extLst>
+  </p:cSld>
+  <p:clrMapOvr>
+    <a:masterClrMapping/>
+  </p:clrMapOvr>
+</p:sld>
+</file>
+
+<file path=ppt/slides/slide11.xml><?xml version="1.0" encoding="utf-8"?>
 <p:sld xmlns:a="http://schemas.openxmlformats.org/drawingml/2006/main" xmlns:r="http://schemas.openxmlformats.org/officeDocument/2006/relationships" xmlns:p="http://schemas.openxmlformats.org/presentationml/2006/main">
   <p:cSld>
     <p:spTree>
@@ -8202,7 +8518,7 @@
 </p:sld>
 </file>
 
-<file path=ppt/slides/slide11.xml><?xml version="1.0" encoding="utf-8"?>
+<file path=ppt/slides/slide12.xml><?xml version="1.0" encoding="utf-8"?>
 <p:sld xmlns:a="http://schemas.openxmlformats.org/drawingml/2006/main" xmlns:r="http://schemas.openxmlformats.org/officeDocument/2006/relationships" xmlns:p="http://schemas.openxmlformats.org/presentationml/2006/main">
   <p:cSld>
     <p:spTree>
@@ -8303,7 +8619,7 @@
 </p:sld>
 </file>
 
-<file path=ppt/slides/slide12.xml><?xml version="1.0" encoding="utf-8"?>
+<file path=ppt/slides/slide13.xml><?xml version="1.0" encoding="utf-8"?>
 <p:sld xmlns:a="http://schemas.openxmlformats.org/drawingml/2006/main" xmlns:r="http://schemas.openxmlformats.org/officeDocument/2006/relationships" xmlns:p="http://schemas.openxmlformats.org/presentationml/2006/main">
   <p:cSld>
     <p:spTree>
@@ -8370,7 +8686,7 @@
           <p:nvPr/>
         </p:nvPicPr>
         <p:blipFill>
-          <a:blip r:embed="rId2">
+          <a:blip r:embed="rId3">
             <a:extLst>
               <a:ext uri="{28A0092B-C50C-407E-A947-70E740481C1C}">
                 <a14:useLocalDpi xmlns:a14="http://schemas.microsoft.com/office/drawing/2010/main" val="0"/>
@@ -8404,7 +8720,7 @@
 </p:sld>
 </file>
 
-<file path=ppt/slides/slide13.xml><?xml version="1.0" encoding="utf-8"?>
+<file path=ppt/slides/slide14.xml><?xml version="1.0" encoding="utf-8"?>
 <p:sld xmlns:a="http://schemas.openxmlformats.org/drawingml/2006/main" xmlns:r="http://schemas.openxmlformats.org/officeDocument/2006/relationships" xmlns:p="http://schemas.openxmlformats.org/presentationml/2006/main">
   <p:cSld>
     <p:spTree>
@@ -8505,7 +8821,7 @@
 </p:sld>
 </file>
 
-<file path=ppt/slides/slide14.xml><?xml version="1.0" encoding="utf-8"?>
+<file path=ppt/slides/slide15.xml><?xml version="1.0" encoding="utf-8"?>
 <p:sld xmlns:a="http://schemas.openxmlformats.org/drawingml/2006/main" xmlns:r="http://schemas.openxmlformats.org/officeDocument/2006/relationships" xmlns:p="http://schemas.openxmlformats.org/presentationml/2006/main">
   <p:cSld>
     <p:spTree>
@@ -8566,7 +8882,17 @@
             </a:pPr>
             <a:r>
               <a:rPr lang="en-US" sz="2800" dirty="0"/>
-              <a:t>It is a simple approach in which message bits are embedded in the least significant bits of cover image. </a:t>
+              <a:t>It is a simple approach in which message bits are embedded in the least significant bits of cover image </a:t>
+            </a:r>
+            <a:r>
+              <a:rPr lang="en-US" sz="2800" dirty="0">
+                <a:hlinkClick r:id="rId3" action="ppaction://hlinksldjump"/>
+              </a:rPr>
+              <a:t>[3]</a:t>
+            </a:r>
+            <a:r>
+              <a:rPr lang="en-US" sz="2800" dirty="0"/>
+              <a:t>. </a:t>
             </a:r>
           </a:p>
           <a:p>
@@ -8576,7 +8902,17 @@
             </a:pPr>
             <a:r>
               <a:rPr lang="en-US" sz="2800" dirty="0"/>
-              <a:t>The least significant bit of each pixel of an image is altered to a bit of a message that is to be hidden. </a:t>
+              <a:t>The least significant bit of each pixel of an image is altered to a bit of a message that is to be hidden </a:t>
+            </a:r>
+            <a:r>
+              <a:rPr lang="en-US" sz="2800" dirty="0">
+                <a:hlinkClick r:id="rId3" action="ppaction://hlinksldjump"/>
+              </a:rPr>
+              <a:t>[4]</a:t>
+            </a:r>
+            <a:r>
+              <a:rPr lang="en-US" sz="2800" dirty="0"/>
+              <a:t>. </a:t>
             </a:r>
           </a:p>
           <a:p>
@@ -8633,7 +8969,7 @@
           <p:nvPr/>
         </p:nvPicPr>
         <p:blipFill>
-          <a:blip r:embed="rId3">
+          <a:blip r:embed="rId4">
             <a:extLst>
               <a:ext uri="{28A0092B-C50C-407E-A947-70E740481C1C}">
                 <a14:useLocalDpi xmlns:a14="http://schemas.microsoft.com/office/drawing/2010/main" val="0"/>
@@ -8754,170 +9090,6 @@
     <p:extLst>
       <p:ext uri="{BB962C8B-B14F-4D97-AF65-F5344CB8AC3E}">
         <p14:creationId xmlns:p14="http://schemas.microsoft.com/office/powerpoint/2010/main" val="2474239535"/>
-      </p:ext>
-    </p:extLst>
-  </p:cSld>
-  <p:clrMapOvr>
-    <a:masterClrMapping/>
-  </p:clrMapOvr>
-</p:sld>
-</file>
-
-<file path=ppt/slides/slide15.xml><?xml version="1.0" encoding="utf-8"?>
-<p:sld xmlns:a="http://schemas.openxmlformats.org/drawingml/2006/main" xmlns:r="http://schemas.openxmlformats.org/officeDocument/2006/relationships" xmlns:p="http://schemas.openxmlformats.org/presentationml/2006/main">
-  <p:cSld>
-    <p:spTree>
-      <p:nvGrpSpPr>
-        <p:cNvPr id="1" name=""/>
-        <p:cNvGrpSpPr/>
-        <p:nvPr/>
-      </p:nvGrpSpPr>
-      <p:grpSpPr>
-        <a:xfrm>
-          <a:off x="0" y="0"/>
-          <a:ext cx="0" cy="0"/>
-          <a:chOff x="0" y="0"/>
-          <a:chExt cx="0" cy="0"/>
-        </a:xfrm>
-      </p:grpSpPr>
-      <p:sp>
-        <p:nvSpPr>
-          <p:cNvPr id="2" name="Title 1">
-            <a:extLst>
-              <a:ext uri="{FF2B5EF4-FFF2-40B4-BE49-F238E27FC236}">
-                <a16:creationId xmlns:a16="http://schemas.microsoft.com/office/drawing/2014/main" id="{B151A493-49F4-43B7-A650-1E3E8224DFC1}"/>
-              </a:ext>
-            </a:extLst>
-          </p:cNvPr>
-          <p:cNvSpPr>
-            <a:spLocks noGrp="1"/>
-          </p:cNvSpPr>
-          <p:nvPr>
-            <p:ph type="title"/>
-          </p:nvPr>
-        </p:nvSpPr>
-        <p:spPr>
-          <a:xfrm>
-            <a:off x="838200" y="452989"/>
-            <a:ext cx="8179191" cy="827571"/>
-          </a:xfrm>
-        </p:spPr>
-        <p:txBody>
-          <a:bodyPr>
-            <a:noAutofit/>
-          </a:bodyPr>
-          <a:lstStyle/>
-          <a:p>
-            <a:r>
-              <a:rPr lang="en-US" sz="4400" dirty="0"/>
-              <a:t>Message Embedding Algorithm:</a:t>
-            </a:r>
-          </a:p>
-        </p:txBody>
-      </p:sp>
-      <p:sp>
-        <p:nvSpPr>
-          <p:cNvPr id="3" name="Text Placeholder 2">
-            <a:extLst>
-              <a:ext uri="{FF2B5EF4-FFF2-40B4-BE49-F238E27FC236}">
-                <a16:creationId xmlns:a16="http://schemas.microsoft.com/office/drawing/2014/main" id="{D22640F0-6FDD-43A0-9F61-6D57B565FD99}"/>
-              </a:ext>
-            </a:extLst>
-          </p:cNvPr>
-          <p:cNvSpPr>
-            <a:spLocks noGrp="1"/>
-          </p:cNvSpPr>
-          <p:nvPr>
-            <p:ph type="body" sz="half" idx="2"/>
-          </p:nvPr>
-        </p:nvSpPr>
-        <p:spPr>
-          <a:xfrm>
-            <a:off x="839788" y="1492595"/>
-            <a:ext cx="10514012" cy="4710665"/>
-          </a:xfrm>
-        </p:spPr>
-        <p:txBody>
-          <a:bodyPr>
-            <a:normAutofit lnSpcReduction="10000"/>
-          </a:bodyPr>
-          <a:lstStyle/>
-          <a:p>
-            <a:pPr marL="400050" lvl="0" indent="-400050">
-              <a:buFont typeface="+mj-lt"/>
-              <a:buAutoNum type="romanUcPeriod"/>
-            </a:pPr>
-            <a:r>
-              <a:rPr lang="en-US" sz="2400" dirty="0"/>
-              <a:t>Read the cover image and secret text information which is to be embedded into the image.</a:t>
-            </a:r>
-          </a:p>
-          <a:p>
-            <a:pPr marL="400050" lvl="0" indent="-400050">
-              <a:buFont typeface="+mj-lt"/>
-              <a:buAutoNum type="romanUcPeriod"/>
-            </a:pPr>
-            <a:r>
-              <a:rPr lang="en-US" sz="2400" dirty="0"/>
-              <a:t>Convert the secret information into encrypted text by using AES algorithm and secret key shared by receiver and sender.</a:t>
-            </a:r>
-          </a:p>
-          <a:p>
-            <a:pPr marL="400050" lvl="0" indent="-400050">
-              <a:buFont typeface="+mj-lt"/>
-              <a:buAutoNum type="romanUcPeriod"/>
-            </a:pPr>
-            <a:r>
-              <a:rPr lang="en-US" sz="2400" dirty="0"/>
-              <a:t>Add the value of encrypted text’s length at the beginning of the text along with a ‘/’ character.</a:t>
-            </a:r>
-          </a:p>
-          <a:p>
-            <a:pPr marL="400050" lvl="0" indent="-400050">
-              <a:buFont typeface="+mj-lt"/>
-              <a:buAutoNum type="romanUcPeriod"/>
-            </a:pPr>
-            <a:r>
-              <a:rPr lang="en-US" sz="2400" dirty="0"/>
-              <a:t>Convert encrypted text message into binary form – which will give the text message’s characters’ bits.</a:t>
-            </a:r>
-          </a:p>
-          <a:p>
-            <a:pPr marL="400050" lvl="0" indent="-400050">
-              <a:buFont typeface="+mj-lt"/>
-              <a:buAutoNum type="romanUcPeriod"/>
-            </a:pPr>
-            <a:r>
-              <a:rPr lang="en-US" sz="2400" dirty="0"/>
-              <a:t>Find LSBs of each RGB pixels of the cover image.</a:t>
-            </a:r>
-          </a:p>
-          <a:p>
-            <a:pPr marL="400050" lvl="0" indent="-400050">
-              <a:buFont typeface="+mj-lt"/>
-              <a:buAutoNum type="romanUcPeriod"/>
-            </a:pPr>
-            <a:r>
-              <a:rPr lang="en-US" sz="2400" dirty="0"/>
-              <a:t>Embed the bits obtained on step 4 into LSBs of RGB pixels of step 4.</a:t>
-            </a:r>
-          </a:p>
-          <a:p>
-            <a:pPr marL="400050" lvl="0" indent="-400050">
-              <a:buFont typeface="+mj-lt"/>
-              <a:buAutoNum type="romanUcPeriod"/>
-            </a:pPr>
-            <a:r>
-              <a:rPr lang="en-US" sz="2400" dirty="0"/>
-              <a:t>Continue the procedure until the secret information is fully hidden in cover image file.</a:t>
-            </a:r>
-          </a:p>
-        </p:txBody>
-      </p:sp>
-    </p:spTree>
-    <p:extLst>
-      <p:ext uri="{BB962C8B-B14F-4D97-AF65-F5344CB8AC3E}">
-        <p14:creationId xmlns:p14="http://schemas.microsoft.com/office/powerpoint/2010/main" val="1465656719"/>
       </p:ext>
     </p:extLst>
   </p:cSld>
@@ -8949,7 +9121,7 @@
           <p:cNvPr id="2" name="Title 1">
             <a:extLst>
               <a:ext uri="{FF2B5EF4-FFF2-40B4-BE49-F238E27FC236}">
-                <a16:creationId xmlns:a16="http://schemas.microsoft.com/office/drawing/2014/main" id="{AC75D694-C6A0-4D02-87E4-E305AA0C6206}"/>
+                <a16:creationId xmlns:a16="http://schemas.microsoft.com/office/drawing/2014/main" id="{B151A493-49F4-43B7-A650-1E3E8224DFC1}"/>
               </a:ext>
             </a:extLst>
           </p:cNvPr>
@@ -8962,19 +9134,19 @@
         </p:nvSpPr>
         <p:spPr>
           <a:xfrm>
-            <a:off x="680762" y="469209"/>
-            <a:ext cx="8843066" cy="814318"/>
+            <a:off x="838200" y="452989"/>
+            <a:ext cx="8179191" cy="827571"/>
           </a:xfrm>
         </p:spPr>
         <p:txBody>
           <a:bodyPr>
-            <a:normAutofit/>
+            <a:noAutofit/>
           </a:bodyPr>
           <a:lstStyle/>
           <a:p>
             <a:r>
               <a:rPr lang="en-US" sz="4400" dirty="0"/>
-              <a:t>Message Extraction  Algorithm</a:t>
+              <a:t>Message Embedding Algorithm:</a:t>
             </a:r>
           </a:p>
         </p:txBody>
@@ -8984,7 +9156,7 @@
           <p:cNvPr id="3" name="Text Placeholder 2">
             <a:extLst>
               <a:ext uri="{FF2B5EF4-FFF2-40B4-BE49-F238E27FC236}">
-                <a16:creationId xmlns:a16="http://schemas.microsoft.com/office/drawing/2014/main" id="{D9F23261-8992-4769-B1CF-B6CF04705598}"/>
+                <a16:creationId xmlns:a16="http://schemas.microsoft.com/office/drawing/2014/main" id="{D22640F0-6FDD-43A0-9F61-6D57B565FD99}"/>
               </a:ext>
             </a:extLst>
           </p:cNvPr>
@@ -8997,13 +9169,13 @@
         </p:nvSpPr>
         <p:spPr>
           <a:xfrm>
-            <a:off x="680762" y="1537252"/>
-            <a:ext cx="10514012" cy="4851539"/>
+            <a:off x="839788" y="1492595"/>
+            <a:ext cx="10514012" cy="4710665"/>
           </a:xfrm>
         </p:spPr>
         <p:txBody>
           <a:bodyPr>
-            <a:normAutofit/>
+            <a:normAutofit lnSpcReduction="10000"/>
           </a:bodyPr>
           <a:lstStyle/>
           <a:p>
@@ -9013,7 +9185,7 @@
             </a:pPr>
             <a:r>
               <a:rPr lang="en-US" sz="2400" dirty="0"/>
-              <a:t>Read the stego image and secret key.</a:t>
+              <a:t>Read the cover image and secret text information which is to be embedded into the image.</a:t>
             </a:r>
           </a:p>
           <a:p>
@@ -9023,7 +9195,7 @@
             </a:pPr>
             <a:r>
               <a:rPr lang="en-US" sz="2400" dirty="0"/>
-              <a:t>Retrieve LSBs of each RGB pixels of the stego image.</a:t>
+              <a:t>Convert the secret information into encrypted text by using AES algorithm and secret key shared by receiver and sender.</a:t>
             </a:r>
           </a:p>
           <a:p>
@@ -9033,7 +9205,7 @@
             </a:pPr>
             <a:r>
               <a:rPr lang="en-US" sz="2400" dirty="0"/>
-              <a:t>Convert binary strings formed by every 8 RGB pixels of step 2 to character and append the characters to a string builder.</a:t>
+              <a:t>Add the value of encrypted text’s length at the beginning of the text along with a ‘/’ character.</a:t>
             </a:r>
           </a:p>
           <a:p>
@@ -9043,7 +9215,7 @@
             </a:pPr>
             <a:r>
               <a:rPr lang="en-US" sz="2400" dirty="0"/>
-              <a:t>Upon finding the first ‘/’ character from string builder of step 3, save its previous characters as text length and discard all characters till that index.</a:t>
+              <a:t>Convert encrypted text message into binary form – which will give the text message’s characters’ bits.</a:t>
             </a:r>
           </a:p>
           <a:p>
@@ -9053,7 +9225,7 @@
             </a:pPr>
             <a:r>
               <a:rPr lang="en-US" sz="2400" dirty="0"/>
-              <a:t>Continue the process for more (text length obtained at step 4 * 8) times to fully extract the hidden encrypted text.</a:t>
+              <a:t>Find LSBs of each RGB pixels of the cover image.</a:t>
             </a:r>
           </a:p>
           <a:p>
@@ -9062,23 +9234,30 @@
               <a:buAutoNum type="romanUcPeriod"/>
             </a:pPr>
             <a:r>
+              <a:rPr lang="en-US" sz="2400"/>
+              <a:t>Embed </a:t>
+            </a:r>
+            <a:r>
               <a:rPr lang="en-US" sz="2400" dirty="0"/>
-              <a:t>Using the secret key and AES decryption, decrypt secret information obtained on step 4 to get original information. </a:t>
-            </a:r>
-          </a:p>
-          <a:p>
-            <a:pPr marL="400050" indent="-400050">
+              <a:t>the bits obtained on step IV into LSBs of RGB pixels of step V.</a:t>
+            </a:r>
+          </a:p>
+          <a:p>
+            <a:pPr marL="400050" lvl="0" indent="-400050">
               <a:buFont typeface="+mj-lt"/>
               <a:buAutoNum type="romanUcPeriod"/>
             </a:pPr>
-            <a:endParaRPr lang="en-US" sz="2400" dirty="0"/>
+            <a:r>
+              <a:rPr lang="en-US" sz="2400" dirty="0"/>
+              <a:t>Continue the procedure until the secret information is fully hidden in cover image file.</a:t>
+            </a:r>
           </a:p>
         </p:txBody>
       </p:sp>
     </p:spTree>
     <p:extLst>
       <p:ext uri="{BB962C8B-B14F-4D97-AF65-F5344CB8AC3E}">
-        <p14:creationId xmlns:p14="http://schemas.microsoft.com/office/powerpoint/2010/main" val="2270037405"/>
+        <p14:creationId xmlns:p14="http://schemas.microsoft.com/office/powerpoint/2010/main" val="1465656719"/>
       </p:ext>
     </p:extLst>
   </p:cSld>
@@ -9110,6 +9289,167 @@
           <p:cNvPr id="2" name="Title 1">
             <a:extLst>
               <a:ext uri="{FF2B5EF4-FFF2-40B4-BE49-F238E27FC236}">
+                <a16:creationId xmlns:a16="http://schemas.microsoft.com/office/drawing/2014/main" id="{AC75D694-C6A0-4D02-87E4-E305AA0C6206}"/>
+              </a:ext>
+            </a:extLst>
+          </p:cNvPr>
+          <p:cNvSpPr>
+            <a:spLocks noGrp="1"/>
+          </p:cNvSpPr>
+          <p:nvPr>
+            <p:ph type="title"/>
+          </p:nvPr>
+        </p:nvSpPr>
+        <p:spPr>
+          <a:xfrm>
+            <a:off x="680762" y="469209"/>
+            <a:ext cx="8843066" cy="814318"/>
+          </a:xfrm>
+        </p:spPr>
+        <p:txBody>
+          <a:bodyPr>
+            <a:normAutofit/>
+          </a:bodyPr>
+          <a:lstStyle/>
+          <a:p>
+            <a:r>
+              <a:rPr lang="en-US" sz="4400" dirty="0"/>
+              <a:t>Message Extraction  Algorithm</a:t>
+            </a:r>
+          </a:p>
+        </p:txBody>
+      </p:sp>
+      <p:sp>
+        <p:nvSpPr>
+          <p:cNvPr id="3" name="Text Placeholder 2">
+            <a:extLst>
+              <a:ext uri="{FF2B5EF4-FFF2-40B4-BE49-F238E27FC236}">
+                <a16:creationId xmlns:a16="http://schemas.microsoft.com/office/drawing/2014/main" id="{D9F23261-8992-4769-B1CF-B6CF04705598}"/>
+              </a:ext>
+            </a:extLst>
+          </p:cNvPr>
+          <p:cNvSpPr>
+            <a:spLocks noGrp="1"/>
+          </p:cNvSpPr>
+          <p:nvPr>
+            <p:ph type="body" sz="half" idx="2"/>
+          </p:nvPr>
+        </p:nvSpPr>
+        <p:spPr>
+          <a:xfrm>
+            <a:off x="680762" y="1537252"/>
+            <a:ext cx="10514012" cy="4851539"/>
+          </a:xfrm>
+        </p:spPr>
+        <p:txBody>
+          <a:bodyPr>
+            <a:normAutofit/>
+          </a:bodyPr>
+          <a:lstStyle/>
+          <a:p>
+            <a:pPr marL="400050" lvl="0" indent="-400050">
+              <a:buFont typeface="+mj-lt"/>
+              <a:buAutoNum type="romanUcPeriod"/>
+            </a:pPr>
+            <a:r>
+              <a:rPr lang="en-US" sz="2400" dirty="0"/>
+              <a:t>Read the stego image and secret key.</a:t>
+            </a:r>
+          </a:p>
+          <a:p>
+            <a:pPr marL="400050" lvl="0" indent="-400050">
+              <a:buFont typeface="+mj-lt"/>
+              <a:buAutoNum type="romanUcPeriod"/>
+            </a:pPr>
+            <a:r>
+              <a:rPr lang="en-US" sz="2400" dirty="0"/>
+              <a:t>Retrieve LSBs of each RGB pixels of the stego image.</a:t>
+            </a:r>
+          </a:p>
+          <a:p>
+            <a:pPr marL="400050" lvl="0" indent="-400050">
+              <a:buFont typeface="+mj-lt"/>
+              <a:buAutoNum type="romanUcPeriod"/>
+            </a:pPr>
+            <a:r>
+              <a:rPr lang="en-US" sz="2400" dirty="0"/>
+              <a:t>Convert binary strings formed by every 8 RGB pixels of step II to character and append the characters to a string builder.</a:t>
+            </a:r>
+          </a:p>
+          <a:p>
+            <a:pPr marL="400050" lvl="0" indent="-400050">
+              <a:buFont typeface="+mj-lt"/>
+              <a:buAutoNum type="romanUcPeriod"/>
+            </a:pPr>
+            <a:r>
+              <a:rPr lang="en-US" sz="2400" dirty="0"/>
+              <a:t>Upon finding the first ‘/’ character from string builder of step III, save its previous characters as text length and delete all characters till that index.</a:t>
+            </a:r>
+          </a:p>
+          <a:p>
+            <a:pPr marL="400050" lvl="0" indent="-400050">
+              <a:buFont typeface="+mj-lt"/>
+              <a:buAutoNum type="romanUcPeriod"/>
+            </a:pPr>
+            <a:r>
+              <a:rPr lang="en-US" sz="2400" dirty="0"/>
+              <a:t>Continue the process for more (text length obtained on step 4 * 8) times to fully extract the hidden encrypted text.</a:t>
+            </a:r>
+          </a:p>
+          <a:p>
+            <a:pPr marL="400050" lvl="0" indent="-400050">
+              <a:buFont typeface="+mj-lt"/>
+              <a:buAutoNum type="romanUcPeriod"/>
+            </a:pPr>
+            <a:r>
+              <a:rPr lang="en-US" sz="2400" dirty="0"/>
+              <a:t>Using the secret key and AES decryption, decrypt secret information obtained on step IV to get original information. </a:t>
+            </a:r>
+          </a:p>
+          <a:p>
+            <a:pPr marL="400050" indent="-400050">
+              <a:buFont typeface="+mj-lt"/>
+              <a:buAutoNum type="romanUcPeriod"/>
+            </a:pPr>
+            <a:endParaRPr lang="en-US" sz="2400" dirty="0"/>
+          </a:p>
+        </p:txBody>
+      </p:sp>
+    </p:spTree>
+    <p:extLst>
+      <p:ext uri="{BB962C8B-B14F-4D97-AF65-F5344CB8AC3E}">
+        <p14:creationId xmlns:p14="http://schemas.microsoft.com/office/powerpoint/2010/main" val="2270037405"/>
+      </p:ext>
+    </p:extLst>
+  </p:cSld>
+  <p:clrMapOvr>
+    <a:masterClrMapping/>
+  </p:clrMapOvr>
+</p:sld>
+</file>
+
+<file path=ppt/slides/slide18.xml><?xml version="1.0" encoding="utf-8"?>
+<p:sld xmlns:a="http://schemas.openxmlformats.org/drawingml/2006/main" xmlns:r="http://schemas.openxmlformats.org/officeDocument/2006/relationships" xmlns:p="http://schemas.openxmlformats.org/presentationml/2006/main">
+  <p:cSld>
+    <p:spTree>
+      <p:nvGrpSpPr>
+        <p:cNvPr id="1" name=""/>
+        <p:cNvGrpSpPr/>
+        <p:nvPr/>
+      </p:nvGrpSpPr>
+      <p:grpSpPr>
+        <a:xfrm>
+          <a:off x="0" y="0"/>
+          <a:ext cx="0" cy="0"/>
+          <a:chOff x="0" y="0"/>
+          <a:chExt cx="0" cy="0"/>
+        </a:xfrm>
+      </p:grpSpPr>
+      <p:sp>
+        <p:nvSpPr>
+          <p:cNvPr id="2" name="Title 1">
+            <a:extLst>
+              <a:ext uri="{FF2B5EF4-FFF2-40B4-BE49-F238E27FC236}">
                 <a16:creationId xmlns:a16="http://schemas.microsoft.com/office/drawing/2014/main" id="{8C29D98D-BA14-4584-B56A-61F1533D2B5E}"/>
               </a:ext>
             </a:extLst>
@@ -9267,7 +9607,7 @@
 </p:sld>
 </file>
 
-<file path=ppt/slides/slide18.xml><?xml version="1.0" encoding="utf-8"?>
+<file path=ppt/slides/slide19.xml><?xml version="1.0" encoding="utf-8"?>
 <p:sld xmlns:a="http://schemas.openxmlformats.org/drawingml/2006/main" xmlns:r="http://schemas.openxmlformats.org/officeDocument/2006/relationships" xmlns:p="http://schemas.openxmlformats.org/presentationml/2006/main">
   <p:cSld>
     <p:spTree>
@@ -9939,7 +10279,215 @@
 </p:sld>
 </file>
 
-<file path=ppt/slides/slide19.xml><?xml version="1.0" encoding="utf-8"?>
+<file path=ppt/slides/slide2.xml><?xml version="1.0" encoding="utf-8"?>
+<p:sld xmlns:a="http://schemas.openxmlformats.org/drawingml/2006/main" xmlns:r="http://schemas.openxmlformats.org/officeDocument/2006/relationships" xmlns:p="http://schemas.openxmlformats.org/presentationml/2006/main">
+  <p:cSld>
+    <p:spTree>
+      <p:nvGrpSpPr>
+        <p:cNvPr id="1" name=""/>
+        <p:cNvGrpSpPr/>
+        <p:nvPr/>
+      </p:nvGrpSpPr>
+      <p:grpSpPr>
+        <a:xfrm>
+          <a:off x="0" y="0"/>
+          <a:ext cx="0" cy="0"/>
+          <a:chOff x="0" y="0"/>
+          <a:chExt cx="0" cy="0"/>
+        </a:xfrm>
+      </p:grpSpPr>
+      <p:sp>
+        <p:nvSpPr>
+          <p:cNvPr id="2" name="Title 1">
+            <a:extLst>
+              <a:ext uri="{FF2B5EF4-FFF2-40B4-BE49-F238E27FC236}">
+                <a16:creationId xmlns:a16="http://schemas.microsoft.com/office/drawing/2014/main" id="{8319F819-DF89-45ED-8E36-52487B844AD2}"/>
+              </a:ext>
+            </a:extLst>
+          </p:cNvPr>
+          <p:cNvSpPr>
+            <a:spLocks noGrp="1"/>
+          </p:cNvSpPr>
+          <p:nvPr>
+            <p:ph type="title"/>
+          </p:nvPr>
+        </p:nvSpPr>
+        <p:spPr>
+          <a:xfrm>
+            <a:off x="838200" y="140043"/>
+            <a:ext cx="10515600" cy="971305"/>
+          </a:xfrm>
+        </p:spPr>
+        <p:txBody>
+          <a:bodyPr>
+            <a:normAutofit/>
+          </a:bodyPr>
+          <a:lstStyle/>
+          <a:p>
+            <a:r>
+              <a:rPr lang="en-US" sz="4400" dirty="0"/>
+              <a:t>Outlines</a:t>
+            </a:r>
+          </a:p>
+        </p:txBody>
+      </p:sp>
+      <p:sp>
+        <p:nvSpPr>
+          <p:cNvPr id="3" name="Content Placeholder 2">
+            <a:extLst>
+              <a:ext uri="{FF2B5EF4-FFF2-40B4-BE49-F238E27FC236}">
+                <a16:creationId xmlns:a16="http://schemas.microsoft.com/office/drawing/2014/main" id="{8C9AFBF9-1616-4EAF-A087-950243F22472}"/>
+              </a:ext>
+            </a:extLst>
+          </p:cNvPr>
+          <p:cNvSpPr>
+            <a:spLocks noGrp="1"/>
+          </p:cNvSpPr>
+          <p:nvPr>
+            <p:ph idx="1"/>
+          </p:nvPr>
+        </p:nvSpPr>
+        <p:spPr>
+          <a:xfrm>
+            <a:off x="838200" y="1252024"/>
+            <a:ext cx="10233800" cy="5465933"/>
+          </a:xfrm>
+        </p:spPr>
+        <p:txBody>
+          <a:bodyPr>
+            <a:normAutofit fontScale="77500" lnSpcReduction="20000"/>
+          </a:bodyPr>
+          <a:lstStyle/>
+          <a:p>
+            <a:r>
+              <a:rPr lang="en-US" dirty="0"/>
+              <a:t>Introduction</a:t>
+            </a:r>
+          </a:p>
+          <a:p>
+            <a:r>
+              <a:rPr lang="en-US" dirty="0"/>
+              <a:t>Problem Statement</a:t>
+            </a:r>
+          </a:p>
+          <a:p>
+            <a:r>
+              <a:rPr lang="en-US" dirty="0"/>
+              <a:t>Objectives</a:t>
+            </a:r>
+          </a:p>
+          <a:p>
+            <a:r>
+              <a:rPr lang="en-US" dirty="0"/>
+              <a:t>Scope and Limitations</a:t>
+            </a:r>
+          </a:p>
+          <a:p>
+            <a:r>
+              <a:rPr lang="en-US" dirty="0"/>
+              <a:t>Literature Review</a:t>
+            </a:r>
+          </a:p>
+          <a:p>
+            <a:r>
+              <a:rPr lang="en-US" dirty="0"/>
+              <a:t>Functional Requirements</a:t>
+            </a:r>
+          </a:p>
+          <a:p>
+            <a:pPr marL="0" indent="0">
+              <a:buNone/>
+            </a:pPr>
+            <a:r>
+              <a:rPr lang="en-US" dirty="0"/>
+              <a:t>	- Use-Case Diagram</a:t>
+            </a:r>
+          </a:p>
+          <a:p>
+            <a:r>
+              <a:rPr lang="en-US" dirty="0"/>
+              <a:t>Process Model</a:t>
+            </a:r>
+          </a:p>
+          <a:p>
+            <a:pPr marL="0" indent="0">
+              <a:buNone/>
+            </a:pPr>
+            <a:r>
+              <a:rPr lang="en-US" dirty="0"/>
+              <a:t>	- Data Flow Diagram </a:t>
+            </a:r>
+          </a:p>
+          <a:p>
+            <a:r>
+              <a:rPr lang="en-US" dirty="0"/>
+              <a:t>System Design</a:t>
+            </a:r>
+          </a:p>
+          <a:p>
+            <a:r>
+              <a:rPr lang="en-US" dirty="0"/>
+              <a:t>LSB Replacement Algorithm</a:t>
+            </a:r>
+          </a:p>
+          <a:p>
+            <a:r>
+              <a:rPr lang="en-US" dirty="0"/>
+              <a:t>Software Tools Used</a:t>
+            </a:r>
+          </a:p>
+          <a:p>
+            <a:r>
+              <a:rPr lang="en-US" dirty="0"/>
+              <a:t>Testing</a:t>
+            </a:r>
+          </a:p>
+          <a:p>
+            <a:r>
+              <a:rPr lang="en-US" dirty="0"/>
+              <a:t>Conclusion</a:t>
+            </a:r>
+          </a:p>
+          <a:p>
+            <a:r>
+              <a:rPr lang="en-US" dirty="0"/>
+              <a:t>References</a:t>
+            </a:r>
+          </a:p>
+          <a:p>
+            <a:endParaRPr lang="en-US" dirty="0"/>
+          </a:p>
+          <a:p>
+            <a:endParaRPr lang="en-US" dirty="0"/>
+          </a:p>
+          <a:p>
+            <a:endParaRPr lang="en-US" dirty="0"/>
+          </a:p>
+          <a:p>
+            <a:pPr marL="0" indent="0">
+              <a:buNone/>
+            </a:pPr>
+            <a:endParaRPr lang="en-US" dirty="0"/>
+          </a:p>
+          <a:p>
+            <a:endParaRPr lang="en-US" dirty="0"/>
+          </a:p>
+        </p:txBody>
+      </p:sp>
+    </p:spTree>
+    <p:extLst>
+      <p:ext uri="{BB962C8B-B14F-4D97-AF65-F5344CB8AC3E}">
+        <p14:creationId xmlns:p14="http://schemas.microsoft.com/office/powerpoint/2010/main" val="3276829834"/>
+      </p:ext>
+    </p:extLst>
+  </p:cSld>
+  <p:clrMapOvr>
+    <a:masterClrMapping/>
+  </p:clrMapOvr>
+</p:sld>
+</file>
+
+<file path=ppt/slides/slide20.xml><?xml version="1.0" encoding="utf-8"?>
 <p:sld xmlns:a="http://schemas.openxmlformats.org/drawingml/2006/main" xmlns:r="http://schemas.openxmlformats.org/officeDocument/2006/relationships" xmlns:p="http://schemas.openxmlformats.org/presentationml/2006/main">
   <p:cSld>
     <p:spTree>
@@ -10645,159 +11193,7 @@
 </p:sld>
 </file>
 
-<file path=ppt/slides/slide2.xml><?xml version="1.0" encoding="utf-8"?>
-<p:sld xmlns:a="http://schemas.openxmlformats.org/drawingml/2006/main" xmlns:r="http://schemas.openxmlformats.org/officeDocument/2006/relationships" xmlns:p="http://schemas.openxmlformats.org/presentationml/2006/main">
-  <p:cSld>
-    <p:spTree>
-      <p:nvGrpSpPr>
-        <p:cNvPr id="1" name=""/>
-        <p:cNvGrpSpPr/>
-        <p:nvPr/>
-      </p:nvGrpSpPr>
-      <p:grpSpPr>
-        <a:xfrm>
-          <a:off x="0" y="0"/>
-          <a:ext cx="0" cy="0"/>
-          <a:chOff x="0" y="0"/>
-          <a:chExt cx="0" cy="0"/>
-        </a:xfrm>
-      </p:grpSpPr>
-      <p:sp>
-        <p:nvSpPr>
-          <p:cNvPr id="2" name="Title 1">
-            <a:extLst>
-              <a:ext uri="{FF2B5EF4-FFF2-40B4-BE49-F238E27FC236}">
-                <a16:creationId xmlns:a16="http://schemas.microsoft.com/office/drawing/2014/main" id="{5D7CB5DE-78D7-47C7-AE13-B85756A20E9F}"/>
-              </a:ext>
-            </a:extLst>
-          </p:cNvPr>
-          <p:cNvSpPr>
-            <a:spLocks noGrp="1"/>
-          </p:cNvSpPr>
-          <p:nvPr>
-            <p:ph type="title"/>
-          </p:nvPr>
-        </p:nvSpPr>
-        <p:spPr>
-          <a:xfrm>
-            <a:off x="732183" y="563906"/>
-            <a:ext cx="10515600" cy="999849"/>
-          </a:xfrm>
-        </p:spPr>
-        <p:txBody>
-          <a:bodyPr>
-            <a:normAutofit/>
-          </a:bodyPr>
-          <a:lstStyle/>
-          <a:p>
-            <a:r>
-              <a:rPr lang="en-US" sz="4400" dirty="0"/>
-              <a:t>Introduction To Image Steganography</a:t>
-            </a:r>
-          </a:p>
-        </p:txBody>
-      </p:sp>
-      <p:sp>
-        <p:nvSpPr>
-          <p:cNvPr id="3" name="Text Placeholder 2">
-            <a:extLst>
-              <a:ext uri="{FF2B5EF4-FFF2-40B4-BE49-F238E27FC236}">
-                <a16:creationId xmlns:a16="http://schemas.microsoft.com/office/drawing/2014/main" id="{AB3229F3-DD3A-44D1-AABE-EEBFE8C115A4}"/>
-              </a:ext>
-            </a:extLst>
-          </p:cNvPr>
-          <p:cNvSpPr>
-            <a:spLocks noGrp="1"/>
-          </p:cNvSpPr>
-          <p:nvPr>
-            <p:ph type="body" sz="half" idx="2"/>
-          </p:nvPr>
-        </p:nvSpPr>
-        <p:spPr>
-          <a:xfrm>
-            <a:off x="733771" y="1563755"/>
-            <a:ext cx="10514012" cy="4414217"/>
-          </a:xfrm>
-        </p:spPr>
-        <p:txBody>
-          <a:bodyPr>
-            <a:normAutofit/>
-          </a:bodyPr>
-          <a:lstStyle/>
-          <a:p>
-            <a:pPr marL="457200" indent="-457200">
-              <a:buFont typeface="Wingdings" panose="05000000000000000000" pitchFamily="2" charset="2"/>
-              <a:buChar char="q"/>
-            </a:pPr>
-            <a:r>
-              <a:rPr lang="en-US" sz="2800" dirty="0"/>
-              <a:t>Due to advances in ICT, most information is kept electronically. </a:t>
-            </a:r>
-          </a:p>
-          <a:p>
-            <a:pPr marL="457200" indent="-457200">
-              <a:buFont typeface="Wingdings" panose="05000000000000000000" pitchFamily="2" charset="2"/>
-              <a:buChar char="q"/>
-            </a:pPr>
-            <a:r>
-              <a:rPr lang="en-US" sz="2800" dirty="0"/>
-              <a:t>Consequently, the security of information has become a fundamental issue.</a:t>
-            </a:r>
-          </a:p>
-          <a:p>
-            <a:pPr marL="457200" indent="-457200">
-              <a:buFont typeface="Wingdings" panose="05000000000000000000" pitchFamily="2" charset="2"/>
-              <a:buChar char="q"/>
-            </a:pPr>
-            <a:r>
-              <a:rPr lang="en-US" sz="2800" b="1" i="1" dirty="0"/>
-              <a:t>Steganography :</a:t>
-            </a:r>
-            <a:r>
-              <a:rPr lang="en-US" sz="2800" dirty="0"/>
-              <a:t> a technique of hiding information in digital media in such a way that it is insensible to human eyes.</a:t>
-            </a:r>
-          </a:p>
-          <a:p>
-            <a:pPr marL="457200" indent="-457200">
-              <a:buFont typeface="Wingdings" panose="05000000000000000000" pitchFamily="2" charset="2"/>
-              <a:buChar char="q"/>
-            </a:pPr>
-            <a:r>
-              <a:rPr lang="en-US" sz="2800" b="1" i="1" dirty="0"/>
-              <a:t>Cryptography:</a:t>
-            </a:r>
-            <a:r>
-              <a:rPr lang="en-US" sz="2800" dirty="0"/>
-              <a:t> process of converting ordinary plain text into unintelligible text and vice-versa.</a:t>
-            </a:r>
-          </a:p>
-          <a:p>
-            <a:pPr marL="457200" indent="-457200">
-              <a:buFont typeface="Wingdings" panose="05000000000000000000" pitchFamily="2" charset="2"/>
-              <a:buChar char="q"/>
-            </a:pPr>
-            <a:r>
-              <a:rPr lang="en-US" sz="2800" dirty="0"/>
-              <a:t>Together cryptography and steganography can provide a powerful basis for data security by providing double layered security.</a:t>
-            </a:r>
-          </a:p>
-        </p:txBody>
-      </p:sp>
-    </p:spTree>
-    <p:extLst>
-      <p:ext uri="{BB962C8B-B14F-4D97-AF65-F5344CB8AC3E}">
-        <p14:creationId xmlns:p14="http://schemas.microsoft.com/office/powerpoint/2010/main" val="3870725496"/>
-      </p:ext>
-    </p:extLst>
-  </p:cSld>
-  <p:clrMapOvr>
-    <a:masterClrMapping/>
-  </p:clrMapOvr>
-</p:sld>
-</file>
-
-<file path=ppt/slides/slide20.xml><?xml version="1.0" encoding="utf-8"?>
+<file path=ppt/slides/slide21.xml><?xml version="1.0" encoding="utf-8"?>
 <p:sld xmlns:a="http://schemas.openxmlformats.org/drawingml/2006/main" xmlns:r="http://schemas.openxmlformats.org/officeDocument/2006/relationships" xmlns:p="http://schemas.openxmlformats.org/presentationml/2006/main">
   <p:cSld>
     <p:spTree>
@@ -11630,7 +12026,7 @@
 </p:sld>
 </file>
 
-<file path=ppt/slides/slide21.xml><?xml version="1.0" encoding="utf-8"?>
+<file path=ppt/slides/slide22.xml><?xml version="1.0" encoding="utf-8"?>
 <p:sld xmlns:a="http://schemas.openxmlformats.org/drawingml/2006/main" xmlns:r="http://schemas.openxmlformats.org/officeDocument/2006/relationships" xmlns:p="http://schemas.openxmlformats.org/presentationml/2006/main">
   <p:cSld>
     <p:spTree>
@@ -12138,7 +12534,7 @@
 </p:sld>
 </file>
 
-<file path=ppt/slides/slide22.xml><?xml version="1.0" encoding="utf-8"?>
+<file path=ppt/slides/slide23.xml><?xml version="1.0" encoding="utf-8"?>
 <p:sld xmlns:a="http://schemas.openxmlformats.org/drawingml/2006/main" xmlns:r="http://schemas.openxmlformats.org/officeDocument/2006/relationships" xmlns:p="http://schemas.openxmlformats.org/presentationml/2006/main">
   <p:cSld>
     <p:spTree>
@@ -12803,112 +13199,6 @@
 </p:sld>
 </file>
 
-<file path=ppt/slides/slide23.xml><?xml version="1.0" encoding="utf-8"?>
-<p:sld xmlns:a="http://schemas.openxmlformats.org/drawingml/2006/main" xmlns:r="http://schemas.openxmlformats.org/officeDocument/2006/relationships" xmlns:p="http://schemas.openxmlformats.org/presentationml/2006/main">
-  <p:cSld>
-    <p:spTree>
-      <p:nvGrpSpPr>
-        <p:cNvPr id="1" name=""/>
-        <p:cNvGrpSpPr/>
-        <p:nvPr/>
-      </p:nvGrpSpPr>
-      <p:grpSpPr>
-        <a:xfrm>
-          <a:off x="0" y="0"/>
-          <a:ext cx="0" cy="0"/>
-          <a:chOff x="0" y="0"/>
-          <a:chExt cx="0" cy="0"/>
-        </a:xfrm>
-      </p:grpSpPr>
-      <p:sp>
-        <p:nvSpPr>
-          <p:cNvPr id="2" name="Title 1">
-            <a:extLst>
-              <a:ext uri="{FF2B5EF4-FFF2-40B4-BE49-F238E27FC236}">
-                <a16:creationId xmlns:a16="http://schemas.microsoft.com/office/drawing/2014/main" id="{C252DC68-1EE0-45B8-A741-B05598F852D5}"/>
-              </a:ext>
-            </a:extLst>
-          </p:cNvPr>
-          <p:cNvSpPr>
-            <a:spLocks noGrp="1"/>
-          </p:cNvSpPr>
-          <p:nvPr>
-            <p:ph type="title"/>
-          </p:nvPr>
-        </p:nvSpPr>
-        <p:spPr/>
-        <p:txBody>
-          <a:bodyPr>
-            <a:normAutofit/>
-          </a:bodyPr>
-          <a:lstStyle/>
-          <a:p>
-            <a:r>
-              <a:rPr lang="en-US" sz="4400" dirty="0"/>
-              <a:t>System Testing</a:t>
-            </a:r>
-          </a:p>
-        </p:txBody>
-      </p:sp>
-      <p:sp>
-        <p:nvSpPr>
-          <p:cNvPr id="3" name="Content Placeholder 2">
-            <a:extLst>
-              <a:ext uri="{FF2B5EF4-FFF2-40B4-BE49-F238E27FC236}">
-                <a16:creationId xmlns:a16="http://schemas.microsoft.com/office/drawing/2014/main" id="{80B18A90-F4F1-4748-A880-66D1BF1DB5E9}"/>
-              </a:ext>
-            </a:extLst>
-          </p:cNvPr>
-          <p:cNvSpPr>
-            <a:spLocks noGrp="1"/>
-          </p:cNvSpPr>
-          <p:nvPr>
-            <p:ph idx="1"/>
-          </p:nvPr>
-        </p:nvSpPr>
-        <p:spPr/>
-        <p:txBody>
-          <a:bodyPr/>
-          <a:lstStyle/>
-          <a:p>
-            <a:r>
-              <a:rPr lang="en-US" dirty="0"/>
-              <a:t>A cover image file, a key and a message to be hidden were provided as inputs to the system and stego image was successfully generated. </a:t>
-            </a:r>
-          </a:p>
-          <a:p>
-            <a:r>
-              <a:rPr lang="en-US" dirty="0"/>
-              <a:t>Sending the generated stego image file over email was also successfully tested. </a:t>
-            </a:r>
-          </a:p>
-          <a:p>
-            <a:r>
-              <a:rPr lang="en-US" dirty="0"/>
-              <a:t>Stego image was tested for message extraction by choosing the extract and decrypt option in the program.</a:t>
-            </a:r>
-          </a:p>
-          <a:p>
-            <a:r>
-              <a:rPr lang="en-US" dirty="0"/>
-              <a:t>The program was able to extract the hidden message from the stego image in decrypted form. </a:t>
-            </a:r>
-          </a:p>
-        </p:txBody>
-      </p:sp>
-    </p:spTree>
-    <p:extLst>
-      <p:ext uri="{BB962C8B-B14F-4D97-AF65-F5344CB8AC3E}">
-        <p14:creationId xmlns:p14="http://schemas.microsoft.com/office/powerpoint/2010/main" val="363184716"/>
-      </p:ext>
-    </p:extLst>
-  </p:cSld>
-  <p:clrMapOvr>
-    <a:masterClrMapping/>
-  </p:clrMapOvr>
-</p:sld>
-</file>
-
 <file path=ppt/slides/slide24.xml><?xml version="1.0" encoding="utf-8"?>
 <p:sld xmlns:a="http://schemas.openxmlformats.org/drawingml/2006/main" xmlns:r="http://schemas.openxmlformats.org/officeDocument/2006/relationships" xmlns:p="http://schemas.openxmlformats.org/presentationml/2006/main">
   <p:cSld>
@@ -12931,6 +13221,112 @@
           <p:cNvPr id="2" name="Title 1">
             <a:extLst>
               <a:ext uri="{FF2B5EF4-FFF2-40B4-BE49-F238E27FC236}">
+                <a16:creationId xmlns:a16="http://schemas.microsoft.com/office/drawing/2014/main" id="{C252DC68-1EE0-45B8-A741-B05598F852D5}"/>
+              </a:ext>
+            </a:extLst>
+          </p:cNvPr>
+          <p:cNvSpPr>
+            <a:spLocks noGrp="1"/>
+          </p:cNvSpPr>
+          <p:nvPr>
+            <p:ph type="title"/>
+          </p:nvPr>
+        </p:nvSpPr>
+        <p:spPr/>
+        <p:txBody>
+          <a:bodyPr>
+            <a:normAutofit/>
+          </a:bodyPr>
+          <a:lstStyle/>
+          <a:p>
+            <a:r>
+              <a:rPr lang="en-US" sz="4400" dirty="0"/>
+              <a:t>System Testing</a:t>
+            </a:r>
+          </a:p>
+        </p:txBody>
+      </p:sp>
+      <p:sp>
+        <p:nvSpPr>
+          <p:cNvPr id="3" name="Content Placeholder 2">
+            <a:extLst>
+              <a:ext uri="{FF2B5EF4-FFF2-40B4-BE49-F238E27FC236}">
+                <a16:creationId xmlns:a16="http://schemas.microsoft.com/office/drawing/2014/main" id="{80B18A90-F4F1-4748-A880-66D1BF1DB5E9}"/>
+              </a:ext>
+            </a:extLst>
+          </p:cNvPr>
+          <p:cNvSpPr>
+            <a:spLocks noGrp="1"/>
+          </p:cNvSpPr>
+          <p:nvPr>
+            <p:ph idx="1"/>
+          </p:nvPr>
+        </p:nvSpPr>
+        <p:spPr/>
+        <p:txBody>
+          <a:bodyPr/>
+          <a:lstStyle/>
+          <a:p>
+            <a:r>
+              <a:rPr lang="en-US" dirty="0"/>
+              <a:t>A cover image file, a key and a message to be hidden were provided as inputs to the system and stego image was successfully generated. </a:t>
+            </a:r>
+          </a:p>
+          <a:p>
+            <a:r>
+              <a:rPr lang="en-US" dirty="0"/>
+              <a:t>Sending the generated stego image file over email was also successfully tested. </a:t>
+            </a:r>
+          </a:p>
+          <a:p>
+            <a:r>
+              <a:rPr lang="en-US" dirty="0"/>
+              <a:t>Stego image was tested for message extraction by choosing the extract and decrypt option in the program.</a:t>
+            </a:r>
+          </a:p>
+          <a:p>
+            <a:r>
+              <a:rPr lang="en-US" dirty="0"/>
+              <a:t>The program was able to extract the hidden message from the stego image in decrypted form. </a:t>
+            </a:r>
+          </a:p>
+        </p:txBody>
+      </p:sp>
+    </p:spTree>
+    <p:extLst>
+      <p:ext uri="{BB962C8B-B14F-4D97-AF65-F5344CB8AC3E}">
+        <p14:creationId xmlns:p14="http://schemas.microsoft.com/office/powerpoint/2010/main" val="363184716"/>
+      </p:ext>
+    </p:extLst>
+  </p:cSld>
+  <p:clrMapOvr>
+    <a:masterClrMapping/>
+  </p:clrMapOvr>
+</p:sld>
+</file>
+
+<file path=ppt/slides/slide25.xml><?xml version="1.0" encoding="utf-8"?>
+<p:sld xmlns:a="http://schemas.openxmlformats.org/drawingml/2006/main" xmlns:r="http://schemas.openxmlformats.org/officeDocument/2006/relationships" xmlns:p="http://schemas.openxmlformats.org/presentationml/2006/main">
+  <p:cSld>
+    <p:spTree>
+      <p:nvGrpSpPr>
+        <p:cNvPr id="1" name=""/>
+        <p:cNvGrpSpPr/>
+        <p:nvPr/>
+      </p:nvGrpSpPr>
+      <p:grpSpPr>
+        <a:xfrm>
+          <a:off x="0" y="0"/>
+          <a:ext cx="0" cy="0"/>
+          <a:chOff x="0" y="0"/>
+          <a:chExt cx="0" cy="0"/>
+        </a:xfrm>
+      </p:grpSpPr>
+      <p:sp>
+        <p:nvSpPr>
+          <p:cNvPr id="2" name="Title 1">
+            <a:extLst>
+              <a:ext uri="{FF2B5EF4-FFF2-40B4-BE49-F238E27FC236}">
                 <a16:creationId xmlns:a16="http://schemas.microsoft.com/office/drawing/2014/main" id="{F257E20D-D0DA-4E21-9AB6-E3E4FC74BF15}"/>
               </a:ext>
             </a:extLst>
@@ -13023,7 +13419,297 @@
 </p:sld>
 </file>
 
-<file path=ppt/slides/slide25.xml><?xml version="1.0" encoding="utf-8"?>
+<file path=ppt/slides/slide26.xml><?xml version="1.0" encoding="utf-8"?>
+<p:sld xmlns:a="http://schemas.openxmlformats.org/drawingml/2006/main" xmlns:r="http://schemas.openxmlformats.org/officeDocument/2006/relationships" xmlns:p="http://schemas.openxmlformats.org/presentationml/2006/main">
+  <p:cSld>
+    <p:spTree>
+      <p:nvGrpSpPr>
+        <p:cNvPr id="1" name=""/>
+        <p:cNvGrpSpPr/>
+        <p:nvPr/>
+      </p:nvGrpSpPr>
+      <p:grpSpPr>
+        <a:xfrm>
+          <a:off x="0" y="0"/>
+          <a:ext cx="0" cy="0"/>
+          <a:chOff x="0" y="0"/>
+          <a:chExt cx="0" cy="0"/>
+        </a:xfrm>
+      </p:grpSpPr>
+      <p:sp>
+        <p:nvSpPr>
+          <p:cNvPr id="2" name="Title 1">
+            <a:extLst>
+              <a:ext uri="{FF2B5EF4-FFF2-40B4-BE49-F238E27FC236}">
+                <a16:creationId xmlns:a16="http://schemas.microsoft.com/office/drawing/2014/main" id="{1C70EAF9-7E0B-431A-ADCC-87489F967E2F}"/>
+              </a:ext>
+            </a:extLst>
+          </p:cNvPr>
+          <p:cNvSpPr>
+            <a:spLocks noGrp="1"/>
+          </p:cNvSpPr>
+          <p:nvPr>
+            <p:ph type="title"/>
+          </p:nvPr>
+        </p:nvSpPr>
+        <p:spPr/>
+        <p:txBody>
+          <a:bodyPr>
+            <a:normAutofit/>
+          </a:bodyPr>
+          <a:lstStyle/>
+          <a:p>
+            <a:r>
+              <a:rPr lang="en-US" sz="4400" dirty="0"/>
+              <a:t>References</a:t>
+            </a:r>
+          </a:p>
+        </p:txBody>
+      </p:sp>
+      <p:sp>
+        <p:nvSpPr>
+          <p:cNvPr id="3" name="Content Placeholder 2">
+            <a:extLst>
+              <a:ext uri="{FF2B5EF4-FFF2-40B4-BE49-F238E27FC236}">
+                <a16:creationId xmlns:a16="http://schemas.microsoft.com/office/drawing/2014/main" id="{D6C15D5A-881F-44B8-B774-5856FD55CDB5}"/>
+              </a:ext>
+            </a:extLst>
+          </p:cNvPr>
+          <p:cNvSpPr>
+            <a:spLocks noGrp="1"/>
+          </p:cNvSpPr>
+          <p:nvPr>
+            <p:ph idx="1"/>
+          </p:nvPr>
+        </p:nvSpPr>
+        <p:spPr/>
+        <p:txBody>
+          <a:bodyPr>
+            <a:normAutofit fontScale="92500" lnSpcReduction="10000"/>
+          </a:bodyPr>
+          <a:lstStyle/>
+          <a:p>
+            <a:pPr marL="0" indent="0">
+              <a:buNone/>
+            </a:pPr>
+            <a:r>
+              <a:rPr lang="en-US" dirty="0">
+                <a:hlinkClick r:id="rId2" action="ppaction://hlinksldjump"/>
+              </a:rPr>
+              <a:t>[1] </a:t>
+            </a:r>
+            <a:r>
+              <a:rPr lang="en-US" dirty="0"/>
+              <a:t>A. </a:t>
+            </a:r>
+            <a:r>
+              <a:rPr lang="en-US" dirty="0" err="1"/>
+              <a:t>Soni</a:t>
+            </a:r>
+            <a:r>
+              <a:rPr lang="en-US" dirty="0"/>
+              <a:t>, J. Jain and R. Roshan, "Image steganography using discrete fractional Fourier transform," </a:t>
+            </a:r>
+            <a:r>
+              <a:rPr lang="en-US" i="1" dirty="0"/>
+              <a:t>Intelligent Systems and Signal Processing (ISSP), </a:t>
+            </a:r>
+            <a:r>
+              <a:rPr lang="en-US" dirty="0"/>
+              <a:t>2013. </a:t>
+            </a:r>
+          </a:p>
+          <a:p>
+            <a:pPr marL="0" indent="0">
+              <a:buNone/>
+            </a:pPr>
+            <a:r>
+              <a:rPr lang="en-US" dirty="0">
+                <a:hlinkClick r:id="rId2" action="ppaction://hlinksldjump"/>
+              </a:rPr>
+              <a:t>[2] </a:t>
+            </a:r>
+            <a:r>
+              <a:rPr lang="en-US" dirty="0"/>
+              <a:t>S. </a:t>
+            </a:r>
+            <a:r>
+              <a:rPr lang="en-US" dirty="0" err="1"/>
+              <a:t>Sugathan</a:t>
+            </a:r>
+            <a:r>
+              <a:rPr lang="en-US" dirty="0"/>
+              <a:t>, "An Improved LSB Embedding Technique for Image Steganography," in </a:t>
+            </a:r>
+            <a:r>
+              <a:rPr lang="en-US" i="1" dirty="0"/>
+              <a:t>2nd International Conference on Applied and Theoretical Computing and Communication Technology (</a:t>
+            </a:r>
+            <a:r>
+              <a:rPr lang="en-US" i="1" dirty="0" err="1"/>
+              <a:t>iCATccT</a:t>
+            </a:r>
+            <a:r>
+              <a:rPr lang="en-US" i="1" dirty="0"/>
+              <a:t>)</a:t>
+            </a:r>
+            <a:r>
+              <a:rPr lang="en-US" dirty="0"/>
+              <a:t>, 2016.</a:t>
+            </a:r>
+          </a:p>
+          <a:p>
+            <a:pPr marL="0" indent="0">
+              <a:buNone/>
+            </a:pPr>
+            <a:r>
+              <a:rPr lang="en-US" dirty="0">
+                <a:hlinkClick r:id="rId3" action="ppaction://hlinksldjump"/>
+              </a:rPr>
+              <a:t>[3] </a:t>
+            </a:r>
+            <a:r>
+              <a:rPr lang="en-US" dirty="0"/>
+              <a:t>M. R. Garg, "Comparison Of </a:t>
+            </a:r>
+            <a:r>
+              <a:rPr lang="en-US" dirty="0" err="1"/>
+              <a:t>Lsb</a:t>
+            </a:r>
+            <a:r>
+              <a:rPr lang="en-US" dirty="0"/>
+              <a:t> &amp; </a:t>
+            </a:r>
+            <a:r>
+              <a:rPr lang="en-US" dirty="0" err="1"/>
+              <a:t>Msb</a:t>
+            </a:r>
+            <a:r>
+              <a:rPr lang="en-US" dirty="0"/>
+              <a:t> Based Steganography In Gray-Scale Images," </a:t>
+            </a:r>
+            <a:r>
+              <a:rPr lang="en-US" i="1" dirty="0"/>
+              <a:t>International Journal of Engineering Research and Technology (IJERT), </a:t>
+            </a:r>
+            <a:r>
+              <a:rPr lang="en-US" dirty="0"/>
+              <a:t>vol. 1, no. 8, 2012. </a:t>
+            </a:r>
+          </a:p>
+          <a:p>
+            <a:pPr marL="0" indent="0">
+              <a:buNone/>
+            </a:pPr>
+            <a:r>
+              <a:rPr lang="en-US" dirty="0">
+                <a:hlinkClick r:id="rId3" action="ppaction://hlinksldjump"/>
+              </a:rPr>
+              <a:t>[4] </a:t>
+            </a:r>
+            <a:r>
+              <a:rPr lang="en-US" dirty="0"/>
+              <a:t>P. J. N. Dr. Ekta </a:t>
+            </a:r>
+            <a:r>
+              <a:rPr lang="en-US" dirty="0" err="1"/>
+              <a:t>Walia</a:t>
+            </a:r>
+            <a:r>
+              <a:rPr lang="en-US" dirty="0"/>
+              <a:t>, "“An Analysis of LSB &amp; DCT based Steganography," </a:t>
+            </a:r>
+            <a:r>
+              <a:rPr lang="en-US" i="1" dirty="0"/>
+              <a:t>Global Journal of Computer Science and Technology, </a:t>
+            </a:r>
+            <a:r>
+              <a:rPr lang="en-US" dirty="0"/>
+              <a:t>vol. 10, no. 1, 2010. </a:t>
+            </a:r>
+          </a:p>
+        </p:txBody>
+      </p:sp>
+    </p:spTree>
+    <p:extLst>
+      <p:ext uri="{BB962C8B-B14F-4D97-AF65-F5344CB8AC3E}">
+        <p14:creationId xmlns:p14="http://schemas.microsoft.com/office/powerpoint/2010/main" val="5599029"/>
+      </p:ext>
+    </p:extLst>
+  </p:cSld>
+  <p:clrMapOvr>
+    <a:masterClrMapping/>
+  </p:clrMapOvr>
+</p:sld>
+</file>
+
+<file path=ppt/slides/slide27.xml><?xml version="1.0" encoding="utf-8"?>
+<p:sld xmlns:a="http://schemas.openxmlformats.org/drawingml/2006/main" xmlns:r="http://schemas.openxmlformats.org/officeDocument/2006/relationships" xmlns:p="http://schemas.openxmlformats.org/presentationml/2006/main">
+  <p:cSld>
+    <p:spTree>
+      <p:nvGrpSpPr>
+        <p:cNvPr id="1" name=""/>
+        <p:cNvGrpSpPr/>
+        <p:nvPr/>
+      </p:nvGrpSpPr>
+      <p:grpSpPr>
+        <a:xfrm>
+          <a:off x="0" y="0"/>
+          <a:ext cx="0" cy="0"/>
+          <a:chOff x="0" y="0"/>
+          <a:chExt cx="0" cy="0"/>
+        </a:xfrm>
+      </p:grpSpPr>
+      <p:sp>
+        <p:nvSpPr>
+          <p:cNvPr id="2" name="Title 1">
+            <a:extLst>
+              <a:ext uri="{FF2B5EF4-FFF2-40B4-BE49-F238E27FC236}">
+                <a16:creationId xmlns:a16="http://schemas.microsoft.com/office/drawing/2014/main" id="{2E5A5467-1B23-45D6-B3FC-34A659D3E9DE}"/>
+              </a:ext>
+            </a:extLst>
+          </p:cNvPr>
+          <p:cNvSpPr>
+            <a:spLocks noGrp="1"/>
+          </p:cNvSpPr>
+          <p:nvPr>
+            <p:ph type="title"/>
+          </p:nvPr>
+        </p:nvSpPr>
+        <p:spPr>
+          <a:xfrm>
+            <a:off x="838200" y="2766218"/>
+            <a:ext cx="10515600" cy="1325563"/>
+          </a:xfrm>
+        </p:spPr>
+        <p:txBody>
+          <a:bodyPr>
+            <a:normAutofit/>
+          </a:bodyPr>
+          <a:lstStyle/>
+          <a:p>
+            <a:pPr algn="ctr"/>
+            <a:r>
+              <a:rPr lang="en-US" sz="4400" dirty="0"/>
+              <a:t>Demo</a:t>
+            </a:r>
+          </a:p>
+        </p:txBody>
+      </p:sp>
+    </p:spTree>
+    <p:extLst>
+      <p:ext uri="{BB962C8B-B14F-4D97-AF65-F5344CB8AC3E}">
+        <p14:creationId xmlns:p14="http://schemas.microsoft.com/office/powerpoint/2010/main" val="422182635"/>
+      </p:ext>
+    </p:extLst>
+  </p:cSld>
+  <p:clrMapOvr>
+    <a:masterClrMapping/>
+  </p:clrMapOvr>
+</p:sld>
+</file>
+
+<file path=ppt/slides/slide28.xml><?xml version="1.0" encoding="utf-8"?>
 <p:sld xmlns:a="http://schemas.openxmlformats.org/drawingml/2006/main" xmlns:r="http://schemas.openxmlformats.org/officeDocument/2006/relationships" xmlns:p="http://schemas.openxmlformats.org/presentationml/2006/main">
   <p:cSld>
     <p:spTree>
@@ -13110,7 +13796,7 @@
           <p:cNvPr id="2" name="Title 1">
             <a:extLst>
               <a:ext uri="{FF2B5EF4-FFF2-40B4-BE49-F238E27FC236}">
-                <a16:creationId xmlns:a16="http://schemas.microsoft.com/office/drawing/2014/main" id="{5888BCA6-132F-4BD3-853A-268591A277B9}"/>
+                <a16:creationId xmlns:a16="http://schemas.microsoft.com/office/drawing/2014/main" id="{5D7CB5DE-78D7-47C7-AE13-B85756A20E9F}"/>
               </a:ext>
             </a:extLst>
           </p:cNvPr>
@@ -13123,8 +13809,8 @@
         </p:nvSpPr>
         <p:spPr>
           <a:xfrm>
-            <a:off x="835024" y="643869"/>
-            <a:ext cx="10515600" cy="695049"/>
+            <a:off x="732183" y="563906"/>
+            <a:ext cx="10515600" cy="999849"/>
           </a:xfrm>
         </p:spPr>
         <p:txBody>
@@ -13135,7 +13821,7 @@
           <a:p>
             <a:r>
               <a:rPr lang="en-US" sz="4400" dirty="0"/>
-              <a:t>Problem Statement</a:t>
+              <a:t>Introduction To Image Steganography</a:t>
             </a:r>
           </a:p>
         </p:txBody>
@@ -13145,7 +13831,7 @@
           <p:cNvPr id="3" name="Text Placeholder 2">
             <a:extLst>
               <a:ext uri="{FF2B5EF4-FFF2-40B4-BE49-F238E27FC236}">
-                <a16:creationId xmlns:a16="http://schemas.microsoft.com/office/drawing/2014/main" id="{498C5733-B84F-4249-9BE5-28E237851FC6}"/>
+                <a16:creationId xmlns:a16="http://schemas.microsoft.com/office/drawing/2014/main" id="{AB3229F3-DD3A-44D1-AABE-EEBFE8C115A4}"/>
               </a:ext>
             </a:extLst>
           </p:cNvPr>
@@ -13158,8 +13844,8 @@
         </p:nvSpPr>
         <p:spPr>
           <a:xfrm>
-            <a:off x="836612" y="1214299"/>
-            <a:ext cx="10514012" cy="5075582"/>
+            <a:off x="733771" y="1563755"/>
+            <a:ext cx="10514012" cy="4414217"/>
           </a:xfrm>
         </p:spPr>
         <p:txBody>
@@ -13168,43 +13854,69 @@
           </a:bodyPr>
           <a:lstStyle/>
           <a:p>
-            <a:pPr marL="285750" indent="-285750">
+            <a:pPr marL="457200" indent="-457200">
               <a:buFont typeface="Wingdings" panose="05000000000000000000" pitchFamily="2" charset="2"/>
               <a:buChar char="q"/>
             </a:pPr>
             <a:r>
               <a:rPr lang="en-US" sz="2800" dirty="0"/>
-              <a:t>No matter how large or small a company is, there is a need to have a plan to ensure the security of your information assets. </a:t>
-            </a:r>
-          </a:p>
-          <a:p>
-            <a:pPr marL="285750" indent="-285750">
+              <a:t>Due to advances in ICT, most information is kept electronically. </a:t>
+            </a:r>
+          </a:p>
+          <a:p>
+            <a:pPr marL="457200" indent="-457200">
               <a:buFont typeface="Wingdings" panose="05000000000000000000" pitchFamily="2" charset="2"/>
               <a:buChar char="q"/>
             </a:pPr>
             <a:r>
               <a:rPr lang="en-US" sz="2800" dirty="0"/>
-              <a:t>Throughout history Steganography has been used to secretly communicate information between people.</a:t>
-            </a:r>
-          </a:p>
-          <a:p>
-            <a:pPr marL="285750" indent="-285750">
+              <a:t>Consequently, the security of information has become a fundamental issue.</a:t>
+            </a:r>
+          </a:p>
+          <a:p>
+            <a:pPr marL="457200" indent="-457200">
               <a:buFont typeface="Wingdings" panose="05000000000000000000" pitchFamily="2" charset="2"/>
               <a:buChar char="q"/>
             </a:pPr>
             <a:r>
+              <a:rPr lang="en-US" sz="2800" b="1" i="1" dirty="0"/>
+              <a:t>Steganography :</a:t>
+            </a:r>
+            <a:r>
               <a:rPr lang="en-US" sz="2800" dirty="0"/>
-              <a:t>In the past, means of steganography were carried out using traditional methods of pen and paper, using invisible ink, shaving of head, etc.</a:t>
-            </a:r>
-          </a:p>
-          <a:p>
-            <a:pPr marL="285750" indent="-285750">
+              <a:t> a technique of hiding information in digital </a:t>
+            </a:r>
+            <a:r>
+              <a:rPr lang="en-US" sz="2800" dirty="0" err="1"/>
+              <a:t>media,in</a:t>
+            </a:r>
+            <a:r>
+              <a:rPr lang="en-US" sz="2800" dirty="0"/>
+              <a:t> such a way that it is insensible to human eyes.</a:t>
+            </a:r>
+          </a:p>
+          <a:p>
+            <a:pPr marL="457200" indent="-457200">
               <a:buFont typeface="Wingdings" panose="05000000000000000000" pitchFamily="2" charset="2"/>
               <a:buChar char="q"/>
             </a:pPr>
             <a:r>
+              <a:rPr lang="en-US" sz="2800" b="1" i="1" dirty="0"/>
+              <a:t>Cryptography:</a:t>
+            </a:r>
+            <a:r>
               <a:rPr lang="en-US" sz="2800" dirty="0"/>
-              <a:t>Because of growing digitization in every field, the need for security using digital methods is increasing.</a:t>
+              <a:t> process of converting ordinary plain text into unintelligible text and vice-versa.</a:t>
+            </a:r>
+          </a:p>
+          <a:p>
+            <a:pPr marL="457200" indent="-457200">
+              <a:buFont typeface="Wingdings" panose="05000000000000000000" pitchFamily="2" charset="2"/>
+              <a:buChar char="q"/>
+            </a:pPr>
+            <a:r>
+              <a:rPr lang="en-US" sz="2800" dirty="0"/>
+              <a:t>Together cryptography and steganography can provide a powerful basis for data security by providing double layered security.</a:t>
             </a:r>
           </a:p>
         </p:txBody>
@@ -13212,7 +13924,7 @@
     </p:spTree>
     <p:extLst>
       <p:ext uri="{BB962C8B-B14F-4D97-AF65-F5344CB8AC3E}">
-        <p14:creationId xmlns:p14="http://schemas.microsoft.com/office/powerpoint/2010/main" val="3475453549"/>
+        <p14:creationId xmlns:p14="http://schemas.microsoft.com/office/powerpoint/2010/main" val="3870725496"/>
       </p:ext>
     </p:extLst>
   </p:cSld>
@@ -13244,7 +13956,7 @@
           <p:cNvPr id="2" name="Title 1">
             <a:extLst>
               <a:ext uri="{FF2B5EF4-FFF2-40B4-BE49-F238E27FC236}">
-                <a16:creationId xmlns:a16="http://schemas.microsoft.com/office/drawing/2014/main" id="{6BFB71B4-6F05-4275-921F-C10C02FD62A9}"/>
+                <a16:creationId xmlns:a16="http://schemas.microsoft.com/office/drawing/2014/main" id="{5888BCA6-132F-4BD3-853A-268591A277B9}"/>
               </a:ext>
             </a:extLst>
           </p:cNvPr>
@@ -13257,8 +13969,8 @@
         </p:nvSpPr>
         <p:spPr>
           <a:xfrm>
-            <a:off x="946622" y="347183"/>
-            <a:ext cx="10515600" cy="1251640"/>
+            <a:off x="835024" y="643869"/>
+            <a:ext cx="10515600" cy="695049"/>
           </a:xfrm>
         </p:spPr>
         <p:txBody>
@@ -13269,9 +13981,8 @@
           <a:p>
             <a:r>
               <a:rPr lang="en-US" sz="4400" dirty="0"/>
-              <a:t>Objectives</a:t>
-            </a:r>
-            <a:endParaRPr lang="en-US" sz="5400" dirty="0"/>
+              <a:t>Problem Statement</a:t>
+            </a:r>
           </a:p>
         </p:txBody>
       </p:sp>
@@ -13280,7 +13991,7 @@
           <p:cNvPr id="3" name="Text Placeholder 2">
             <a:extLst>
               <a:ext uri="{FF2B5EF4-FFF2-40B4-BE49-F238E27FC236}">
-                <a16:creationId xmlns:a16="http://schemas.microsoft.com/office/drawing/2014/main" id="{CD013E19-3B24-4120-8B77-28DC0D0CAB84}"/>
+                <a16:creationId xmlns:a16="http://schemas.microsoft.com/office/drawing/2014/main" id="{498C5733-B84F-4249-9BE5-28E237851FC6}"/>
               </a:ext>
             </a:extLst>
           </p:cNvPr>
@@ -13293,8 +14004,8 @@
         </p:nvSpPr>
         <p:spPr>
           <a:xfrm>
-            <a:off x="838994" y="1785956"/>
-            <a:ext cx="10514012" cy="1501826"/>
+            <a:off x="836612" y="1214299"/>
+            <a:ext cx="10514012" cy="5075582"/>
           </a:xfrm>
         </p:spPr>
         <p:txBody>
@@ -13303,23 +14014,43 @@
           </a:bodyPr>
           <a:lstStyle/>
           <a:p>
-            <a:pPr marL="285750" lvl="0" indent="-285750">
-              <a:buFont typeface="Wingdings" panose="05000000000000000000" pitchFamily="2" charset="2"/>
-              <a:buChar char="q"/>
-            </a:pPr>
-            <a:r>
-              <a:rPr lang="en-US" sz="2800" dirty="0"/>
-              <a:t>To produce security tool based on steganography and cryptography techniques combined.</a:t>
-            </a:r>
-          </a:p>
-          <a:p>
             <a:pPr marL="285750" indent="-285750">
               <a:buFont typeface="Wingdings" panose="05000000000000000000" pitchFamily="2" charset="2"/>
               <a:buChar char="q"/>
             </a:pPr>
             <a:r>
               <a:rPr lang="en-US" sz="2800" dirty="0"/>
-              <a:t>To avoid drawing suspicion to the existence of a hidden message. </a:t>
+              <a:t>No matter how large or small a company is, there is a need to have a plan to ensure the security of your information assets. </a:t>
+            </a:r>
+          </a:p>
+          <a:p>
+            <a:pPr marL="285750" indent="-285750">
+              <a:buFont typeface="Wingdings" panose="05000000000000000000" pitchFamily="2" charset="2"/>
+              <a:buChar char="q"/>
+            </a:pPr>
+            <a:r>
+              <a:rPr lang="en-US" sz="2800" dirty="0"/>
+              <a:t>Throughout history Steganography has been used to secretly communicate information between people.</a:t>
+            </a:r>
+          </a:p>
+          <a:p>
+            <a:pPr marL="285750" indent="-285750">
+              <a:buFont typeface="Wingdings" panose="05000000000000000000" pitchFamily="2" charset="2"/>
+              <a:buChar char="q"/>
+            </a:pPr>
+            <a:r>
+              <a:rPr lang="en-US" sz="2800" dirty="0"/>
+              <a:t>In the past, means of steganography were carried out using traditional methods of pen and paper, using invisible ink, shaving of head, etc.</a:t>
+            </a:r>
+          </a:p>
+          <a:p>
+            <a:pPr marL="285750" indent="-285750">
+              <a:buFont typeface="Wingdings" panose="05000000000000000000" pitchFamily="2" charset="2"/>
+              <a:buChar char="q"/>
+            </a:pPr>
+            <a:r>
+              <a:rPr lang="en-US" sz="2800" dirty="0"/>
+              <a:t>Because of growing digitization in every field, the need for security using digital methods is increasing.</a:t>
             </a:r>
           </a:p>
         </p:txBody>
@@ -13327,7 +14058,7 @@
     </p:spTree>
     <p:extLst>
       <p:ext uri="{BB962C8B-B14F-4D97-AF65-F5344CB8AC3E}">
-        <p14:creationId xmlns:p14="http://schemas.microsoft.com/office/powerpoint/2010/main" val="3053243310"/>
+        <p14:creationId xmlns:p14="http://schemas.microsoft.com/office/powerpoint/2010/main" val="3475453549"/>
       </p:ext>
     </p:extLst>
   </p:cSld>
@@ -13359,7 +14090,7 @@
           <p:cNvPr id="2" name="Title 1">
             <a:extLst>
               <a:ext uri="{FF2B5EF4-FFF2-40B4-BE49-F238E27FC236}">
-                <a16:creationId xmlns:a16="http://schemas.microsoft.com/office/drawing/2014/main" id="{C51163F6-B5EB-4453-8E99-A6D697DC4D1B}"/>
+                <a16:creationId xmlns:a16="http://schemas.microsoft.com/office/drawing/2014/main" id="{6BFB71B4-6F05-4275-921F-C10C02FD62A9}"/>
               </a:ext>
             </a:extLst>
           </p:cNvPr>
@@ -13372,8 +14103,8 @@
         </p:nvSpPr>
         <p:spPr>
           <a:xfrm>
-            <a:off x="838200" y="472868"/>
-            <a:ext cx="10515600" cy="787814"/>
+            <a:off x="946622" y="347183"/>
+            <a:ext cx="10515600" cy="1251640"/>
           </a:xfrm>
         </p:spPr>
         <p:txBody>
@@ -13384,7 +14115,7 @@
           <a:p>
             <a:r>
               <a:rPr lang="en-US" sz="4400" dirty="0"/>
-              <a:t>Scope</a:t>
+              <a:t>Objectives</a:t>
             </a:r>
             <a:endParaRPr lang="en-US" sz="5400" dirty="0"/>
           </a:p>
@@ -13395,7 +14126,7 @@
           <p:cNvPr id="3" name="Text Placeholder 2">
             <a:extLst>
               <a:ext uri="{FF2B5EF4-FFF2-40B4-BE49-F238E27FC236}">
-                <a16:creationId xmlns:a16="http://schemas.microsoft.com/office/drawing/2014/main" id="{FD75CF19-E082-4290-95E9-2CD6686B31B7}"/>
+                <a16:creationId xmlns:a16="http://schemas.microsoft.com/office/drawing/2014/main" id="{CD013E19-3B24-4120-8B77-28DC0D0CAB84}"/>
               </a:ext>
             </a:extLst>
           </p:cNvPr>
@@ -13408,8 +14139,8 @@
         </p:nvSpPr>
         <p:spPr>
           <a:xfrm>
-            <a:off x="839788" y="1245704"/>
-            <a:ext cx="10514012" cy="4745521"/>
+            <a:off x="838994" y="1785956"/>
+            <a:ext cx="10514012" cy="1501826"/>
           </a:xfrm>
         </p:spPr>
         <p:txBody>
@@ -13418,43 +14149,23 @@
           </a:bodyPr>
           <a:lstStyle/>
           <a:p>
+            <a:pPr marL="285750" lvl="0" indent="-285750">
+              <a:buFont typeface="Wingdings" panose="05000000000000000000" pitchFamily="2" charset="2"/>
+              <a:buChar char="q"/>
+            </a:pPr>
+            <a:r>
+              <a:rPr lang="en-US" sz="2800" dirty="0"/>
+              <a:t>To produce security tool based on steganography and cryptography techniques combined.</a:t>
+            </a:r>
+          </a:p>
+          <a:p>
             <a:pPr marL="285750" indent="-285750">
               <a:buFont typeface="Wingdings" panose="05000000000000000000" pitchFamily="2" charset="2"/>
               <a:buChar char="q"/>
             </a:pPr>
             <a:r>
               <a:rPr lang="en-US" sz="2800" dirty="0"/>
-              <a:t>The scope of this project is to limit unauthorized access and provide better security during message transmission.</a:t>
-            </a:r>
-          </a:p>
-          <a:p>
-            <a:pPr marL="285750" indent="-285750">
-              <a:buFont typeface="Wingdings" panose="05000000000000000000" pitchFamily="2" charset="2"/>
-              <a:buChar char="q"/>
-            </a:pPr>
-            <a:r>
-              <a:rPr lang="en-US" sz="2800" dirty="0"/>
-              <a:t>To meet the requirements, simple and basic- LSB approach of steganography has been used.</a:t>
-            </a:r>
-          </a:p>
-          <a:p>
-            <a:pPr marL="285750" indent="-285750">
-              <a:buFont typeface="Wingdings" panose="05000000000000000000" pitchFamily="2" charset="2"/>
-              <a:buChar char="q"/>
-            </a:pPr>
-            <a:r>
-              <a:rPr lang="en-US" sz="2800" dirty="0"/>
-              <a:t>In this project, the proposed approach will be able to embed data(message) in an image using steganography for sending over the network.</a:t>
-            </a:r>
-          </a:p>
-          <a:p>
-            <a:pPr marL="285750" indent="-285750">
-              <a:buFont typeface="Wingdings" panose="05000000000000000000" pitchFamily="2" charset="2"/>
-              <a:buChar char="q"/>
-            </a:pPr>
-            <a:r>
-              <a:rPr lang="en-US" sz="2800" dirty="0"/>
-              <a:t>The system will also provide the feature for extracting the hidden data from the corresponding stego image file.</a:t>
+              <a:t>To avoid drawing suspicion to the existence of a hidden message. </a:t>
             </a:r>
           </a:p>
         </p:txBody>
@@ -13462,7 +14173,7 @@
     </p:spTree>
     <p:extLst>
       <p:ext uri="{BB962C8B-B14F-4D97-AF65-F5344CB8AC3E}">
-        <p14:creationId xmlns:p14="http://schemas.microsoft.com/office/powerpoint/2010/main" val="44331517"/>
+        <p14:creationId xmlns:p14="http://schemas.microsoft.com/office/powerpoint/2010/main" val="3053243310"/>
       </p:ext>
     </p:extLst>
   </p:cSld>
@@ -13494,7 +14205,7 @@
           <p:cNvPr id="2" name="Title 1">
             <a:extLst>
               <a:ext uri="{FF2B5EF4-FFF2-40B4-BE49-F238E27FC236}">
-                <a16:creationId xmlns:a16="http://schemas.microsoft.com/office/drawing/2014/main" id="{13345A63-1067-46C8-80A8-10D05BFB95A8}"/>
+                <a16:creationId xmlns:a16="http://schemas.microsoft.com/office/drawing/2014/main" id="{C51163F6-B5EB-4453-8E99-A6D697DC4D1B}"/>
               </a:ext>
             </a:extLst>
           </p:cNvPr>
@@ -13507,8 +14218,8 @@
         </p:nvSpPr>
         <p:spPr>
           <a:xfrm>
-            <a:off x="838994" y="502214"/>
-            <a:ext cx="10515600" cy="774562"/>
+            <a:off x="838200" y="472868"/>
+            <a:ext cx="10515600" cy="787814"/>
           </a:xfrm>
         </p:spPr>
         <p:txBody>
@@ -13519,7 +14230,7 @@
           <a:p>
             <a:r>
               <a:rPr lang="en-US" sz="4400" dirty="0"/>
-              <a:t>Limitations</a:t>
+              <a:t>Scope</a:t>
             </a:r>
             <a:endParaRPr lang="en-US" sz="5400" dirty="0"/>
           </a:p>
@@ -13530,7 +14241,7 @@
           <p:cNvPr id="3" name="Text Placeholder 2">
             <a:extLst>
               <a:ext uri="{FF2B5EF4-FFF2-40B4-BE49-F238E27FC236}">
-                <a16:creationId xmlns:a16="http://schemas.microsoft.com/office/drawing/2014/main" id="{80C68E0F-AF2A-4596-8D42-CACA88A89AC7}"/>
+                <a16:creationId xmlns:a16="http://schemas.microsoft.com/office/drawing/2014/main" id="{FD75CF19-E082-4290-95E9-2CD6686B31B7}"/>
               </a:ext>
             </a:extLst>
           </p:cNvPr>
@@ -13543,8 +14254,8 @@
         </p:nvSpPr>
         <p:spPr>
           <a:xfrm>
-            <a:off x="838994" y="1276776"/>
-            <a:ext cx="10514012" cy="3054380"/>
+            <a:off x="839788" y="1245704"/>
+            <a:ext cx="10514012" cy="4745521"/>
           </a:xfrm>
         </p:spPr>
         <p:txBody>
@@ -13553,35 +14264,51 @@
           </a:bodyPr>
           <a:lstStyle/>
           <a:p>
-            <a:pPr marL="457200" indent="-457200">
+            <a:pPr marL="285750" indent="-285750">
               <a:buFont typeface="Wingdings" panose="05000000000000000000" pitchFamily="2" charset="2"/>
               <a:buChar char="q"/>
             </a:pPr>
             <a:r>
               <a:rPr lang="en-US" sz="2800" dirty="0"/>
-              <a:t>While this project will provide a way to hide text data into a cover image file, it will be limited only to data of the mentioned types i.e., text data onto image data.</a:t>
-            </a:r>
-          </a:p>
-          <a:p>
-            <a:pPr marL="457200" indent="-457200">
+              <a:t>The scope of this project is to limit unauthorized access and provide better security during message transmission.</a:t>
+            </a:r>
+          </a:p>
+          <a:p>
+            <a:pPr marL="285750" indent="-285750">
               <a:buFont typeface="Wingdings" panose="05000000000000000000" pitchFamily="2" charset="2"/>
               <a:buChar char="q"/>
             </a:pPr>
-            <a:endParaRPr lang="en-US" sz="2800" dirty="0"/>
-          </a:p>
-          <a:p>
-            <a:pPr marL="457200" indent="-457200">
+            <a:r>
+              <a:rPr lang="en-US" sz="2800" dirty="0"/>
+              <a:t>To meet the requirements, simple and basic- LSB approach of steganography has been used.</a:t>
+            </a:r>
+          </a:p>
+          <a:p>
+            <a:pPr marL="285750" indent="-285750">
               <a:buFont typeface="Wingdings" panose="05000000000000000000" pitchFamily="2" charset="2"/>
               <a:buChar char="q"/>
             </a:pPr>
-            <a:endParaRPr lang="en-US" sz="2800" dirty="0"/>
+            <a:r>
+              <a:rPr lang="en-US" sz="2800" dirty="0"/>
+              <a:t>In this project, the proposed approach will be able to embed data(message) in an image using steganography for sending over the network.</a:t>
+            </a:r>
+          </a:p>
+          <a:p>
+            <a:pPr marL="285750" indent="-285750">
+              <a:buFont typeface="Wingdings" panose="05000000000000000000" pitchFamily="2" charset="2"/>
+              <a:buChar char="q"/>
+            </a:pPr>
+            <a:r>
+              <a:rPr lang="en-US" sz="2800" dirty="0"/>
+              <a:t>The system will also provide the feature for extracting the hidden data from the corresponding stego image file.</a:t>
+            </a:r>
           </a:p>
         </p:txBody>
       </p:sp>
     </p:spTree>
     <p:extLst>
       <p:ext uri="{BB962C8B-B14F-4D97-AF65-F5344CB8AC3E}">
-        <p14:creationId xmlns:p14="http://schemas.microsoft.com/office/powerpoint/2010/main" val="39215777"/>
+        <p14:creationId xmlns:p14="http://schemas.microsoft.com/office/powerpoint/2010/main" val="44331517"/>
       </p:ext>
     </p:extLst>
   </p:cSld>
@@ -13610,6 +14337,125 @@
       </p:grpSpPr>
       <p:sp>
         <p:nvSpPr>
+          <p:cNvPr id="2" name="Title 1">
+            <a:extLst>
+              <a:ext uri="{FF2B5EF4-FFF2-40B4-BE49-F238E27FC236}">
+                <a16:creationId xmlns:a16="http://schemas.microsoft.com/office/drawing/2014/main" id="{13345A63-1067-46C8-80A8-10D05BFB95A8}"/>
+              </a:ext>
+            </a:extLst>
+          </p:cNvPr>
+          <p:cNvSpPr>
+            <a:spLocks noGrp="1"/>
+          </p:cNvSpPr>
+          <p:nvPr>
+            <p:ph type="title"/>
+          </p:nvPr>
+        </p:nvSpPr>
+        <p:spPr>
+          <a:xfrm>
+            <a:off x="838994" y="502214"/>
+            <a:ext cx="10515600" cy="774562"/>
+          </a:xfrm>
+        </p:spPr>
+        <p:txBody>
+          <a:bodyPr>
+            <a:normAutofit/>
+          </a:bodyPr>
+          <a:lstStyle/>
+          <a:p>
+            <a:r>
+              <a:rPr lang="en-US" sz="4400" dirty="0"/>
+              <a:t>Limitations</a:t>
+            </a:r>
+            <a:endParaRPr lang="en-US" sz="5400" dirty="0"/>
+          </a:p>
+        </p:txBody>
+      </p:sp>
+      <p:sp>
+        <p:nvSpPr>
+          <p:cNvPr id="3" name="Text Placeholder 2">
+            <a:extLst>
+              <a:ext uri="{FF2B5EF4-FFF2-40B4-BE49-F238E27FC236}">
+                <a16:creationId xmlns:a16="http://schemas.microsoft.com/office/drawing/2014/main" id="{80C68E0F-AF2A-4596-8D42-CACA88A89AC7}"/>
+              </a:ext>
+            </a:extLst>
+          </p:cNvPr>
+          <p:cNvSpPr>
+            <a:spLocks noGrp="1"/>
+          </p:cNvSpPr>
+          <p:nvPr>
+            <p:ph type="body" sz="half" idx="2"/>
+          </p:nvPr>
+        </p:nvSpPr>
+        <p:spPr>
+          <a:xfrm>
+            <a:off x="838994" y="1276776"/>
+            <a:ext cx="10514012" cy="3054380"/>
+          </a:xfrm>
+        </p:spPr>
+        <p:txBody>
+          <a:bodyPr>
+            <a:normAutofit/>
+          </a:bodyPr>
+          <a:lstStyle/>
+          <a:p>
+            <a:pPr marL="457200" indent="-457200">
+              <a:buFont typeface="Wingdings" panose="05000000000000000000" pitchFamily="2" charset="2"/>
+              <a:buChar char="q"/>
+            </a:pPr>
+            <a:r>
+              <a:rPr lang="en-US" sz="2800" dirty="0"/>
+              <a:t>While this project will provide a way to hide text data into a cover image file, it will be limited only to data of the mentioned types i.e., text data onto image data.</a:t>
+            </a:r>
+          </a:p>
+          <a:p>
+            <a:pPr marL="457200" indent="-457200">
+              <a:buFont typeface="Wingdings" panose="05000000000000000000" pitchFamily="2" charset="2"/>
+              <a:buChar char="q"/>
+            </a:pPr>
+            <a:endParaRPr lang="en-US" sz="2800" dirty="0"/>
+          </a:p>
+          <a:p>
+            <a:pPr marL="457200" indent="-457200">
+              <a:buFont typeface="Wingdings" panose="05000000000000000000" pitchFamily="2" charset="2"/>
+              <a:buChar char="q"/>
+            </a:pPr>
+            <a:endParaRPr lang="en-US" sz="2800" dirty="0"/>
+          </a:p>
+        </p:txBody>
+      </p:sp>
+    </p:spTree>
+    <p:extLst>
+      <p:ext uri="{BB962C8B-B14F-4D97-AF65-F5344CB8AC3E}">
+        <p14:creationId xmlns:p14="http://schemas.microsoft.com/office/powerpoint/2010/main" val="39215777"/>
+      </p:ext>
+    </p:extLst>
+  </p:cSld>
+  <p:clrMapOvr>
+    <a:masterClrMapping/>
+  </p:clrMapOvr>
+</p:sld>
+</file>
+
+<file path=ppt/slides/slide8.xml><?xml version="1.0" encoding="utf-8"?>
+<p:sld xmlns:a="http://schemas.openxmlformats.org/drawingml/2006/main" xmlns:r="http://schemas.openxmlformats.org/officeDocument/2006/relationships" xmlns:p="http://schemas.openxmlformats.org/presentationml/2006/main">
+  <p:cSld>
+    <p:spTree>
+      <p:nvGrpSpPr>
+        <p:cNvPr id="1" name=""/>
+        <p:cNvGrpSpPr/>
+        <p:nvPr/>
+      </p:nvGrpSpPr>
+      <p:grpSpPr>
+        <a:xfrm>
+          <a:off x="0" y="0"/>
+          <a:ext cx="0" cy="0"/>
+          <a:chOff x="0" y="0"/>
+          <a:chExt cx="0" cy="0"/>
+        </a:xfrm>
+      </p:grpSpPr>
+      <p:sp>
+        <p:nvSpPr>
           <p:cNvPr id="4" name="Title 3">
             <a:extLst>
               <a:ext uri="{FF2B5EF4-FFF2-40B4-BE49-F238E27FC236}">
@@ -13657,8 +14503,8 @@
         </p:nvSpPr>
         <p:spPr>
           <a:xfrm>
-            <a:off x="374552" y="1269048"/>
-            <a:ext cx="11442895" cy="5170646"/>
+            <a:off x="374552" y="1153552"/>
+            <a:ext cx="11442895" cy="5539978"/>
           </a:xfrm>
           <a:prstGeom prst="rect">
             <a:avLst/>
@@ -13692,7 +14538,17 @@
             </a:r>
             <a:r>
               <a:rPr lang="en-US" sz="2400" dirty="0"/>
-              <a:t> meaning writing.</a:t>
+              <a:t> meaning writing</a:t>
+            </a:r>
+            <a:r>
+              <a:rPr lang="en-US" sz="2400" dirty="0">
+                <a:hlinkClick r:id="rId2" action="ppaction://hlinksldjump"/>
+              </a:rPr>
+              <a:t>[1]</a:t>
+            </a:r>
+            <a:r>
+              <a:rPr lang="en-US" sz="2400" dirty="0"/>
+              <a:t>.</a:t>
             </a:r>
           </a:p>
           <a:p>
@@ -13732,7 +14588,17 @@
             </a:pPr>
             <a:r>
               <a:rPr lang="en-US" sz="2400" dirty="0"/>
-              <a:t>In the case of digital images, the alteration is done only at the least significant bits of the original image so as to reduce the effect of degradation of the original image.</a:t>
+              <a:t>In the case of digital images, the alteration is done only at the least significant bits of the original image, so that the perceptibility of the original image is not much affected </a:t>
+            </a:r>
+            <a:r>
+              <a:rPr lang="en-US" sz="2400" dirty="0">
+                <a:hlinkClick r:id="rId2" action="ppaction://hlinksldjump"/>
+              </a:rPr>
+              <a:t>[2]</a:t>
+            </a:r>
+            <a:r>
+              <a:rPr lang="en-US" sz="2400" dirty="0"/>
+              <a:t>.</a:t>
             </a:r>
           </a:p>
           <a:p>
@@ -13767,7 +14633,7 @@
 </p:sld>
 </file>
 
-<file path=ppt/slides/slide8.xml><?xml version="1.0" encoding="utf-8"?>
+<file path=ppt/slides/slide9.xml><?xml version="1.0" encoding="utf-8"?>
 <p:sld xmlns:a="http://schemas.openxmlformats.org/drawingml/2006/main" xmlns:r="http://schemas.openxmlformats.org/officeDocument/2006/relationships" xmlns:p="http://schemas.openxmlformats.org/presentationml/2006/main">
   <p:cSld>
     <p:spTree>
@@ -13859,107 +14725,6 @@
     <p:extLst>
       <p:ext uri="{BB962C8B-B14F-4D97-AF65-F5344CB8AC3E}">
         <p14:creationId xmlns:p14="http://schemas.microsoft.com/office/powerpoint/2010/main" val="1406242936"/>
-      </p:ext>
-    </p:extLst>
-  </p:cSld>
-  <p:clrMapOvr>
-    <a:masterClrMapping/>
-  </p:clrMapOvr>
-</p:sld>
-</file>
-
-<file path=ppt/slides/slide9.xml><?xml version="1.0" encoding="utf-8"?>
-<p:sld xmlns:a="http://schemas.openxmlformats.org/drawingml/2006/main" xmlns:r="http://schemas.openxmlformats.org/officeDocument/2006/relationships" xmlns:p="http://schemas.openxmlformats.org/presentationml/2006/main">
-  <p:cSld>
-    <p:spTree>
-      <p:nvGrpSpPr>
-        <p:cNvPr id="1" name=""/>
-        <p:cNvGrpSpPr/>
-        <p:nvPr/>
-      </p:nvGrpSpPr>
-      <p:grpSpPr>
-        <a:xfrm>
-          <a:off x="0" y="0"/>
-          <a:ext cx="0" cy="0"/>
-          <a:chOff x="0" y="0"/>
-          <a:chExt cx="0" cy="0"/>
-        </a:xfrm>
-      </p:grpSpPr>
-      <p:sp>
-        <p:nvSpPr>
-          <p:cNvPr id="2" name="Title 1">
-            <a:extLst>
-              <a:ext uri="{FF2B5EF4-FFF2-40B4-BE49-F238E27FC236}">
-                <a16:creationId xmlns:a16="http://schemas.microsoft.com/office/drawing/2014/main" id="{01C626A4-D2AE-4955-959A-AD3CC41B7430}"/>
-              </a:ext>
-            </a:extLst>
-          </p:cNvPr>
-          <p:cNvSpPr>
-            <a:spLocks noGrp="1"/>
-          </p:cNvSpPr>
-          <p:nvPr>
-            <p:ph type="title"/>
-          </p:nvPr>
-        </p:nvSpPr>
-        <p:spPr>
-          <a:xfrm>
-            <a:off x="760275" y="497647"/>
-            <a:ext cx="4135282" cy="973345"/>
-          </a:xfrm>
-        </p:spPr>
-        <p:txBody>
-          <a:bodyPr>
-            <a:noAutofit/>
-          </a:bodyPr>
-          <a:lstStyle/>
-          <a:p>
-            <a:r>
-              <a:rPr lang="en-US" sz="4400" dirty="0"/>
-              <a:t>Level-0 DFD:</a:t>
-            </a:r>
-          </a:p>
-        </p:txBody>
-      </p:sp>
-      <p:pic>
-        <p:nvPicPr>
-          <p:cNvPr id="5" name="Picture 4">
-            <a:extLst>
-              <a:ext uri="{FF2B5EF4-FFF2-40B4-BE49-F238E27FC236}">
-                <a16:creationId xmlns:a16="http://schemas.microsoft.com/office/drawing/2014/main" id="{82A078FE-06AF-48E4-AA05-04A5379CE411}"/>
-              </a:ext>
-            </a:extLst>
-          </p:cNvPr>
-          <p:cNvPicPr>
-            <a:picLocks noChangeAspect="1"/>
-          </p:cNvPicPr>
-          <p:nvPr/>
-        </p:nvPicPr>
-        <p:blipFill>
-          <a:blip r:embed="rId3">
-            <a:extLst>
-              <a:ext uri="{28A0092B-C50C-407E-A947-70E740481C1C}">
-                <a14:useLocalDpi xmlns:a14="http://schemas.microsoft.com/office/drawing/2010/main" val="0"/>
-              </a:ext>
-            </a:extLst>
-          </a:blip>
-          <a:stretch>
-            <a:fillRect/>
-          </a:stretch>
-        </p:blipFill>
-        <p:spPr>
-          <a:xfrm>
-            <a:off x="2069342" y="2413524"/>
-            <a:ext cx="8352450" cy="2355423"/>
-          </a:xfrm>
-          <a:prstGeom prst="rect">
-            <a:avLst/>
-          </a:prstGeom>
-        </p:spPr>
-      </p:pic>
-    </p:spTree>
-    <p:extLst>
-      <p:ext uri="{BB962C8B-B14F-4D97-AF65-F5344CB8AC3E}">
-        <p14:creationId xmlns:p14="http://schemas.microsoft.com/office/powerpoint/2010/main" val="2483203595"/>
       </p:ext>
     </p:extLst>
   </p:cSld>
